--- a/群体行为分析综述.pptx
+++ b/群体行为分析综述.pptx
@@ -5,7 +5,7 @@
     <p:sldMasterId id="2147483660" r:id="rId1"/>
   </p:sldMasterIdLst>
   <p:notesMasterIdLst>
-    <p:notesMasterId r:id="rId20"/>
+    <p:notesMasterId r:id="rId30"/>
   </p:notesMasterIdLst>
   <p:sldIdLst>
     <p:sldId id="256" r:id="rId2"/>
@@ -15,17 +15,27 @@
     <p:sldId id="257" r:id="rId6"/>
     <p:sldId id="258" r:id="rId7"/>
     <p:sldId id="259" r:id="rId8"/>
-    <p:sldId id="260" r:id="rId9"/>
+    <p:sldId id="274" r:id="rId9"/>
     <p:sldId id="261" r:id="rId10"/>
-    <p:sldId id="262" r:id="rId11"/>
-    <p:sldId id="263" r:id="rId12"/>
-    <p:sldId id="264" r:id="rId13"/>
-    <p:sldId id="265" r:id="rId14"/>
-    <p:sldId id="266" r:id="rId15"/>
-    <p:sldId id="267" r:id="rId16"/>
-    <p:sldId id="268" r:id="rId17"/>
-    <p:sldId id="269" r:id="rId18"/>
-    <p:sldId id="270" r:id="rId19"/>
+    <p:sldId id="275" r:id="rId11"/>
+    <p:sldId id="262" r:id="rId12"/>
+    <p:sldId id="276" r:id="rId13"/>
+    <p:sldId id="277" r:id="rId14"/>
+    <p:sldId id="278" r:id="rId15"/>
+    <p:sldId id="279" r:id="rId16"/>
+    <p:sldId id="280" r:id="rId17"/>
+    <p:sldId id="263" r:id="rId18"/>
+    <p:sldId id="264" r:id="rId19"/>
+    <p:sldId id="281" r:id="rId20"/>
+    <p:sldId id="282" r:id="rId21"/>
+    <p:sldId id="283" r:id="rId22"/>
+    <p:sldId id="284" r:id="rId23"/>
+    <p:sldId id="267" r:id="rId24"/>
+    <p:sldId id="265" r:id="rId25"/>
+    <p:sldId id="268" r:id="rId26"/>
+    <p:sldId id="269" r:id="rId27"/>
+    <p:sldId id="270" r:id="rId28"/>
+    <p:sldId id="285" r:id="rId29"/>
   </p:sldIdLst>
   <p:sldSz cx="9144000" cy="6858000" type="screen4x3"/>
   <p:notesSz cx="6858000" cy="9144000"/>
@@ -594,6 +604,654 @@
 </p:notes>
 </file>
 
+<file path=ppt/notesSlides/notesSlide10.xml><?xml version="1.0" encoding="utf-8"?>
+<p:notes xmlns:a="http://schemas.openxmlformats.org/drawingml/2006/main" xmlns:r="http://schemas.openxmlformats.org/officeDocument/2006/relationships" xmlns:p="http://schemas.openxmlformats.org/presentationml/2006/main">
+  <p:cSld>
+    <p:spTree>
+      <p:nvGrpSpPr>
+        <p:cNvPr id="1" name=""/>
+        <p:cNvGrpSpPr/>
+        <p:nvPr/>
+      </p:nvGrpSpPr>
+      <p:grpSpPr>
+        <a:xfrm>
+          <a:off x="0" y="0"/>
+          <a:ext cx="0" cy="0"/>
+          <a:chOff x="0" y="0"/>
+          <a:chExt cx="0" cy="0"/>
+        </a:xfrm>
+      </p:grpSpPr>
+      <p:sp>
+        <p:nvSpPr>
+          <p:cNvPr id="2" name="幻灯片图像占位符 1"/>
+          <p:cNvSpPr>
+            <a:spLocks noGrp="1" noRot="1" noChangeAspect="1"/>
+          </p:cNvSpPr>
+          <p:nvPr>
+            <p:ph type="sldImg"/>
+          </p:nvPr>
+        </p:nvSpPr>
+        <p:spPr/>
+      </p:sp>
+      <p:sp>
+        <p:nvSpPr>
+          <p:cNvPr id="3" name="备注占位符 2"/>
+          <p:cNvSpPr>
+            <a:spLocks noGrp="1"/>
+          </p:cNvSpPr>
+          <p:nvPr>
+            <p:ph type="body" idx="1"/>
+          </p:nvPr>
+        </p:nvSpPr>
+        <p:spPr/>
+        <p:txBody>
+          <a:bodyPr/>
+          <a:lstStyle/>
+          <a:p>
+            <a:r>
+              <a:rPr lang="zh-CN" altLang="en-US" dirty="0" smtClean="0"/>
+              <a:t>主流的特征有三种</a:t>
+            </a:r>
+            <a:r>
+              <a:rPr lang="en-US" altLang="zh-CN" dirty="0" smtClean="0"/>
+              <a:t>,</a:t>
+            </a:r>
+            <a:r>
+              <a:rPr lang="zh-CN" altLang="en-US" dirty="0" smtClean="0"/>
+              <a:t>外加一种</a:t>
+            </a:r>
+            <a:r>
+              <a:rPr lang="en-US" altLang="zh-CN" dirty="0" err="1" smtClean="0"/>
+              <a:t>deeplearning</a:t>
+            </a:r>
+            <a:r>
+              <a:rPr lang="en-US" altLang="zh-CN" baseline="0" dirty="0" smtClean="0"/>
+              <a:t> </a:t>
+            </a:r>
+            <a:r>
+              <a:rPr lang="zh-CN" altLang="en-US" baseline="0" dirty="0" smtClean="0"/>
+              <a:t>特征</a:t>
+            </a:r>
+            <a:endParaRPr lang="zh-CN" altLang="en-US" dirty="0"/>
+          </a:p>
+        </p:txBody>
+      </p:sp>
+      <p:sp>
+        <p:nvSpPr>
+          <p:cNvPr id="4" name="灯片编号占位符 3"/>
+          <p:cNvSpPr>
+            <a:spLocks noGrp="1"/>
+          </p:cNvSpPr>
+          <p:nvPr>
+            <p:ph type="sldNum" sz="quarter" idx="10"/>
+          </p:nvPr>
+        </p:nvSpPr>
+        <p:spPr/>
+        <p:txBody>
+          <a:bodyPr/>
+          <a:lstStyle/>
+          <a:p>
+            <a:fld id="{D4ACD640-2603-43AA-ABFC-4FE01BC7F9B4}" type="slidenum">
+              <a:rPr lang="zh-CN" altLang="en-US" smtClean="0"/>
+              <a:t>12</a:t>
+            </a:fld>
+            <a:endParaRPr lang="zh-CN" altLang="en-US"/>
+          </a:p>
+        </p:txBody>
+      </p:sp>
+    </p:spTree>
+    <p:extLst>
+      <p:ext uri="{BB962C8B-B14F-4D97-AF65-F5344CB8AC3E}">
+        <p14:creationId xmlns:p14="http://schemas.microsoft.com/office/powerpoint/2010/main" val="1971202504"/>
+      </p:ext>
+    </p:extLst>
+  </p:cSld>
+  <p:clrMapOvr>
+    <a:masterClrMapping/>
+  </p:clrMapOvr>
+</p:notes>
+</file>
+
+<file path=ppt/notesSlides/notesSlide11.xml><?xml version="1.0" encoding="utf-8"?>
+<p:notes xmlns:a="http://schemas.openxmlformats.org/drawingml/2006/main" xmlns:r="http://schemas.openxmlformats.org/officeDocument/2006/relationships" xmlns:p="http://schemas.openxmlformats.org/presentationml/2006/main">
+  <p:cSld>
+    <p:spTree>
+      <p:nvGrpSpPr>
+        <p:cNvPr id="1" name=""/>
+        <p:cNvGrpSpPr/>
+        <p:nvPr/>
+      </p:nvGrpSpPr>
+      <p:grpSpPr>
+        <a:xfrm>
+          <a:off x="0" y="0"/>
+          <a:ext cx="0" cy="0"/>
+          <a:chOff x="0" y="0"/>
+          <a:chExt cx="0" cy="0"/>
+        </a:xfrm>
+      </p:grpSpPr>
+      <p:sp>
+        <p:nvSpPr>
+          <p:cNvPr id="2" name="幻灯片图像占位符 1"/>
+          <p:cNvSpPr>
+            <a:spLocks noGrp="1" noRot="1" noChangeAspect="1"/>
+          </p:cNvSpPr>
+          <p:nvPr>
+            <p:ph type="sldImg"/>
+          </p:nvPr>
+        </p:nvSpPr>
+        <p:spPr/>
+      </p:sp>
+      <p:sp>
+        <p:nvSpPr>
+          <p:cNvPr id="3" name="备注占位符 2"/>
+          <p:cNvSpPr>
+            <a:spLocks noGrp="1"/>
+          </p:cNvSpPr>
+          <p:nvPr>
+            <p:ph type="body" idx="1"/>
+          </p:nvPr>
+        </p:nvSpPr>
+        <p:spPr/>
+        <p:txBody>
+          <a:bodyPr/>
+          <a:lstStyle/>
+          <a:p>
+            <a:r>
+              <a:rPr lang="zh-CN" altLang="en-US" dirty="0" smtClean="0"/>
+              <a:t>这页太挤，要删除</a:t>
+            </a:r>
+            <a:endParaRPr lang="zh-CN" altLang="en-US" dirty="0"/>
+          </a:p>
+        </p:txBody>
+      </p:sp>
+      <p:sp>
+        <p:nvSpPr>
+          <p:cNvPr id="4" name="灯片编号占位符 3"/>
+          <p:cNvSpPr>
+            <a:spLocks noGrp="1"/>
+          </p:cNvSpPr>
+          <p:nvPr>
+            <p:ph type="sldNum" sz="quarter" idx="10"/>
+          </p:nvPr>
+        </p:nvSpPr>
+        <p:spPr/>
+        <p:txBody>
+          <a:bodyPr/>
+          <a:lstStyle/>
+          <a:p>
+            <a:fld id="{D4ACD640-2603-43AA-ABFC-4FE01BC7F9B4}" type="slidenum">
+              <a:rPr lang="zh-CN" altLang="en-US" smtClean="0"/>
+              <a:t>17</a:t>
+            </a:fld>
+            <a:endParaRPr lang="zh-CN" altLang="en-US"/>
+          </a:p>
+        </p:txBody>
+      </p:sp>
+    </p:spTree>
+    <p:extLst>
+      <p:ext uri="{BB962C8B-B14F-4D97-AF65-F5344CB8AC3E}">
+        <p14:creationId xmlns:p14="http://schemas.microsoft.com/office/powerpoint/2010/main" val="168861075"/>
+      </p:ext>
+    </p:extLst>
+  </p:cSld>
+  <p:clrMapOvr>
+    <a:masterClrMapping/>
+  </p:clrMapOvr>
+</p:notes>
+</file>
+
+<file path=ppt/notesSlides/notesSlide12.xml><?xml version="1.0" encoding="utf-8"?>
+<p:notes xmlns:a="http://schemas.openxmlformats.org/drawingml/2006/main" xmlns:r="http://schemas.openxmlformats.org/officeDocument/2006/relationships" xmlns:p="http://schemas.openxmlformats.org/presentationml/2006/main">
+  <p:cSld>
+    <p:spTree>
+      <p:nvGrpSpPr>
+        <p:cNvPr id="1" name=""/>
+        <p:cNvGrpSpPr/>
+        <p:nvPr/>
+      </p:nvGrpSpPr>
+      <p:grpSpPr>
+        <a:xfrm>
+          <a:off x="0" y="0"/>
+          <a:ext cx="0" cy="0"/>
+          <a:chOff x="0" y="0"/>
+          <a:chExt cx="0" cy="0"/>
+        </a:xfrm>
+      </p:grpSpPr>
+      <p:sp>
+        <p:nvSpPr>
+          <p:cNvPr id="2" name="幻灯片图像占位符 1"/>
+          <p:cNvSpPr>
+            <a:spLocks noGrp="1" noRot="1" noChangeAspect="1"/>
+          </p:cNvSpPr>
+          <p:nvPr>
+            <p:ph type="sldImg"/>
+          </p:nvPr>
+        </p:nvSpPr>
+        <p:spPr/>
+      </p:sp>
+      <p:sp>
+        <p:nvSpPr>
+          <p:cNvPr id="3" name="备注占位符 2"/>
+          <p:cNvSpPr>
+            <a:spLocks noGrp="1"/>
+          </p:cNvSpPr>
+          <p:nvPr>
+            <p:ph type="body" idx="1"/>
+          </p:nvPr>
+        </p:nvSpPr>
+        <p:spPr/>
+        <p:txBody>
+          <a:bodyPr/>
+          <a:lstStyle/>
+          <a:p>
+            <a:r>
+              <a:rPr lang="zh-CN" altLang="en-US" dirty="0" smtClean="0"/>
+              <a:t>对行为模式进行定义，并展示图片，分析方法有一下三类</a:t>
+            </a:r>
+            <a:endParaRPr lang="zh-CN" altLang="en-US" dirty="0"/>
+          </a:p>
+        </p:txBody>
+      </p:sp>
+      <p:sp>
+        <p:nvSpPr>
+          <p:cNvPr id="4" name="灯片编号占位符 3"/>
+          <p:cNvSpPr>
+            <a:spLocks noGrp="1"/>
+          </p:cNvSpPr>
+          <p:nvPr>
+            <p:ph type="sldNum" sz="quarter" idx="10"/>
+          </p:nvPr>
+        </p:nvSpPr>
+        <p:spPr/>
+        <p:txBody>
+          <a:bodyPr/>
+          <a:lstStyle/>
+          <a:p>
+            <a:fld id="{D4ACD640-2603-43AA-ABFC-4FE01BC7F9B4}" type="slidenum">
+              <a:rPr lang="zh-CN" altLang="en-US" smtClean="0"/>
+              <a:t>19</a:t>
+            </a:fld>
+            <a:endParaRPr lang="zh-CN" altLang="en-US"/>
+          </a:p>
+        </p:txBody>
+      </p:sp>
+    </p:spTree>
+    <p:extLst>
+      <p:ext uri="{BB962C8B-B14F-4D97-AF65-F5344CB8AC3E}">
+        <p14:creationId xmlns:p14="http://schemas.microsoft.com/office/powerpoint/2010/main" val="3760546606"/>
+      </p:ext>
+    </p:extLst>
+  </p:cSld>
+  <p:clrMapOvr>
+    <a:masterClrMapping/>
+  </p:clrMapOvr>
+</p:notes>
+</file>
+
+<file path=ppt/notesSlides/notesSlide13.xml><?xml version="1.0" encoding="utf-8"?>
+<p:notes xmlns:a="http://schemas.openxmlformats.org/drawingml/2006/main" xmlns:r="http://schemas.openxmlformats.org/officeDocument/2006/relationships" xmlns:p="http://schemas.openxmlformats.org/presentationml/2006/main">
+  <p:cSld>
+    <p:spTree>
+      <p:nvGrpSpPr>
+        <p:cNvPr id="1" name=""/>
+        <p:cNvGrpSpPr/>
+        <p:nvPr/>
+      </p:nvGrpSpPr>
+      <p:grpSpPr>
+        <a:xfrm>
+          <a:off x="0" y="0"/>
+          <a:ext cx="0" cy="0"/>
+          <a:chOff x="0" y="0"/>
+          <a:chExt cx="0" cy="0"/>
+        </a:xfrm>
+      </p:grpSpPr>
+      <p:sp>
+        <p:nvSpPr>
+          <p:cNvPr id="2" name="幻灯片图像占位符 1"/>
+          <p:cNvSpPr>
+            <a:spLocks noGrp="1" noRot="1" noChangeAspect="1"/>
+          </p:cNvSpPr>
+          <p:nvPr>
+            <p:ph type="sldImg"/>
+          </p:nvPr>
+        </p:nvSpPr>
+        <p:spPr/>
+      </p:sp>
+      <p:sp>
+        <p:nvSpPr>
+          <p:cNvPr id="3" name="备注占位符 2"/>
+          <p:cNvSpPr>
+            <a:spLocks noGrp="1"/>
+          </p:cNvSpPr>
+          <p:nvPr>
+            <p:ph type="body" idx="1"/>
+          </p:nvPr>
+        </p:nvSpPr>
+        <p:spPr/>
+        <p:txBody>
+          <a:bodyPr/>
+          <a:lstStyle/>
+          <a:p>
+            <a:r>
+              <a:rPr lang="zh-CN" altLang="en-US" dirty="0" smtClean="0"/>
+              <a:t>各种方法之间会有进化关系，重点要说出各个算法关注的点在哪里，有什么优势</a:t>
+            </a:r>
+            <a:endParaRPr lang="zh-CN" altLang="en-US" dirty="0"/>
+          </a:p>
+        </p:txBody>
+      </p:sp>
+      <p:sp>
+        <p:nvSpPr>
+          <p:cNvPr id="4" name="灯片编号占位符 3"/>
+          <p:cNvSpPr>
+            <a:spLocks noGrp="1"/>
+          </p:cNvSpPr>
+          <p:nvPr>
+            <p:ph type="sldNum" sz="quarter" idx="10"/>
+          </p:nvPr>
+        </p:nvSpPr>
+        <p:spPr/>
+        <p:txBody>
+          <a:bodyPr/>
+          <a:lstStyle/>
+          <a:p>
+            <a:fld id="{D4ACD640-2603-43AA-ABFC-4FE01BC7F9B4}" type="slidenum">
+              <a:rPr lang="zh-CN" altLang="en-US" smtClean="0"/>
+              <a:t>20</a:t>
+            </a:fld>
+            <a:endParaRPr lang="zh-CN" altLang="en-US"/>
+          </a:p>
+        </p:txBody>
+      </p:sp>
+    </p:spTree>
+    <p:extLst>
+      <p:ext uri="{BB962C8B-B14F-4D97-AF65-F5344CB8AC3E}">
+        <p14:creationId xmlns:p14="http://schemas.microsoft.com/office/powerpoint/2010/main" val="2757737609"/>
+      </p:ext>
+    </p:extLst>
+  </p:cSld>
+  <p:clrMapOvr>
+    <a:masterClrMapping/>
+  </p:clrMapOvr>
+</p:notes>
+</file>
+
+<file path=ppt/notesSlides/notesSlide14.xml><?xml version="1.0" encoding="utf-8"?>
+<p:notes xmlns:a="http://schemas.openxmlformats.org/drawingml/2006/main" xmlns:r="http://schemas.openxmlformats.org/officeDocument/2006/relationships" xmlns:p="http://schemas.openxmlformats.org/presentationml/2006/main">
+  <p:cSld>
+    <p:spTree>
+      <p:nvGrpSpPr>
+        <p:cNvPr id="1" name=""/>
+        <p:cNvGrpSpPr/>
+        <p:nvPr/>
+      </p:nvGrpSpPr>
+      <p:grpSpPr>
+        <a:xfrm>
+          <a:off x="0" y="0"/>
+          <a:ext cx="0" cy="0"/>
+          <a:chOff x="0" y="0"/>
+          <a:chExt cx="0" cy="0"/>
+        </a:xfrm>
+      </p:grpSpPr>
+      <p:sp>
+        <p:nvSpPr>
+          <p:cNvPr id="2" name="幻灯片图像占位符 1"/>
+          <p:cNvSpPr>
+            <a:spLocks noGrp="1" noRot="1" noChangeAspect="1"/>
+          </p:cNvSpPr>
+          <p:nvPr>
+            <p:ph type="sldImg"/>
+          </p:nvPr>
+        </p:nvSpPr>
+        <p:spPr/>
+      </p:sp>
+      <p:sp>
+        <p:nvSpPr>
+          <p:cNvPr id="3" name="备注占位符 2"/>
+          <p:cNvSpPr>
+            <a:spLocks noGrp="1"/>
+          </p:cNvSpPr>
+          <p:nvPr>
+            <p:ph type="body" idx="1"/>
+          </p:nvPr>
+        </p:nvSpPr>
+        <p:spPr/>
+        <p:txBody>
+          <a:bodyPr/>
+          <a:lstStyle/>
+          <a:p>
+            <a:r>
+              <a:rPr lang="zh-CN" altLang="en-US" dirty="0" smtClean="0"/>
+              <a:t>希望详细介绍</a:t>
+            </a:r>
+            <a:endParaRPr lang="zh-CN" altLang="en-US" dirty="0"/>
+          </a:p>
+        </p:txBody>
+      </p:sp>
+      <p:sp>
+        <p:nvSpPr>
+          <p:cNvPr id="4" name="灯片编号占位符 3"/>
+          <p:cNvSpPr>
+            <a:spLocks noGrp="1"/>
+          </p:cNvSpPr>
+          <p:nvPr>
+            <p:ph type="sldNum" sz="quarter" idx="10"/>
+          </p:nvPr>
+        </p:nvSpPr>
+        <p:spPr/>
+        <p:txBody>
+          <a:bodyPr/>
+          <a:lstStyle/>
+          <a:p>
+            <a:fld id="{D4ACD640-2603-43AA-ABFC-4FE01BC7F9B4}" type="slidenum">
+              <a:rPr lang="zh-CN" altLang="en-US" smtClean="0"/>
+              <a:t>22</a:t>
+            </a:fld>
+            <a:endParaRPr lang="zh-CN" altLang="en-US"/>
+          </a:p>
+        </p:txBody>
+      </p:sp>
+    </p:spTree>
+    <p:extLst>
+      <p:ext uri="{BB962C8B-B14F-4D97-AF65-F5344CB8AC3E}">
+        <p14:creationId xmlns:p14="http://schemas.microsoft.com/office/powerpoint/2010/main" val="2422794521"/>
+      </p:ext>
+    </p:extLst>
+  </p:cSld>
+  <p:clrMapOvr>
+    <a:masterClrMapping/>
+  </p:clrMapOvr>
+</p:notes>
+</file>
+
+<file path=ppt/notesSlides/notesSlide15.xml><?xml version="1.0" encoding="utf-8"?>
+<p:notes xmlns:a="http://schemas.openxmlformats.org/drawingml/2006/main" xmlns:r="http://schemas.openxmlformats.org/officeDocument/2006/relationships" xmlns:p="http://schemas.openxmlformats.org/presentationml/2006/main">
+  <p:cSld>
+    <p:spTree>
+      <p:nvGrpSpPr>
+        <p:cNvPr id="1" name=""/>
+        <p:cNvGrpSpPr/>
+        <p:nvPr/>
+      </p:nvGrpSpPr>
+      <p:grpSpPr>
+        <a:xfrm>
+          <a:off x="0" y="0"/>
+          <a:ext cx="0" cy="0"/>
+          <a:chOff x="0" y="0"/>
+          <a:chExt cx="0" cy="0"/>
+        </a:xfrm>
+      </p:grpSpPr>
+      <p:sp>
+        <p:nvSpPr>
+          <p:cNvPr id="2" name="幻灯片图像占位符 1"/>
+          <p:cNvSpPr>
+            <a:spLocks noGrp="1" noRot="1" noChangeAspect="1"/>
+          </p:cNvSpPr>
+          <p:nvPr>
+            <p:ph type="sldImg"/>
+          </p:nvPr>
+        </p:nvSpPr>
+        <p:spPr/>
+      </p:sp>
+      <p:sp>
+        <p:nvSpPr>
+          <p:cNvPr id="3" name="备注占位符 2"/>
+          <p:cNvSpPr>
+            <a:spLocks noGrp="1"/>
+          </p:cNvSpPr>
+          <p:nvPr>
+            <p:ph type="body" idx="1"/>
+          </p:nvPr>
+        </p:nvSpPr>
+        <p:spPr/>
+        <p:txBody>
+          <a:bodyPr/>
+          <a:lstStyle/>
+          <a:p>
+            <a:r>
+              <a:rPr lang="en-US" altLang="zh-CN" dirty="0" smtClean="0"/>
+              <a:t>Segmentation </a:t>
+            </a:r>
+            <a:r>
+              <a:rPr lang="zh-CN" altLang="en-US" dirty="0" smtClean="0"/>
+              <a:t>的目的是什么？（这里就应该是模式的识别而不是分割的意思，后面一章的</a:t>
+            </a:r>
+            <a:r>
+              <a:rPr lang="en-US" altLang="zh-CN" dirty="0" smtClean="0"/>
+              <a:t>crowd behavior recognition </a:t>
+            </a:r>
+            <a:r>
+              <a:rPr lang="zh-CN" altLang="en-US" dirty="0" smtClean="0"/>
+              <a:t>实际更多像是一种预测，）</a:t>
+            </a:r>
+            <a:endParaRPr lang="zh-CN" altLang="en-US" dirty="0"/>
+          </a:p>
+        </p:txBody>
+      </p:sp>
+      <p:sp>
+        <p:nvSpPr>
+          <p:cNvPr id="4" name="灯片编号占位符 3"/>
+          <p:cNvSpPr>
+            <a:spLocks noGrp="1"/>
+          </p:cNvSpPr>
+          <p:nvPr>
+            <p:ph type="sldNum" sz="quarter" idx="10"/>
+          </p:nvPr>
+        </p:nvSpPr>
+        <p:spPr/>
+        <p:txBody>
+          <a:bodyPr/>
+          <a:lstStyle/>
+          <a:p>
+            <a:fld id="{D4ACD640-2603-43AA-ABFC-4FE01BC7F9B4}" type="slidenum">
+              <a:rPr lang="zh-CN" altLang="en-US" smtClean="0"/>
+              <a:t>24</a:t>
+            </a:fld>
+            <a:endParaRPr lang="zh-CN" altLang="en-US"/>
+          </a:p>
+        </p:txBody>
+      </p:sp>
+    </p:spTree>
+    <p:extLst>
+      <p:ext uri="{BB962C8B-B14F-4D97-AF65-F5344CB8AC3E}">
+        <p14:creationId xmlns:p14="http://schemas.microsoft.com/office/powerpoint/2010/main" val="3261398795"/>
+      </p:ext>
+    </p:extLst>
+  </p:cSld>
+  <p:clrMapOvr>
+    <a:masterClrMapping/>
+  </p:clrMapOvr>
+</p:notes>
+</file>
+
+<file path=ppt/notesSlides/notesSlide16.xml><?xml version="1.0" encoding="utf-8"?>
+<p:notes xmlns:a="http://schemas.openxmlformats.org/drawingml/2006/main" xmlns:r="http://schemas.openxmlformats.org/officeDocument/2006/relationships" xmlns:p="http://schemas.openxmlformats.org/presentationml/2006/main">
+  <p:cSld>
+    <p:spTree>
+      <p:nvGrpSpPr>
+        <p:cNvPr id="1" name=""/>
+        <p:cNvGrpSpPr/>
+        <p:nvPr/>
+      </p:nvGrpSpPr>
+      <p:grpSpPr>
+        <a:xfrm>
+          <a:off x="0" y="0"/>
+          <a:ext cx="0" cy="0"/>
+          <a:chOff x="0" y="0"/>
+          <a:chExt cx="0" cy="0"/>
+        </a:xfrm>
+      </p:grpSpPr>
+      <p:sp>
+        <p:nvSpPr>
+          <p:cNvPr id="2" name="幻灯片图像占位符 1"/>
+          <p:cNvSpPr>
+            <a:spLocks noGrp="1" noRot="1" noChangeAspect="1"/>
+          </p:cNvSpPr>
+          <p:nvPr>
+            <p:ph type="sldImg"/>
+          </p:nvPr>
+        </p:nvSpPr>
+        <p:spPr/>
+      </p:sp>
+      <p:sp>
+        <p:nvSpPr>
+          <p:cNvPr id="3" name="备注占位符 2"/>
+          <p:cNvSpPr>
+            <a:spLocks noGrp="1"/>
+          </p:cNvSpPr>
+          <p:nvPr>
+            <p:ph type="body" idx="1"/>
+          </p:nvPr>
+        </p:nvSpPr>
+        <p:spPr/>
+        <p:txBody>
+          <a:bodyPr/>
+          <a:lstStyle/>
+          <a:p>
+            <a:r>
+              <a:rPr lang="zh-CN" altLang="en-US" dirty="0" smtClean="0"/>
+              <a:t>参考文献列表</a:t>
+            </a:r>
+            <a:endParaRPr lang="zh-CN" altLang="en-US" dirty="0"/>
+          </a:p>
+        </p:txBody>
+      </p:sp>
+      <p:sp>
+        <p:nvSpPr>
+          <p:cNvPr id="4" name="灯片编号占位符 3"/>
+          <p:cNvSpPr>
+            <a:spLocks noGrp="1"/>
+          </p:cNvSpPr>
+          <p:nvPr>
+            <p:ph type="sldNum" sz="quarter" idx="10"/>
+          </p:nvPr>
+        </p:nvSpPr>
+        <p:spPr/>
+        <p:txBody>
+          <a:bodyPr/>
+          <a:lstStyle/>
+          <a:p>
+            <a:fld id="{D4ACD640-2603-43AA-ABFC-4FE01BC7F9B4}" type="slidenum">
+              <a:rPr lang="zh-CN" altLang="en-US" smtClean="0"/>
+              <a:t>28</a:t>
+            </a:fld>
+            <a:endParaRPr lang="zh-CN" altLang="en-US"/>
+          </a:p>
+        </p:txBody>
+      </p:sp>
+    </p:spTree>
+    <p:extLst>
+      <p:ext uri="{BB962C8B-B14F-4D97-AF65-F5344CB8AC3E}">
+        <p14:creationId xmlns:p14="http://schemas.microsoft.com/office/powerpoint/2010/main" val="3451645426"/>
+      </p:ext>
+    </p:extLst>
+  </p:cSld>
+  <p:clrMapOvr>
+    <a:masterClrMapping/>
+  </p:clrMapOvr>
+</p:notes>
+</file>
+
 <file path=ppt/notesSlides/notesSlide2.xml><?xml version="1.0" encoding="utf-8"?>
 <p:notes xmlns:a="http://schemas.openxmlformats.org/drawingml/2006/main" xmlns:r="http://schemas.openxmlformats.org/officeDocument/2006/relationships" xmlns:p="http://schemas.openxmlformats.org/presentationml/2006/main">
   <p:cSld>
@@ -640,7 +1298,11 @@
           <a:p>
             <a:r>
               <a:rPr lang="zh-CN" altLang="en-US" dirty="0" smtClean="0"/>
-              <a:t>特定的物理环境中，大量个体行为的集合。这里的行为在大多数环境中是指有一定目的的运动。</a:t>
+              <a:t>特定的物理环境中，大量个体行为的集合。这里的行为在大多数环境中是指有一定目的的运动</a:t>
+            </a:r>
+            <a:r>
+              <a:rPr lang="zh-CN" altLang="en-US" dirty="0" smtClean="0"/>
+              <a:t>。做参考文献列表</a:t>
             </a:r>
             <a:endParaRPr lang="zh-CN" altLang="en-US" dirty="0"/>
           </a:p>
@@ -816,23 +1478,7 @@
           <a:p>
             <a:r>
               <a:rPr lang="zh-CN" altLang="en-US" dirty="0" smtClean="0"/>
-              <a:t>介绍一些实际应用，最好能在各个文章中找到相关应用场景的图片</a:t>
-            </a:r>
-            <a:r>
-              <a:rPr lang="en-US" altLang="zh-CN" dirty="0" smtClean="0"/>
-              <a:t>,</a:t>
-            </a:r>
-            <a:r>
-              <a:rPr lang="en-US" altLang="zh-CN" baseline="0" dirty="0" smtClean="0"/>
-              <a:t> </a:t>
-            </a:r>
-            <a:r>
-              <a:rPr lang="zh-CN" altLang="en-US" baseline="0" dirty="0" smtClean="0"/>
-              <a:t>文献</a:t>
-            </a:r>
-            <a:r>
-              <a:rPr lang="en-US" altLang="zh-CN" baseline="0" dirty="0" smtClean="0"/>
-              <a:t>【21~28】</a:t>
+              <a:t>可以考虑跟后面的应用场景换一下</a:t>
             </a:r>
             <a:endParaRPr lang="zh-CN" altLang="en-US" dirty="0"/>
           </a:p>
@@ -855,7 +1501,7 @@
           <a:p>
             <a:fld id="{D4ACD640-2603-43AA-ABFC-4FE01BC7F9B4}" type="slidenum">
               <a:rPr lang="zh-CN" altLang="en-US" smtClean="0"/>
-              <a:t>6</a:t>
+              <a:t>4</a:t>
             </a:fld>
             <a:endParaRPr lang="zh-CN" altLang="en-US"/>
           </a:p>
@@ -864,7 +1510,7 @@
     </p:spTree>
     <p:extLst>
       <p:ext uri="{BB962C8B-B14F-4D97-AF65-F5344CB8AC3E}">
-        <p14:creationId xmlns:p14="http://schemas.microsoft.com/office/powerpoint/2010/main" val="2290435326"/>
+        <p14:creationId xmlns:p14="http://schemas.microsoft.com/office/powerpoint/2010/main" val="4005403006"/>
       </p:ext>
     </p:extLst>
   </p:cSld>
@@ -918,6 +1564,26 @@
           <a:bodyPr/>
           <a:lstStyle/>
           <a:p>
+            <a:r>
+              <a:rPr lang="zh-CN" altLang="en-US" dirty="0" smtClean="0"/>
+              <a:t>介绍一些实际应用，最好能在各个文章中找到相关应用场景的图片</a:t>
+            </a:r>
+            <a:r>
+              <a:rPr lang="en-US" altLang="zh-CN" dirty="0" smtClean="0"/>
+              <a:t>,</a:t>
+            </a:r>
+            <a:r>
+              <a:rPr lang="en-US" altLang="zh-CN" baseline="0" dirty="0" smtClean="0"/>
+              <a:t> </a:t>
+            </a:r>
+            <a:r>
+              <a:rPr lang="zh-CN" altLang="en-US" baseline="0" dirty="0" smtClean="0"/>
+              <a:t>文献</a:t>
+            </a:r>
+            <a:r>
+              <a:rPr lang="en-US" altLang="zh-CN" baseline="0" dirty="0" smtClean="0"/>
+              <a:t>【21~28】</a:t>
+            </a:r>
             <a:endParaRPr lang="zh-CN" altLang="en-US" dirty="0"/>
           </a:p>
         </p:txBody>
@@ -939,7 +1605,7 @@
           <a:p>
             <a:fld id="{D4ACD640-2603-43AA-ABFC-4FE01BC7F9B4}" type="slidenum">
               <a:rPr lang="zh-CN" altLang="en-US" smtClean="0"/>
-              <a:t>9</a:t>
+              <a:t>6</a:t>
             </a:fld>
             <a:endParaRPr lang="zh-CN" altLang="en-US"/>
           </a:p>
@@ -948,7 +1614,7 @@
     </p:spTree>
     <p:extLst>
       <p:ext uri="{BB962C8B-B14F-4D97-AF65-F5344CB8AC3E}">
-        <p14:creationId xmlns:p14="http://schemas.microsoft.com/office/powerpoint/2010/main" val="1547426760"/>
+        <p14:creationId xmlns:p14="http://schemas.microsoft.com/office/powerpoint/2010/main" val="2290435326"/>
       </p:ext>
     </p:extLst>
   </p:cSld>
@@ -1002,6 +1668,10 @@
           <a:bodyPr/>
           <a:lstStyle/>
           <a:p>
+            <a:r>
+              <a:rPr lang="zh-CN" altLang="en-US" dirty="0" smtClean="0"/>
+              <a:t>删除</a:t>
+            </a:r>
             <a:endParaRPr lang="zh-CN" altLang="en-US" dirty="0"/>
           </a:p>
         </p:txBody>
@@ -1023,7 +1693,7 @@
           <a:p>
             <a:fld id="{D4ACD640-2603-43AA-ABFC-4FE01BC7F9B4}" type="slidenum">
               <a:rPr lang="zh-CN" altLang="en-US" smtClean="0"/>
-              <a:t>13</a:t>
+              <a:t>7</a:t>
             </a:fld>
             <a:endParaRPr lang="zh-CN" altLang="en-US"/>
           </a:p>
@@ -1032,7 +1702,296 @@
     </p:spTree>
     <p:extLst>
       <p:ext uri="{BB962C8B-B14F-4D97-AF65-F5344CB8AC3E}">
-        <p14:creationId xmlns:p14="http://schemas.microsoft.com/office/powerpoint/2010/main" val="3261398795"/>
+        <p14:creationId xmlns:p14="http://schemas.microsoft.com/office/powerpoint/2010/main" val="3442815458"/>
+      </p:ext>
+    </p:extLst>
+  </p:cSld>
+  <p:clrMapOvr>
+    <a:masterClrMapping/>
+  </p:clrMapOvr>
+</p:notes>
+</file>
+
+<file path=ppt/notesSlides/notesSlide7.xml><?xml version="1.0" encoding="utf-8"?>
+<p:notes xmlns:a="http://schemas.openxmlformats.org/drawingml/2006/main" xmlns:r="http://schemas.openxmlformats.org/officeDocument/2006/relationships" xmlns:p="http://schemas.openxmlformats.org/presentationml/2006/main">
+  <p:cSld>
+    <p:spTree>
+      <p:nvGrpSpPr>
+        <p:cNvPr id="1" name=""/>
+        <p:cNvGrpSpPr/>
+        <p:nvPr/>
+      </p:nvGrpSpPr>
+      <p:grpSpPr>
+        <a:xfrm>
+          <a:off x="0" y="0"/>
+          <a:ext cx="0" cy="0"/>
+          <a:chOff x="0" y="0"/>
+          <a:chExt cx="0" cy="0"/>
+        </a:xfrm>
+      </p:grpSpPr>
+      <p:sp>
+        <p:nvSpPr>
+          <p:cNvPr id="2" name="幻灯片图像占位符 1"/>
+          <p:cNvSpPr>
+            <a:spLocks noGrp="1" noRot="1" noChangeAspect="1"/>
+          </p:cNvSpPr>
+          <p:nvPr>
+            <p:ph type="sldImg"/>
+          </p:nvPr>
+        </p:nvSpPr>
+        <p:spPr/>
+      </p:sp>
+      <p:sp>
+        <p:nvSpPr>
+          <p:cNvPr id="3" name="备注占位符 2"/>
+          <p:cNvSpPr>
+            <a:spLocks noGrp="1"/>
+          </p:cNvSpPr>
+          <p:nvPr>
+            <p:ph type="body" idx="1"/>
+          </p:nvPr>
+        </p:nvSpPr>
+        <p:spPr/>
+        <p:txBody>
+          <a:bodyPr/>
+          <a:lstStyle/>
+          <a:p>
+            <a:r>
+              <a:rPr lang="zh-CN" altLang="en-US" dirty="0" smtClean="0"/>
+              <a:t>场景本身的分类：有两种：</a:t>
+            </a:r>
+            <a:r>
+              <a:rPr lang="en-US" altLang="zh-CN" dirty="0" smtClean="0"/>
+              <a:t>structured</a:t>
+            </a:r>
+            <a:r>
+              <a:rPr lang="en-US" altLang="zh-CN" baseline="0" dirty="0" smtClean="0"/>
+              <a:t> unstructured</a:t>
+            </a:r>
+          </a:p>
+          <a:p>
+            <a:r>
+              <a:rPr lang="zh-CN" altLang="en-US" baseline="0" dirty="0" smtClean="0"/>
+              <a:t>任务分类： 有两种：宏观任务；微观任务</a:t>
+            </a:r>
+            <a:endParaRPr lang="en-US" altLang="zh-CN" baseline="0" dirty="0" smtClean="0"/>
+          </a:p>
+          <a:p>
+            <a:endParaRPr lang="zh-CN" altLang="en-US" dirty="0"/>
+          </a:p>
+        </p:txBody>
+      </p:sp>
+      <p:sp>
+        <p:nvSpPr>
+          <p:cNvPr id="4" name="灯片编号占位符 3"/>
+          <p:cNvSpPr>
+            <a:spLocks noGrp="1"/>
+          </p:cNvSpPr>
+          <p:nvPr>
+            <p:ph type="sldNum" sz="quarter" idx="10"/>
+          </p:nvPr>
+        </p:nvSpPr>
+        <p:spPr/>
+        <p:txBody>
+          <a:bodyPr/>
+          <a:lstStyle/>
+          <a:p>
+            <a:fld id="{D4ACD640-2603-43AA-ABFC-4FE01BC7F9B4}" type="slidenum">
+              <a:rPr lang="zh-CN" altLang="en-US" smtClean="0"/>
+              <a:t>9</a:t>
+            </a:fld>
+            <a:endParaRPr lang="zh-CN" altLang="en-US"/>
+          </a:p>
+        </p:txBody>
+      </p:sp>
+    </p:spTree>
+    <p:extLst>
+      <p:ext uri="{BB962C8B-B14F-4D97-AF65-F5344CB8AC3E}">
+        <p14:creationId xmlns:p14="http://schemas.microsoft.com/office/powerpoint/2010/main" val="1547426760"/>
+      </p:ext>
+    </p:extLst>
+  </p:cSld>
+  <p:clrMapOvr>
+    <a:masterClrMapping/>
+  </p:clrMapOvr>
+</p:notes>
+</file>
+
+<file path=ppt/notesSlides/notesSlide8.xml><?xml version="1.0" encoding="utf-8"?>
+<p:notes xmlns:a="http://schemas.openxmlformats.org/drawingml/2006/main" xmlns:r="http://schemas.openxmlformats.org/officeDocument/2006/relationships" xmlns:p="http://schemas.openxmlformats.org/presentationml/2006/main">
+  <p:cSld>
+    <p:spTree>
+      <p:nvGrpSpPr>
+        <p:cNvPr id="1" name=""/>
+        <p:cNvGrpSpPr/>
+        <p:nvPr/>
+      </p:nvGrpSpPr>
+      <p:grpSpPr>
+        <a:xfrm>
+          <a:off x="0" y="0"/>
+          <a:ext cx="0" cy="0"/>
+          <a:chOff x="0" y="0"/>
+          <a:chExt cx="0" cy="0"/>
+        </a:xfrm>
+      </p:grpSpPr>
+      <p:sp>
+        <p:nvSpPr>
+          <p:cNvPr id="2" name="幻灯片图像占位符 1"/>
+          <p:cNvSpPr>
+            <a:spLocks noGrp="1" noRot="1" noChangeAspect="1"/>
+          </p:cNvSpPr>
+          <p:nvPr>
+            <p:ph type="sldImg"/>
+          </p:nvPr>
+        </p:nvSpPr>
+        <p:spPr/>
+      </p:sp>
+      <p:sp>
+        <p:nvSpPr>
+          <p:cNvPr id="3" name="备注占位符 2"/>
+          <p:cNvSpPr>
+            <a:spLocks noGrp="1"/>
+          </p:cNvSpPr>
+          <p:nvPr>
+            <p:ph type="body" idx="1"/>
+          </p:nvPr>
+        </p:nvSpPr>
+        <p:spPr/>
+        <p:txBody>
+          <a:bodyPr/>
+          <a:lstStyle/>
+          <a:p>
+            <a:r>
+              <a:rPr lang="zh-CN" altLang="en-US" dirty="0" smtClean="0"/>
+              <a:t>按任务分类：两种，配图</a:t>
+            </a:r>
+            <a:endParaRPr lang="zh-CN" altLang="en-US" dirty="0"/>
+          </a:p>
+        </p:txBody>
+      </p:sp>
+      <p:sp>
+        <p:nvSpPr>
+          <p:cNvPr id="4" name="灯片编号占位符 3"/>
+          <p:cNvSpPr>
+            <a:spLocks noGrp="1"/>
+          </p:cNvSpPr>
+          <p:nvPr>
+            <p:ph type="sldNum" sz="quarter" idx="10"/>
+          </p:nvPr>
+        </p:nvSpPr>
+        <p:spPr/>
+        <p:txBody>
+          <a:bodyPr/>
+          <a:lstStyle/>
+          <a:p>
+            <a:fld id="{D4ACD640-2603-43AA-ABFC-4FE01BC7F9B4}" type="slidenum">
+              <a:rPr lang="zh-CN" altLang="en-US" smtClean="0"/>
+              <a:t>10</a:t>
+            </a:fld>
+            <a:endParaRPr lang="zh-CN" altLang="en-US"/>
+          </a:p>
+        </p:txBody>
+      </p:sp>
+    </p:spTree>
+    <p:extLst>
+      <p:ext uri="{BB962C8B-B14F-4D97-AF65-F5344CB8AC3E}">
+        <p14:creationId xmlns:p14="http://schemas.microsoft.com/office/powerpoint/2010/main" val="1748855002"/>
+      </p:ext>
+    </p:extLst>
+  </p:cSld>
+  <p:clrMapOvr>
+    <a:masterClrMapping/>
+  </p:clrMapOvr>
+</p:notes>
+</file>
+
+<file path=ppt/notesSlides/notesSlide9.xml><?xml version="1.0" encoding="utf-8"?>
+<p:notes xmlns:a="http://schemas.openxmlformats.org/drawingml/2006/main" xmlns:r="http://schemas.openxmlformats.org/officeDocument/2006/relationships" xmlns:p="http://schemas.openxmlformats.org/presentationml/2006/main">
+  <p:cSld>
+    <p:spTree>
+      <p:nvGrpSpPr>
+        <p:cNvPr id="1" name=""/>
+        <p:cNvGrpSpPr/>
+        <p:nvPr/>
+      </p:nvGrpSpPr>
+      <p:grpSpPr>
+        <a:xfrm>
+          <a:off x="0" y="0"/>
+          <a:ext cx="0" cy="0"/>
+          <a:chOff x="0" y="0"/>
+          <a:chExt cx="0" cy="0"/>
+        </a:xfrm>
+      </p:grpSpPr>
+      <p:sp>
+        <p:nvSpPr>
+          <p:cNvPr id="2" name="幻灯片图像占位符 1"/>
+          <p:cNvSpPr>
+            <a:spLocks noGrp="1" noRot="1" noChangeAspect="1"/>
+          </p:cNvSpPr>
+          <p:nvPr>
+            <p:ph type="sldImg"/>
+          </p:nvPr>
+        </p:nvSpPr>
+        <p:spPr/>
+      </p:sp>
+      <p:sp>
+        <p:nvSpPr>
+          <p:cNvPr id="3" name="备注占位符 2"/>
+          <p:cNvSpPr>
+            <a:spLocks noGrp="1"/>
+          </p:cNvSpPr>
+          <p:nvPr>
+            <p:ph type="body" idx="1"/>
+          </p:nvPr>
+        </p:nvSpPr>
+        <p:spPr/>
+        <p:txBody>
+          <a:bodyPr/>
+          <a:lstStyle/>
+          <a:p>
+            <a:r>
+              <a:rPr lang="zh-CN" altLang="en-US" dirty="0" smtClean="0"/>
+              <a:t>群体动力学，是一个从社会学和心理学引入的理论，建模的两种方式，一种是机理建模，另一种是</a:t>
+            </a:r>
+            <a:r>
+              <a:rPr lang="en-US" altLang="zh-CN" dirty="0" smtClean="0"/>
+              <a:t>??,</a:t>
+            </a:r>
+            <a:r>
+              <a:rPr lang="zh-CN" altLang="en-US" dirty="0" smtClean="0"/>
+              <a:t>这个是机理建模的部分</a:t>
+            </a:r>
+            <a:endParaRPr lang="zh-CN" altLang="en-US" dirty="0"/>
+          </a:p>
+        </p:txBody>
+      </p:sp>
+      <p:sp>
+        <p:nvSpPr>
+          <p:cNvPr id="4" name="灯片编号占位符 3"/>
+          <p:cNvSpPr>
+            <a:spLocks noGrp="1"/>
+          </p:cNvSpPr>
+          <p:nvPr>
+            <p:ph type="sldNum" sz="quarter" idx="10"/>
+          </p:nvPr>
+        </p:nvSpPr>
+        <p:spPr/>
+        <p:txBody>
+          <a:bodyPr/>
+          <a:lstStyle/>
+          <a:p>
+            <a:fld id="{D4ACD640-2603-43AA-ABFC-4FE01BC7F9B4}" type="slidenum">
+              <a:rPr lang="zh-CN" altLang="en-US" smtClean="0"/>
+              <a:t>11</a:t>
+            </a:fld>
+            <a:endParaRPr lang="zh-CN" altLang="en-US"/>
+          </a:p>
+        </p:txBody>
+      </p:sp>
+    </p:spTree>
+    <p:extLst>
+      <p:ext uri="{BB962C8B-B14F-4D97-AF65-F5344CB8AC3E}">
+        <p14:creationId xmlns:p14="http://schemas.microsoft.com/office/powerpoint/2010/main" val="1177904817"/>
       </p:ext>
     </p:extLst>
   </p:cSld>
@@ -3975,392 +4934,57 @@
       </p:grpSpPr>
       <p:sp>
         <p:nvSpPr>
-          <p:cNvPr id="2" name="文本框 1"/>
-          <p:cNvSpPr txBox="1"/>
-          <p:nvPr/>
-        </p:nvSpPr>
-        <p:spPr>
-          <a:xfrm>
-            <a:off x="278969" y="356461"/>
-            <a:ext cx="8463151" cy="923330"/>
-          </a:xfrm>
-          <a:prstGeom prst="rect">
-            <a:avLst/>
-          </a:prstGeom>
-          <a:noFill/>
-        </p:spPr>
-        <p:txBody>
-          <a:bodyPr wrap="none" rtlCol="0">
-            <a:spAutoFit/>
-          </a:bodyPr>
-          <a:lstStyle/>
-          <a:p>
-            <a:pPr marL="342900" indent="-342900">
-              <a:buAutoNum type="alphaUcPeriod"/>
-            </a:pPr>
-            <a:r>
-              <a:rPr lang="en-US" altLang="zh-CN" dirty="0" smtClean="0"/>
-              <a:t>Models in Crowd Dynamics (</a:t>
-            </a:r>
-            <a:r>
-              <a:rPr lang="zh-CN" altLang="en-US" dirty="0" smtClean="0"/>
-              <a:t>群体动力学模型</a:t>
-            </a:r>
-            <a:r>
-              <a:rPr lang="en-US" altLang="zh-CN" dirty="0" smtClean="0"/>
-              <a:t>)</a:t>
-            </a:r>
-          </a:p>
-          <a:p>
-            <a:r>
-              <a:rPr lang="en-US" altLang="zh-CN" dirty="0" smtClean="0"/>
-              <a:t>the study of how and where crowds form and move above the critical density level [41], </a:t>
-            </a:r>
-          </a:p>
-          <a:p>
-            <a:r>
-              <a:rPr lang="en-US" altLang="zh-CN" dirty="0" smtClean="0"/>
-              <a:t>and how individuals in the crowd interact with each other to inﬂuence the crowd status.</a:t>
-            </a:r>
-            <a:endParaRPr lang="zh-CN" altLang="en-US" dirty="0"/>
-          </a:p>
-        </p:txBody>
-      </p:sp>
-      <p:sp>
-        <p:nvSpPr>
-          <p:cNvPr id="4" name="文本框 3"/>
-          <p:cNvSpPr txBox="1"/>
-          <p:nvPr/>
-        </p:nvSpPr>
-        <p:spPr>
-          <a:xfrm>
-            <a:off x="271627" y="1861111"/>
-            <a:ext cx="2535822" cy="646331"/>
-          </a:xfrm>
-          <a:prstGeom prst="rect">
-            <a:avLst/>
-          </a:prstGeom>
-          <a:noFill/>
-        </p:spPr>
-        <p:txBody>
-          <a:bodyPr wrap="none" rtlCol="0">
-            <a:spAutoFit/>
-          </a:bodyPr>
-          <a:lstStyle/>
-          <a:p>
-            <a:r>
-              <a:rPr lang="en-US" altLang="zh-CN" dirty="0" smtClean="0"/>
-              <a:t>computational modeling </a:t>
-            </a:r>
-          </a:p>
-          <a:p>
-            <a:r>
-              <a:rPr lang="en-US" altLang="zh-CN" dirty="0" smtClean="0"/>
-              <a:t>of crowd behavior</a:t>
-            </a:r>
-            <a:endParaRPr lang="zh-CN" altLang="en-US" dirty="0"/>
-          </a:p>
-        </p:txBody>
-      </p:sp>
-      <p:sp>
-        <p:nvSpPr>
-          <p:cNvPr id="5" name="文本框 4"/>
-          <p:cNvSpPr txBox="1"/>
-          <p:nvPr/>
-        </p:nvSpPr>
-        <p:spPr>
-          <a:xfrm>
-            <a:off x="1028565" y="2852280"/>
-            <a:ext cx="7845225" cy="1200329"/>
-          </a:xfrm>
-          <a:prstGeom prst="rect">
-            <a:avLst/>
-          </a:prstGeom>
-          <a:noFill/>
-        </p:spPr>
-        <p:txBody>
-          <a:bodyPr wrap="none" rtlCol="0">
-            <a:spAutoFit/>
-          </a:bodyPr>
-          <a:lstStyle/>
-          <a:p>
-            <a:r>
-              <a:rPr lang="en-US" altLang="zh-CN" dirty="0" smtClean="0"/>
-              <a:t>continuum-based approach</a:t>
-            </a:r>
-            <a:r>
-              <a:rPr lang="zh-CN" altLang="en-US" dirty="0" smtClean="0"/>
-              <a:t>：</a:t>
-            </a:r>
-            <a:r>
-              <a:rPr lang="en-US" altLang="zh-CN" dirty="0" smtClean="0"/>
-              <a:t> medium- and high-density crowds</a:t>
-            </a:r>
-          </a:p>
+          <p:cNvPr id="2" name="矩形 1"/>
+          <p:cNvSpPr/>
+          <p:nvPr/>
+        </p:nvSpPr>
+        <p:spPr>
+          <a:xfrm>
+            <a:off x="728421" y="2415309"/>
+            <a:ext cx="8795288" cy="1477328"/>
+          </a:xfrm>
+          <a:prstGeom prst="rect">
+            <a:avLst/>
+          </a:prstGeom>
+        </p:spPr>
+        <p:txBody>
+          <a:bodyPr wrap="square">
+            <a:spAutoFit/>
+          </a:bodyPr>
+          <a:lstStyle/>
           <a:p>
             <a:r>
               <a:rPr lang="en-US" altLang="zh-CN" dirty="0"/>
-              <a:t>	</a:t>
-            </a:r>
-            <a:r>
-              <a:rPr lang="en-US" altLang="zh-CN" dirty="0" smtClean="0"/>
-              <a:t>		the crowd is treated as a physical ﬂuid with particles</a:t>
-            </a:r>
+              <a:t>crowd Scene </a:t>
+            </a:r>
+            <a:r>
+              <a:rPr lang="zh-CN" altLang="en-US" dirty="0"/>
+              <a:t>分两类</a:t>
+            </a:r>
+            <a:endParaRPr lang="en-US" altLang="zh-CN" dirty="0"/>
           </a:p>
           <a:p>
             <a:r>
               <a:rPr lang="en-US" altLang="zh-CN" dirty="0"/>
-              <a:t>	</a:t>
-            </a:r>
-            <a:r>
-              <a:rPr lang="en-US" altLang="zh-CN" dirty="0" smtClean="0"/>
-              <a:t>		,thus a lot of analytical methods from statistical </a:t>
+              <a:t>At the macroscopic level, we are interested in the global motions of a mass of </a:t>
             </a:r>
           </a:p>
           <a:p>
             <a:r>
               <a:rPr lang="en-US" altLang="zh-CN" dirty="0"/>
-              <a:t>	</a:t>
-            </a:r>
-            <a:r>
-              <a:rPr lang="en-US" altLang="zh-CN" dirty="0" smtClean="0"/>
-              <a:t>		mechanics and thermodynamics are introduced </a:t>
-            </a:r>
-            <a:endParaRPr lang="zh-CN" altLang="en-US" dirty="0"/>
-          </a:p>
-        </p:txBody>
-      </p:sp>
-      <p:sp>
-        <p:nvSpPr>
-          <p:cNvPr id="6" name="文本框 5"/>
-          <p:cNvSpPr txBox="1"/>
-          <p:nvPr/>
-        </p:nvSpPr>
-        <p:spPr>
-          <a:xfrm>
-            <a:off x="1243369" y="4228542"/>
-            <a:ext cx="7309630" cy="1477328"/>
-          </a:xfrm>
-          <a:prstGeom prst="rect">
-            <a:avLst/>
-          </a:prstGeom>
-          <a:noFill/>
-        </p:spPr>
-        <p:txBody>
-          <a:bodyPr wrap="none" rtlCol="0">
-            <a:spAutoFit/>
-          </a:bodyPr>
-          <a:lstStyle/>
-          <a:p>
-            <a:r>
-              <a:rPr lang="en-US" altLang="zh-CN" dirty="0" smtClean="0"/>
-              <a:t>agent-based approach</a:t>
-            </a:r>
-            <a:r>
-              <a:rPr lang="zh-CN" altLang="en-US" dirty="0" smtClean="0"/>
-              <a:t>：</a:t>
-            </a:r>
-            <a:r>
-              <a:rPr lang="en-US" altLang="zh-CN" dirty="0" smtClean="0"/>
-              <a:t>low-density crowds</a:t>
+              <a:t>	people, without concerning the movements of any individual;</a:t>
             </a:r>
           </a:p>
           <a:p>
             <a:r>
               <a:rPr lang="en-US" altLang="zh-CN" dirty="0"/>
-              <a:t>	</a:t>
-            </a:r>
-            <a:r>
-              <a:rPr lang="en-US" altLang="zh-CN" dirty="0" smtClean="0"/>
-              <a:t>		individuals in the crowd are considered as </a:t>
+              <a:t>at the microscopic level, we concern the movements of each individual pedestrian</a:t>
             </a:r>
           </a:p>
           <a:p>
             <a:r>
               <a:rPr lang="en-US" altLang="zh-CN" dirty="0"/>
-              <a:t>	</a:t>
-            </a:r>
-            <a:r>
-              <a:rPr lang="en-US" altLang="zh-CN" dirty="0" smtClean="0"/>
-              <a:t>		autonomous agents which actively sense the </a:t>
-            </a:r>
-          </a:p>
-          <a:p>
-            <a:r>
-              <a:rPr lang="en-US" altLang="zh-CN" dirty="0"/>
-              <a:t>	</a:t>
-            </a:r>
-            <a:r>
-              <a:rPr lang="en-US" altLang="zh-CN" dirty="0" smtClean="0"/>
-              <a:t>		environment and make decisions according to </a:t>
-            </a:r>
-          </a:p>
-          <a:p>
-            <a:r>
-              <a:rPr lang="en-US" altLang="zh-CN" dirty="0"/>
-              <a:t>	</a:t>
-            </a:r>
-            <a:r>
-              <a:rPr lang="en-US" altLang="zh-CN" dirty="0" smtClean="0"/>
-              <a:t>		some predefined rules  </a:t>
-            </a:r>
-            <a:endParaRPr lang="zh-CN" altLang="en-US" dirty="0"/>
-          </a:p>
-        </p:txBody>
-      </p:sp>
-      <p:sp>
-        <p:nvSpPr>
-          <p:cNvPr id="7" name="左大括号 6"/>
-          <p:cNvSpPr/>
-          <p:nvPr/>
-        </p:nvSpPr>
-        <p:spPr>
-          <a:xfrm>
-            <a:off x="415703" y="2989204"/>
-            <a:ext cx="293780" cy="1780467"/>
-          </a:xfrm>
-          <a:prstGeom prst="leftBrace">
-            <a:avLst/>
-          </a:prstGeom>
-        </p:spPr>
-        <p:style>
-          <a:lnRef idx="1">
-            <a:schemeClr val="accent1"/>
-          </a:lnRef>
-          <a:fillRef idx="0">
-            <a:schemeClr val="accent1"/>
-          </a:fillRef>
-          <a:effectRef idx="0">
-            <a:schemeClr val="accent1"/>
-          </a:effectRef>
-          <a:fontRef idx="minor">
-            <a:schemeClr val="tx1"/>
-          </a:fontRef>
-        </p:style>
-        <p:txBody>
-          <a:bodyPr rtlCol="0" anchor="ctr"/>
-          <a:lstStyle/>
-          <a:p>
-            <a:pPr algn="ctr"/>
-            <a:endParaRPr lang="zh-CN" altLang="en-US"/>
-          </a:p>
-        </p:txBody>
-      </p:sp>
-      <p:sp>
-        <p:nvSpPr>
-          <p:cNvPr id="8" name="文本框 7"/>
-          <p:cNvSpPr txBox="1"/>
-          <p:nvPr/>
-        </p:nvSpPr>
-        <p:spPr>
-          <a:xfrm>
-            <a:off x="1322345" y="3039310"/>
-            <a:ext cx="1858779" cy="369332"/>
-          </a:xfrm>
-          <a:prstGeom prst="rect">
-            <a:avLst/>
-          </a:prstGeom>
-          <a:noFill/>
-        </p:spPr>
-        <p:txBody>
-          <a:bodyPr wrap="none" rtlCol="0">
-            <a:spAutoFit/>
-          </a:bodyPr>
-          <a:lstStyle/>
-          <a:p>
-            <a:r>
-              <a:rPr lang="en-US" altLang="zh-CN" dirty="0" smtClean="0">
-                <a:solidFill>
-                  <a:srgbClr val="FF0000"/>
-                </a:solidFill>
-              </a:rPr>
-              <a:t>Macroscopic level</a:t>
-            </a:r>
-            <a:endParaRPr lang="zh-CN" altLang="en-US" dirty="0">
-              <a:solidFill>
-                <a:srgbClr val="FF0000"/>
-              </a:solidFill>
-            </a:endParaRPr>
-          </a:p>
-        </p:txBody>
-      </p:sp>
-      <p:sp>
-        <p:nvSpPr>
-          <p:cNvPr id="9" name="文本框 8"/>
-          <p:cNvSpPr txBox="1"/>
-          <p:nvPr/>
-        </p:nvSpPr>
-        <p:spPr>
-          <a:xfrm>
-            <a:off x="1322345" y="4511319"/>
-            <a:ext cx="1858779" cy="369332"/>
-          </a:xfrm>
-          <a:prstGeom prst="rect">
-            <a:avLst/>
-          </a:prstGeom>
-          <a:noFill/>
-        </p:spPr>
-        <p:txBody>
-          <a:bodyPr wrap="none" rtlCol="0">
-            <a:spAutoFit/>
-          </a:bodyPr>
-          <a:lstStyle/>
-          <a:p>
-            <a:r>
-              <a:rPr lang="en-US" altLang="zh-CN" dirty="0" smtClean="0">
-                <a:solidFill>
-                  <a:srgbClr val="FF0000"/>
-                </a:solidFill>
-              </a:rPr>
-              <a:t>microscopic level</a:t>
-            </a:r>
-            <a:endParaRPr lang="zh-CN" altLang="en-US" dirty="0">
-              <a:solidFill>
-                <a:srgbClr val="FF0000"/>
-              </a:solidFill>
-            </a:endParaRPr>
-          </a:p>
-        </p:txBody>
-      </p:sp>
-      <p:sp>
-        <p:nvSpPr>
-          <p:cNvPr id="10" name="椭圆 9"/>
-          <p:cNvSpPr/>
-          <p:nvPr/>
-        </p:nvSpPr>
-        <p:spPr>
-          <a:xfrm>
-            <a:off x="7284203" y="5455403"/>
-            <a:ext cx="914400" cy="250467"/>
-          </a:xfrm>
-          <a:prstGeom prst="ellipse">
-            <a:avLst/>
-          </a:prstGeom>
-        </p:spPr>
-        <p:style>
-          <a:lnRef idx="2">
-            <a:schemeClr val="accent1">
-              <a:shade val="50000"/>
-            </a:schemeClr>
-          </a:lnRef>
-          <a:fillRef idx="1">
-            <a:schemeClr val="accent1"/>
-          </a:fillRef>
-          <a:effectRef idx="0">
-            <a:schemeClr val="accent1"/>
-          </a:effectRef>
-          <a:fontRef idx="minor">
-            <a:schemeClr val="lt1"/>
-          </a:fontRef>
-        </p:style>
-        <p:txBody>
-          <a:bodyPr rtlCol="0" anchor="ctr"/>
-          <a:lstStyle/>
-          <a:p>
-            <a:pPr algn="ctr"/>
-            <a:r>
-              <a:rPr lang="en-US" altLang="zh-CN" dirty="0" smtClean="0"/>
-              <a:t>SFM</a:t>
+              <a:t>	and do analyze according to the collective information of them.</a:t>
             </a:r>
             <a:endParaRPr lang="zh-CN" altLang="en-US" dirty="0"/>
           </a:p>
@@ -4369,7 +4993,7 @@
     </p:spTree>
     <p:extLst>
       <p:ext uri="{BB962C8B-B14F-4D97-AF65-F5344CB8AC3E}">
-        <p14:creationId xmlns:p14="http://schemas.microsoft.com/office/powerpoint/2010/main" val="1985622011"/>
+        <p14:creationId xmlns:p14="http://schemas.microsoft.com/office/powerpoint/2010/main" val="1805299419"/>
       </p:ext>
     </p:extLst>
   </p:cSld>
@@ -4404,8 +5028,8 @@
         </p:nvSpPr>
         <p:spPr>
           <a:xfrm>
-            <a:off x="263471" y="185980"/>
-            <a:ext cx="4098686" cy="369332"/>
+            <a:off x="278969" y="356461"/>
+            <a:ext cx="8463151" cy="923330"/>
           </a:xfrm>
           <a:prstGeom prst="rect">
             <a:avLst/>
@@ -4418,9 +5042,32 @@
           </a:bodyPr>
           <a:lstStyle/>
           <a:p>
-            <a:r>
-              <a:rPr lang="en-US" altLang="zh-CN" dirty="0" smtClean="0"/>
-              <a:t>Motion representation in crowded scenes</a:t>
+            <a:pPr marL="342900" indent="-342900">
+              <a:buAutoNum type="alphaUcPeriod"/>
+            </a:pPr>
+            <a:r>
+              <a:rPr lang="en-US" altLang="zh-CN" dirty="0" smtClean="0"/>
+              <a:t>Models in Crowd Dynamics (</a:t>
+            </a:r>
+            <a:r>
+              <a:rPr lang="zh-CN" altLang="en-US" dirty="0" smtClean="0"/>
+              <a:t>群体动力学模型</a:t>
+            </a:r>
+            <a:r>
+              <a:rPr lang="en-US" altLang="zh-CN" dirty="0" smtClean="0"/>
+              <a:t>)</a:t>
+            </a:r>
+          </a:p>
+          <a:p>
+            <a:r>
+              <a:rPr lang="en-US" altLang="zh-CN" dirty="0" smtClean="0"/>
+              <a:t>the study of how and where crowds form and move above the critical density level [41], </a:t>
+            </a:r>
+          </a:p>
+          <a:p>
+            <a:r>
+              <a:rPr lang="en-US" altLang="zh-CN" dirty="0" smtClean="0"/>
+              <a:t>and how individuals in the crowd interact with each other to inﬂuence the crowd status.</a:t>
             </a:r>
             <a:endParaRPr lang="zh-CN" altLang="en-US" dirty="0"/>
           </a:p>
@@ -4428,14 +5075,208 @@
       </p:sp>
       <p:sp>
         <p:nvSpPr>
-          <p:cNvPr id="3" name="左大括号 2"/>
+          <p:cNvPr id="4" name="文本框 3"/>
+          <p:cNvSpPr txBox="1"/>
+          <p:nvPr/>
+        </p:nvSpPr>
+        <p:spPr>
+          <a:xfrm>
+            <a:off x="271627" y="1861111"/>
+            <a:ext cx="2535822" cy="646331"/>
+          </a:xfrm>
+          <a:prstGeom prst="rect">
+            <a:avLst/>
+          </a:prstGeom>
+          <a:noFill/>
+        </p:spPr>
+        <p:txBody>
+          <a:bodyPr wrap="none" rtlCol="0">
+            <a:spAutoFit/>
+          </a:bodyPr>
+          <a:lstStyle/>
+          <a:p>
+            <a:r>
+              <a:rPr lang="en-US" altLang="zh-CN" dirty="0" smtClean="0"/>
+              <a:t>computational modeling </a:t>
+            </a:r>
+          </a:p>
+          <a:p>
+            <a:r>
+              <a:rPr lang="en-US" altLang="zh-CN" dirty="0" smtClean="0"/>
+              <a:t>of crowd behavior</a:t>
+            </a:r>
+            <a:endParaRPr lang="zh-CN" altLang="en-US" dirty="0"/>
+          </a:p>
+        </p:txBody>
+      </p:sp>
+      <p:sp>
+        <p:nvSpPr>
+          <p:cNvPr id="5" name="文本框 4"/>
+          <p:cNvSpPr txBox="1"/>
+          <p:nvPr/>
+        </p:nvSpPr>
+        <p:spPr>
+          <a:xfrm>
+            <a:off x="1028565" y="2852280"/>
+            <a:ext cx="7845225" cy="1200329"/>
+          </a:xfrm>
+          <a:prstGeom prst="rect">
+            <a:avLst/>
+          </a:prstGeom>
+          <a:noFill/>
+        </p:spPr>
+        <p:txBody>
+          <a:bodyPr wrap="none" rtlCol="0">
+            <a:spAutoFit/>
+          </a:bodyPr>
+          <a:lstStyle/>
+          <a:p>
+            <a:r>
+              <a:rPr lang="en-US" altLang="zh-CN" dirty="0" smtClean="0"/>
+              <a:t>continuum-based approach</a:t>
+            </a:r>
+            <a:r>
+              <a:rPr lang="zh-CN" altLang="en-US" dirty="0" smtClean="0"/>
+              <a:t>：</a:t>
+            </a:r>
+            <a:r>
+              <a:rPr lang="en-US" altLang="zh-CN" dirty="0" smtClean="0"/>
+              <a:t> medium- and high-density crowds</a:t>
+            </a:r>
+          </a:p>
+          <a:p>
+            <a:r>
+              <a:rPr lang="en-US" altLang="zh-CN" dirty="0"/>
+              <a:t>	</a:t>
+            </a:r>
+            <a:r>
+              <a:rPr lang="en-US" altLang="zh-CN" dirty="0" smtClean="0"/>
+              <a:t>		the crowd is treated as a physical ﬂuid with particles</a:t>
+            </a:r>
+          </a:p>
+          <a:p>
+            <a:r>
+              <a:rPr lang="en-US" altLang="zh-CN" dirty="0"/>
+              <a:t>	</a:t>
+            </a:r>
+            <a:r>
+              <a:rPr lang="en-US" altLang="zh-CN" dirty="0" smtClean="0"/>
+              <a:t>[43,44]</a:t>
+            </a:r>
+            <a:r>
+              <a:rPr lang="en-US" altLang="zh-CN" dirty="0" smtClean="0"/>
+              <a:t>		,thus a lot of analytical methods from statistical </a:t>
+            </a:r>
+          </a:p>
+          <a:p>
+            <a:r>
+              <a:rPr lang="en-US" altLang="zh-CN" dirty="0"/>
+              <a:t>	</a:t>
+            </a:r>
+            <a:r>
+              <a:rPr lang="en-US" altLang="zh-CN" dirty="0" smtClean="0"/>
+              <a:t>		mechanics and thermodynamics are introduced </a:t>
+            </a:r>
+            <a:endParaRPr lang="zh-CN" altLang="en-US" dirty="0"/>
+          </a:p>
+        </p:txBody>
+      </p:sp>
+      <p:sp>
+        <p:nvSpPr>
+          <p:cNvPr id="6" name="文本框 5"/>
+          <p:cNvSpPr txBox="1"/>
+          <p:nvPr/>
+        </p:nvSpPr>
+        <p:spPr>
+          <a:xfrm>
+            <a:off x="1243369" y="4228542"/>
+            <a:ext cx="7309630" cy="1477328"/>
+          </a:xfrm>
+          <a:prstGeom prst="rect">
+            <a:avLst/>
+          </a:prstGeom>
+          <a:noFill/>
+        </p:spPr>
+        <p:txBody>
+          <a:bodyPr wrap="none" rtlCol="0">
+            <a:spAutoFit/>
+          </a:bodyPr>
+          <a:lstStyle/>
+          <a:p>
+            <a:r>
+              <a:rPr lang="en-US" altLang="zh-CN" dirty="0" smtClean="0"/>
+              <a:t>agent-based approach</a:t>
+            </a:r>
+            <a:r>
+              <a:rPr lang="zh-CN" altLang="en-US" dirty="0" smtClean="0"/>
+              <a:t>：</a:t>
+            </a:r>
+            <a:r>
+              <a:rPr lang="en-US" altLang="zh-CN" dirty="0" smtClean="0"/>
+              <a:t>low-density crowds</a:t>
+            </a:r>
+          </a:p>
+          <a:p>
+            <a:r>
+              <a:rPr lang="en-US" altLang="zh-CN" dirty="0"/>
+              <a:t>	</a:t>
+            </a:r>
+            <a:r>
+              <a:rPr lang="en-US" altLang="zh-CN" dirty="0" smtClean="0"/>
+              <a:t>		individuals in the crowd are considered as </a:t>
+            </a:r>
+          </a:p>
+          <a:p>
+            <a:r>
+              <a:rPr lang="en-US" altLang="zh-CN" dirty="0"/>
+              <a:t>	</a:t>
+            </a:r>
+            <a:r>
+              <a:rPr lang="en-US" altLang="zh-CN" dirty="0" smtClean="0"/>
+              <a:t>		autonomous agents which actively sense the </a:t>
+            </a:r>
+          </a:p>
+          <a:p>
+            <a:r>
+              <a:rPr lang="en-US" altLang="zh-CN" dirty="0"/>
+              <a:t>	</a:t>
+            </a:r>
+            <a:r>
+              <a:rPr lang="en-US" altLang="zh-CN" dirty="0"/>
+              <a:t> [</a:t>
+            </a:r>
+            <a:r>
+              <a:rPr lang="en-US" altLang="zh-CN" dirty="0" smtClean="0"/>
+              <a:t>41,45] </a:t>
+            </a:r>
+            <a:r>
+              <a:rPr lang="en-US" altLang="zh-CN" dirty="0" smtClean="0"/>
+              <a:t>		environment and make decisions according to </a:t>
+            </a:r>
+          </a:p>
+          <a:p>
+            <a:r>
+              <a:rPr lang="en-US" altLang="zh-CN" dirty="0"/>
+              <a:t>	</a:t>
+            </a:r>
+            <a:r>
+              <a:rPr lang="en-US" altLang="zh-CN" dirty="0" smtClean="0"/>
+              <a:t>		some predefined rules  </a:t>
+            </a:r>
+            <a:endParaRPr lang="zh-CN" altLang="en-US" dirty="0"/>
+          </a:p>
+        </p:txBody>
+      </p:sp>
+      <p:sp>
+        <p:nvSpPr>
+          <p:cNvPr id="7" name="左大括号 6"/>
           <p:cNvSpPr/>
           <p:nvPr/>
         </p:nvSpPr>
         <p:spPr>
           <a:xfrm>
-            <a:off x="526942" y="1301857"/>
-            <a:ext cx="371960" cy="4231038"/>
+            <a:off x="415703" y="2989204"/>
+            <a:ext cx="293780" cy="1780467"/>
           </a:xfrm>
           <a:prstGeom prst="leftBrace">
             <a:avLst/>
@@ -4466,142 +5307,14 @@
       </p:sp>
       <p:sp>
         <p:nvSpPr>
-          <p:cNvPr id="4" name="文本框 3"/>
-          <p:cNvSpPr txBox="1"/>
-          <p:nvPr/>
-        </p:nvSpPr>
-        <p:spPr>
-          <a:xfrm>
-            <a:off x="1332854" y="1301857"/>
-            <a:ext cx="5467331" cy="369332"/>
-          </a:xfrm>
-          <a:prstGeom prst="rect">
-            <a:avLst/>
-          </a:prstGeom>
-          <a:noFill/>
-        </p:spPr>
-        <p:txBody>
-          <a:bodyPr wrap="none" rtlCol="0">
-            <a:spAutoFit/>
-          </a:bodyPr>
-          <a:lstStyle/>
-          <a:p>
-            <a:r>
-              <a:rPr lang="en-US" altLang="zh-CN" dirty="0" smtClean="0"/>
-              <a:t>ﬂow-based features: extracted densely on the pixel level.</a:t>
-            </a:r>
-            <a:endParaRPr lang="zh-CN" altLang="en-US" dirty="0"/>
-          </a:p>
-        </p:txBody>
-      </p:sp>
-      <p:sp>
-        <p:nvSpPr>
-          <p:cNvPr id="5" name="文本框 4"/>
-          <p:cNvSpPr txBox="1"/>
-          <p:nvPr/>
-        </p:nvSpPr>
-        <p:spPr>
-          <a:xfrm>
-            <a:off x="816122" y="3232710"/>
-            <a:ext cx="7810728" cy="369332"/>
-          </a:xfrm>
-          <a:prstGeom prst="rect">
-            <a:avLst/>
-          </a:prstGeom>
-          <a:noFill/>
-        </p:spPr>
-        <p:txBody>
-          <a:bodyPr wrap="none" rtlCol="0">
-            <a:spAutoFit/>
-          </a:bodyPr>
-          <a:lstStyle/>
-          <a:p>
-            <a:r>
-              <a:rPr lang="en-US" altLang="zh-CN" dirty="0" smtClean="0"/>
-              <a:t>local spatiotemporal features: local information from (2-D) patches or 3-D cubes. </a:t>
-            </a:r>
-            <a:endParaRPr lang="zh-CN" altLang="en-US" dirty="0"/>
-          </a:p>
-        </p:txBody>
-      </p:sp>
-      <p:sp>
-        <p:nvSpPr>
-          <p:cNvPr id="6" name="文本框 5"/>
-          <p:cNvSpPr txBox="1"/>
-          <p:nvPr/>
-        </p:nvSpPr>
-        <p:spPr>
-          <a:xfrm>
-            <a:off x="1407393" y="5532895"/>
-            <a:ext cx="4786247" cy="369332"/>
-          </a:xfrm>
-          <a:prstGeom prst="rect">
-            <a:avLst/>
-          </a:prstGeom>
-          <a:noFill/>
-        </p:spPr>
-        <p:txBody>
-          <a:bodyPr wrap="none" rtlCol="0">
-            <a:spAutoFit/>
-          </a:bodyPr>
-          <a:lstStyle/>
-          <a:p>
-            <a:r>
-              <a:rPr lang="en-US" altLang="zh-CN" dirty="0" smtClean="0"/>
-              <a:t>trajectory/</a:t>
-            </a:r>
-            <a:r>
-              <a:rPr lang="en-US" altLang="zh-CN" dirty="0" err="1" smtClean="0"/>
-              <a:t>tracklet</a:t>
-            </a:r>
-            <a:r>
-              <a:rPr lang="en-US" altLang="zh-CN" dirty="0" smtClean="0"/>
-              <a:t>: compute the individual tracks</a:t>
-            </a:r>
-            <a:endParaRPr lang="zh-CN" altLang="en-US" dirty="0"/>
-          </a:p>
-        </p:txBody>
-      </p:sp>
-      <p:sp>
-        <p:nvSpPr>
-          <p:cNvPr id="7" name="文本框 6"/>
-          <p:cNvSpPr txBox="1"/>
-          <p:nvPr/>
-        </p:nvSpPr>
-        <p:spPr>
-          <a:xfrm>
-            <a:off x="1813302" y="1906292"/>
-            <a:ext cx="6144695" cy="369332"/>
-          </a:xfrm>
-          <a:prstGeom prst="rect">
-            <a:avLst/>
-          </a:prstGeom>
-          <a:noFill/>
-        </p:spPr>
-        <p:txBody>
-          <a:bodyPr wrap="none" rtlCol="0">
-            <a:spAutoFit/>
-          </a:bodyPr>
-          <a:lstStyle/>
-          <a:p>
-            <a:r>
-              <a:rPr lang="en-US" altLang="zh-CN" dirty="0" smtClean="0"/>
-              <a:t>high-density crowded scenes, tracking is difﬁcult and unfeasible</a:t>
-            </a:r>
-            <a:endParaRPr lang="zh-CN" altLang="en-US" dirty="0"/>
-          </a:p>
-        </p:txBody>
-      </p:sp>
-      <p:sp>
-        <p:nvSpPr>
           <p:cNvPr id="8" name="文本框 7"/>
           <p:cNvSpPr txBox="1"/>
           <p:nvPr/>
         </p:nvSpPr>
         <p:spPr>
           <a:xfrm>
-            <a:off x="1813302" y="2258943"/>
-            <a:ext cx="7025513" cy="923330"/>
+            <a:off x="1322345" y="3039310"/>
+            <a:ext cx="1858779" cy="369332"/>
           </a:xfrm>
           <a:prstGeom prst="rect">
             <a:avLst/>
@@ -4615,59 +5328,31 @@
           <a:lstStyle/>
           <a:p>
             <a:r>
-              <a:rPr lang="en-US" altLang="zh-CN" dirty="0" smtClean="0"/>
-              <a:t>Optical Flow,</a:t>
-            </a:r>
-          </a:p>
-          <a:p>
-            <a:r>
-              <a:rPr lang="en-US" altLang="zh-CN" dirty="0" smtClean="0"/>
-              <a:t>Particle Flow, spatial changes are ignored, and time delay is significant.</a:t>
-            </a:r>
-          </a:p>
-          <a:p>
-            <a:r>
-              <a:rPr lang="en-US" altLang="zh-CN" dirty="0" smtClean="0"/>
-              <a:t>Streak Flow,</a:t>
-            </a:r>
-            <a:endParaRPr lang="zh-CN" altLang="en-US" dirty="0"/>
-          </a:p>
-        </p:txBody>
-      </p:sp>
-      <p:pic>
-        <p:nvPicPr>
-          <p:cNvPr id="9" name="图片 8"/>
-          <p:cNvPicPr>
-            <a:picLocks noChangeAspect="1"/>
-          </p:cNvPicPr>
-          <p:nvPr/>
-        </p:nvPicPr>
-        <p:blipFill>
-          <a:blip r:embed="rId2"/>
-          <a:stretch>
-            <a:fillRect/>
-          </a:stretch>
-        </p:blipFill>
-        <p:spPr>
-          <a:xfrm>
-            <a:off x="7045496" y="736900"/>
-            <a:ext cx="1793319" cy="1113234"/>
-          </a:xfrm>
-          <a:prstGeom prst="rect">
-            <a:avLst/>
-          </a:prstGeom>
-        </p:spPr>
-      </p:pic>
-      <p:sp>
-        <p:nvSpPr>
-          <p:cNvPr id="10" name="文本框 9"/>
+              <a:rPr lang="en-US" altLang="zh-CN" dirty="0" smtClean="0">
+                <a:solidFill>
+                  <a:srgbClr val="FF0000"/>
+                </a:solidFill>
+              </a:rPr>
+              <a:t>Macroscopic level</a:t>
+            </a:r>
+            <a:endParaRPr lang="zh-CN" altLang="en-US" dirty="0">
+              <a:solidFill>
+                <a:srgbClr val="FF0000"/>
+              </a:solidFill>
+            </a:endParaRPr>
+          </a:p>
+        </p:txBody>
+      </p:sp>
+      <p:sp>
+        <p:nvSpPr>
+          <p:cNvPr id="9" name="文本框 8"/>
           <p:cNvSpPr txBox="1"/>
           <p:nvPr/>
         </p:nvSpPr>
         <p:spPr>
           <a:xfrm>
-            <a:off x="1813302" y="3652479"/>
-            <a:ext cx="6151428" cy="923330"/>
+            <a:off x="1322345" y="4511319"/>
+            <a:ext cx="1858779" cy="369332"/>
           </a:xfrm>
           <a:prstGeom prst="rect">
             <a:avLst/>
@@ -4681,132 +5366,60 @@
           <a:lstStyle/>
           <a:p>
             <a:r>
-              <a:rPr lang="en-US" altLang="zh-CN" dirty="0" smtClean="0"/>
-              <a:t>exploit the dense local motion patterns created by the subjects,</a:t>
-            </a:r>
-          </a:p>
-          <a:p>
-            <a:r>
-              <a:rPr lang="en-US" altLang="zh-CN" dirty="0" smtClean="0"/>
-              <a:t> and model their </a:t>
-            </a:r>
-            <a:r>
-              <a:rPr lang="en-US" altLang="zh-CN" dirty="0" err="1" smtClean="0"/>
-              <a:t>spatio</a:t>
-            </a:r>
-            <a:r>
-              <a:rPr lang="en-US" altLang="zh-CN" dirty="0" smtClean="0"/>
-              <a:t>-temporal relationships to represent the</a:t>
-            </a:r>
-          </a:p>
-          <a:p>
-            <a:r>
-              <a:rPr lang="en-US" altLang="zh-CN" dirty="0" smtClean="0"/>
-              <a:t> underlying intrinsic structure they form in the video</a:t>
-            </a:r>
-            <a:endParaRPr lang="zh-CN" altLang="en-US" dirty="0"/>
-          </a:p>
-        </p:txBody>
-      </p:sp>
-      <p:sp>
-        <p:nvSpPr>
-          <p:cNvPr id="11" name="文本框 10"/>
-          <p:cNvSpPr txBox="1"/>
-          <p:nvPr/>
-        </p:nvSpPr>
-        <p:spPr>
-          <a:xfrm>
-            <a:off x="1983783" y="4575809"/>
-            <a:ext cx="2653099" cy="646331"/>
-          </a:xfrm>
-          <a:prstGeom prst="rect">
-            <a:avLst/>
-          </a:prstGeom>
-          <a:noFill/>
-        </p:spPr>
-        <p:txBody>
-          <a:bodyPr wrap="none" rtlCol="0">
-            <a:spAutoFit/>
-          </a:bodyPr>
-          <a:lstStyle/>
-          <a:p>
-            <a:r>
-              <a:rPr lang="en-US" altLang="zh-CN" dirty="0" smtClean="0"/>
-              <a:t>Spatiotemporal Gradients:</a:t>
-            </a:r>
-          </a:p>
-          <a:p>
-            <a:r>
-              <a:rPr lang="en-US" altLang="zh-CN" dirty="0" smtClean="0"/>
-              <a:t>Motion Histogram:</a:t>
-            </a:r>
-            <a:endParaRPr lang="zh-CN" altLang="en-US" dirty="0"/>
-          </a:p>
-        </p:txBody>
-      </p:sp>
-      <p:sp>
-        <p:nvSpPr>
-          <p:cNvPr id="12" name="文本框 11"/>
-          <p:cNvSpPr txBox="1"/>
-          <p:nvPr/>
-        </p:nvSpPr>
-        <p:spPr>
-          <a:xfrm>
-            <a:off x="2518448" y="5876485"/>
-            <a:ext cx="1583767" cy="369332"/>
-          </a:xfrm>
-          <a:prstGeom prst="rect">
-            <a:avLst/>
-          </a:prstGeom>
-          <a:noFill/>
-        </p:spPr>
-        <p:txBody>
-          <a:bodyPr wrap="none" rtlCol="0">
-            <a:spAutoFit/>
-          </a:bodyPr>
-          <a:lstStyle/>
-          <a:p>
-            <a:r>
-              <a:rPr lang="en-US" altLang="zh-CN" dirty="0" smtClean="0"/>
-              <a:t>more semantic</a:t>
-            </a:r>
-            <a:endParaRPr lang="zh-CN" altLang="en-US" dirty="0"/>
-          </a:p>
-        </p:txBody>
-      </p:sp>
-      <p:sp>
-        <p:nvSpPr>
-          <p:cNvPr id="13" name="文本框 12"/>
-          <p:cNvSpPr txBox="1"/>
-          <p:nvPr/>
-        </p:nvSpPr>
-        <p:spPr>
-          <a:xfrm>
-            <a:off x="1097182" y="6253957"/>
-            <a:ext cx="8046818" cy="369332"/>
-          </a:xfrm>
-          <a:prstGeom prst="rect">
-            <a:avLst/>
-          </a:prstGeom>
-          <a:noFill/>
-        </p:spPr>
-        <p:txBody>
-          <a:bodyPr wrap="none" rtlCol="0">
-            <a:spAutoFit/>
-          </a:bodyPr>
-          <a:lstStyle/>
-          <a:p>
-            <a:r>
-              <a:rPr lang="en-US" altLang="zh-CN" dirty="0" smtClean="0"/>
-              <a:t>A </a:t>
-            </a:r>
-            <a:r>
-              <a:rPr lang="en-US" altLang="zh-CN" dirty="0" err="1" smtClean="0"/>
-              <a:t>tracklet</a:t>
-            </a:r>
-            <a:r>
-              <a:rPr lang="en-US" altLang="zh-CN" dirty="0" smtClean="0"/>
-              <a:t> is a fragment of a trajectory obtained by the tracker within a short period.</a:t>
+              <a:rPr lang="en-US" altLang="zh-CN" dirty="0" smtClean="0">
+                <a:solidFill>
+                  <a:srgbClr val="FF0000"/>
+                </a:solidFill>
+              </a:rPr>
+              <a:t>microscopic level</a:t>
+            </a:r>
+            <a:endParaRPr lang="zh-CN" altLang="en-US" dirty="0">
+              <a:solidFill>
+                <a:srgbClr val="FF0000"/>
+              </a:solidFill>
+            </a:endParaRPr>
+          </a:p>
+        </p:txBody>
+      </p:sp>
+      <p:sp>
+        <p:nvSpPr>
+          <p:cNvPr id="10" name="椭圆 9"/>
+          <p:cNvSpPr/>
+          <p:nvPr/>
+        </p:nvSpPr>
+        <p:spPr>
+          <a:xfrm>
+            <a:off x="7284203" y="5455403"/>
+            <a:ext cx="914400" cy="250467"/>
+          </a:xfrm>
+          <a:prstGeom prst="ellipse">
+            <a:avLst/>
+          </a:prstGeom>
+        </p:spPr>
+        <p:style>
+          <a:lnRef idx="2">
+            <a:schemeClr val="accent1">
+              <a:shade val="50000"/>
+            </a:schemeClr>
+          </a:lnRef>
+          <a:fillRef idx="1">
+            <a:schemeClr val="accent1"/>
+          </a:fillRef>
+          <a:effectRef idx="0">
+            <a:schemeClr val="accent1"/>
+          </a:effectRef>
+          <a:fontRef idx="minor">
+            <a:schemeClr val="lt1"/>
+          </a:fontRef>
+        </p:style>
+        <p:txBody>
+          <a:bodyPr rtlCol="0" anchor="ctr"/>
+          <a:lstStyle/>
+          <a:p>
+            <a:pPr algn="ctr"/>
+            <a:r>
+              <a:rPr lang="en-US" altLang="zh-CN" dirty="0" smtClean="0"/>
+              <a:t>SFM</a:t>
             </a:r>
             <a:endParaRPr lang="zh-CN" altLang="en-US" dirty="0"/>
           </a:p>
@@ -4815,7 +5428,7 @@
     </p:spTree>
     <p:extLst>
       <p:ext uri="{BB962C8B-B14F-4D97-AF65-F5344CB8AC3E}">
-        <p14:creationId xmlns:p14="http://schemas.microsoft.com/office/powerpoint/2010/main" val="585658036"/>
+        <p14:creationId xmlns:p14="http://schemas.microsoft.com/office/powerpoint/2010/main" val="1985622011"/>
       </p:ext>
     </p:extLst>
   </p:cSld>
@@ -4850,8 +5463,8 @@
         </p:nvSpPr>
         <p:spPr>
           <a:xfrm>
-            <a:off x="356461" y="557939"/>
-            <a:ext cx="8101898" cy="369332"/>
+            <a:off x="263471" y="185980"/>
+            <a:ext cx="4098686" cy="369332"/>
           </a:xfrm>
           <a:prstGeom prst="rect">
             <a:avLst/>
@@ -4866,7 +5479,7 @@
           <a:p>
             <a:r>
               <a:rPr lang="en-US" altLang="zh-CN" dirty="0" smtClean="0"/>
-              <a:t>1.For outdoor scenes, often with wide field of view but low resolution for each target</a:t>
+              <a:t>Motion representation in crowded scenes</a:t>
             </a:r>
             <a:endParaRPr lang="zh-CN" altLang="en-US" dirty="0"/>
           </a:p>
@@ -4874,37 +5487,28 @@
       </p:sp>
       <p:sp>
         <p:nvSpPr>
-          <p:cNvPr id="3" name="文本框 2"/>
-          <p:cNvSpPr txBox="1"/>
-          <p:nvPr/>
-        </p:nvSpPr>
-        <p:spPr>
-          <a:xfrm>
-            <a:off x="914400" y="1115877"/>
-            <a:ext cx="4710777" cy="369332"/>
-          </a:xfrm>
-          <a:prstGeom prst="rect">
-            <a:avLst/>
-          </a:prstGeom>
-          <a:noFill/>
-        </p:spPr>
-        <p:txBody>
-          <a:bodyPr wrap="none" rtlCol="0">
-            <a:spAutoFit/>
-          </a:bodyPr>
-          <a:lstStyle/>
-          <a:p>
-            <a:r>
-              <a:rPr lang="en-US" altLang="zh-CN" dirty="0" smtClean="0"/>
-              <a:t>aim to </a:t>
-            </a:r>
-            <a:r>
-              <a:rPr lang="en-US" altLang="zh-CN" dirty="0" err="1" smtClean="0"/>
-              <a:t>ana-lyze</a:t>
-            </a:r>
-            <a:r>
-              <a:rPr lang="en-US" altLang="zh-CN" dirty="0" smtClean="0"/>
-              <a:t> the holistic crowd motion trends</a:t>
+          <p:cNvPr id="3" name="矩形 2"/>
+          <p:cNvSpPr/>
+          <p:nvPr/>
+        </p:nvSpPr>
+        <p:spPr>
+          <a:xfrm>
+            <a:off x="1141586" y="1416521"/>
+            <a:ext cx="6331057" cy="369332"/>
+          </a:xfrm>
+          <a:prstGeom prst="rect">
+            <a:avLst/>
+          </a:prstGeom>
+        </p:spPr>
+        <p:txBody>
+          <a:bodyPr wrap="square">
+            <a:spAutoFit/>
+          </a:bodyPr>
+          <a:lstStyle/>
+          <a:p>
+            <a:r>
+              <a:rPr lang="en-US" altLang="zh-CN" dirty="0"/>
+              <a:t>ﬂow-based features: extracted densely on the pixel level.</a:t>
             </a:r>
             <a:endParaRPr lang="zh-CN" altLang="en-US" dirty="0"/>
           </a:p>
@@ -4918,8 +5522,8 @@
         </p:nvSpPr>
         <p:spPr>
           <a:xfrm>
-            <a:off x="1952786" y="1485209"/>
-            <a:ext cx="1277273" cy="369332"/>
+            <a:off x="1141586" y="2400402"/>
+            <a:ext cx="7810728" cy="369332"/>
           </a:xfrm>
           <a:prstGeom prst="rect">
             <a:avLst/>
@@ -4934,7 +5538,7 @@
           <a:p>
             <a:r>
               <a:rPr lang="en-US" altLang="zh-CN" dirty="0" smtClean="0"/>
-              <a:t>optical ﬂow</a:t>
+              <a:t>local spatiotemporal features: local information from (2-D) patches or 3-D cubes. </a:t>
             </a:r>
             <a:endParaRPr lang="zh-CN" altLang="en-US" dirty="0"/>
           </a:p>
@@ -4948,8 +5552,8 @@
         </p:nvSpPr>
         <p:spPr>
           <a:xfrm>
-            <a:off x="588936" y="2464231"/>
-            <a:ext cx="6350585" cy="646331"/>
+            <a:off x="1141586" y="3384283"/>
+            <a:ext cx="4786247" cy="369332"/>
           </a:xfrm>
           <a:prstGeom prst="rect">
             <a:avLst/>
@@ -4964,73 +5568,7 @@
           <a:p>
             <a:r>
               <a:rPr lang="en-US" altLang="zh-CN" dirty="0" smtClean="0"/>
-              <a:t>2.For indoor scenes, he resolution of a single target is high enough</a:t>
-            </a:r>
-          </a:p>
-          <a:p>
-            <a:r>
-              <a:rPr lang="en-US" altLang="zh-CN" dirty="0" smtClean="0"/>
-              <a:t> and the crowd density may not be so high.</a:t>
-            </a:r>
-            <a:endParaRPr lang="zh-CN" altLang="en-US" dirty="0"/>
-          </a:p>
-        </p:txBody>
-      </p:sp>
-      <p:sp>
-        <p:nvSpPr>
-          <p:cNvPr id="7" name="文本框 6"/>
-          <p:cNvSpPr txBox="1"/>
-          <p:nvPr/>
-        </p:nvSpPr>
-        <p:spPr>
-          <a:xfrm>
-            <a:off x="1146875" y="3425125"/>
-            <a:ext cx="3890168" cy="369332"/>
-          </a:xfrm>
-          <a:prstGeom prst="rect">
-            <a:avLst/>
-          </a:prstGeom>
-          <a:noFill/>
-        </p:spPr>
-        <p:txBody>
-          <a:bodyPr wrap="none" rtlCol="0">
-            <a:spAutoFit/>
-          </a:bodyPr>
-          <a:lstStyle/>
-          <a:p>
-            <a:r>
-              <a:rPr lang="en-US" altLang="zh-CN" dirty="0" smtClean="0"/>
-              <a:t>analyzing activities or semantic regions </a:t>
-            </a:r>
-            <a:endParaRPr lang="zh-CN" altLang="en-US" dirty="0"/>
-          </a:p>
-        </p:txBody>
-      </p:sp>
-      <p:sp>
-        <p:nvSpPr>
-          <p:cNvPr id="8" name="文本框 7"/>
-          <p:cNvSpPr txBox="1"/>
-          <p:nvPr/>
-        </p:nvSpPr>
-        <p:spPr>
-          <a:xfrm>
-            <a:off x="2076773" y="4109020"/>
-            <a:ext cx="4413581" cy="369332"/>
-          </a:xfrm>
-          <a:prstGeom prst="rect">
-            <a:avLst/>
-          </a:prstGeom>
-          <a:noFill/>
-        </p:spPr>
-        <p:txBody>
-          <a:bodyPr wrap="none" rtlCol="0">
-            <a:spAutoFit/>
-          </a:bodyPr>
-          <a:lstStyle/>
-          <a:p>
-            <a:r>
-              <a:rPr lang="en-US" altLang="zh-CN" dirty="0" smtClean="0"/>
-              <a:t>object trajectories or </a:t>
+              <a:t>trajectory/</a:t>
             </a:r>
             <a:r>
               <a:rPr lang="en-US" altLang="zh-CN" dirty="0" err="1" smtClean="0"/>
@@ -5038,7 +5576,7 @@
             </a:r>
             <a:r>
               <a:rPr lang="en-US" altLang="zh-CN" dirty="0" smtClean="0"/>
-              <a:t>-based features </a:t>
+              <a:t>: compute the individual tracks</a:t>
             </a:r>
             <a:endParaRPr lang="zh-CN" altLang="en-US" dirty="0"/>
           </a:p>
@@ -5046,14 +5584,14 @@
       </p:sp>
       <p:sp>
         <p:nvSpPr>
-          <p:cNvPr id="9" name="文本框 8"/>
+          <p:cNvPr id="6" name="文本框 5"/>
           <p:cNvSpPr txBox="1"/>
           <p:nvPr/>
         </p:nvSpPr>
         <p:spPr>
           <a:xfrm>
-            <a:off x="805912" y="5331417"/>
-            <a:ext cx="4397101" cy="369332"/>
+            <a:off x="1141586" y="4368164"/>
+            <a:ext cx="6777305" cy="369332"/>
           </a:xfrm>
           <a:prstGeom prst="rect">
             <a:avLst/>
@@ -5068,45 +5606,31 @@
           <a:p>
             <a:r>
               <a:rPr lang="en-US" altLang="zh-CN" dirty="0" smtClean="0"/>
-              <a:t>3.crowd density is high with severe occlusion</a:t>
-            </a:r>
-            <a:endParaRPr lang="zh-CN" altLang="en-US" dirty="0"/>
-          </a:p>
-        </p:txBody>
-      </p:sp>
-      <p:sp>
-        <p:nvSpPr>
-          <p:cNvPr id="10" name="文本框 9"/>
-          <p:cNvSpPr txBox="1"/>
-          <p:nvPr/>
-        </p:nvSpPr>
-        <p:spPr>
-          <a:xfrm>
-            <a:off x="2591422" y="6075336"/>
-            <a:ext cx="5743688" cy="369332"/>
-          </a:xfrm>
-          <a:prstGeom prst="rect">
-            <a:avLst/>
-          </a:prstGeom>
-          <a:noFill/>
-        </p:spPr>
-        <p:txBody>
-          <a:bodyPr wrap="none" rtlCol="0">
-            <a:spAutoFit/>
-          </a:bodyPr>
-          <a:lstStyle/>
-          <a:p>
-            <a:r>
-              <a:rPr lang="en-US" altLang="zh-CN" dirty="0" smtClean="0"/>
-              <a:t>Various local </a:t>
-            </a:r>
-            <a:r>
-              <a:rPr lang="en-US" altLang="zh-CN" dirty="0" err="1" smtClean="0"/>
-              <a:t>spatio</a:t>
-            </a:r>
-            <a:r>
-              <a:rPr lang="en-US" altLang="zh-CN" dirty="0" smtClean="0"/>
-              <a:t>-temporal features could be considered.</a:t>
+              <a:t>Deep learning based </a:t>
+            </a:r>
+            <a:r>
+              <a:rPr lang="zh-CN" altLang="en-US" dirty="0"/>
+              <a:t> </a:t>
+            </a:r>
+            <a:r>
+              <a:rPr lang="en-US" altLang="zh-CN" dirty="0" smtClean="0"/>
+              <a:t>feature</a:t>
+            </a:r>
+            <a:r>
+              <a:rPr lang="zh-CN" altLang="en-US" dirty="0" smtClean="0"/>
+              <a:t>：</a:t>
+            </a:r>
+            <a:r>
+              <a:rPr lang="en-US" altLang="zh-CN" dirty="0" smtClean="0"/>
+              <a:t>encode </a:t>
+            </a:r>
+            <a:r>
+              <a:rPr lang="zh-CN" altLang="en-US" dirty="0"/>
+              <a:t> </a:t>
+            </a:r>
+            <a:r>
+              <a:rPr lang="en-US" altLang="zh-CN" dirty="0" smtClean="0"/>
+              <a:t>video by auto-coder and LSTM</a:t>
             </a:r>
             <a:endParaRPr lang="zh-CN" altLang="en-US" dirty="0"/>
           </a:p>
@@ -5115,7 +5639,7 @@
     </p:spTree>
     <p:extLst>
       <p:ext uri="{BB962C8B-B14F-4D97-AF65-F5344CB8AC3E}">
-        <p14:creationId xmlns:p14="http://schemas.microsoft.com/office/powerpoint/2010/main" val="3236769898"/>
+        <p14:creationId xmlns:p14="http://schemas.microsoft.com/office/powerpoint/2010/main" val="3973059805"/>
       </p:ext>
     </p:extLst>
   </p:cSld>
@@ -5150,8 +5674,8 @@
         </p:nvSpPr>
         <p:spPr>
           <a:xfrm>
-            <a:off x="379006" y="191168"/>
-            <a:ext cx="4232441" cy="369332"/>
+            <a:off x="496246" y="795601"/>
+            <a:ext cx="2045175" cy="369332"/>
           </a:xfrm>
           <a:prstGeom prst="rect">
             <a:avLst/>
@@ -5164,9 +5688,10 @@
           <a:lstStyle/>
           <a:p>
             <a:r>
-              <a:rPr lang="zh-CN" altLang="en-US" dirty="0"/>
-              <a:t>CROWD MOTION PATTERN SEGMENTATION</a:t>
-            </a:r>
+              <a:rPr lang="en-US" altLang="zh-CN" dirty="0"/>
+              <a:t>ﬂow-based features</a:t>
+            </a:r>
+            <a:endParaRPr lang="zh-CN" altLang="en-US" dirty="0"/>
           </a:p>
         </p:txBody>
       </p:sp>
@@ -5178,8 +5703,8 @@
         </p:nvSpPr>
         <p:spPr>
           <a:xfrm>
-            <a:off x="999641" y="560500"/>
-            <a:ext cx="6656522" cy="646331"/>
+            <a:off x="1635071" y="1370025"/>
+            <a:ext cx="6858000" cy="369332"/>
           </a:xfrm>
           <a:prstGeom prst="rect">
             <a:avLst/>
@@ -5192,9 +5717,10 @@
           <a:lstStyle/>
           <a:p>
             <a:r>
-              <a:rPr lang="zh-CN" altLang="en-US" dirty="0"/>
-              <a:t>In the crowded scene analysis, it is highly desirable to analyze the motion patterns and obtain some high-level interpretation.</a:t>
-            </a:r>
+              <a:rPr lang="en-US" altLang="zh-CN" dirty="0"/>
+              <a:t>high-density crowded scenes, tracking is difﬁcult and unfeasible</a:t>
+            </a:r>
+            <a:endParaRPr lang="zh-CN" altLang="en-US" dirty="0"/>
           </a:p>
         </p:txBody>
       </p:sp>
@@ -5206,644 +5732,34 @@
         </p:nvSpPr>
         <p:spPr>
           <a:xfrm>
-            <a:off x="217247" y="1391497"/>
-            <a:ext cx="8444106" cy="646331"/>
-          </a:xfrm>
-          <a:prstGeom prst="rect">
-            <a:avLst/>
-          </a:prstGeom>
-        </p:spPr>
-        <p:txBody>
-          <a:bodyPr wrap="none">
-            <a:spAutoFit/>
-          </a:bodyPr>
-          <a:lstStyle/>
-          <a:p>
-            <a:r>
-              <a:rPr lang="zh-CN" altLang="en-US" dirty="0"/>
-              <a:t>motion </a:t>
-            </a:r>
-            <a:r>
-              <a:rPr lang="zh-CN" altLang="en-US" dirty="0" smtClean="0"/>
-              <a:t>pattern</a:t>
-            </a:r>
-            <a:r>
-              <a:rPr lang="en-US" altLang="zh-CN" dirty="0" smtClean="0"/>
-              <a:t>: a </a:t>
-            </a:r>
+            <a:off x="2286000" y="2828836"/>
+            <a:ext cx="4572000" cy="1200329"/>
+          </a:xfrm>
+          <a:prstGeom prst="rect">
+            <a:avLst/>
+          </a:prstGeom>
+        </p:spPr>
+        <p:txBody>
+          <a:bodyPr>
+            <a:spAutoFit/>
+          </a:bodyPr>
+          <a:lstStyle/>
+          <a:p>
             <a:r>
               <a:rPr lang="en-US" altLang="zh-CN" dirty="0"/>
-              <a:t>spatial region of the scene that has a high degree of local similarity of </a:t>
-            </a:r>
-            <a:endParaRPr lang="en-US" altLang="zh-CN" dirty="0" smtClean="0"/>
+              <a:t>Optical Flow,</a:t>
+            </a:r>
           </a:p>
           <a:p>
             <a:r>
               <a:rPr lang="en-US" altLang="zh-CN" dirty="0"/>
-              <a:t>	</a:t>
-            </a:r>
-            <a:r>
-              <a:rPr lang="en-US" altLang="zh-CN" dirty="0" smtClean="0"/>
-              <a:t>the </a:t>
-            </a:r>
+              <a:t>Particle Flow, spatial changes are ignored, and time delay is significant.</a:t>
+            </a:r>
+          </a:p>
+          <a:p>
             <a:r>
               <a:rPr lang="en-US" altLang="zh-CN" dirty="0"/>
-              <a:t>speed, as well as </a:t>
-            </a:r>
-            <a:r>
-              <a:rPr lang="en-US" altLang="zh-CN" dirty="0" smtClean="0"/>
-              <a:t>flow </a:t>
-            </a:r>
-            <a:r>
-              <a:rPr lang="en-US" altLang="zh-CN" dirty="0"/>
-              <a:t>direction within the region and otherwise outside </a:t>
-            </a:r>
-            <a:endParaRPr lang="zh-CN" altLang="en-US" dirty="0"/>
-          </a:p>
-        </p:txBody>
-      </p:sp>
-      <p:sp>
-        <p:nvSpPr>
-          <p:cNvPr id="5" name="左大括号 4"/>
-          <p:cNvSpPr/>
-          <p:nvPr/>
-        </p:nvSpPr>
-        <p:spPr>
-          <a:xfrm>
-            <a:off x="712921" y="2696704"/>
-            <a:ext cx="286720" cy="2774197"/>
-          </a:xfrm>
-          <a:prstGeom prst="leftBrace">
-            <a:avLst/>
-          </a:prstGeom>
-        </p:spPr>
-        <p:style>
-          <a:lnRef idx="1">
-            <a:schemeClr val="accent1"/>
-          </a:lnRef>
-          <a:fillRef idx="0">
-            <a:schemeClr val="accent1"/>
-          </a:fillRef>
-          <a:effectRef idx="0">
-            <a:schemeClr val="accent1"/>
-          </a:effectRef>
-          <a:fontRef idx="minor">
-            <a:schemeClr val="tx1"/>
-          </a:fontRef>
-        </p:style>
-        <p:txBody>
-          <a:bodyPr rtlCol="0" anchor="ctr"/>
-          <a:lstStyle/>
-          <a:p>
-            <a:pPr algn="ctr"/>
-            <a:endParaRPr lang="zh-CN" altLang="en-US"/>
-          </a:p>
-        </p:txBody>
-      </p:sp>
-      <p:sp>
-        <p:nvSpPr>
-          <p:cNvPr id="6" name="矩形 5"/>
-          <p:cNvSpPr/>
-          <p:nvPr/>
-        </p:nvSpPr>
-        <p:spPr>
-          <a:xfrm>
-            <a:off x="999641" y="2512038"/>
-            <a:ext cx="3785075" cy="369332"/>
-          </a:xfrm>
-          <a:prstGeom prst="rect">
-            <a:avLst/>
-          </a:prstGeom>
-        </p:spPr>
-        <p:txBody>
-          <a:bodyPr wrap="none">
-            <a:spAutoFit/>
-          </a:bodyPr>
-          <a:lstStyle/>
-          <a:p>
-            <a:r>
-              <a:rPr lang="zh-CN" altLang="en-US" dirty="0"/>
-              <a:t>Flow Field Model-Based Segmentation</a:t>
-            </a:r>
-          </a:p>
-        </p:txBody>
-      </p:sp>
-      <p:sp>
-        <p:nvSpPr>
-          <p:cNvPr id="7" name="矩形 6"/>
-          <p:cNvSpPr/>
-          <p:nvPr/>
-        </p:nvSpPr>
-        <p:spPr>
-          <a:xfrm>
-            <a:off x="1153480" y="4961491"/>
-            <a:ext cx="2683492" cy="369332"/>
-          </a:xfrm>
-          <a:prstGeom prst="rect">
-            <a:avLst/>
-          </a:prstGeom>
-        </p:spPr>
-        <p:txBody>
-          <a:bodyPr wrap="none">
-            <a:spAutoFit/>
-          </a:bodyPr>
-          <a:lstStyle/>
-          <a:p>
-            <a:r>
-              <a:rPr lang="zh-CN" altLang="en-US" dirty="0"/>
-              <a:t>Similarity-Based Clustering</a:t>
-            </a:r>
-          </a:p>
-        </p:txBody>
-      </p:sp>
-      <p:sp>
-        <p:nvSpPr>
-          <p:cNvPr id="8" name="矩形 7"/>
-          <p:cNvSpPr/>
-          <p:nvPr/>
-        </p:nvSpPr>
-        <p:spPr>
-          <a:xfrm>
-            <a:off x="753787" y="6432355"/>
-            <a:ext cx="3482877" cy="369332"/>
-          </a:xfrm>
-          <a:prstGeom prst="rect">
-            <a:avLst/>
-          </a:prstGeom>
-        </p:spPr>
-        <p:txBody>
-          <a:bodyPr wrap="none">
-            <a:spAutoFit/>
-          </a:bodyPr>
-          <a:lstStyle/>
-          <a:p>
-            <a:r>
-              <a:rPr lang="zh-CN" altLang="en-US" dirty="0"/>
-              <a:t>Probability Model-Based Clustering</a:t>
-            </a:r>
-          </a:p>
-        </p:txBody>
-      </p:sp>
-      <p:sp>
-        <p:nvSpPr>
-          <p:cNvPr id="11" name="矩形 10"/>
-          <p:cNvSpPr/>
-          <p:nvPr/>
-        </p:nvSpPr>
-        <p:spPr>
-          <a:xfrm>
-            <a:off x="1286361" y="2829031"/>
-            <a:ext cx="3240054" cy="369332"/>
-          </a:xfrm>
-          <a:prstGeom prst="rect">
-            <a:avLst/>
-          </a:prstGeom>
-        </p:spPr>
-        <p:txBody>
-          <a:bodyPr wrap="none">
-            <a:spAutoFit/>
-          </a:bodyPr>
-          <a:lstStyle/>
-          <a:p>
-            <a:r>
-              <a:rPr lang="en-US" altLang="zh-CN" dirty="0"/>
-              <a:t> </a:t>
-            </a:r>
-            <a:r>
-              <a:rPr lang="en-US" altLang="zh-CN" dirty="0" err="1"/>
-              <a:t>Lagrangian</a:t>
-            </a:r>
-            <a:r>
-              <a:rPr lang="en-US" altLang="zh-CN" dirty="0"/>
-              <a:t> particle </a:t>
-            </a:r>
-            <a:r>
-              <a:rPr lang="en-US" altLang="zh-CN" dirty="0" smtClean="0"/>
-              <a:t>dynamic[12]</a:t>
-            </a:r>
-            <a:endParaRPr lang="zh-CN" altLang="en-US" dirty="0"/>
-          </a:p>
-        </p:txBody>
-      </p:sp>
-      <p:sp>
-        <p:nvSpPr>
-          <p:cNvPr id="12" name="矩形 11"/>
-          <p:cNvSpPr/>
-          <p:nvPr/>
-        </p:nvSpPr>
-        <p:spPr>
-          <a:xfrm>
-            <a:off x="4784716" y="2855201"/>
-            <a:ext cx="4045659" cy="369332"/>
-          </a:xfrm>
-          <a:prstGeom prst="rect">
-            <a:avLst/>
-          </a:prstGeom>
-        </p:spPr>
-        <p:txBody>
-          <a:bodyPr wrap="none">
-            <a:spAutoFit/>
-          </a:bodyPr>
-          <a:lstStyle/>
-          <a:p>
-            <a:r>
-              <a:rPr lang="zh-CN" altLang="en-US" dirty="0"/>
-              <a:t>Lagrangian coherent structures (LCS) [57]</a:t>
-            </a:r>
-          </a:p>
-        </p:txBody>
-      </p:sp>
-      <p:sp>
-        <p:nvSpPr>
-          <p:cNvPr id="13" name="矩形 12"/>
-          <p:cNvSpPr/>
-          <p:nvPr/>
-        </p:nvSpPr>
-        <p:spPr>
-          <a:xfrm>
-            <a:off x="1286361" y="3242953"/>
-            <a:ext cx="4408194" cy="369332"/>
-          </a:xfrm>
-          <a:prstGeom prst="rect">
-            <a:avLst/>
-          </a:prstGeom>
-        </p:spPr>
-        <p:txBody>
-          <a:bodyPr wrap="none">
-            <a:spAutoFit/>
-          </a:bodyPr>
-          <a:lstStyle/>
-          <a:p>
-            <a:r>
-              <a:rPr lang="zh-CN" altLang="en-US" dirty="0"/>
-              <a:t>earn dominant motion patterns in </a:t>
-            </a:r>
-            <a:r>
-              <a:rPr lang="zh-CN" altLang="en-US" dirty="0" smtClean="0"/>
-              <a:t>videos</a:t>
-            </a:r>
-            <a:r>
-              <a:rPr lang="en-US" altLang="zh-CN" dirty="0" smtClean="0"/>
-              <a:t>[54]</a:t>
-            </a:r>
-            <a:endParaRPr lang="zh-CN" altLang="en-US" dirty="0"/>
-          </a:p>
-        </p:txBody>
-      </p:sp>
-      <p:sp>
-        <p:nvSpPr>
-          <p:cNvPr id="14" name="矩形 13"/>
-          <p:cNvSpPr/>
-          <p:nvPr/>
-        </p:nvSpPr>
-        <p:spPr>
-          <a:xfrm>
-            <a:off x="1278224" y="3630705"/>
-            <a:ext cx="7012983" cy="369332"/>
-          </a:xfrm>
-          <a:prstGeom prst="rect">
-            <a:avLst/>
-          </a:prstGeom>
-        </p:spPr>
-        <p:txBody>
-          <a:bodyPr wrap="square">
-            <a:spAutoFit/>
-          </a:bodyPr>
-          <a:lstStyle/>
-          <a:p>
-            <a:r>
-              <a:rPr lang="zh-CN" altLang="en-US" dirty="0"/>
-              <a:t>local–translational domain segmenta-tion (LTDS) </a:t>
-            </a:r>
-            <a:r>
-              <a:rPr lang="zh-CN" altLang="en-US" dirty="0" smtClean="0"/>
-              <a:t>model </a:t>
-            </a:r>
-            <a:r>
-              <a:rPr lang="zh-CN" altLang="en-US" dirty="0"/>
-              <a:t>[67].</a:t>
-            </a:r>
-          </a:p>
-        </p:txBody>
-      </p:sp>
-      <p:sp>
-        <p:nvSpPr>
-          <p:cNvPr id="15" name="矩形 14"/>
-          <p:cNvSpPr/>
-          <p:nvPr/>
-        </p:nvSpPr>
-        <p:spPr>
-          <a:xfrm>
-            <a:off x="1286361" y="3990664"/>
-            <a:ext cx="2604431" cy="369332"/>
-          </a:xfrm>
-          <a:prstGeom prst="rect">
-            <a:avLst/>
-          </a:prstGeom>
-        </p:spPr>
-        <p:txBody>
-          <a:bodyPr wrap="none">
-            <a:spAutoFit/>
-          </a:bodyPr>
-          <a:lstStyle/>
-          <a:p>
-            <a:r>
-              <a:rPr lang="zh-CN" altLang="en-US" dirty="0"/>
-              <a:t>streakline framework [13]</a:t>
-            </a:r>
-          </a:p>
-        </p:txBody>
-      </p:sp>
-      <p:sp>
-        <p:nvSpPr>
-          <p:cNvPr id="16" name="矩形 15"/>
-          <p:cNvSpPr/>
-          <p:nvPr/>
-        </p:nvSpPr>
-        <p:spPr>
-          <a:xfrm>
-            <a:off x="4177512" y="3990664"/>
-            <a:ext cx="4572000" cy="923330"/>
-          </a:xfrm>
-          <a:prstGeom prst="rect">
-            <a:avLst/>
-          </a:prstGeom>
-        </p:spPr>
-        <p:txBody>
-          <a:bodyPr>
-            <a:spAutoFit/>
-          </a:bodyPr>
-          <a:lstStyle/>
-          <a:p>
-            <a:r>
-              <a:rPr lang="zh-CN" altLang="en-US" dirty="0"/>
-              <a:t>Wang et al. [55] improved the streakline framework with a highly accurate variational model [56].</a:t>
-            </a:r>
-          </a:p>
-        </p:txBody>
-      </p:sp>
-      <p:sp>
-        <p:nvSpPr>
-          <p:cNvPr id="17" name="矩形 16"/>
-          <p:cNvSpPr/>
-          <p:nvPr/>
-        </p:nvSpPr>
-        <p:spPr>
-          <a:xfrm>
-            <a:off x="1651726" y="5259996"/>
-            <a:ext cx="1687000" cy="369332"/>
-          </a:xfrm>
-          <a:prstGeom prst="rect">
-            <a:avLst/>
-          </a:prstGeom>
-        </p:spPr>
-        <p:txBody>
-          <a:bodyPr wrap="none">
-            <a:spAutoFit/>
-          </a:bodyPr>
-          <a:lstStyle/>
-          <a:p>
-            <a:r>
-              <a:rPr lang="en-US" altLang="zh-CN" dirty="0"/>
-              <a:t>motion features</a:t>
-            </a:r>
-            <a:endParaRPr lang="zh-CN" altLang="en-US" dirty="0"/>
-          </a:p>
-        </p:txBody>
-      </p:sp>
-      <p:sp>
-        <p:nvSpPr>
-          <p:cNvPr id="18" name="矩形 17"/>
-          <p:cNvSpPr/>
-          <p:nvPr/>
-        </p:nvSpPr>
-        <p:spPr>
-          <a:xfrm>
-            <a:off x="3490458" y="5273953"/>
-            <a:ext cx="3158942" cy="369332"/>
-          </a:xfrm>
-          <a:prstGeom prst="rect">
-            <a:avLst/>
-          </a:prstGeom>
-        </p:spPr>
-        <p:txBody>
-          <a:bodyPr wrap="none">
-            <a:spAutoFit/>
-          </a:bodyPr>
-          <a:lstStyle/>
-          <a:p>
-            <a:r>
-              <a:rPr lang="zh-CN" altLang="en-US" dirty="0"/>
-              <a:t>grouped into similar cat-egories</a:t>
-            </a:r>
-          </a:p>
-        </p:txBody>
-      </p:sp>
-      <p:sp>
-        <p:nvSpPr>
-          <p:cNvPr id="19" name="矩形 18"/>
-          <p:cNvSpPr/>
-          <p:nvPr/>
-        </p:nvSpPr>
-        <p:spPr>
-          <a:xfrm>
-            <a:off x="6801132" y="5249981"/>
-            <a:ext cx="1772921" cy="369332"/>
-          </a:xfrm>
-          <a:prstGeom prst="rect">
-            <a:avLst/>
-          </a:prstGeom>
-        </p:spPr>
-        <p:txBody>
-          <a:bodyPr wrap="none">
-            <a:spAutoFit/>
-          </a:bodyPr>
-          <a:lstStyle/>
-          <a:p>
-            <a:r>
-              <a:rPr lang="zh-CN" altLang="en-US" dirty="0"/>
-              <a:t>semantic regions</a:t>
-            </a:r>
-          </a:p>
-        </p:txBody>
-      </p:sp>
-      <p:sp>
-        <p:nvSpPr>
-          <p:cNvPr id="20" name="右箭头 19"/>
-          <p:cNvSpPr/>
-          <p:nvPr/>
-        </p:nvSpPr>
-        <p:spPr>
-          <a:xfrm>
-            <a:off x="3338726" y="5458619"/>
-            <a:ext cx="151732" cy="45719"/>
-          </a:xfrm>
-          <a:prstGeom prst="rightArrow">
-            <a:avLst/>
-          </a:prstGeom>
-        </p:spPr>
-        <p:style>
-          <a:lnRef idx="2">
-            <a:schemeClr val="accent1">
-              <a:shade val="50000"/>
-            </a:schemeClr>
-          </a:lnRef>
-          <a:fillRef idx="1">
-            <a:schemeClr val="accent1"/>
-          </a:fillRef>
-          <a:effectRef idx="0">
-            <a:schemeClr val="accent1"/>
-          </a:effectRef>
-          <a:fontRef idx="minor">
-            <a:schemeClr val="lt1"/>
-          </a:fontRef>
-        </p:style>
-        <p:txBody>
-          <a:bodyPr rtlCol="0" anchor="ctr"/>
-          <a:lstStyle/>
-          <a:p>
-            <a:pPr algn="ctr"/>
-            <a:endParaRPr lang="zh-CN" altLang="en-US"/>
-          </a:p>
-        </p:txBody>
-      </p:sp>
-      <p:sp>
-        <p:nvSpPr>
-          <p:cNvPr id="21" name="右箭头 20"/>
-          <p:cNvSpPr/>
-          <p:nvPr/>
-        </p:nvSpPr>
-        <p:spPr>
-          <a:xfrm>
-            <a:off x="6655813" y="5442783"/>
-            <a:ext cx="151732" cy="45719"/>
-          </a:xfrm>
-          <a:prstGeom prst="rightArrow">
-            <a:avLst/>
-          </a:prstGeom>
-        </p:spPr>
-        <p:style>
-          <a:lnRef idx="2">
-            <a:schemeClr val="accent1">
-              <a:shade val="50000"/>
-            </a:schemeClr>
-          </a:lnRef>
-          <a:fillRef idx="1">
-            <a:schemeClr val="accent1"/>
-          </a:fillRef>
-          <a:effectRef idx="0">
-            <a:schemeClr val="accent1"/>
-          </a:effectRef>
-          <a:fontRef idx="minor">
-            <a:schemeClr val="lt1"/>
-          </a:fontRef>
-        </p:style>
-        <p:txBody>
-          <a:bodyPr rtlCol="0" anchor="ctr"/>
-          <a:lstStyle/>
-          <a:p>
-            <a:pPr algn="ctr"/>
-            <a:endParaRPr lang="zh-CN" altLang="en-US"/>
-          </a:p>
-        </p:txBody>
-      </p:sp>
-      <p:sp>
-        <p:nvSpPr>
-          <p:cNvPr id="22" name="矩形 21"/>
-          <p:cNvSpPr/>
-          <p:nvPr/>
-        </p:nvSpPr>
-        <p:spPr>
-          <a:xfrm>
-            <a:off x="1783813" y="5554673"/>
-            <a:ext cx="4159216" cy="369332"/>
-          </a:xfrm>
-          <a:prstGeom prst="rect">
-            <a:avLst/>
-          </a:prstGeom>
-        </p:spPr>
-        <p:txBody>
-          <a:bodyPr wrap="none">
-            <a:spAutoFit/>
-          </a:bodyPr>
-          <a:lstStyle/>
-          <a:p>
-            <a:r>
-              <a:rPr lang="en-US" altLang="zh-CN" dirty="0" smtClean="0"/>
-              <a:t>l</a:t>
-            </a:r>
-            <a:r>
-              <a:rPr lang="zh-CN" altLang="en-US" dirty="0" smtClean="0"/>
-              <a:t>ongest </a:t>
-            </a:r>
-            <a:r>
-              <a:rPr lang="zh-CN" altLang="en-US" dirty="0"/>
-              <a:t>common sub-sequence (LCSS) [73]</a:t>
-            </a:r>
-          </a:p>
-        </p:txBody>
-      </p:sp>
-      <p:sp>
-        <p:nvSpPr>
-          <p:cNvPr id="23" name="矩形 22"/>
-          <p:cNvSpPr/>
-          <p:nvPr/>
-        </p:nvSpPr>
-        <p:spPr>
-          <a:xfrm>
-            <a:off x="1793679" y="5799957"/>
-            <a:ext cx="2239780" cy="369332"/>
-          </a:xfrm>
-          <a:prstGeom prst="rect">
-            <a:avLst/>
-          </a:prstGeom>
-        </p:spPr>
-        <p:txBody>
-          <a:bodyPr wrap="none">
-            <a:spAutoFit/>
-          </a:bodyPr>
-          <a:lstStyle/>
-          <a:p>
-            <a:r>
-              <a:rPr lang="zh-CN" altLang="en-US" dirty="0"/>
-              <a:t>coherent </a:t>
-            </a:r>
-            <a:r>
-              <a:rPr lang="en-US" altLang="zh-CN" dirty="0" smtClean="0"/>
-              <a:t>filtering [70]</a:t>
-            </a:r>
-            <a:endParaRPr lang="zh-CN" altLang="en-US" dirty="0"/>
-          </a:p>
-        </p:txBody>
-      </p:sp>
-      <p:sp>
-        <p:nvSpPr>
-          <p:cNvPr id="24" name="矩形 23"/>
-          <p:cNvSpPr/>
-          <p:nvPr/>
-        </p:nvSpPr>
-        <p:spPr>
-          <a:xfrm>
-            <a:off x="1787980" y="6063023"/>
-            <a:ext cx="1802416" cy="369332"/>
-          </a:xfrm>
-          <a:prstGeom prst="rect">
-            <a:avLst/>
-          </a:prstGeom>
-        </p:spPr>
-        <p:txBody>
-          <a:bodyPr wrap="none">
-            <a:spAutoFit/>
-          </a:bodyPr>
-          <a:lstStyle/>
-          <a:p>
-            <a:r>
-              <a:rPr lang="en-US" altLang="zh-CN" dirty="0" err="1" smtClean="0"/>
-              <a:t>Metatracking</a:t>
-            </a:r>
-            <a:r>
-              <a:rPr lang="en-US" altLang="zh-CN" dirty="0" smtClean="0"/>
-              <a:t>[19]</a:t>
+              <a:t>Streak Flow,</a:t>
             </a:r>
             <a:endParaRPr lang="zh-CN" altLang="en-US" dirty="0"/>
           </a:p>
@@ -5852,7 +5768,7 @@
     </p:spTree>
     <p:extLst>
       <p:ext uri="{BB962C8B-B14F-4D97-AF65-F5344CB8AC3E}">
-        <p14:creationId xmlns:p14="http://schemas.microsoft.com/office/powerpoint/2010/main" val="312227805"/>
+        <p14:creationId xmlns:p14="http://schemas.microsoft.com/office/powerpoint/2010/main" val="448463402"/>
       </p:ext>
     </p:extLst>
   </p:cSld>
@@ -5887,22 +5803,22 @@
         </p:nvSpPr>
         <p:spPr>
           <a:xfrm>
-            <a:off x="0" y="912331"/>
-            <a:ext cx="9345478" cy="1200329"/>
-          </a:xfrm>
-          <a:prstGeom prst="rect">
-            <a:avLst/>
-          </a:prstGeom>
-        </p:spPr>
-        <p:txBody>
-          <a:bodyPr wrap="square">
+            <a:off x="464649" y="718110"/>
+            <a:ext cx="3038268" cy="369332"/>
+          </a:xfrm>
+          <a:prstGeom prst="rect">
+            <a:avLst/>
+          </a:prstGeom>
+        </p:spPr>
+        <p:txBody>
+          <a:bodyPr wrap="none">
             <a:spAutoFit/>
           </a:bodyPr>
           <a:lstStyle/>
           <a:p>
             <a:r>
               <a:rPr lang="en-US" altLang="zh-CN" dirty="0"/>
-              <a:t>In contrast to the simple averaging optical ﬂow methods, the use of an probability model allows for long-term analysis of a scene. Moreover, it can capture both the overlapping behaviors at any given location in a scene and the spatial dependencies between behaviors. Finally, the statistical model can incorporate a priori knowledge on where, when and what types of activities occur.</a:t>
+              <a:t>local spatiotemporal features: </a:t>
             </a:r>
             <a:endParaRPr lang="zh-CN" altLang="en-US" dirty="0"/>
           </a:p>
@@ -5916,50 +5832,42 @@
         </p:nvSpPr>
         <p:spPr>
           <a:xfrm>
-            <a:off x="288838" y="542999"/>
-            <a:ext cx="3482877" cy="369332"/>
-          </a:xfrm>
-          <a:prstGeom prst="rect">
-            <a:avLst/>
-          </a:prstGeom>
-        </p:spPr>
-        <p:txBody>
-          <a:bodyPr wrap="none">
-            <a:spAutoFit/>
-          </a:bodyPr>
-          <a:lstStyle/>
-          <a:p>
-            <a:r>
-              <a:rPr lang="zh-CN" altLang="en-US" dirty="0"/>
-              <a:t>Probability Model-Based Clustering</a:t>
-            </a:r>
-          </a:p>
-        </p:txBody>
-      </p:sp>
-      <p:sp>
-        <p:nvSpPr>
-          <p:cNvPr id="4" name="矩形 3"/>
-          <p:cNvSpPr/>
-          <p:nvPr/>
-        </p:nvSpPr>
-        <p:spPr>
-          <a:xfrm>
-            <a:off x="944797" y="2112660"/>
-            <a:ext cx="3162854" cy="369332"/>
-          </a:xfrm>
-          <a:prstGeom prst="rect">
-            <a:avLst/>
-          </a:prstGeom>
-        </p:spPr>
-        <p:txBody>
-          <a:bodyPr wrap="none">
+            <a:off x="1573078" y="1087442"/>
+            <a:ext cx="6858000" cy="923330"/>
+          </a:xfrm>
+          <a:prstGeom prst="rect">
+            <a:avLst/>
+          </a:prstGeom>
+        </p:spPr>
+        <p:txBody>
+          <a:bodyPr wrap="square">
             <a:spAutoFit/>
           </a:bodyPr>
           <a:lstStyle/>
           <a:p>
             <a:r>
               <a:rPr lang="en-US" altLang="zh-CN" dirty="0"/>
-              <a:t>diffusion maps embedding [75] </a:t>
+              <a:t>exploit the dense local motion patterns created by the subjects,</a:t>
+            </a:r>
+          </a:p>
+          <a:p>
+            <a:r>
+              <a:rPr lang="en-US" altLang="zh-CN" dirty="0"/>
+              <a:t> and model their </a:t>
+            </a:r>
+            <a:r>
+              <a:rPr lang="en-US" altLang="zh-CN" dirty="0" err="1"/>
+              <a:t>spatio</a:t>
+            </a:r>
+            <a:r>
+              <a:rPr lang="en-US" altLang="zh-CN" dirty="0"/>
+              <a:t>-temporal relationships to represent the</a:t>
+            </a:r>
+          </a:p>
+          <a:p>
+            <a:r>
+              <a:rPr lang="en-US" altLang="zh-CN" dirty="0"/>
+              <a:t> underlying intrinsic structure they form in the video</a:t>
             </a:r>
             <a:endParaRPr lang="zh-CN" altLang="en-US" dirty="0"/>
           </a:p>
@@ -5967,173 +5875,35 @@
       </p:sp>
       <p:sp>
         <p:nvSpPr>
-          <p:cNvPr id="5" name="矩形 4"/>
-          <p:cNvSpPr/>
-          <p:nvPr/>
-        </p:nvSpPr>
-        <p:spPr>
-          <a:xfrm>
-            <a:off x="944797" y="2481992"/>
-            <a:ext cx="1035861" cy="369332"/>
-          </a:xfrm>
-          <a:prstGeom prst="rect">
-            <a:avLst/>
-          </a:prstGeom>
-        </p:spPr>
-        <p:txBody>
-          <a:bodyPr wrap="none">
-            <a:spAutoFit/>
-          </a:bodyPr>
-          <a:lstStyle/>
-          <a:p>
-            <a:r>
-              <a:rPr lang="en-US" altLang="zh-CN" dirty="0" smtClean="0"/>
-              <a:t>GMM[3] </a:t>
-            </a:r>
-            <a:endParaRPr lang="zh-CN" altLang="en-US" dirty="0"/>
-          </a:p>
-        </p:txBody>
-      </p:sp>
-      <p:sp>
-        <p:nvSpPr>
-          <p:cNvPr id="6" name="矩形 5"/>
-          <p:cNvSpPr/>
-          <p:nvPr/>
-        </p:nvSpPr>
-        <p:spPr>
-          <a:xfrm>
-            <a:off x="944797" y="2851324"/>
-            <a:ext cx="1673087" cy="369332"/>
-          </a:xfrm>
-          <a:prstGeom prst="rect">
-            <a:avLst/>
-          </a:prstGeom>
-        </p:spPr>
-        <p:txBody>
-          <a:bodyPr wrap="none">
-            <a:spAutoFit/>
-          </a:bodyPr>
-          <a:lstStyle/>
-          <a:p>
-            <a:r>
-              <a:rPr lang="zh-CN" altLang="en-US" dirty="0" smtClean="0"/>
-              <a:t>RFT</a:t>
-            </a:r>
-            <a:r>
-              <a:rPr lang="en-US" altLang="zh-CN" dirty="0" smtClean="0"/>
-              <a:t>+MRFs[7][8]</a:t>
-            </a:r>
-            <a:endParaRPr lang="zh-CN" altLang="en-US" dirty="0"/>
-          </a:p>
-        </p:txBody>
-      </p:sp>
-      <p:sp>
-        <p:nvSpPr>
-          <p:cNvPr id="7" name="矩形 6"/>
-          <p:cNvSpPr/>
-          <p:nvPr/>
-        </p:nvSpPr>
-        <p:spPr>
-          <a:xfrm>
-            <a:off x="944797" y="3220656"/>
-            <a:ext cx="7916141" cy="1477328"/>
-          </a:xfrm>
-          <a:prstGeom prst="rect">
-            <a:avLst/>
-          </a:prstGeom>
-        </p:spPr>
-        <p:txBody>
-          <a:bodyPr wrap="none">
-            <a:spAutoFit/>
-          </a:bodyPr>
-          <a:lstStyle/>
-          <a:p>
-            <a:r>
-              <a:rPr lang="en-US" altLang="zh-CN" dirty="0" smtClean="0"/>
-              <a:t>Two-level </a:t>
-            </a:r>
-            <a:r>
-              <a:rPr lang="zh-CN" altLang="en-US" dirty="0" smtClean="0"/>
-              <a:t>LDA</a:t>
-            </a:r>
-            <a:r>
-              <a:rPr lang="en-US" altLang="zh-CN" dirty="0"/>
-              <a:t>[71]:At </a:t>
-            </a:r>
-            <a:r>
-              <a:rPr lang="en-US" altLang="zh-CN" dirty="0" smtClean="0"/>
-              <a:t>the first </a:t>
-            </a:r>
-            <a:r>
-              <a:rPr lang="en-US" altLang="zh-CN" dirty="0"/>
-              <a:t>level, single-agent motion patterns are modeled as </a:t>
-            </a:r>
-            <a:endParaRPr lang="en-US" altLang="zh-CN" dirty="0" smtClean="0"/>
-          </a:p>
-          <a:p>
-            <a:r>
-              <a:rPr lang="en-US" altLang="zh-CN" dirty="0"/>
-              <a:t>	</a:t>
-            </a:r>
-            <a:r>
-              <a:rPr lang="en-US" altLang="zh-CN" dirty="0" smtClean="0"/>
-              <a:t>distributions </a:t>
-            </a:r>
-            <a:r>
-              <a:rPr lang="en-US" altLang="zh-CN" dirty="0"/>
-              <a:t>over pixel-based features. At the second level, interaction </a:t>
-            </a:r>
-            <a:endParaRPr lang="en-US" altLang="zh-CN" dirty="0" smtClean="0"/>
-          </a:p>
-          <a:p>
-            <a:r>
-              <a:rPr lang="en-US" altLang="zh-CN" dirty="0"/>
-              <a:t>	</a:t>
-            </a:r>
-            <a:r>
-              <a:rPr lang="en-US" altLang="zh-CN" dirty="0" smtClean="0"/>
-              <a:t>patterns </a:t>
-            </a:r>
-            <a:r>
-              <a:rPr lang="en-US" altLang="zh-CN" dirty="0"/>
-              <a:t>are modeled as distributions over single-agent motion patterns</a:t>
-            </a:r>
-            <a:r>
-              <a:rPr lang="en-US" altLang="zh-CN" dirty="0" smtClean="0"/>
-              <a:t>.</a:t>
-            </a:r>
-          </a:p>
-          <a:p>
-            <a:r>
-              <a:rPr lang="en-US" altLang="zh-CN" dirty="0"/>
-              <a:t>	</a:t>
-            </a:r>
-            <a:r>
-              <a:rPr lang="en-US" altLang="zh-CN" dirty="0" smtClean="0"/>
-              <a:t> </a:t>
-            </a:r>
-            <a:r>
-              <a:rPr lang="en-US" altLang="zh-CN" dirty="0"/>
-              <a:t>Then, LDA is applied to discover both single-agent motion patterns and </a:t>
-            </a:r>
-            <a:endParaRPr lang="en-US" altLang="zh-CN" dirty="0" smtClean="0"/>
-          </a:p>
-          <a:p>
-            <a:r>
-              <a:rPr lang="en-US" altLang="zh-CN" dirty="0"/>
-              <a:t>	</a:t>
-            </a:r>
-            <a:r>
-              <a:rPr lang="en-US" altLang="zh-CN" dirty="0" smtClean="0"/>
-              <a:t>interaction </a:t>
-            </a:r>
-            <a:r>
-              <a:rPr lang="en-US" altLang="zh-CN" dirty="0"/>
-              <a:t>patterns in the video.</a:t>
-            </a:r>
-            <a:r>
-              <a:rPr lang="zh-CN" altLang="en-US" dirty="0" smtClean="0"/>
-              <a:t> </a:t>
+          <p:cNvPr id="4" name="文本框 3"/>
+          <p:cNvSpPr txBox="1"/>
+          <p:nvPr/>
+        </p:nvSpPr>
+        <p:spPr>
+          <a:xfrm>
+            <a:off x="1573078" y="2948487"/>
+            <a:ext cx="2653099" cy="646331"/>
+          </a:xfrm>
+          <a:prstGeom prst="rect">
+            <a:avLst/>
+          </a:prstGeom>
+          <a:noFill/>
+        </p:spPr>
+        <p:txBody>
+          <a:bodyPr wrap="none" rtlCol="0">
+            <a:spAutoFit/>
+          </a:bodyPr>
+          <a:lstStyle/>
+          <a:p>
+            <a:r>
+              <a:rPr lang="en-US" altLang="zh-CN" dirty="0" smtClean="0"/>
+              <a:t>Spatiotemporal Gradients:</a:t>
+            </a:r>
+          </a:p>
+          <a:p>
+            <a:r>
+              <a:rPr lang="en-US" altLang="zh-CN" dirty="0" smtClean="0"/>
+              <a:t>Motion Histogram:</a:t>
             </a:r>
             <a:endParaRPr lang="zh-CN" altLang="en-US" dirty="0"/>
           </a:p>
@@ -6142,7 +5912,7 @@
     </p:spTree>
     <p:extLst>
       <p:ext uri="{BB962C8B-B14F-4D97-AF65-F5344CB8AC3E}">
-        <p14:creationId xmlns:p14="http://schemas.microsoft.com/office/powerpoint/2010/main" val="736195518"/>
+        <p14:creationId xmlns:p14="http://schemas.microsoft.com/office/powerpoint/2010/main" val="2242715396"/>
       </p:ext>
     </p:extLst>
   </p:cSld>
@@ -6171,14 +5941,51 @@
       </p:grpSpPr>
       <p:sp>
         <p:nvSpPr>
-          <p:cNvPr id="2" name="文本框 1"/>
+          <p:cNvPr id="2" name="矩形 1"/>
+          <p:cNvSpPr/>
+          <p:nvPr/>
+        </p:nvSpPr>
+        <p:spPr>
+          <a:xfrm>
+            <a:off x="632517" y="454639"/>
+            <a:ext cx="1958613" cy="369332"/>
+          </a:xfrm>
+          <a:prstGeom prst="rect">
+            <a:avLst/>
+          </a:prstGeom>
+        </p:spPr>
+        <p:txBody>
+          <a:bodyPr wrap="none">
+            <a:spAutoFit/>
+          </a:bodyPr>
+          <a:lstStyle/>
+          <a:p>
+            <a:r>
+              <a:rPr lang="en-US" altLang="zh-CN" dirty="0"/>
+              <a:t>trajectory/</a:t>
+            </a:r>
+            <a:r>
+              <a:rPr lang="en-US" altLang="zh-CN" dirty="0" err="1"/>
+              <a:t>tracklet</a:t>
+            </a:r>
+            <a:r>
+              <a:rPr lang="en-US" altLang="zh-CN" dirty="0"/>
+              <a:t>:</a:t>
+            </a:r>
+            <a:endParaRPr lang="zh-CN" altLang="en-US" dirty="0"/>
+          </a:p>
+        </p:txBody>
+      </p:sp>
+      <p:sp>
+        <p:nvSpPr>
+          <p:cNvPr id="3" name="文本框 2"/>
           <p:cNvSpPr txBox="1"/>
           <p:nvPr/>
         </p:nvSpPr>
         <p:spPr>
           <a:xfrm>
-            <a:off x="774915" y="805912"/>
-            <a:ext cx="1129989" cy="646331"/>
+            <a:off x="632517" y="2673849"/>
+            <a:ext cx="8046818" cy="369332"/>
           </a:xfrm>
           <a:prstGeom prst="rect">
             <a:avLst/>
@@ -6193,10 +6000,46 @@
           <a:p>
             <a:r>
               <a:rPr lang="en-US" altLang="zh-CN" dirty="0" smtClean="0"/>
-              <a:t>Summary </a:t>
-            </a:r>
-          </a:p>
-          <a:p>
+              <a:t>A </a:t>
+            </a:r>
+            <a:r>
+              <a:rPr lang="en-US" altLang="zh-CN" dirty="0" err="1" smtClean="0"/>
+              <a:t>tracklet</a:t>
+            </a:r>
+            <a:r>
+              <a:rPr lang="en-US" altLang="zh-CN" dirty="0" smtClean="0"/>
+              <a:t> is a fragment of a trajectory obtained by the tracker within a short period.</a:t>
+            </a:r>
+            <a:endParaRPr lang="zh-CN" altLang="en-US" dirty="0"/>
+          </a:p>
+        </p:txBody>
+      </p:sp>
+      <p:sp>
+        <p:nvSpPr>
+          <p:cNvPr id="4" name="文本框 3"/>
+          <p:cNvSpPr txBox="1"/>
+          <p:nvPr/>
+        </p:nvSpPr>
+        <p:spPr>
+          <a:xfrm>
+            <a:off x="632517" y="1564244"/>
+            <a:ext cx="1583767" cy="369332"/>
+          </a:xfrm>
+          <a:prstGeom prst="rect">
+            <a:avLst/>
+          </a:prstGeom>
+          <a:noFill/>
+        </p:spPr>
+        <p:txBody>
+          <a:bodyPr wrap="none" rtlCol="0">
+            <a:spAutoFit/>
+          </a:bodyPr>
+          <a:lstStyle/>
+          <a:p>
+            <a:r>
+              <a:rPr lang="en-US" altLang="zh-CN" dirty="0" smtClean="0"/>
+              <a:t>more semantic</a:t>
+            </a:r>
             <a:endParaRPr lang="zh-CN" altLang="en-US" dirty="0"/>
           </a:p>
         </p:txBody>
@@ -6204,7 +6047,7 @@
     </p:spTree>
     <p:extLst>
       <p:ext uri="{BB962C8B-B14F-4D97-AF65-F5344CB8AC3E}">
-        <p14:creationId xmlns:p14="http://schemas.microsoft.com/office/powerpoint/2010/main" val="2891752391"/>
+        <p14:creationId xmlns:p14="http://schemas.microsoft.com/office/powerpoint/2010/main" val="3110295822"/>
       </p:ext>
     </p:extLst>
   </p:cSld>
@@ -6239,8 +6082,8 @@
         </p:nvSpPr>
         <p:spPr>
           <a:xfrm>
-            <a:off x="2634712" y="123986"/>
-            <a:ext cx="2788520" cy="369332"/>
+            <a:off x="265770" y="252570"/>
+            <a:ext cx="646331" cy="369332"/>
           </a:xfrm>
           <a:prstGeom prst="rect">
             <a:avLst/>
@@ -6254,124 +6097,142 @@
           <a:lstStyle/>
           <a:p>
             <a:r>
-              <a:rPr lang="en-US" altLang="zh-CN" dirty="0" smtClean="0"/>
-              <a:t>Crowd behavior recognition</a:t>
-            </a:r>
-          </a:p>
-        </p:txBody>
-      </p:sp>
-      <p:sp>
-        <p:nvSpPr>
-          <p:cNvPr id="3" name="矩形 2"/>
-          <p:cNvSpPr/>
-          <p:nvPr/>
-        </p:nvSpPr>
-        <p:spPr>
-          <a:xfrm>
-            <a:off x="805237" y="1090070"/>
-            <a:ext cx="1829475" cy="369332"/>
-          </a:xfrm>
-          <a:prstGeom prst="rect">
-            <a:avLst/>
-          </a:prstGeom>
-        </p:spPr>
-        <p:txBody>
-          <a:bodyPr wrap="none">
-            <a:spAutoFit/>
-          </a:bodyPr>
-          <a:lstStyle/>
-          <a:p>
-            <a:r>
-              <a:rPr lang="zh-CN" altLang="en-US" dirty="0"/>
-              <a:t>Holistic Approach</a:t>
-            </a:r>
-          </a:p>
-        </p:txBody>
-      </p:sp>
-      <p:sp>
-        <p:nvSpPr>
-          <p:cNvPr id="4" name="矩形 3"/>
-          <p:cNvSpPr/>
-          <p:nvPr/>
-        </p:nvSpPr>
-        <p:spPr>
-          <a:xfrm>
-            <a:off x="805237" y="4258557"/>
-            <a:ext cx="2394695" cy="369332"/>
-          </a:xfrm>
-          <a:prstGeom prst="rect">
-            <a:avLst/>
-          </a:prstGeom>
-        </p:spPr>
-        <p:txBody>
-          <a:bodyPr wrap="none">
-            <a:spAutoFit/>
-          </a:bodyPr>
-          <a:lstStyle/>
-          <a:p>
-            <a:r>
-              <a:rPr lang="zh-CN" altLang="en-US" dirty="0"/>
-              <a:t>Object-Based Approach</a:t>
-            </a:r>
-          </a:p>
-        </p:txBody>
-      </p:sp>
-      <p:sp>
-        <p:nvSpPr>
-          <p:cNvPr id="5" name="矩形 4"/>
-          <p:cNvSpPr/>
-          <p:nvPr/>
-        </p:nvSpPr>
-        <p:spPr>
-          <a:xfrm>
-            <a:off x="964767" y="1459402"/>
-            <a:ext cx="3339889" cy="369332"/>
-          </a:xfrm>
-          <a:prstGeom prst="rect">
-            <a:avLst/>
-          </a:prstGeom>
-        </p:spPr>
-        <p:txBody>
-          <a:bodyPr wrap="none">
-            <a:spAutoFit/>
-          </a:bodyPr>
-          <a:lstStyle/>
-          <a:p>
-            <a:r>
-              <a:rPr lang="zh-CN" altLang="en-US" dirty="0"/>
-              <a:t>treats the crowd as a single entity</a:t>
-            </a:r>
-          </a:p>
-        </p:txBody>
-      </p:sp>
-      <p:sp>
-        <p:nvSpPr>
-          <p:cNvPr id="6" name="矩形 5"/>
-          <p:cNvSpPr/>
-          <p:nvPr/>
-        </p:nvSpPr>
-        <p:spPr>
-          <a:xfrm>
-            <a:off x="1080196" y="4627889"/>
-            <a:ext cx="4527906" cy="369332"/>
-          </a:xfrm>
-          <a:prstGeom prst="rect">
-            <a:avLst/>
-          </a:prstGeom>
-        </p:spPr>
-        <p:txBody>
-          <a:bodyPr wrap="none">
-            <a:spAutoFit/>
-          </a:bodyPr>
-          <a:lstStyle/>
-          <a:p>
-            <a:r>
-              <a:rPr lang="zh-CN" altLang="en-US" dirty="0"/>
-              <a:t>treats the crowd as a collection of </a:t>
-            </a:r>
-            <a:r>
               <a:rPr lang="zh-CN" altLang="en-US" dirty="0" smtClean="0"/>
-              <a:t>individuals</a:t>
+              <a:t>评：</a:t>
+            </a:r>
+            <a:endParaRPr lang="zh-CN" altLang="en-US" dirty="0"/>
+          </a:p>
+        </p:txBody>
+      </p:sp>
+      <p:sp>
+        <p:nvSpPr>
+          <p:cNvPr id="3" name="文本框 2"/>
+          <p:cNvSpPr txBox="1"/>
+          <p:nvPr/>
+        </p:nvSpPr>
+        <p:spPr>
+          <a:xfrm>
+            <a:off x="588936" y="1017438"/>
+            <a:ext cx="8101898" cy="369332"/>
+          </a:xfrm>
+          <a:prstGeom prst="rect">
+            <a:avLst/>
+          </a:prstGeom>
+          <a:noFill/>
+        </p:spPr>
+        <p:txBody>
+          <a:bodyPr wrap="none" rtlCol="0">
+            <a:spAutoFit/>
+          </a:bodyPr>
+          <a:lstStyle/>
+          <a:p>
+            <a:r>
+              <a:rPr lang="en-US" altLang="zh-CN" dirty="0" smtClean="0"/>
+              <a:t>1.For outdoor scenes, often with wide field of view but low resolution for each target</a:t>
+            </a:r>
+            <a:endParaRPr lang="zh-CN" altLang="en-US" dirty="0"/>
+          </a:p>
+        </p:txBody>
+      </p:sp>
+      <p:sp>
+        <p:nvSpPr>
+          <p:cNvPr id="4" name="文本框 3"/>
+          <p:cNvSpPr txBox="1"/>
+          <p:nvPr/>
+        </p:nvSpPr>
+        <p:spPr>
+          <a:xfrm>
+            <a:off x="1146875" y="1575376"/>
+            <a:ext cx="4710777" cy="369332"/>
+          </a:xfrm>
+          <a:prstGeom prst="rect">
+            <a:avLst/>
+          </a:prstGeom>
+          <a:noFill/>
+        </p:spPr>
+        <p:txBody>
+          <a:bodyPr wrap="none" rtlCol="0">
+            <a:spAutoFit/>
+          </a:bodyPr>
+          <a:lstStyle/>
+          <a:p>
+            <a:r>
+              <a:rPr lang="en-US" altLang="zh-CN" dirty="0" smtClean="0"/>
+              <a:t>aim to </a:t>
+            </a:r>
+            <a:r>
+              <a:rPr lang="en-US" altLang="zh-CN" dirty="0" err="1" smtClean="0"/>
+              <a:t>ana-lyze</a:t>
+            </a:r>
+            <a:r>
+              <a:rPr lang="en-US" altLang="zh-CN" dirty="0" smtClean="0"/>
+              <a:t> the holistic crowd motion trends</a:t>
+            </a:r>
+            <a:endParaRPr lang="zh-CN" altLang="en-US" dirty="0"/>
+          </a:p>
+        </p:txBody>
+      </p:sp>
+      <p:sp>
+        <p:nvSpPr>
+          <p:cNvPr id="5" name="文本框 4"/>
+          <p:cNvSpPr txBox="1"/>
+          <p:nvPr/>
+        </p:nvSpPr>
+        <p:spPr>
+          <a:xfrm>
+            <a:off x="2185261" y="1944708"/>
+            <a:ext cx="1277273" cy="369332"/>
+          </a:xfrm>
+          <a:prstGeom prst="rect">
+            <a:avLst/>
+          </a:prstGeom>
+          <a:noFill/>
+        </p:spPr>
+        <p:txBody>
+          <a:bodyPr wrap="none" rtlCol="0">
+            <a:spAutoFit/>
+          </a:bodyPr>
+          <a:lstStyle/>
+          <a:p>
+            <a:r>
+              <a:rPr lang="en-US" altLang="zh-CN" dirty="0" smtClean="0"/>
+              <a:t>optical ﬂow</a:t>
+            </a:r>
+            <a:endParaRPr lang="zh-CN" altLang="en-US" dirty="0"/>
+          </a:p>
+        </p:txBody>
+      </p:sp>
+      <p:sp>
+        <p:nvSpPr>
+          <p:cNvPr id="6" name="文本框 5"/>
+          <p:cNvSpPr txBox="1"/>
+          <p:nvPr/>
+        </p:nvSpPr>
+        <p:spPr>
+          <a:xfrm>
+            <a:off x="588936" y="2464231"/>
+            <a:ext cx="6350585" cy="646331"/>
+          </a:xfrm>
+          <a:prstGeom prst="rect">
+            <a:avLst/>
+          </a:prstGeom>
+          <a:noFill/>
+        </p:spPr>
+        <p:txBody>
+          <a:bodyPr wrap="none" rtlCol="0">
+            <a:spAutoFit/>
+          </a:bodyPr>
+          <a:lstStyle/>
+          <a:p>
+            <a:r>
+              <a:rPr lang="en-US" altLang="zh-CN" dirty="0" smtClean="0"/>
+              <a:t>2.For indoor scenes, he resolution of a single target is high enough</a:t>
+            </a:r>
+          </a:p>
+          <a:p>
+            <a:r>
+              <a:rPr lang="en-US" altLang="zh-CN" dirty="0" smtClean="0"/>
+              <a:t> and the crowd density may not be so high.</a:t>
             </a:r>
             <a:endParaRPr lang="zh-CN" altLang="en-US" dirty="0"/>
           </a:p>
@@ -6385,8 +6246,8 @@
         </p:nvSpPr>
         <p:spPr>
           <a:xfrm>
-            <a:off x="243764" y="1769103"/>
-            <a:ext cx="9035743" cy="646331"/>
+            <a:off x="1146875" y="3425125"/>
+            <a:ext cx="3890168" cy="369332"/>
           </a:xfrm>
           <a:prstGeom prst="rect">
             <a:avLst/>
@@ -6401,53 +6262,7 @@
           <a:p>
             <a:r>
               <a:rPr lang="en-US" altLang="zh-CN" dirty="0" smtClean="0"/>
-              <a:t>[</a:t>
-            </a:r>
-            <a:r>
-              <a:rPr lang="en-US" altLang="zh-CN" dirty="0"/>
-              <a:t>21] low-level motion </a:t>
-            </a:r>
-            <a:r>
-              <a:rPr lang="en-US" altLang="zh-CN" dirty="0" smtClean="0"/>
-              <a:t>features</a:t>
-            </a:r>
-            <a:r>
-              <a:rPr lang="en-US" altLang="zh-CN" dirty="0">
-                <a:sym typeface="Wingdings" panose="05000000000000000000" pitchFamily="2" charset="2"/>
-              </a:rPr>
-              <a:t> direction and magnitude </a:t>
-            </a:r>
-            <a:r>
-              <a:rPr lang="en-US" altLang="zh-CN" dirty="0" smtClean="0">
-                <a:sym typeface="Wingdings" panose="05000000000000000000" pitchFamily="2" charset="2"/>
-              </a:rPr>
-              <a:t>models </a:t>
-            </a:r>
-            <a:r>
-              <a:rPr lang="en-US" altLang="zh-CN" dirty="0">
-                <a:sym typeface="Wingdings" panose="05000000000000000000" pitchFamily="2" charset="2"/>
-              </a:rPr>
-              <a:t>of crowds </a:t>
-            </a:r>
-            <a:r>
-              <a:rPr lang="en-US" altLang="zh-CN" dirty="0" smtClean="0">
-                <a:sym typeface="Wingdings" panose="05000000000000000000" pitchFamily="2" charset="2"/>
-              </a:rPr>
-              <a:t>used</a:t>
-            </a:r>
-          </a:p>
-          <a:p>
-            <a:r>
-              <a:rPr lang="en-US" altLang="zh-CN" dirty="0" smtClean="0">
-                <a:sym typeface="Wingdings" panose="05000000000000000000" pitchFamily="2" charset="2"/>
-              </a:rPr>
-              <a:t> </a:t>
-            </a:r>
-            <a:r>
-              <a:rPr lang="en-US" altLang="zh-CN" dirty="0">
-                <a:sym typeface="Wingdings" panose="05000000000000000000" pitchFamily="2" charset="2"/>
-              </a:rPr>
-              <a:t>a region-based segmentation algorithm to generate different motion patterns crowd events</a:t>
+              <a:t>analyzing activities or semantic regions </a:t>
             </a:r>
             <a:endParaRPr lang="zh-CN" altLang="en-US" dirty="0"/>
           </a:p>
@@ -6461,8 +6276,8 @@
         </p:nvSpPr>
         <p:spPr>
           <a:xfrm>
-            <a:off x="245468" y="2921497"/>
-            <a:ext cx="8691162" cy="1200329"/>
+            <a:off x="2076773" y="4109020"/>
+            <a:ext cx="4413581" cy="369332"/>
           </a:xfrm>
           <a:prstGeom prst="rect">
             <a:avLst/>
@@ -6477,114 +6292,15 @@
           <a:p>
             <a:r>
               <a:rPr lang="en-US" altLang="zh-CN" dirty="0" smtClean="0"/>
-              <a:t>[</a:t>
-            </a:r>
-            <a:r>
-              <a:rPr lang="en-US" altLang="zh-CN" dirty="0"/>
-              <a:t>20] exploring both appearance of crowd behaviors and </a:t>
-            </a:r>
-            <a:r>
-              <a:rPr lang="en-US" altLang="zh-CN" dirty="0" smtClean="0"/>
-              <a:t>interaction </a:t>
-            </a:r>
-            <a:r>
-              <a:rPr lang="en-US" altLang="zh-CN" dirty="0"/>
-              <a:t>among pedestrians</a:t>
-            </a:r>
-            <a:r>
-              <a:rPr lang="en-US" altLang="zh-CN" dirty="0" smtClean="0"/>
-              <a:t>.</a:t>
-            </a:r>
-          </a:p>
-          <a:p>
-            <a:r>
-              <a:rPr lang="en-US" altLang="zh-CN" dirty="0"/>
-              <a:t>	the local </a:t>
-            </a:r>
-            <a:r>
-              <a:rPr lang="en-US" altLang="zh-CN" dirty="0" smtClean="0"/>
-              <a:t>fluctuation </a:t>
-            </a:r>
-            <a:r>
-              <a:rPr lang="en-US" altLang="zh-CN" dirty="0"/>
-              <a:t>for </a:t>
-            </a:r>
-            <a:r>
-              <a:rPr lang="en-US" altLang="zh-CN" dirty="0" smtClean="0"/>
-              <a:t>specific pixels</a:t>
-            </a:r>
-            <a:r>
-              <a:rPr lang="en-US" altLang="zh-CN" dirty="0">
-                <a:sym typeface="Wingdings" panose="05000000000000000000" pitchFamily="2" charset="2"/>
-              </a:rPr>
-              <a:t> </a:t>
-            </a:r>
-            <a:r>
-              <a:rPr lang="en-US" altLang="zh-CN" dirty="0" smtClean="0">
-                <a:sym typeface="Wingdings" panose="05000000000000000000" pitchFamily="2" charset="2"/>
-              </a:rPr>
-              <a:t>spatiotemporal </a:t>
-            </a:r>
-            <a:r>
-              <a:rPr lang="en-US" altLang="zh-CN" dirty="0">
-                <a:sym typeface="Wingdings" panose="05000000000000000000" pitchFamily="2" charset="2"/>
-              </a:rPr>
-              <a:t>variation matrix </a:t>
-            </a:r>
-            <a:r>
-              <a:rPr lang="en-US" altLang="zh-CN" dirty="0" smtClean="0">
-                <a:sym typeface="Wingdings" panose="05000000000000000000" pitchFamily="2" charset="2"/>
-              </a:rPr>
-              <a:t>the</a:t>
-            </a:r>
-          </a:p>
-          <a:p>
-            <a:r>
-              <a:rPr lang="en-US" altLang="zh-CN" dirty="0">
-                <a:sym typeface="Wingdings" panose="05000000000000000000" pitchFamily="2" charset="2"/>
-              </a:rPr>
-              <a:t>	</a:t>
-            </a:r>
-            <a:r>
-              <a:rPr lang="en-US" altLang="zh-CN" dirty="0" smtClean="0">
-                <a:sym typeface="Wingdings" panose="05000000000000000000" pitchFamily="2" charset="2"/>
-              </a:rPr>
-              <a:t> </a:t>
-            </a:r>
-            <a:r>
-              <a:rPr lang="en-US" altLang="zh-CN" dirty="0">
-                <a:sym typeface="Wingdings" panose="05000000000000000000" pitchFamily="2" charset="2"/>
-              </a:rPr>
-              <a:t>force among pedestrians is modeled with shear force in the matrix. clustering </a:t>
-            </a:r>
-            <a:endParaRPr lang="en-US" altLang="zh-CN" dirty="0" smtClean="0">
-              <a:sym typeface="Wingdings" panose="05000000000000000000" pitchFamily="2" charset="2"/>
-            </a:endParaRPr>
-          </a:p>
-          <a:p>
-            <a:r>
-              <a:rPr lang="en-US" altLang="zh-CN" dirty="0">
-                <a:sym typeface="Wingdings" panose="05000000000000000000" pitchFamily="2" charset="2"/>
-              </a:rPr>
-              <a:t>	</a:t>
-            </a:r>
-            <a:r>
-              <a:rPr lang="en-US" altLang="zh-CN" dirty="0" smtClean="0">
-                <a:sym typeface="Wingdings" panose="05000000000000000000" pitchFamily="2" charset="2"/>
-              </a:rPr>
-              <a:t>neighboring </a:t>
-            </a:r>
-            <a:r>
-              <a:rPr lang="en-US" altLang="zh-CN" dirty="0">
-                <a:sym typeface="Wingdings" panose="05000000000000000000" pitchFamily="2" charset="2"/>
-              </a:rPr>
-              <a:t>pixels with similar </a:t>
-            </a:r>
-            <a:r>
-              <a:rPr lang="en-US" altLang="zh-CN" dirty="0" smtClean="0">
-                <a:sym typeface="Wingdings" panose="05000000000000000000" pitchFamily="2" charset="2"/>
-              </a:rPr>
-              <a:t>spatiotemporal features  codebook  LDA</a:t>
+              <a:t>object trajectories or </a:t>
+            </a:r>
+            <a:r>
+              <a:rPr lang="en-US" altLang="zh-CN" dirty="0" err="1" smtClean="0"/>
+              <a:t>tracklet</a:t>
+            </a:r>
+            <a:r>
+              <a:rPr lang="en-US" altLang="zh-CN" dirty="0" smtClean="0"/>
+              <a:t>-based features </a:t>
             </a:r>
             <a:endParaRPr lang="zh-CN" altLang="en-US" dirty="0"/>
           </a:p>
@@ -6598,8 +6314,8 @@
         </p:nvSpPr>
         <p:spPr>
           <a:xfrm>
-            <a:off x="243764" y="2375337"/>
-            <a:ext cx="7591117" cy="646331"/>
+            <a:off x="588936" y="4792915"/>
+            <a:ext cx="4397101" cy="369332"/>
           </a:xfrm>
           <a:prstGeom prst="rect">
             <a:avLst/>
@@ -6614,22 +6330,7 @@
           <a:p>
             <a:r>
               <a:rPr lang="en-US" altLang="zh-CN" dirty="0" smtClean="0"/>
-              <a:t>[14] </a:t>
-            </a:r>
-            <a:r>
-              <a:rPr lang="en-US" altLang="zh-CN" dirty="0"/>
-              <a:t>a scene is represented by a grid of particles initializing a dynamical system </a:t>
-            </a:r>
-            <a:endParaRPr lang="en-US" altLang="zh-CN" dirty="0" smtClean="0"/>
-          </a:p>
-          <a:p>
-            <a:r>
-              <a:rPr lang="en-US" altLang="zh-CN" dirty="0" smtClean="0"/>
-              <a:t>deﬁned </a:t>
-            </a:r>
-            <a:r>
-              <a:rPr lang="en-US" altLang="zh-CN" dirty="0"/>
-              <a:t>by the optical ﬂow. </a:t>
+              <a:t>3.crowd density is high with severe occlusion</a:t>
             </a:r>
             <a:endParaRPr lang="zh-CN" altLang="en-US" dirty="0"/>
           </a:p>
@@ -6637,29 +6338,39 @@
       </p:sp>
       <p:sp>
         <p:nvSpPr>
-          <p:cNvPr id="10" name="矩形 9"/>
-          <p:cNvSpPr/>
-          <p:nvPr/>
-        </p:nvSpPr>
-        <p:spPr>
-          <a:xfrm>
-            <a:off x="1440220" y="4949286"/>
-            <a:ext cx="1759712" cy="369332"/>
-          </a:xfrm>
-          <a:prstGeom prst="rect">
-            <a:avLst/>
-          </a:prstGeom>
-        </p:spPr>
-        <p:txBody>
-          <a:bodyPr wrap="none">
-            <a:spAutoFit/>
-          </a:bodyPr>
-          <a:lstStyle/>
-          <a:p>
-            <a:r>
-              <a:rPr lang="zh-CN" altLang="en-US" dirty="0"/>
-              <a:t>abnormal events</a:t>
-            </a:r>
+          <p:cNvPr id="10" name="文本框 9"/>
+          <p:cNvSpPr txBox="1"/>
+          <p:nvPr/>
+        </p:nvSpPr>
+        <p:spPr>
+          <a:xfrm>
+            <a:off x="2374446" y="5536834"/>
+            <a:ext cx="5743688" cy="369332"/>
+          </a:xfrm>
+          <a:prstGeom prst="rect">
+            <a:avLst/>
+          </a:prstGeom>
+          <a:noFill/>
+        </p:spPr>
+        <p:txBody>
+          <a:bodyPr wrap="none" rtlCol="0">
+            <a:spAutoFit/>
+          </a:bodyPr>
+          <a:lstStyle/>
+          <a:p>
+            <a:r>
+              <a:rPr lang="en-US" altLang="zh-CN" dirty="0" smtClean="0"/>
+              <a:t>Various local </a:t>
+            </a:r>
+            <a:r>
+              <a:rPr lang="en-US" altLang="zh-CN" dirty="0" err="1" smtClean="0"/>
+              <a:t>spatio</a:t>
+            </a:r>
+            <a:r>
+              <a:rPr lang="en-US" altLang="zh-CN" dirty="0" smtClean="0"/>
+              <a:t>-temporal features could be considered.</a:t>
+            </a:r>
+            <a:endParaRPr lang="zh-CN" altLang="en-US" dirty="0"/>
           </a:p>
         </p:txBody>
       </p:sp>
@@ -6671,8 +6382,8 @@
         </p:nvSpPr>
         <p:spPr>
           <a:xfrm>
-            <a:off x="243764" y="5133952"/>
-            <a:ext cx="8394286" cy="646331"/>
+            <a:off x="588936" y="6094772"/>
+            <a:ext cx="3711401" cy="369332"/>
           </a:xfrm>
           <a:prstGeom prst="rect">
             <a:avLst/>
@@ -6687,37 +6398,20 @@
           <a:p>
             <a:r>
               <a:rPr lang="en-US" altLang="zh-CN" dirty="0" smtClean="0"/>
-              <a:t>[</a:t>
-            </a:r>
-            <a:r>
-              <a:rPr lang="en-US" altLang="zh-CN" dirty="0"/>
-              <a:t>79] used hierarchical Bayesian models to connect three elements in visual surveillance</a:t>
-            </a:r>
-            <a:r>
-              <a:rPr lang="en-US" altLang="zh-CN" dirty="0" smtClean="0"/>
-              <a:t>:</a:t>
-            </a:r>
-          </a:p>
-          <a:p>
-            <a:r>
-              <a:rPr lang="en-US" altLang="zh-CN" dirty="0" smtClean="0"/>
-              <a:t> </a:t>
-            </a:r>
-            <a:r>
-              <a:rPr lang="en-US" altLang="zh-CN" dirty="0"/>
-              <a:t>low-level visual features, simple atomic activities, and interactions</a:t>
-            </a:r>
-            <a:r>
-              <a:rPr lang="en-US" altLang="zh-CN" dirty="0" smtClean="0"/>
-              <a:t>.</a:t>
-            </a:r>
+              <a:t>4</a:t>
+            </a:r>
+            <a:r>
+              <a:rPr lang="en-US" altLang="zh-CN" dirty="0" smtClean="0"/>
+              <a:t>. Auto encoder : abnormal detection</a:t>
+            </a:r>
+            <a:endParaRPr lang="zh-CN" altLang="en-US" dirty="0"/>
           </a:p>
         </p:txBody>
       </p:sp>
     </p:spTree>
     <p:extLst>
       <p:ext uri="{BB962C8B-B14F-4D97-AF65-F5344CB8AC3E}">
-        <p14:creationId xmlns:p14="http://schemas.microsoft.com/office/powerpoint/2010/main" val="2163455258"/>
+        <p14:creationId xmlns:p14="http://schemas.microsoft.com/office/powerpoint/2010/main" val="118015751"/>
       </p:ext>
     </p:extLst>
   </p:cSld>
@@ -6752,8 +6446,8 @@
         </p:nvSpPr>
         <p:spPr>
           <a:xfrm>
-            <a:off x="3593431" y="160421"/>
-            <a:ext cx="2689391" cy="369332"/>
+            <a:off x="263471" y="185980"/>
+            <a:ext cx="4098686" cy="369332"/>
           </a:xfrm>
           <a:prstGeom prst="rect">
             <a:avLst/>
@@ -6768,105 +6462,22 @@
           <a:p>
             <a:r>
               <a:rPr lang="en-US" altLang="zh-CN" dirty="0" smtClean="0"/>
-              <a:t>Crowd anomaly detections</a:t>
-            </a:r>
-          </a:p>
-        </p:txBody>
-      </p:sp>
-      <p:sp>
-        <p:nvSpPr>
-          <p:cNvPr id="3" name="矩形 2"/>
+              <a:t>Motion representation in crowded scenes</a:t>
+            </a:r>
+            <a:endParaRPr lang="zh-CN" altLang="en-US" dirty="0"/>
+          </a:p>
+        </p:txBody>
+      </p:sp>
+      <p:sp>
+        <p:nvSpPr>
+          <p:cNvPr id="3" name="左大括号 2"/>
           <p:cNvSpPr/>
           <p:nvPr/>
         </p:nvSpPr>
         <p:spPr>
           <a:xfrm>
-            <a:off x="202419" y="998439"/>
-            <a:ext cx="2643159" cy="369332"/>
-          </a:xfrm>
-          <a:prstGeom prst="rect">
-            <a:avLst/>
-          </a:prstGeom>
-        </p:spPr>
-        <p:txBody>
-          <a:bodyPr wrap="none">
-            <a:spAutoFit/>
-          </a:bodyPr>
-          <a:lstStyle/>
-          <a:p>
-            <a:r>
-              <a:rPr lang="zh-CN" altLang="en-US" dirty="0"/>
-              <a:t>Global Anomaly Detection</a:t>
-            </a:r>
-          </a:p>
-        </p:txBody>
-      </p:sp>
-      <p:sp>
-        <p:nvSpPr>
-          <p:cNvPr id="4" name="矩形 3"/>
-          <p:cNvSpPr/>
-          <p:nvPr/>
-        </p:nvSpPr>
-        <p:spPr>
-          <a:xfrm>
-            <a:off x="265898" y="2121387"/>
-            <a:ext cx="2516202" cy="369332"/>
-          </a:xfrm>
-          <a:prstGeom prst="rect">
-            <a:avLst/>
-          </a:prstGeom>
-        </p:spPr>
-        <p:txBody>
-          <a:bodyPr wrap="none">
-            <a:spAutoFit/>
-          </a:bodyPr>
-          <a:lstStyle/>
-          <a:p>
-            <a:r>
-              <a:rPr lang="zh-CN" altLang="en-US" dirty="0"/>
-              <a:t>Local Anomaly Detection</a:t>
-            </a:r>
-          </a:p>
-        </p:txBody>
-      </p:sp>
-      <p:sp>
-        <p:nvSpPr>
-          <p:cNvPr id="5" name="矩形 4"/>
-          <p:cNvSpPr/>
-          <p:nvPr/>
-        </p:nvSpPr>
-        <p:spPr>
-          <a:xfrm>
-            <a:off x="475136" y="1559913"/>
-            <a:ext cx="9256294" cy="369332"/>
-          </a:xfrm>
-          <a:prstGeom prst="rect">
-            <a:avLst/>
-          </a:prstGeom>
-        </p:spPr>
-        <p:txBody>
-          <a:bodyPr wrap="square">
-            <a:spAutoFit/>
-          </a:bodyPr>
-          <a:lstStyle/>
-          <a:p>
-            <a:r>
-              <a:rPr lang="zh-CN" altLang="en-US" dirty="0"/>
-              <a:t>Global anomaly detection aims to distinguish the abnormal states of crowd from normal ones.</a:t>
-            </a:r>
-          </a:p>
-        </p:txBody>
-      </p:sp>
-      <p:sp>
-        <p:nvSpPr>
-          <p:cNvPr id="6" name="左大括号 5"/>
-          <p:cNvSpPr/>
-          <p:nvPr/>
-        </p:nvSpPr>
-        <p:spPr>
-          <a:xfrm>
-            <a:off x="238183" y="3244335"/>
-            <a:ext cx="304800" cy="2486526"/>
+            <a:off x="526942" y="1301857"/>
+            <a:ext cx="371960" cy="4231038"/>
           </a:xfrm>
           <a:prstGeom prst="leftBrace">
             <a:avLst/>
@@ -6897,84 +6508,29 @@
       </p:sp>
       <p:sp>
         <p:nvSpPr>
-          <p:cNvPr id="7" name="矩形 6"/>
-          <p:cNvSpPr/>
-          <p:nvPr/>
-        </p:nvSpPr>
-        <p:spPr>
-          <a:xfrm>
-            <a:off x="542983" y="2959405"/>
-            <a:ext cx="2498889" cy="369332"/>
-          </a:xfrm>
-          <a:prstGeom prst="rect">
-            <a:avLst/>
-          </a:prstGeom>
-        </p:spPr>
-        <p:txBody>
-          <a:bodyPr wrap="none">
-            <a:spAutoFit/>
-          </a:bodyPr>
-          <a:lstStyle/>
-          <a:p>
-            <a:r>
-              <a:rPr lang="zh-CN" altLang="en-US" dirty="0"/>
-              <a:t>vision-based approaches</a:t>
-            </a:r>
-          </a:p>
-        </p:txBody>
-      </p:sp>
-      <p:sp>
-        <p:nvSpPr>
-          <p:cNvPr id="8" name="矩形 7"/>
-          <p:cNvSpPr/>
-          <p:nvPr/>
-        </p:nvSpPr>
-        <p:spPr>
-          <a:xfrm>
-            <a:off x="542983" y="5546195"/>
-            <a:ext cx="2874185" cy="369332"/>
-          </a:xfrm>
-          <a:prstGeom prst="rect">
-            <a:avLst/>
-          </a:prstGeom>
-        </p:spPr>
-        <p:txBody>
-          <a:bodyPr wrap="none">
-            <a:spAutoFit/>
-          </a:bodyPr>
-          <a:lstStyle/>
-          <a:p>
-            <a:r>
-              <a:rPr lang="zh-CN" altLang="en-US" dirty="0"/>
-              <a:t>physics-inspired approaches </a:t>
-            </a:r>
-          </a:p>
-        </p:txBody>
-      </p:sp>
-      <p:sp>
-        <p:nvSpPr>
-          <p:cNvPr id="9" name="矩形 8"/>
-          <p:cNvSpPr/>
-          <p:nvPr/>
-        </p:nvSpPr>
-        <p:spPr>
-          <a:xfrm>
-            <a:off x="1893" y="3185821"/>
-            <a:ext cx="9729537" cy="369332"/>
-          </a:xfrm>
-          <a:prstGeom prst="rect">
-            <a:avLst/>
-          </a:prstGeom>
-        </p:spPr>
-        <p:txBody>
-          <a:bodyPr wrap="square">
-            <a:spAutoFit/>
-          </a:bodyPr>
-          <a:lstStyle/>
-          <a:p>
-            <a:r>
-              <a:rPr lang="en-US" altLang="zh-CN" dirty="0"/>
-              <a:t>extract visual features and construct a set of clusters to represent several possible event patterns.</a:t>
+          <p:cNvPr id="4" name="文本框 3"/>
+          <p:cNvSpPr txBox="1"/>
+          <p:nvPr/>
+        </p:nvSpPr>
+        <p:spPr>
+          <a:xfrm>
+            <a:off x="1332854" y="1301857"/>
+            <a:ext cx="5467331" cy="369332"/>
+          </a:xfrm>
+          <a:prstGeom prst="rect">
+            <a:avLst/>
+          </a:prstGeom>
+          <a:noFill/>
+        </p:spPr>
+        <p:txBody>
+          <a:bodyPr wrap="none" rtlCol="0">
+            <a:spAutoFit/>
+          </a:bodyPr>
+          <a:lstStyle/>
+          <a:p>
+            <a:r>
+              <a:rPr lang="en-US" altLang="zh-CN" dirty="0" smtClean="0"/>
+              <a:t>ﬂow-based features: extracted densely on the pixel level.</a:t>
             </a:r>
             <a:endParaRPr lang="zh-CN" altLang="en-US" dirty="0"/>
           </a:p>
@@ -6982,136 +6538,14 @@
       </p:sp>
       <p:sp>
         <p:nvSpPr>
-          <p:cNvPr id="10" name="左大括号 9"/>
-          <p:cNvSpPr/>
-          <p:nvPr/>
-        </p:nvSpPr>
-        <p:spPr>
-          <a:xfrm>
-            <a:off x="1219200" y="4251158"/>
-            <a:ext cx="155448" cy="914400"/>
-          </a:xfrm>
-          <a:prstGeom prst="leftBrace">
-            <a:avLst/>
-          </a:prstGeom>
-        </p:spPr>
-        <p:style>
-          <a:lnRef idx="1">
-            <a:schemeClr val="accent1"/>
-          </a:lnRef>
-          <a:fillRef idx="0">
-            <a:schemeClr val="accent1"/>
-          </a:fillRef>
-          <a:effectRef idx="0">
-            <a:schemeClr val="accent1"/>
-          </a:effectRef>
-          <a:fontRef idx="minor">
-            <a:schemeClr val="tx1"/>
-          </a:fontRef>
-        </p:style>
-        <p:txBody>
-          <a:bodyPr rtlCol="0" anchor="ctr"/>
-          <a:lstStyle/>
-          <a:p>
-            <a:pPr algn="ctr"/>
-            <a:endParaRPr lang="zh-CN" altLang="en-US"/>
-          </a:p>
-        </p:txBody>
-      </p:sp>
-      <p:sp>
-        <p:nvSpPr>
-          <p:cNvPr id="11" name="矩形 10"/>
-          <p:cNvSpPr/>
-          <p:nvPr/>
-        </p:nvSpPr>
-        <p:spPr>
-          <a:xfrm>
-            <a:off x="1496716" y="3983913"/>
-            <a:ext cx="2570768" cy="369332"/>
-          </a:xfrm>
-          <a:prstGeom prst="rect">
-            <a:avLst/>
-          </a:prstGeom>
-        </p:spPr>
-        <p:txBody>
-          <a:bodyPr wrap="none">
-            <a:spAutoFit/>
-          </a:bodyPr>
-          <a:lstStyle/>
-          <a:p>
-            <a:r>
-              <a:rPr lang="zh-CN" altLang="en-US" dirty="0"/>
-              <a:t>a) Hidden Markov model:</a:t>
-            </a:r>
-          </a:p>
-        </p:txBody>
-      </p:sp>
-      <p:sp>
-        <p:nvSpPr>
-          <p:cNvPr id="12" name="矩形 11"/>
-          <p:cNvSpPr/>
-          <p:nvPr/>
-        </p:nvSpPr>
-        <p:spPr>
-          <a:xfrm>
-            <a:off x="1475780" y="4268116"/>
-            <a:ext cx="2739596" cy="369332"/>
-          </a:xfrm>
-          <a:prstGeom prst="rect">
-            <a:avLst/>
-          </a:prstGeom>
-        </p:spPr>
-        <p:txBody>
-          <a:bodyPr wrap="none">
-            <a:spAutoFit/>
-          </a:bodyPr>
-          <a:lstStyle/>
-          <a:p>
-            <a:r>
-              <a:rPr lang="zh-CN" altLang="en-US" dirty="0"/>
-              <a:t>b) Dynamic texture model: </a:t>
-            </a:r>
-          </a:p>
-        </p:txBody>
-      </p:sp>
-      <p:sp>
-        <p:nvSpPr>
-          <p:cNvPr id="13" name="矩形 12"/>
-          <p:cNvSpPr/>
-          <p:nvPr/>
-        </p:nvSpPr>
-        <p:spPr>
-          <a:xfrm>
-            <a:off x="1523998" y="4543563"/>
-            <a:ext cx="2422010" cy="369332"/>
-          </a:xfrm>
-          <a:prstGeom prst="rect">
-            <a:avLst/>
-          </a:prstGeom>
-        </p:spPr>
-        <p:txBody>
-          <a:bodyPr wrap="none">
-            <a:spAutoFit/>
-          </a:bodyPr>
-          <a:lstStyle/>
-          <a:p>
-            <a:r>
-              <a:rPr lang="zh-CN" altLang="en-US" dirty="0"/>
-              <a:t>c) Bag-of-words model: </a:t>
-            </a:r>
-          </a:p>
-        </p:txBody>
-      </p:sp>
-      <p:sp>
-        <p:nvSpPr>
-          <p:cNvPr id="14" name="文本框 13"/>
+          <p:cNvPr id="5" name="文本框 4"/>
           <p:cNvSpPr txBox="1"/>
           <p:nvPr/>
         </p:nvSpPr>
         <p:spPr>
           <a:xfrm>
-            <a:off x="1475780" y="4860213"/>
-            <a:ext cx="3202095" cy="369332"/>
+            <a:off x="816122" y="3232710"/>
+            <a:ext cx="7810728" cy="369332"/>
           </a:xfrm>
           <a:prstGeom prst="rect">
             <a:avLst/>
@@ -7126,7 +6560,7 @@
           <a:p>
             <a:r>
               <a:rPr lang="en-US" altLang="zh-CN" dirty="0" smtClean="0"/>
-              <a:t>d) Sparse representation model;</a:t>
+              <a:t>local spatiotemporal features: local information from (2-D) patches or 3-D cubes. </a:t>
             </a:r>
             <a:endParaRPr lang="zh-CN" altLang="en-US" dirty="0"/>
           </a:p>
@@ -7134,170 +6568,296 @@
       </p:sp>
       <p:sp>
         <p:nvSpPr>
-          <p:cNvPr id="15" name="矩形 14"/>
-          <p:cNvSpPr/>
-          <p:nvPr/>
-        </p:nvSpPr>
-        <p:spPr>
-          <a:xfrm>
-            <a:off x="1523998" y="5166833"/>
-            <a:ext cx="2797497" cy="369332"/>
-          </a:xfrm>
-          <a:prstGeom prst="rect">
-            <a:avLst/>
-          </a:prstGeom>
-        </p:spPr>
-        <p:txBody>
-          <a:bodyPr wrap="none">
-            <a:spAutoFit/>
-          </a:bodyPr>
-          <a:lstStyle/>
-          <a:p>
-            <a:r>
-              <a:rPr lang="zh-CN" altLang="en-US" dirty="0"/>
-              <a:t>e) Manifold learning model:</a:t>
-            </a:r>
-          </a:p>
-        </p:txBody>
-      </p:sp>
-      <p:sp>
-        <p:nvSpPr>
-          <p:cNvPr id="16" name="左大括号 15"/>
-          <p:cNvSpPr/>
-          <p:nvPr/>
-        </p:nvSpPr>
-        <p:spPr>
-          <a:xfrm>
-            <a:off x="3593431" y="5799592"/>
-            <a:ext cx="155448" cy="914400"/>
-          </a:xfrm>
-          <a:prstGeom prst="leftBrace">
-            <a:avLst/>
-          </a:prstGeom>
-        </p:spPr>
-        <p:style>
-          <a:lnRef idx="1">
-            <a:schemeClr val="accent1"/>
-          </a:lnRef>
-          <a:fillRef idx="0">
-            <a:schemeClr val="accent1"/>
-          </a:fillRef>
-          <a:effectRef idx="0">
-            <a:schemeClr val="accent1"/>
-          </a:effectRef>
-          <a:fontRef idx="minor">
-            <a:schemeClr val="tx1"/>
-          </a:fontRef>
-        </p:style>
-        <p:txBody>
-          <a:bodyPr rtlCol="0" anchor="ctr"/>
-          <a:lstStyle/>
-          <a:p>
-            <a:pPr algn="ctr"/>
-            <a:endParaRPr lang="zh-CN" altLang="en-US"/>
-          </a:p>
-        </p:txBody>
-      </p:sp>
-      <p:sp>
-        <p:nvSpPr>
-          <p:cNvPr id="17" name="矩形 16"/>
-          <p:cNvSpPr/>
-          <p:nvPr/>
-        </p:nvSpPr>
-        <p:spPr>
-          <a:xfrm>
-            <a:off x="3805893" y="5658305"/>
-            <a:ext cx="2041649" cy="369332"/>
-          </a:xfrm>
-          <a:prstGeom prst="rect">
-            <a:avLst/>
-          </a:prstGeom>
-        </p:spPr>
-        <p:txBody>
-          <a:bodyPr wrap="none">
-            <a:spAutoFit/>
-          </a:bodyPr>
-          <a:lstStyle/>
-          <a:p>
-            <a:r>
-              <a:rPr lang="zh-CN" altLang="en-US" dirty="0"/>
-              <a:t>a) Flow </a:t>
-            </a:r>
-            <a:r>
-              <a:rPr lang="en-US" altLang="zh-CN" dirty="0" smtClean="0"/>
-              <a:t>fie</a:t>
-            </a:r>
-            <a:r>
-              <a:rPr lang="zh-CN" altLang="en-US" dirty="0" smtClean="0"/>
-              <a:t>ld </a:t>
-            </a:r>
-            <a:r>
-              <a:rPr lang="zh-CN" altLang="en-US" dirty="0"/>
-              <a:t>model:</a:t>
-            </a:r>
-          </a:p>
-        </p:txBody>
-      </p:sp>
-      <p:sp>
-        <p:nvSpPr>
-          <p:cNvPr id="18" name="矩形 17"/>
-          <p:cNvSpPr/>
-          <p:nvPr/>
-        </p:nvSpPr>
-        <p:spPr>
-          <a:xfrm>
-            <a:off x="3925142" y="5965111"/>
-            <a:ext cx="2266711" cy="369332"/>
-          </a:xfrm>
-          <a:prstGeom prst="rect">
-            <a:avLst/>
-          </a:prstGeom>
-        </p:spPr>
-        <p:txBody>
-          <a:bodyPr wrap="none">
-            <a:spAutoFit/>
-          </a:bodyPr>
-          <a:lstStyle/>
-          <a:p>
-            <a:r>
-              <a:rPr lang="zh-CN" altLang="en-US" dirty="0"/>
-              <a:t>b) Social force model: </a:t>
-            </a:r>
-          </a:p>
-        </p:txBody>
-      </p:sp>
-      <p:sp>
-        <p:nvSpPr>
-          <p:cNvPr id="19" name="矩形 18"/>
-          <p:cNvSpPr/>
-          <p:nvPr/>
-        </p:nvSpPr>
-        <p:spPr>
-          <a:xfrm>
-            <a:off x="3877847" y="6279395"/>
-            <a:ext cx="2419060" cy="369332"/>
-          </a:xfrm>
-          <a:prstGeom prst="rect">
-            <a:avLst/>
-          </a:prstGeom>
-        </p:spPr>
-        <p:txBody>
-          <a:bodyPr wrap="none">
-            <a:spAutoFit/>
-          </a:bodyPr>
-          <a:lstStyle/>
-          <a:p>
-            <a:r>
-              <a:rPr lang="zh-CN" altLang="en-US" dirty="0"/>
-              <a:t>c) Crowd energy model:</a:t>
-            </a:r>
+          <p:cNvPr id="6" name="文本框 5"/>
+          <p:cNvSpPr txBox="1"/>
+          <p:nvPr/>
+        </p:nvSpPr>
+        <p:spPr>
+          <a:xfrm>
+            <a:off x="1407393" y="5532895"/>
+            <a:ext cx="4786247" cy="369332"/>
+          </a:xfrm>
+          <a:prstGeom prst="rect">
+            <a:avLst/>
+          </a:prstGeom>
+          <a:noFill/>
+        </p:spPr>
+        <p:txBody>
+          <a:bodyPr wrap="none" rtlCol="0">
+            <a:spAutoFit/>
+          </a:bodyPr>
+          <a:lstStyle/>
+          <a:p>
+            <a:r>
+              <a:rPr lang="en-US" altLang="zh-CN" dirty="0" smtClean="0"/>
+              <a:t>trajectory/</a:t>
+            </a:r>
+            <a:r>
+              <a:rPr lang="en-US" altLang="zh-CN" dirty="0" err="1" smtClean="0"/>
+              <a:t>tracklet</a:t>
+            </a:r>
+            <a:r>
+              <a:rPr lang="en-US" altLang="zh-CN" dirty="0" smtClean="0"/>
+              <a:t>: compute the individual tracks</a:t>
+            </a:r>
+            <a:endParaRPr lang="zh-CN" altLang="en-US" dirty="0"/>
+          </a:p>
+        </p:txBody>
+      </p:sp>
+      <p:sp>
+        <p:nvSpPr>
+          <p:cNvPr id="7" name="文本框 6"/>
+          <p:cNvSpPr txBox="1"/>
+          <p:nvPr/>
+        </p:nvSpPr>
+        <p:spPr>
+          <a:xfrm>
+            <a:off x="1813302" y="1906292"/>
+            <a:ext cx="6144695" cy="369332"/>
+          </a:xfrm>
+          <a:prstGeom prst="rect">
+            <a:avLst/>
+          </a:prstGeom>
+          <a:noFill/>
+        </p:spPr>
+        <p:txBody>
+          <a:bodyPr wrap="none" rtlCol="0">
+            <a:spAutoFit/>
+          </a:bodyPr>
+          <a:lstStyle/>
+          <a:p>
+            <a:r>
+              <a:rPr lang="en-US" altLang="zh-CN" dirty="0" smtClean="0"/>
+              <a:t>high-density crowded scenes, tracking is difﬁcult and unfeasible</a:t>
+            </a:r>
+            <a:endParaRPr lang="zh-CN" altLang="en-US" dirty="0"/>
+          </a:p>
+        </p:txBody>
+      </p:sp>
+      <p:sp>
+        <p:nvSpPr>
+          <p:cNvPr id="8" name="文本框 7"/>
+          <p:cNvSpPr txBox="1"/>
+          <p:nvPr/>
+        </p:nvSpPr>
+        <p:spPr>
+          <a:xfrm>
+            <a:off x="1813302" y="2258943"/>
+            <a:ext cx="7025513" cy="923330"/>
+          </a:xfrm>
+          <a:prstGeom prst="rect">
+            <a:avLst/>
+          </a:prstGeom>
+          <a:noFill/>
+        </p:spPr>
+        <p:txBody>
+          <a:bodyPr wrap="none" rtlCol="0">
+            <a:spAutoFit/>
+          </a:bodyPr>
+          <a:lstStyle/>
+          <a:p>
+            <a:r>
+              <a:rPr lang="en-US" altLang="zh-CN" dirty="0" smtClean="0"/>
+              <a:t>Optical Flow,</a:t>
+            </a:r>
+          </a:p>
+          <a:p>
+            <a:r>
+              <a:rPr lang="en-US" altLang="zh-CN" dirty="0" smtClean="0"/>
+              <a:t>Particle Flow, spatial changes are ignored, and time delay is significant.</a:t>
+            </a:r>
+          </a:p>
+          <a:p>
+            <a:r>
+              <a:rPr lang="en-US" altLang="zh-CN" dirty="0" smtClean="0"/>
+              <a:t>Streak Flow,</a:t>
+            </a:r>
+            <a:endParaRPr lang="zh-CN" altLang="en-US" dirty="0"/>
+          </a:p>
+        </p:txBody>
+      </p:sp>
+      <p:pic>
+        <p:nvPicPr>
+          <p:cNvPr id="9" name="图片 8"/>
+          <p:cNvPicPr>
+            <a:picLocks noChangeAspect="1"/>
+          </p:cNvPicPr>
+          <p:nvPr/>
+        </p:nvPicPr>
+        <p:blipFill>
+          <a:blip r:embed="rId3"/>
+          <a:stretch>
+            <a:fillRect/>
+          </a:stretch>
+        </p:blipFill>
+        <p:spPr>
+          <a:xfrm>
+            <a:off x="7045496" y="736900"/>
+            <a:ext cx="1793319" cy="1113234"/>
+          </a:xfrm>
+          <a:prstGeom prst="rect">
+            <a:avLst/>
+          </a:prstGeom>
+        </p:spPr>
+      </p:pic>
+      <p:sp>
+        <p:nvSpPr>
+          <p:cNvPr id="10" name="文本框 9"/>
+          <p:cNvSpPr txBox="1"/>
+          <p:nvPr/>
+        </p:nvSpPr>
+        <p:spPr>
+          <a:xfrm>
+            <a:off x="1813302" y="3652479"/>
+            <a:ext cx="6151428" cy="923330"/>
+          </a:xfrm>
+          <a:prstGeom prst="rect">
+            <a:avLst/>
+          </a:prstGeom>
+          <a:noFill/>
+        </p:spPr>
+        <p:txBody>
+          <a:bodyPr wrap="none" rtlCol="0">
+            <a:spAutoFit/>
+          </a:bodyPr>
+          <a:lstStyle/>
+          <a:p>
+            <a:r>
+              <a:rPr lang="en-US" altLang="zh-CN" dirty="0" smtClean="0"/>
+              <a:t>exploit the dense local motion patterns created by the subjects,</a:t>
+            </a:r>
+          </a:p>
+          <a:p>
+            <a:r>
+              <a:rPr lang="en-US" altLang="zh-CN" dirty="0" smtClean="0"/>
+              <a:t> and model their </a:t>
+            </a:r>
+            <a:r>
+              <a:rPr lang="en-US" altLang="zh-CN" dirty="0" err="1" smtClean="0"/>
+              <a:t>spatio</a:t>
+            </a:r>
+            <a:r>
+              <a:rPr lang="en-US" altLang="zh-CN" dirty="0" smtClean="0"/>
+              <a:t>-temporal relationships to represent the</a:t>
+            </a:r>
+          </a:p>
+          <a:p>
+            <a:r>
+              <a:rPr lang="en-US" altLang="zh-CN" dirty="0" smtClean="0"/>
+              <a:t> underlying intrinsic structure they form in the video</a:t>
+            </a:r>
+            <a:endParaRPr lang="zh-CN" altLang="en-US" dirty="0"/>
+          </a:p>
+        </p:txBody>
+      </p:sp>
+      <p:sp>
+        <p:nvSpPr>
+          <p:cNvPr id="11" name="文本框 10"/>
+          <p:cNvSpPr txBox="1"/>
+          <p:nvPr/>
+        </p:nvSpPr>
+        <p:spPr>
+          <a:xfrm>
+            <a:off x="1983783" y="4575809"/>
+            <a:ext cx="2653099" cy="646331"/>
+          </a:xfrm>
+          <a:prstGeom prst="rect">
+            <a:avLst/>
+          </a:prstGeom>
+          <a:noFill/>
+        </p:spPr>
+        <p:txBody>
+          <a:bodyPr wrap="none" rtlCol="0">
+            <a:spAutoFit/>
+          </a:bodyPr>
+          <a:lstStyle/>
+          <a:p>
+            <a:r>
+              <a:rPr lang="en-US" altLang="zh-CN" dirty="0" smtClean="0"/>
+              <a:t>Spatiotemporal Gradients:</a:t>
+            </a:r>
+          </a:p>
+          <a:p>
+            <a:r>
+              <a:rPr lang="en-US" altLang="zh-CN" dirty="0" smtClean="0"/>
+              <a:t>Motion Histogram:</a:t>
+            </a:r>
+            <a:endParaRPr lang="zh-CN" altLang="en-US" dirty="0"/>
+          </a:p>
+        </p:txBody>
+      </p:sp>
+      <p:sp>
+        <p:nvSpPr>
+          <p:cNvPr id="12" name="文本框 11"/>
+          <p:cNvSpPr txBox="1"/>
+          <p:nvPr/>
+        </p:nvSpPr>
+        <p:spPr>
+          <a:xfrm>
+            <a:off x="2518448" y="5876485"/>
+            <a:ext cx="1583767" cy="369332"/>
+          </a:xfrm>
+          <a:prstGeom prst="rect">
+            <a:avLst/>
+          </a:prstGeom>
+          <a:noFill/>
+        </p:spPr>
+        <p:txBody>
+          <a:bodyPr wrap="none" rtlCol="0">
+            <a:spAutoFit/>
+          </a:bodyPr>
+          <a:lstStyle/>
+          <a:p>
+            <a:r>
+              <a:rPr lang="en-US" altLang="zh-CN" dirty="0" smtClean="0"/>
+              <a:t>more semantic</a:t>
+            </a:r>
+            <a:endParaRPr lang="zh-CN" altLang="en-US" dirty="0"/>
+          </a:p>
+        </p:txBody>
+      </p:sp>
+      <p:sp>
+        <p:nvSpPr>
+          <p:cNvPr id="13" name="文本框 12"/>
+          <p:cNvSpPr txBox="1"/>
+          <p:nvPr/>
+        </p:nvSpPr>
+        <p:spPr>
+          <a:xfrm>
+            <a:off x="1097182" y="6253957"/>
+            <a:ext cx="8046818" cy="369332"/>
+          </a:xfrm>
+          <a:prstGeom prst="rect">
+            <a:avLst/>
+          </a:prstGeom>
+          <a:noFill/>
+        </p:spPr>
+        <p:txBody>
+          <a:bodyPr wrap="none" rtlCol="0">
+            <a:spAutoFit/>
+          </a:bodyPr>
+          <a:lstStyle/>
+          <a:p>
+            <a:r>
+              <a:rPr lang="en-US" altLang="zh-CN" dirty="0" smtClean="0"/>
+              <a:t>A </a:t>
+            </a:r>
+            <a:r>
+              <a:rPr lang="en-US" altLang="zh-CN" dirty="0" err="1" smtClean="0"/>
+              <a:t>tracklet</a:t>
+            </a:r>
+            <a:r>
+              <a:rPr lang="en-US" altLang="zh-CN" dirty="0" smtClean="0"/>
+              <a:t> is a fragment of a trajectory obtained by the tracker within a short period.</a:t>
+            </a:r>
+            <a:endParaRPr lang="zh-CN" altLang="en-US" dirty="0"/>
           </a:p>
         </p:txBody>
       </p:sp>
     </p:spTree>
     <p:extLst>
       <p:ext uri="{BB962C8B-B14F-4D97-AF65-F5344CB8AC3E}">
-        <p14:creationId xmlns:p14="http://schemas.microsoft.com/office/powerpoint/2010/main" val="4001645900"/>
+        <p14:creationId xmlns:p14="http://schemas.microsoft.com/office/powerpoint/2010/main" val="585658036"/>
       </p:ext>
     </p:extLst>
   </p:cSld>
@@ -7332,8 +6892,8 @@
         </p:nvSpPr>
         <p:spPr>
           <a:xfrm>
-            <a:off x="3593431" y="160421"/>
-            <a:ext cx="2108269" cy="369332"/>
+            <a:off x="356461" y="557939"/>
+            <a:ext cx="8101898" cy="369332"/>
           </a:xfrm>
           <a:prstGeom prst="rect">
             <a:avLst/>
@@ -7348,15 +6908,533 @@
           <a:p>
             <a:r>
               <a:rPr lang="en-US" altLang="zh-CN" dirty="0" smtClean="0"/>
-              <a:t>Crowd video dataset</a:t>
-            </a:r>
+              <a:t>1.For outdoor scenes, often with wide field of view but low resolution for each target</a:t>
+            </a:r>
+            <a:endParaRPr lang="zh-CN" altLang="en-US" dirty="0"/>
+          </a:p>
+        </p:txBody>
+      </p:sp>
+      <p:sp>
+        <p:nvSpPr>
+          <p:cNvPr id="3" name="文本框 2"/>
+          <p:cNvSpPr txBox="1"/>
+          <p:nvPr/>
+        </p:nvSpPr>
+        <p:spPr>
+          <a:xfrm>
+            <a:off x="914400" y="1115877"/>
+            <a:ext cx="4710777" cy="369332"/>
+          </a:xfrm>
+          <a:prstGeom prst="rect">
+            <a:avLst/>
+          </a:prstGeom>
+          <a:noFill/>
+        </p:spPr>
+        <p:txBody>
+          <a:bodyPr wrap="none" rtlCol="0">
+            <a:spAutoFit/>
+          </a:bodyPr>
+          <a:lstStyle/>
+          <a:p>
+            <a:r>
+              <a:rPr lang="en-US" altLang="zh-CN" dirty="0" smtClean="0"/>
+              <a:t>aim to </a:t>
+            </a:r>
+            <a:r>
+              <a:rPr lang="en-US" altLang="zh-CN" dirty="0" err="1" smtClean="0"/>
+              <a:t>ana-lyze</a:t>
+            </a:r>
+            <a:r>
+              <a:rPr lang="en-US" altLang="zh-CN" dirty="0" smtClean="0"/>
+              <a:t> the holistic crowd motion trends</a:t>
+            </a:r>
+            <a:endParaRPr lang="zh-CN" altLang="en-US" dirty="0"/>
+          </a:p>
+        </p:txBody>
+      </p:sp>
+      <p:sp>
+        <p:nvSpPr>
+          <p:cNvPr id="4" name="文本框 3"/>
+          <p:cNvSpPr txBox="1"/>
+          <p:nvPr/>
+        </p:nvSpPr>
+        <p:spPr>
+          <a:xfrm>
+            <a:off x="1952786" y="1485209"/>
+            <a:ext cx="1277273" cy="369332"/>
+          </a:xfrm>
+          <a:prstGeom prst="rect">
+            <a:avLst/>
+          </a:prstGeom>
+          <a:noFill/>
+        </p:spPr>
+        <p:txBody>
+          <a:bodyPr wrap="none" rtlCol="0">
+            <a:spAutoFit/>
+          </a:bodyPr>
+          <a:lstStyle/>
+          <a:p>
+            <a:r>
+              <a:rPr lang="en-US" altLang="zh-CN" dirty="0" smtClean="0"/>
+              <a:t>optical ﬂow</a:t>
+            </a:r>
+            <a:endParaRPr lang="zh-CN" altLang="en-US" dirty="0"/>
+          </a:p>
+        </p:txBody>
+      </p:sp>
+      <p:sp>
+        <p:nvSpPr>
+          <p:cNvPr id="5" name="文本框 4"/>
+          <p:cNvSpPr txBox="1"/>
+          <p:nvPr/>
+        </p:nvSpPr>
+        <p:spPr>
+          <a:xfrm>
+            <a:off x="588936" y="2464231"/>
+            <a:ext cx="6350585" cy="646331"/>
+          </a:xfrm>
+          <a:prstGeom prst="rect">
+            <a:avLst/>
+          </a:prstGeom>
+          <a:noFill/>
+        </p:spPr>
+        <p:txBody>
+          <a:bodyPr wrap="none" rtlCol="0">
+            <a:spAutoFit/>
+          </a:bodyPr>
+          <a:lstStyle/>
+          <a:p>
+            <a:r>
+              <a:rPr lang="en-US" altLang="zh-CN" dirty="0" smtClean="0"/>
+              <a:t>2.For indoor scenes, he resolution of a single target is high enough</a:t>
+            </a:r>
+          </a:p>
+          <a:p>
+            <a:r>
+              <a:rPr lang="en-US" altLang="zh-CN" dirty="0" smtClean="0"/>
+              <a:t> and the crowd density may not be so high.</a:t>
+            </a:r>
+            <a:endParaRPr lang="zh-CN" altLang="en-US" dirty="0"/>
+          </a:p>
+        </p:txBody>
+      </p:sp>
+      <p:sp>
+        <p:nvSpPr>
+          <p:cNvPr id="7" name="文本框 6"/>
+          <p:cNvSpPr txBox="1"/>
+          <p:nvPr/>
+        </p:nvSpPr>
+        <p:spPr>
+          <a:xfrm>
+            <a:off x="1146875" y="3425125"/>
+            <a:ext cx="3890168" cy="369332"/>
+          </a:xfrm>
+          <a:prstGeom prst="rect">
+            <a:avLst/>
+          </a:prstGeom>
+          <a:noFill/>
+        </p:spPr>
+        <p:txBody>
+          <a:bodyPr wrap="none" rtlCol="0">
+            <a:spAutoFit/>
+          </a:bodyPr>
+          <a:lstStyle/>
+          <a:p>
+            <a:r>
+              <a:rPr lang="en-US" altLang="zh-CN" dirty="0" smtClean="0"/>
+              <a:t>analyzing activities or semantic regions </a:t>
+            </a:r>
+            <a:endParaRPr lang="zh-CN" altLang="en-US" dirty="0"/>
+          </a:p>
+        </p:txBody>
+      </p:sp>
+      <p:sp>
+        <p:nvSpPr>
+          <p:cNvPr id="8" name="文本框 7"/>
+          <p:cNvSpPr txBox="1"/>
+          <p:nvPr/>
+        </p:nvSpPr>
+        <p:spPr>
+          <a:xfrm>
+            <a:off x="2076773" y="4109020"/>
+            <a:ext cx="4413581" cy="369332"/>
+          </a:xfrm>
+          <a:prstGeom prst="rect">
+            <a:avLst/>
+          </a:prstGeom>
+          <a:noFill/>
+        </p:spPr>
+        <p:txBody>
+          <a:bodyPr wrap="none" rtlCol="0">
+            <a:spAutoFit/>
+          </a:bodyPr>
+          <a:lstStyle/>
+          <a:p>
+            <a:r>
+              <a:rPr lang="en-US" altLang="zh-CN" dirty="0" smtClean="0"/>
+              <a:t>object trajectories or </a:t>
+            </a:r>
+            <a:r>
+              <a:rPr lang="en-US" altLang="zh-CN" dirty="0" err="1" smtClean="0"/>
+              <a:t>tracklet</a:t>
+            </a:r>
+            <a:r>
+              <a:rPr lang="en-US" altLang="zh-CN" dirty="0" smtClean="0"/>
+              <a:t>-based features </a:t>
+            </a:r>
+            <a:endParaRPr lang="zh-CN" altLang="en-US" dirty="0"/>
+          </a:p>
+        </p:txBody>
+      </p:sp>
+      <p:sp>
+        <p:nvSpPr>
+          <p:cNvPr id="9" name="文本框 8"/>
+          <p:cNvSpPr txBox="1"/>
+          <p:nvPr/>
+        </p:nvSpPr>
+        <p:spPr>
+          <a:xfrm>
+            <a:off x="805912" y="5331417"/>
+            <a:ext cx="4397101" cy="369332"/>
+          </a:xfrm>
+          <a:prstGeom prst="rect">
+            <a:avLst/>
+          </a:prstGeom>
+          <a:noFill/>
+        </p:spPr>
+        <p:txBody>
+          <a:bodyPr wrap="none" rtlCol="0">
+            <a:spAutoFit/>
+          </a:bodyPr>
+          <a:lstStyle/>
+          <a:p>
+            <a:r>
+              <a:rPr lang="en-US" altLang="zh-CN" dirty="0" smtClean="0"/>
+              <a:t>3.crowd density is high with severe occlusion</a:t>
+            </a:r>
+            <a:endParaRPr lang="zh-CN" altLang="en-US" dirty="0"/>
+          </a:p>
+        </p:txBody>
+      </p:sp>
+      <p:sp>
+        <p:nvSpPr>
+          <p:cNvPr id="10" name="文本框 9"/>
+          <p:cNvSpPr txBox="1"/>
+          <p:nvPr/>
+        </p:nvSpPr>
+        <p:spPr>
+          <a:xfrm>
+            <a:off x="2591422" y="6075336"/>
+            <a:ext cx="5743688" cy="369332"/>
+          </a:xfrm>
+          <a:prstGeom prst="rect">
+            <a:avLst/>
+          </a:prstGeom>
+          <a:noFill/>
+        </p:spPr>
+        <p:txBody>
+          <a:bodyPr wrap="none" rtlCol="0">
+            <a:spAutoFit/>
+          </a:bodyPr>
+          <a:lstStyle/>
+          <a:p>
+            <a:r>
+              <a:rPr lang="en-US" altLang="zh-CN" dirty="0" smtClean="0"/>
+              <a:t>Various local </a:t>
+            </a:r>
+            <a:r>
+              <a:rPr lang="en-US" altLang="zh-CN" dirty="0" err="1" smtClean="0"/>
+              <a:t>spatio</a:t>
+            </a:r>
+            <a:r>
+              <a:rPr lang="en-US" altLang="zh-CN" dirty="0" smtClean="0"/>
+              <a:t>-temporal features could be considered.</a:t>
+            </a:r>
+            <a:endParaRPr lang="zh-CN" altLang="en-US" dirty="0"/>
           </a:p>
         </p:txBody>
       </p:sp>
     </p:spTree>
     <p:extLst>
       <p:ext uri="{BB962C8B-B14F-4D97-AF65-F5344CB8AC3E}">
-        <p14:creationId xmlns:p14="http://schemas.microsoft.com/office/powerpoint/2010/main" val="2698840019"/>
+        <p14:creationId xmlns:p14="http://schemas.microsoft.com/office/powerpoint/2010/main" val="3236769898"/>
+      </p:ext>
+    </p:extLst>
+  </p:cSld>
+  <p:clrMapOvr>
+    <a:masterClrMapping/>
+  </p:clrMapOvr>
+</p:sld>
+</file>
+
+<file path=ppt/slides/slide19.xml><?xml version="1.0" encoding="utf-8"?>
+<p:sld xmlns:a="http://schemas.openxmlformats.org/drawingml/2006/main" xmlns:r="http://schemas.openxmlformats.org/officeDocument/2006/relationships" xmlns:p="http://schemas.openxmlformats.org/presentationml/2006/main">
+  <p:cSld>
+    <p:spTree>
+      <p:nvGrpSpPr>
+        <p:cNvPr id="1" name=""/>
+        <p:cNvGrpSpPr/>
+        <p:nvPr/>
+      </p:nvGrpSpPr>
+      <p:grpSpPr>
+        <a:xfrm>
+          <a:off x="0" y="0"/>
+          <a:ext cx="0" cy="0"/>
+          <a:chOff x="0" y="0"/>
+          <a:chExt cx="0" cy="0"/>
+        </a:xfrm>
+      </p:grpSpPr>
+      <p:sp>
+        <p:nvSpPr>
+          <p:cNvPr id="2" name="矩形 1"/>
+          <p:cNvSpPr/>
+          <p:nvPr/>
+        </p:nvSpPr>
+        <p:spPr>
+          <a:xfrm>
+            <a:off x="224023" y="222165"/>
+            <a:ext cx="3462743" cy="369332"/>
+          </a:xfrm>
+          <a:prstGeom prst="rect">
+            <a:avLst/>
+          </a:prstGeom>
+        </p:spPr>
+        <p:txBody>
+          <a:bodyPr wrap="none">
+            <a:spAutoFit/>
+          </a:bodyPr>
+          <a:lstStyle/>
+          <a:p>
+            <a:r>
+              <a:rPr lang="zh-CN" altLang="en-US" dirty="0"/>
+              <a:t>CROWD MOTION PATTERN </a:t>
+            </a:r>
+            <a:r>
+              <a:rPr lang="en-US" altLang="zh-CN" dirty="0" smtClean="0"/>
+              <a:t>analysis</a:t>
+            </a:r>
+            <a:endParaRPr lang="zh-CN" altLang="en-US" dirty="0"/>
+          </a:p>
+        </p:txBody>
+      </p:sp>
+      <p:sp>
+        <p:nvSpPr>
+          <p:cNvPr id="3" name="矩形 2"/>
+          <p:cNvSpPr/>
+          <p:nvPr/>
+        </p:nvSpPr>
+        <p:spPr>
+          <a:xfrm>
+            <a:off x="999641" y="560500"/>
+            <a:ext cx="6656522" cy="646331"/>
+          </a:xfrm>
+          <a:prstGeom prst="rect">
+            <a:avLst/>
+          </a:prstGeom>
+        </p:spPr>
+        <p:txBody>
+          <a:bodyPr wrap="square">
+            <a:spAutoFit/>
+          </a:bodyPr>
+          <a:lstStyle/>
+          <a:p>
+            <a:r>
+              <a:rPr lang="zh-CN" altLang="en-US" dirty="0"/>
+              <a:t>In the crowded scene analysis, it is highly desirable to analyze the motion patterns and obtain some high-level interpretation.</a:t>
+            </a:r>
+          </a:p>
+        </p:txBody>
+      </p:sp>
+      <p:sp>
+        <p:nvSpPr>
+          <p:cNvPr id="4" name="矩形 3"/>
+          <p:cNvSpPr/>
+          <p:nvPr/>
+        </p:nvSpPr>
+        <p:spPr>
+          <a:xfrm>
+            <a:off x="449721" y="2212907"/>
+            <a:ext cx="8444106" cy="646331"/>
+          </a:xfrm>
+          <a:prstGeom prst="rect">
+            <a:avLst/>
+          </a:prstGeom>
+        </p:spPr>
+        <p:txBody>
+          <a:bodyPr wrap="none">
+            <a:spAutoFit/>
+          </a:bodyPr>
+          <a:lstStyle/>
+          <a:p>
+            <a:r>
+              <a:rPr lang="zh-CN" altLang="en-US" dirty="0"/>
+              <a:t>motion </a:t>
+            </a:r>
+            <a:r>
+              <a:rPr lang="zh-CN" altLang="en-US" dirty="0" smtClean="0"/>
+              <a:t>pattern</a:t>
+            </a:r>
+            <a:r>
+              <a:rPr lang="en-US" altLang="zh-CN" dirty="0" smtClean="0"/>
+              <a:t>: a </a:t>
+            </a:r>
+            <a:r>
+              <a:rPr lang="en-US" altLang="zh-CN" dirty="0"/>
+              <a:t>spatial region of the scene that has a high degree of local similarity of </a:t>
+            </a:r>
+            <a:endParaRPr lang="en-US" altLang="zh-CN" dirty="0" smtClean="0"/>
+          </a:p>
+          <a:p>
+            <a:r>
+              <a:rPr lang="en-US" altLang="zh-CN" dirty="0"/>
+              <a:t>	</a:t>
+            </a:r>
+            <a:r>
+              <a:rPr lang="en-US" altLang="zh-CN" dirty="0" smtClean="0"/>
+              <a:t>the </a:t>
+            </a:r>
+            <a:r>
+              <a:rPr lang="en-US" altLang="zh-CN" dirty="0"/>
+              <a:t>speed, as well as </a:t>
+            </a:r>
+            <a:r>
+              <a:rPr lang="en-US" altLang="zh-CN" dirty="0" smtClean="0"/>
+              <a:t>flow </a:t>
+            </a:r>
+            <a:r>
+              <a:rPr lang="en-US" altLang="zh-CN" dirty="0"/>
+              <a:t>direction within the region and otherwise outside </a:t>
+            </a:r>
+            <a:endParaRPr lang="zh-CN" altLang="en-US" dirty="0"/>
+          </a:p>
+        </p:txBody>
+      </p:sp>
+      <p:sp>
+        <p:nvSpPr>
+          <p:cNvPr id="5" name="矩形 4"/>
+          <p:cNvSpPr/>
+          <p:nvPr/>
+        </p:nvSpPr>
+        <p:spPr>
+          <a:xfrm>
+            <a:off x="1153480" y="4335662"/>
+            <a:ext cx="3785075" cy="369332"/>
+          </a:xfrm>
+          <a:prstGeom prst="rect">
+            <a:avLst/>
+          </a:prstGeom>
+        </p:spPr>
+        <p:txBody>
+          <a:bodyPr wrap="none">
+            <a:spAutoFit/>
+          </a:bodyPr>
+          <a:lstStyle/>
+          <a:p>
+            <a:r>
+              <a:rPr lang="zh-CN" altLang="en-US" dirty="0"/>
+              <a:t>Flow Field Model-Based Segmentation</a:t>
+            </a:r>
+          </a:p>
+        </p:txBody>
+      </p:sp>
+      <p:sp>
+        <p:nvSpPr>
+          <p:cNvPr id="6" name="矩形 5"/>
+          <p:cNvSpPr/>
+          <p:nvPr/>
+        </p:nvSpPr>
+        <p:spPr>
+          <a:xfrm>
+            <a:off x="1153480" y="4961491"/>
+            <a:ext cx="2683492" cy="369332"/>
+          </a:xfrm>
+          <a:prstGeom prst="rect">
+            <a:avLst/>
+          </a:prstGeom>
+        </p:spPr>
+        <p:txBody>
+          <a:bodyPr wrap="none">
+            <a:spAutoFit/>
+          </a:bodyPr>
+          <a:lstStyle/>
+          <a:p>
+            <a:r>
+              <a:rPr lang="zh-CN" altLang="en-US" dirty="0"/>
+              <a:t>Similarity-Based Clustering</a:t>
+            </a:r>
+          </a:p>
+        </p:txBody>
+      </p:sp>
+      <p:sp>
+        <p:nvSpPr>
+          <p:cNvPr id="7" name="矩形 6"/>
+          <p:cNvSpPr/>
+          <p:nvPr/>
+        </p:nvSpPr>
+        <p:spPr>
+          <a:xfrm>
+            <a:off x="1153480" y="5548952"/>
+            <a:ext cx="3482877" cy="369332"/>
+          </a:xfrm>
+          <a:prstGeom prst="rect">
+            <a:avLst/>
+          </a:prstGeom>
+        </p:spPr>
+        <p:txBody>
+          <a:bodyPr wrap="none">
+            <a:spAutoFit/>
+          </a:bodyPr>
+          <a:lstStyle/>
+          <a:p>
+            <a:r>
+              <a:rPr lang="zh-CN" altLang="en-US" dirty="0"/>
+              <a:t>Probability Model-Based Clustering</a:t>
+            </a:r>
+          </a:p>
+        </p:txBody>
+      </p:sp>
+      <p:sp>
+        <p:nvSpPr>
+          <p:cNvPr id="8" name="左大括号 7"/>
+          <p:cNvSpPr/>
+          <p:nvPr/>
+        </p:nvSpPr>
+        <p:spPr>
+          <a:xfrm>
+            <a:off x="902776" y="4426744"/>
+            <a:ext cx="193729" cy="1508513"/>
+          </a:xfrm>
+          <a:prstGeom prst="leftBrace">
+            <a:avLst/>
+          </a:prstGeom>
+        </p:spPr>
+        <p:style>
+          <a:lnRef idx="1">
+            <a:schemeClr val="accent1"/>
+          </a:lnRef>
+          <a:fillRef idx="0">
+            <a:schemeClr val="accent1"/>
+          </a:fillRef>
+          <a:effectRef idx="0">
+            <a:schemeClr val="accent1"/>
+          </a:effectRef>
+          <a:fontRef idx="minor">
+            <a:schemeClr val="tx1"/>
+          </a:fontRef>
+        </p:style>
+        <p:txBody>
+          <a:bodyPr rtlCol="0" anchor="ctr"/>
+          <a:lstStyle/>
+          <a:p>
+            <a:pPr algn="ctr"/>
+            <a:endParaRPr lang="zh-CN" altLang="en-US"/>
+          </a:p>
+        </p:txBody>
+      </p:sp>
+    </p:spTree>
+    <p:extLst>
+      <p:ext uri="{BB962C8B-B14F-4D97-AF65-F5344CB8AC3E}">
+        <p14:creationId xmlns:p14="http://schemas.microsoft.com/office/powerpoint/2010/main" val="1249586109"/>
       </p:ext>
     </p:extLst>
   </p:cSld>
@@ -7458,6 +7536,2858 @@
 </p:sld>
 </file>
 
+<file path=ppt/slides/slide20.xml><?xml version="1.0" encoding="utf-8"?>
+<p:sld xmlns:a="http://schemas.openxmlformats.org/drawingml/2006/main" xmlns:r="http://schemas.openxmlformats.org/officeDocument/2006/relationships" xmlns:p="http://schemas.openxmlformats.org/presentationml/2006/main">
+  <p:cSld>
+    <p:spTree>
+      <p:nvGrpSpPr>
+        <p:cNvPr id="1" name=""/>
+        <p:cNvGrpSpPr/>
+        <p:nvPr/>
+      </p:nvGrpSpPr>
+      <p:grpSpPr>
+        <a:xfrm>
+          <a:off x="0" y="0"/>
+          <a:ext cx="0" cy="0"/>
+          <a:chOff x="0" y="0"/>
+          <a:chExt cx="0" cy="0"/>
+        </a:xfrm>
+      </p:grpSpPr>
+      <p:sp>
+        <p:nvSpPr>
+          <p:cNvPr id="2" name="矩形 1"/>
+          <p:cNvSpPr/>
+          <p:nvPr/>
+        </p:nvSpPr>
+        <p:spPr>
+          <a:xfrm>
+            <a:off x="363066" y="538577"/>
+            <a:ext cx="3785075" cy="369332"/>
+          </a:xfrm>
+          <a:prstGeom prst="rect">
+            <a:avLst/>
+          </a:prstGeom>
+        </p:spPr>
+        <p:txBody>
+          <a:bodyPr wrap="none">
+            <a:spAutoFit/>
+          </a:bodyPr>
+          <a:lstStyle/>
+          <a:p>
+            <a:r>
+              <a:rPr lang="zh-CN" altLang="en-US" dirty="0"/>
+              <a:t>Flow Field Model-Based Segmentation</a:t>
+            </a:r>
+          </a:p>
+        </p:txBody>
+      </p:sp>
+      <p:sp>
+        <p:nvSpPr>
+          <p:cNvPr id="3" name="矩形 2"/>
+          <p:cNvSpPr/>
+          <p:nvPr/>
+        </p:nvSpPr>
+        <p:spPr>
+          <a:xfrm>
+            <a:off x="1286361" y="2829031"/>
+            <a:ext cx="3240054" cy="369332"/>
+          </a:xfrm>
+          <a:prstGeom prst="rect">
+            <a:avLst/>
+          </a:prstGeom>
+        </p:spPr>
+        <p:txBody>
+          <a:bodyPr wrap="none">
+            <a:spAutoFit/>
+          </a:bodyPr>
+          <a:lstStyle/>
+          <a:p>
+            <a:r>
+              <a:rPr lang="en-US" altLang="zh-CN" dirty="0"/>
+              <a:t> </a:t>
+            </a:r>
+            <a:r>
+              <a:rPr lang="en-US" altLang="zh-CN" dirty="0" err="1"/>
+              <a:t>Lagrangian</a:t>
+            </a:r>
+            <a:r>
+              <a:rPr lang="en-US" altLang="zh-CN" dirty="0"/>
+              <a:t> particle </a:t>
+            </a:r>
+            <a:r>
+              <a:rPr lang="en-US" altLang="zh-CN" dirty="0" smtClean="0"/>
+              <a:t>dynamic[12]</a:t>
+            </a:r>
+            <a:endParaRPr lang="zh-CN" altLang="en-US" dirty="0"/>
+          </a:p>
+        </p:txBody>
+      </p:sp>
+      <p:sp>
+        <p:nvSpPr>
+          <p:cNvPr id="4" name="矩形 3"/>
+          <p:cNvSpPr/>
+          <p:nvPr/>
+        </p:nvSpPr>
+        <p:spPr>
+          <a:xfrm>
+            <a:off x="4784716" y="2855201"/>
+            <a:ext cx="4045659" cy="369332"/>
+          </a:xfrm>
+          <a:prstGeom prst="rect">
+            <a:avLst/>
+          </a:prstGeom>
+        </p:spPr>
+        <p:txBody>
+          <a:bodyPr wrap="none">
+            <a:spAutoFit/>
+          </a:bodyPr>
+          <a:lstStyle/>
+          <a:p>
+            <a:r>
+              <a:rPr lang="zh-CN" altLang="en-US" dirty="0"/>
+              <a:t>Lagrangian coherent structures (LCS) [57]</a:t>
+            </a:r>
+          </a:p>
+        </p:txBody>
+      </p:sp>
+      <p:sp>
+        <p:nvSpPr>
+          <p:cNvPr id="5" name="矩形 4"/>
+          <p:cNvSpPr/>
+          <p:nvPr/>
+        </p:nvSpPr>
+        <p:spPr>
+          <a:xfrm>
+            <a:off x="1286361" y="3242953"/>
+            <a:ext cx="4408194" cy="369332"/>
+          </a:xfrm>
+          <a:prstGeom prst="rect">
+            <a:avLst/>
+          </a:prstGeom>
+        </p:spPr>
+        <p:txBody>
+          <a:bodyPr wrap="none">
+            <a:spAutoFit/>
+          </a:bodyPr>
+          <a:lstStyle/>
+          <a:p>
+            <a:r>
+              <a:rPr lang="zh-CN" altLang="en-US" dirty="0"/>
+              <a:t>earn dominant motion patterns in </a:t>
+            </a:r>
+            <a:r>
+              <a:rPr lang="zh-CN" altLang="en-US" dirty="0" smtClean="0"/>
+              <a:t>videos</a:t>
+            </a:r>
+            <a:r>
+              <a:rPr lang="en-US" altLang="zh-CN" dirty="0" smtClean="0"/>
+              <a:t>[54]</a:t>
+            </a:r>
+            <a:endParaRPr lang="zh-CN" altLang="en-US" dirty="0"/>
+          </a:p>
+        </p:txBody>
+      </p:sp>
+      <p:sp>
+        <p:nvSpPr>
+          <p:cNvPr id="6" name="矩形 5"/>
+          <p:cNvSpPr/>
+          <p:nvPr/>
+        </p:nvSpPr>
+        <p:spPr>
+          <a:xfrm>
+            <a:off x="1278224" y="3630705"/>
+            <a:ext cx="7012983" cy="369332"/>
+          </a:xfrm>
+          <a:prstGeom prst="rect">
+            <a:avLst/>
+          </a:prstGeom>
+        </p:spPr>
+        <p:txBody>
+          <a:bodyPr wrap="square">
+            <a:spAutoFit/>
+          </a:bodyPr>
+          <a:lstStyle/>
+          <a:p>
+            <a:r>
+              <a:rPr lang="zh-CN" altLang="en-US" dirty="0"/>
+              <a:t>local–translational domain segmenta-tion (LTDS) </a:t>
+            </a:r>
+            <a:r>
+              <a:rPr lang="zh-CN" altLang="en-US" dirty="0" smtClean="0"/>
+              <a:t>model </a:t>
+            </a:r>
+            <a:r>
+              <a:rPr lang="zh-CN" altLang="en-US" dirty="0"/>
+              <a:t>[67].</a:t>
+            </a:r>
+          </a:p>
+        </p:txBody>
+      </p:sp>
+      <p:sp>
+        <p:nvSpPr>
+          <p:cNvPr id="7" name="矩形 6"/>
+          <p:cNvSpPr/>
+          <p:nvPr/>
+        </p:nvSpPr>
+        <p:spPr>
+          <a:xfrm>
+            <a:off x="1286361" y="3990664"/>
+            <a:ext cx="2604431" cy="369332"/>
+          </a:xfrm>
+          <a:prstGeom prst="rect">
+            <a:avLst/>
+          </a:prstGeom>
+        </p:spPr>
+        <p:txBody>
+          <a:bodyPr wrap="none">
+            <a:spAutoFit/>
+          </a:bodyPr>
+          <a:lstStyle/>
+          <a:p>
+            <a:r>
+              <a:rPr lang="zh-CN" altLang="en-US" dirty="0"/>
+              <a:t>streakline framework [13]</a:t>
+            </a:r>
+          </a:p>
+        </p:txBody>
+      </p:sp>
+      <p:sp>
+        <p:nvSpPr>
+          <p:cNvPr id="8" name="矩形 7"/>
+          <p:cNvSpPr/>
+          <p:nvPr/>
+        </p:nvSpPr>
+        <p:spPr>
+          <a:xfrm>
+            <a:off x="4177512" y="3990664"/>
+            <a:ext cx="4572000" cy="923330"/>
+          </a:xfrm>
+          <a:prstGeom prst="rect">
+            <a:avLst/>
+          </a:prstGeom>
+        </p:spPr>
+        <p:txBody>
+          <a:bodyPr>
+            <a:spAutoFit/>
+          </a:bodyPr>
+          <a:lstStyle/>
+          <a:p>
+            <a:r>
+              <a:rPr lang="zh-CN" altLang="en-US" dirty="0"/>
+              <a:t>Wang et al. [55] improved the streakline framework with a highly accurate variational model [56].</a:t>
+            </a:r>
+          </a:p>
+        </p:txBody>
+      </p:sp>
+    </p:spTree>
+    <p:extLst>
+      <p:ext uri="{BB962C8B-B14F-4D97-AF65-F5344CB8AC3E}">
+        <p14:creationId xmlns:p14="http://schemas.microsoft.com/office/powerpoint/2010/main" val="3513206937"/>
+      </p:ext>
+    </p:extLst>
+  </p:cSld>
+  <p:clrMapOvr>
+    <a:masterClrMapping/>
+  </p:clrMapOvr>
+</p:sld>
+</file>
+
+<file path=ppt/slides/slide21.xml><?xml version="1.0" encoding="utf-8"?>
+<p:sld xmlns:a="http://schemas.openxmlformats.org/drawingml/2006/main" xmlns:r="http://schemas.openxmlformats.org/officeDocument/2006/relationships" xmlns:p="http://schemas.openxmlformats.org/presentationml/2006/main">
+  <p:cSld>
+    <p:spTree>
+      <p:nvGrpSpPr>
+        <p:cNvPr id="1" name=""/>
+        <p:cNvGrpSpPr/>
+        <p:nvPr/>
+      </p:nvGrpSpPr>
+      <p:grpSpPr>
+        <a:xfrm>
+          <a:off x="0" y="0"/>
+          <a:ext cx="0" cy="0"/>
+          <a:chOff x="0" y="0"/>
+          <a:chExt cx="0" cy="0"/>
+        </a:xfrm>
+      </p:grpSpPr>
+      <p:sp>
+        <p:nvSpPr>
+          <p:cNvPr id="2" name="矩形 1"/>
+          <p:cNvSpPr/>
+          <p:nvPr/>
+        </p:nvSpPr>
+        <p:spPr>
+          <a:xfrm>
+            <a:off x="394063" y="683959"/>
+            <a:ext cx="2683492" cy="369332"/>
+          </a:xfrm>
+          <a:prstGeom prst="rect">
+            <a:avLst/>
+          </a:prstGeom>
+        </p:spPr>
+        <p:txBody>
+          <a:bodyPr wrap="none">
+            <a:spAutoFit/>
+          </a:bodyPr>
+          <a:lstStyle/>
+          <a:p>
+            <a:r>
+              <a:rPr lang="zh-CN" altLang="en-US" dirty="0"/>
+              <a:t>Similarity-Based Clustering</a:t>
+            </a:r>
+          </a:p>
+        </p:txBody>
+      </p:sp>
+      <p:sp>
+        <p:nvSpPr>
+          <p:cNvPr id="3" name="矩形 2"/>
+          <p:cNvSpPr/>
+          <p:nvPr/>
+        </p:nvSpPr>
+        <p:spPr>
+          <a:xfrm>
+            <a:off x="1097545" y="2350541"/>
+            <a:ext cx="1687000" cy="369332"/>
+          </a:xfrm>
+          <a:prstGeom prst="rect">
+            <a:avLst/>
+          </a:prstGeom>
+        </p:spPr>
+        <p:txBody>
+          <a:bodyPr wrap="none">
+            <a:spAutoFit/>
+          </a:bodyPr>
+          <a:lstStyle/>
+          <a:p>
+            <a:r>
+              <a:rPr lang="en-US" altLang="zh-CN" dirty="0"/>
+              <a:t>motion features</a:t>
+            </a:r>
+            <a:endParaRPr lang="zh-CN" altLang="en-US" dirty="0"/>
+          </a:p>
+        </p:txBody>
+      </p:sp>
+      <p:sp>
+        <p:nvSpPr>
+          <p:cNvPr id="4" name="矩形 3"/>
+          <p:cNvSpPr/>
+          <p:nvPr/>
+        </p:nvSpPr>
+        <p:spPr>
+          <a:xfrm>
+            <a:off x="2936277" y="2364498"/>
+            <a:ext cx="3158942" cy="369332"/>
+          </a:xfrm>
+          <a:prstGeom prst="rect">
+            <a:avLst/>
+          </a:prstGeom>
+        </p:spPr>
+        <p:txBody>
+          <a:bodyPr wrap="none">
+            <a:spAutoFit/>
+          </a:bodyPr>
+          <a:lstStyle/>
+          <a:p>
+            <a:r>
+              <a:rPr lang="zh-CN" altLang="en-US" dirty="0"/>
+              <a:t>grouped into similar cat-egories</a:t>
+            </a:r>
+          </a:p>
+        </p:txBody>
+      </p:sp>
+      <p:sp>
+        <p:nvSpPr>
+          <p:cNvPr id="5" name="矩形 4"/>
+          <p:cNvSpPr/>
+          <p:nvPr/>
+        </p:nvSpPr>
+        <p:spPr>
+          <a:xfrm>
+            <a:off x="6246951" y="2340526"/>
+            <a:ext cx="1772921" cy="369332"/>
+          </a:xfrm>
+          <a:prstGeom prst="rect">
+            <a:avLst/>
+          </a:prstGeom>
+        </p:spPr>
+        <p:txBody>
+          <a:bodyPr wrap="none">
+            <a:spAutoFit/>
+          </a:bodyPr>
+          <a:lstStyle/>
+          <a:p>
+            <a:r>
+              <a:rPr lang="zh-CN" altLang="en-US" dirty="0"/>
+              <a:t>semantic regions</a:t>
+            </a:r>
+          </a:p>
+        </p:txBody>
+      </p:sp>
+      <p:sp>
+        <p:nvSpPr>
+          <p:cNvPr id="6" name="右箭头 5"/>
+          <p:cNvSpPr/>
+          <p:nvPr/>
+        </p:nvSpPr>
+        <p:spPr>
+          <a:xfrm>
+            <a:off x="2784545" y="2549164"/>
+            <a:ext cx="151732" cy="45719"/>
+          </a:xfrm>
+          <a:prstGeom prst="rightArrow">
+            <a:avLst/>
+          </a:prstGeom>
+        </p:spPr>
+        <p:style>
+          <a:lnRef idx="2">
+            <a:schemeClr val="accent1">
+              <a:shade val="50000"/>
+            </a:schemeClr>
+          </a:lnRef>
+          <a:fillRef idx="1">
+            <a:schemeClr val="accent1"/>
+          </a:fillRef>
+          <a:effectRef idx="0">
+            <a:schemeClr val="accent1"/>
+          </a:effectRef>
+          <a:fontRef idx="minor">
+            <a:schemeClr val="lt1"/>
+          </a:fontRef>
+        </p:style>
+        <p:txBody>
+          <a:bodyPr rtlCol="0" anchor="ctr"/>
+          <a:lstStyle/>
+          <a:p>
+            <a:pPr algn="ctr"/>
+            <a:endParaRPr lang="zh-CN" altLang="en-US"/>
+          </a:p>
+        </p:txBody>
+      </p:sp>
+      <p:sp>
+        <p:nvSpPr>
+          <p:cNvPr id="7" name="右箭头 6"/>
+          <p:cNvSpPr/>
+          <p:nvPr/>
+        </p:nvSpPr>
+        <p:spPr>
+          <a:xfrm>
+            <a:off x="6101632" y="2533328"/>
+            <a:ext cx="151732" cy="45719"/>
+          </a:xfrm>
+          <a:prstGeom prst="rightArrow">
+            <a:avLst/>
+          </a:prstGeom>
+        </p:spPr>
+        <p:style>
+          <a:lnRef idx="2">
+            <a:schemeClr val="accent1">
+              <a:shade val="50000"/>
+            </a:schemeClr>
+          </a:lnRef>
+          <a:fillRef idx="1">
+            <a:schemeClr val="accent1"/>
+          </a:fillRef>
+          <a:effectRef idx="0">
+            <a:schemeClr val="accent1"/>
+          </a:effectRef>
+          <a:fontRef idx="minor">
+            <a:schemeClr val="lt1"/>
+          </a:fontRef>
+        </p:style>
+        <p:txBody>
+          <a:bodyPr rtlCol="0" anchor="ctr"/>
+          <a:lstStyle/>
+          <a:p>
+            <a:pPr algn="ctr"/>
+            <a:endParaRPr lang="zh-CN" altLang="en-US"/>
+          </a:p>
+        </p:txBody>
+      </p:sp>
+      <p:sp>
+        <p:nvSpPr>
+          <p:cNvPr id="8" name="矩形 7"/>
+          <p:cNvSpPr/>
+          <p:nvPr/>
+        </p:nvSpPr>
+        <p:spPr>
+          <a:xfrm>
+            <a:off x="1229632" y="2645218"/>
+            <a:ext cx="4159216" cy="369332"/>
+          </a:xfrm>
+          <a:prstGeom prst="rect">
+            <a:avLst/>
+          </a:prstGeom>
+        </p:spPr>
+        <p:txBody>
+          <a:bodyPr wrap="none">
+            <a:spAutoFit/>
+          </a:bodyPr>
+          <a:lstStyle/>
+          <a:p>
+            <a:r>
+              <a:rPr lang="en-US" altLang="zh-CN" dirty="0" smtClean="0"/>
+              <a:t>l</a:t>
+            </a:r>
+            <a:r>
+              <a:rPr lang="zh-CN" altLang="en-US" dirty="0" smtClean="0"/>
+              <a:t>ongest </a:t>
+            </a:r>
+            <a:r>
+              <a:rPr lang="zh-CN" altLang="en-US" dirty="0"/>
+              <a:t>common sub-sequence (LCSS) [73]</a:t>
+            </a:r>
+          </a:p>
+        </p:txBody>
+      </p:sp>
+      <p:sp>
+        <p:nvSpPr>
+          <p:cNvPr id="9" name="矩形 8"/>
+          <p:cNvSpPr/>
+          <p:nvPr/>
+        </p:nvSpPr>
+        <p:spPr>
+          <a:xfrm>
+            <a:off x="1239498" y="2890502"/>
+            <a:ext cx="2239780" cy="369332"/>
+          </a:xfrm>
+          <a:prstGeom prst="rect">
+            <a:avLst/>
+          </a:prstGeom>
+        </p:spPr>
+        <p:txBody>
+          <a:bodyPr wrap="none">
+            <a:spAutoFit/>
+          </a:bodyPr>
+          <a:lstStyle/>
+          <a:p>
+            <a:r>
+              <a:rPr lang="zh-CN" altLang="en-US" dirty="0"/>
+              <a:t>coherent </a:t>
+            </a:r>
+            <a:r>
+              <a:rPr lang="en-US" altLang="zh-CN" dirty="0" smtClean="0"/>
+              <a:t>filtering [70]</a:t>
+            </a:r>
+            <a:endParaRPr lang="zh-CN" altLang="en-US" dirty="0"/>
+          </a:p>
+        </p:txBody>
+      </p:sp>
+      <p:sp>
+        <p:nvSpPr>
+          <p:cNvPr id="10" name="矩形 9"/>
+          <p:cNvSpPr/>
+          <p:nvPr/>
+        </p:nvSpPr>
+        <p:spPr>
+          <a:xfrm>
+            <a:off x="1233799" y="3153568"/>
+            <a:ext cx="1802416" cy="369332"/>
+          </a:xfrm>
+          <a:prstGeom prst="rect">
+            <a:avLst/>
+          </a:prstGeom>
+        </p:spPr>
+        <p:txBody>
+          <a:bodyPr wrap="none">
+            <a:spAutoFit/>
+          </a:bodyPr>
+          <a:lstStyle/>
+          <a:p>
+            <a:r>
+              <a:rPr lang="en-US" altLang="zh-CN" dirty="0" err="1" smtClean="0"/>
+              <a:t>Metatracking</a:t>
+            </a:r>
+            <a:r>
+              <a:rPr lang="en-US" altLang="zh-CN" dirty="0" smtClean="0"/>
+              <a:t>[19]</a:t>
+            </a:r>
+            <a:endParaRPr lang="zh-CN" altLang="en-US" dirty="0"/>
+          </a:p>
+        </p:txBody>
+      </p:sp>
+    </p:spTree>
+    <p:extLst>
+      <p:ext uri="{BB962C8B-B14F-4D97-AF65-F5344CB8AC3E}">
+        <p14:creationId xmlns:p14="http://schemas.microsoft.com/office/powerpoint/2010/main" val="2354331397"/>
+      </p:ext>
+    </p:extLst>
+  </p:cSld>
+  <p:clrMapOvr>
+    <a:masterClrMapping/>
+  </p:clrMapOvr>
+</p:sld>
+</file>
+
+<file path=ppt/slides/slide22.xml><?xml version="1.0" encoding="utf-8"?>
+<p:sld xmlns:a="http://schemas.openxmlformats.org/drawingml/2006/main" xmlns:r="http://schemas.openxmlformats.org/officeDocument/2006/relationships" xmlns:p="http://schemas.openxmlformats.org/presentationml/2006/main">
+  <p:cSld>
+    <p:spTree>
+      <p:nvGrpSpPr>
+        <p:cNvPr id="1" name=""/>
+        <p:cNvGrpSpPr/>
+        <p:nvPr/>
+      </p:nvGrpSpPr>
+      <p:grpSpPr>
+        <a:xfrm>
+          <a:off x="0" y="0"/>
+          <a:ext cx="0" cy="0"/>
+          <a:chOff x="0" y="0"/>
+          <a:chExt cx="0" cy="0"/>
+        </a:xfrm>
+      </p:grpSpPr>
+      <p:sp>
+        <p:nvSpPr>
+          <p:cNvPr id="2" name="矩形 1"/>
+          <p:cNvSpPr/>
+          <p:nvPr/>
+        </p:nvSpPr>
+        <p:spPr>
+          <a:xfrm>
+            <a:off x="0" y="912331"/>
+            <a:ext cx="9345478" cy="1200329"/>
+          </a:xfrm>
+          <a:prstGeom prst="rect">
+            <a:avLst/>
+          </a:prstGeom>
+        </p:spPr>
+        <p:txBody>
+          <a:bodyPr wrap="square">
+            <a:spAutoFit/>
+          </a:bodyPr>
+          <a:lstStyle/>
+          <a:p>
+            <a:r>
+              <a:rPr lang="en-US" altLang="zh-CN" dirty="0"/>
+              <a:t>In contrast to the simple averaging optical ﬂow methods, the use of an probability model allows for long-term analysis of a scene. Moreover, it can capture both the overlapping behaviors at any given location in a scene and the spatial dependencies between behaviors. Finally, the statistical model can incorporate a priori knowledge on where, when and what types of activities occur.</a:t>
+            </a:r>
+            <a:endParaRPr lang="zh-CN" altLang="en-US" dirty="0"/>
+          </a:p>
+        </p:txBody>
+      </p:sp>
+      <p:sp>
+        <p:nvSpPr>
+          <p:cNvPr id="3" name="矩形 2"/>
+          <p:cNvSpPr/>
+          <p:nvPr/>
+        </p:nvSpPr>
+        <p:spPr>
+          <a:xfrm>
+            <a:off x="288838" y="542999"/>
+            <a:ext cx="3482877" cy="369332"/>
+          </a:xfrm>
+          <a:prstGeom prst="rect">
+            <a:avLst/>
+          </a:prstGeom>
+        </p:spPr>
+        <p:txBody>
+          <a:bodyPr wrap="none">
+            <a:spAutoFit/>
+          </a:bodyPr>
+          <a:lstStyle/>
+          <a:p>
+            <a:r>
+              <a:rPr lang="zh-CN" altLang="en-US" dirty="0"/>
+              <a:t>Probability Model-Based Clustering</a:t>
+            </a:r>
+          </a:p>
+        </p:txBody>
+      </p:sp>
+      <p:sp>
+        <p:nvSpPr>
+          <p:cNvPr id="4" name="矩形 3"/>
+          <p:cNvSpPr/>
+          <p:nvPr/>
+        </p:nvSpPr>
+        <p:spPr>
+          <a:xfrm>
+            <a:off x="944797" y="2112660"/>
+            <a:ext cx="3162854" cy="369332"/>
+          </a:xfrm>
+          <a:prstGeom prst="rect">
+            <a:avLst/>
+          </a:prstGeom>
+        </p:spPr>
+        <p:txBody>
+          <a:bodyPr wrap="none">
+            <a:spAutoFit/>
+          </a:bodyPr>
+          <a:lstStyle/>
+          <a:p>
+            <a:r>
+              <a:rPr lang="en-US" altLang="zh-CN" dirty="0"/>
+              <a:t>diffusion maps embedding [75] </a:t>
+            </a:r>
+            <a:endParaRPr lang="zh-CN" altLang="en-US" dirty="0"/>
+          </a:p>
+        </p:txBody>
+      </p:sp>
+      <p:sp>
+        <p:nvSpPr>
+          <p:cNvPr id="5" name="矩形 4"/>
+          <p:cNvSpPr/>
+          <p:nvPr/>
+        </p:nvSpPr>
+        <p:spPr>
+          <a:xfrm>
+            <a:off x="944797" y="2481992"/>
+            <a:ext cx="1035861" cy="369332"/>
+          </a:xfrm>
+          <a:prstGeom prst="rect">
+            <a:avLst/>
+          </a:prstGeom>
+        </p:spPr>
+        <p:txBody>
+          <a:bodyPr wrap="none">
+            <a:spAutoFit/>
+          </a:bodyPr>
+          <a:lstStyle/>
+          <a:p>
+            <a:r>
+              <a:rPr lang="en-US" altLang="zh-CN" dirty="0" smtClean="0"/>
+              <a:t>GMM[3] </a:t>
+            </a:r>
+            <a:endParaRPr lang="zh-CN" altLang="en-US" dirty="0"/>
+          </a:p>
+        </p:txBody>
+      </p:sp>
+      <p:sp>
+        <p:nvSpPr>
+          <p:cNvPr id="6" name="矩形 5"/>
+          <p:cNvSpPr/>
+          <p:nvPr/>
+        </p:nvSpPr>
+        <p:spPr>
+          <a:xfrm>
+            <a:off x="944797" y="2851324"/>
+            <a:ext cx="1673087" cy="369332"/>
+          </a:xfrm>
+          <a:prstGeom prst="rect">
+            <a:avLst/>
+          </a:prstGeom>
+        </p:spPr>
+        <p:txBody>
+          <a:bodyPr wrap="none">
+            <a:spAutoFit/>
+          </a:bodyPr>
+          <a:lstStyle/>
+          <a:p>
+            <a:r>
+              <a:rPr lang="zh-CN" altLang="en-US" dirty="0" smtClean="0"/>
+              <a:t>RFT</a:t>
+            </a:r>
+            <a:r>
+              <a:rPr lang="en-US" altLang="zh-CN" dirty="0" smtClean="0"/>
+              <a:t>+MRFs[7][8]</a:t>
+            </a:r>
+            <a:endParaRPr lang="zh-CN" altLang="en-US" dirty="0"/>
+          </a:p>
+        </p:txBody>
+      </p:sp>
+      <p:sp>
+        <p:nvSpPr>
+          <p:cNvPr id="7" name="矩形 6"/>
+          <p:cNvSpPr/>
+          <p:nvPr/>
+        </p:nvSpPr>
+        <p:spPr>
+          <a:xfrm>
+            <a:off x="944797" y="3220656"/>
+            <a:ext cx="7916141" cy="1477328"/>
+          </a:xfrm>
+          <a:prstGeom prst="rect">
+            <a:avLst/>
+          </a:prstGeom>
+        </p:spPr>
+        <p:txBody>
+          <a:bodyPr wrap="none">
+            <a:spAutoFit/>
+          </a:bodyPr>
+          <a:lstStyle/>
+          <a:p>
+            <a:r>
+              <a:rPr lang="en-US" altLang="zh-CN" dirty="0" smtClean="0"/>
+              <a:t>Two-level </a:t>
+            </a:r>
+            <a:r>
+              <a:rPr lang="zh-CN" altLang="en-US" dirty="0" smtClean="0"/>
+              <a:t>LDA</a:t>
+            </a:r>
+            <a:r>
+              <a:rPr lang="en-US" altLang="zh-CN" dirty="0"/>
+              <a:t>[71]:At </a:t>
+            </a:r>
+            <a:r>
+              <a:rPr lang="en-US" altLang="zh-CN" dirty="0" smtClean="0"/>
+              <a:t>the first </a:t>
+            </a:r>
+            <a:r>
+              <a:rPr lang="en-US" altLang="zh-CN" dirty="0"/>
+              <a:t>level, single-agent motion patterns are modeled as </a:t>
+            </a:r>
+            <a:endParaRPr lang="en-US" altLang="zh-CN" dirty="0" smtClean="0"/>
+          </a:p>
+          <a:p>
+            <a:r>
+              <a:rPr lang="en-US" altLang="zh-CN" dirty="0"/>
+              <a:t>	</a:t>
+            </a:r>
+            <a:r>
+              <a:rPr lang="en-US" altLang="zh-CN" dirty="0" smtClean="0"/>
+              <a:t>distributions </a:t>
+            </a:r>
+            <a:r>
+              <a:rPr lang="en-US" altLang="zh-CN" dirty="0"/>
+              <a:t>over pixel-based features. At the second level, interaction </a:t>
+            </a:r>
+            <a:endParaRPr lang="en-US" altLang="zh-CN" dirty="0" smtClean="0"/>
+          </a:p>
+          <a:p>
+            <a:r>
+              <a:rPr lang="en-US" altLang="zh-CN" dirty="0"/>
+              <a:t>	</a:t>
+            </a:r>
+            <a:r>
+              <a:rPr lang="en-US" altLang="zh-CN" dirty="0" smtClean="0"/>
+              <a:t>patterns </a:t>
+            </a:r>
+            <a:r>
+              <a:rPr lang="en-US" altLang="zh-CN" dirty="0"/>
+              <a:t>are modeled as distributions over single-agent motion patterns</a:t>
+            </a:r>
+            <a:r>
+              <a:rPr lang="en-US" altLang="zh-CN" dirty="0" smtClean="0"/>
+              <a:t>.</a:t>
+            </a:r>
+          </a:p>
+          <a:p>
+            <a:r>
+              <a:rPr lang="en-US" altLang="zh-CN" dirty="0"/>
+              <a:t>	</a:t>
+            </a:r>
+            <a:r>
+              <a:rPr lang="en-US" altLang="zh-CN" dirty="0" smtClean="0"/>
+              <a:t> </a:t>
+            </a:r>
+            <a:r>
+              <a:rPr lang="en-US" altLang="zh-CN" dirty="0"/>
+              <a:t>Then, LDA is applied to discover both single-agent motion patterns and </a:t>
+            </a:r>
+            <a:endParaRPr lang="en-US" altLang="zh-CN" dirty="0" smtClean="0"/>
+          </a:p>
+          <a:p>
+            <a:r>
+              <a:rPr lang="en-US" altLang="zh-CN" dirty="0"/>
+              <a:t>	</a:t>
+            </a:r>
+            <a:r>
+              <a:rPr lang="en-US" altLang="zh-CN" dirty="0" smtClean="0"/>
+              <a:t>interaction </a:t>
+            </a:r>
+            <a:r>
+              <a:rPr lang="en-US" altLang="zh-CN" dirty="0"/>
+              <a:t>patterns in the video.</a:t>
+            </a:r>
+            <a:r>
+              <a:rPr lang="zh-CN" altLang="en-US" dirty="0" smtClean="0"/>
+              <a:t> </a:t>
+            </a:r>
+            <a:endParaRPr lang="zh-CN" altLang="en-US" dirty="0"/>
+          </a:p>
+        </p:txBody>
+      </p:sp>
+    </p:spTree>
+    <p:extLst>
+      <p:ext uri="{BB962C8B-B14F-4D97-AF65-F5344CB8AC3E}">
+        <p14:creationId xmlns:p14="http://schemas.microsoft.com/office/powerpoint/2010/main" val="3665796291"/>
+      </p:ext>
+    </p:extLst>
+  </p:cSld>
+  <p:clrMapOvr>
+    <a:masterClrMapping/>
+  </p:clrMapOvr>
+</p:sld>
+</file>
+
+<file path=ppt/slides/slide23.xml><?xml version="1.0" encoding="utf-8"?>
+<p:sld xmlns:a="http://schemas.openxmlformats.org/drawingml/2006/main" xmlns:r="http://schemas.openxmlformats.org/officeDocument/2006/relationships" xmlns:p="http://schemas.openxmlformats.org/presentationml/2006/main">
+  <p:cSld>
+    <p:spTree>
+      <p:nvGrpSpPr>
+        <p:cNvPr id="1" name=""/>
+        <p:cNvGrpSpPr/>
+        <p:nvPr/>
+      </p:nvGrpSpPr>
+      <p:grpSpPr>
+        <a:xfrm>
+          <a:off x="0" y="0"/>
+          <a:ext cx="0" cy="0"/>
+          <a:chOff x="0" y="0"/>
+          <a:chExt cx="0" cy="0"/>
+        </a:xfrm>
+      </p:grpSpPr>
+      <p:sp>
+        <p:nvSpPr>
+          <p:cNvPr id="2" name="文本框 1"/>
+          <p:cNvSpPr txBox="1"/>
+          <p:nvPr/>
+        </p:nvSpPr>
+        <p:spPr>
+          <a:xfrm>
+            <a:off x="774915" y="805912"/>
+            <a:ext cx="1129989" cy="646331"/>
+          </a:xfrm>
+          <a:prstGeom prst="rect">
+            <a:avLst/>
+          </a:prstGeom>
+          <a:noFill/>
+        </p:spPr>
+        <p:txBody>
+          <a:bodyPr wrap="none" rtlCol="0">
+            <a:spAutoFit/>
+          </a:bodyPr>
+          <a:lstStyle/>
+          <a:p>
+            <a:r>
+              <a:rPr lang="en-US" altLang="zh-CN" dirty="0" smtClean="0"/>
+              <a:t>Summary </a:t>
+            </a:r>
+          </a:p>
+          <a:p>
+            <a:endParaRPr lang="zh-CN" altLang="en-US" dirty="0"/>
+          </a:p>
+        </p:txBody>
+      </p:sp>
+    </p:spTree>
+    <p:extLst>
+      <p:ext uri="{BB962C8B-B14F-4D97-AF65-F5344CB8AC3E}">
+        <p14:creationId xmlns:p14="http://schemas.microsoft.com/office/powerpoint/2010/main" val="2891752391"/>
+      </p:ext>
+    </p:extLst>
+  </p:cSld>
+  <p:clrMapOvr>
+    <a:masterClrMapping/>
+  </p:clrMapOvr>
+</p:sld>
+</file>
+
+<file path=ppt/slides/slide24.xml><?xml version="1.0" encoding="utf-8"?>
+<p:sld xmlns:a="http://schemas.openxmlformats.org/drawingml/2006/main" xmlns:r="http://schemas.openxmlformats.org/officeDocument/2006/relationships" xmlns:p="http://schemas.openxmlformats.org/presentationml/2006/main">
+  <p:cSld>
+    <p:spTree>
+      <p:nvGrpSpPr>
+        <p:cNvPr id="1" name=""/>
+        <p:cNvGrpSpPr/>
+        <p:nvPr/>
+      </p:nvGrpSpPr>
+      <p:grpSpPr>
+        <a:xfrm>
+          <a:off x="0" y="0"/>
+          <a:ext cx="0" cy="0"/>
+          <a:chOff x="0" y="0"/>
+          <a:chExt cx="0" cy="0"/>
+        </a:xfrm>
+      </p:grpSpPr>
+      <p:sp>
+        <p:nvSpPr>
+          <p:cNvPr id="2" name="矩形 1"/>
+          <p:cNvSpPr/>
+          <p:nvPr/>
+        </p:nvSpPr>
+        <p:spPr>
+          <a:xfrm>
+            <a:off x="379006" y="191168"/>
+            <a:ext cx="4232441" cy="369332"/>
+          </a:xfrm>
+          <a:prstGeom prst="rect">
+            <a:avLst/>
+          </a:prstGeom>
+        </p:spPr>
+        <p:txBody>
+          <a:bodyPr wrap="none">
+            <a:spAutoFit/>
+          </a:bodyPr>
+          <a:lstStyle/>
+          <a:p>
+            <a:r>
+              <a:rPr lang="zh-CN" altLang="en-US" dirty="0"/>
+              <a:t>CROWD MOTION PATTERN SEGMENTATION</a:t>
+            </a:r>
+          </a:p>
+        </p:txBody>
+      </p:sp>
+      <p:sp>
+        <p:nvSpPr>
+          <p:cNvPr id="3" name="矩形 2"/>
+          <p:cNvSpPr/>
+          <p:nvPr/>
+        </p:nvSpPr>
+        <p:spPr>
+          <a:xfrm>
+            <a:off x="999641" y="560500"/>
+            <a:ext cx="6656522" cy="646331"/>
+          </a:xfrm>
+          <a:prstGeom prst="rect">
+            <a:avLst/>
+          </a:prstGeom>
+        </p:spPr>
+        <p:txBody>
+          <a:bodyPr wrap="square">
+            <a:spAutoFit/>
+          </a:bodyPr>
+          <a:lstStyle/>
+          <a:p>
+            <a:r>
+              <a:rPr lang="zh-CN" altLang="en-US" dirty="0"/>
+              <a:t>In the crowded scene analysis, it is highly desirable to analyze the motion patterns and obtain some high-level interpretation.</a:t>
+            </a:r>
+          </a:p>
+        </p:txBody>
+      </p:sp>
+      <p:sp>
+        <p:nvSpPr>
+          <p:cNvPr id="4" name="矩形 3"/>
+          <p:cNvSpPr/>
+          <p:nvPr/>
+        </p:nvSpPr>
+        <p:spPr>
+          <a:xfrm>
+            <a:off x="217247" y="1391497"/>
+            <a:ext cx="8444106" cy="646331"/>
+          </a:xfrm>
+          <a:prstGeom prst="rect">
+            <a:avLst/>
+          </a:prstGeom>
+        </p:spPr>
+        <p:txBody>
+          <a:bodyPr wrap="none">
+            <a:spAutoFit/>
+          </a:bodyPr>
+          <a:lstStyle/>
+          <a:p>
+            <a:r>
+              <a:rPr lang="zh-CN" altLang="en-US" dirty="0"/>
+              <a:t>motion </a:t>
+            </a:r>
+            <a:r>
+              <a:rPr lang="zh-CN" altLang="en-US" dirty="0" smtClean="0"/>
+              <a:t>pattern</a:t>
+            </a:r>
+            <a:r>
+              <a:rPr lang="en-US" altLang="zh-CN" dirty="0" smtClean="0"/>
+              <a:t>: a </a:t>
+            </a:r>
+            <a:r>
+              <a:rPr lang="en-US" altLang="zh-CN" dirty="0"/>
+              <a:t>spatial region of the scene that has a high degree of local similarity of </a:t>
+            </a:r>
+            <a:endParaRPr lang="en-US" altLang="zh-CN" dirty="0" smtClean="0"/>
+          </a:p>
+          <a:p>
+            <a:r>
+              <a:rPr lang="en-US" altLang="zh-CN" dirty="0"/>
+              <a:t>	</a:t>
+            </a:r>
+            <a:r>
+              <a:rPr lang="en-US" altLang="zh-CN" dirty="0" smtClean="0"/>
+              <a:t>the </a:t>
+            </a:r>
+            <a:r>
+              <a:rPr lang="en-US" altLang="zh-CN" dirty="0"/>
+              <a:t>speed, as well as </a:t>
+            </a:r>
+            <a:r>
+              <a:rPr lang="en-US" altLang="zh-CN" dirty="0" smtClean="0"/>
+              <a:t>flow </a:t>
+            </a:r>
+            <a:r>
+              <a:rPr lang="en-US" altLang="zh-CN" dirty="0"/>
+              <a:t>direction within the region and otherwise outside </a:t>
+            </a:r>
+            <a:endParaRPr lang="zh-CN" altLang="en-US" dirty="0"/>
+          </a:p>
+        </p:txBody>
+      </p:sp>
+      <p:sp>
+        <p:nvSpPr>
+          <p:cNvPr id="5" name="左大括号 4"/>
+          <p:cNvSpPr/>
+          <p:nvPr/>
+        </p:nvSpPr>
+        <p:spPr>
+          <a:xfrm>
+            <a:off x="712921" y="2696704"/>
+            <a:ext cx="286720" cy="2774197"/>
+          </a:xfrm>
+          <a:prstGeom prst="leftBrace">
+            <a:avLst/>
+          </a:prstGeom>
+        </p:spPr>
+        <p:style>
+          <a:lnRef idx="1">
+            <a:schemeClr val="accent1"/>
+          </a:lnRef>
+          <a:fillRef idx="0">
+            <a:schemeClr val="accent1"/>
+          </a:fillRef>
+          <a:effectRef idx="0">
+            <a:schemeClr val="accent1"/>
+          </a:effectRef>
+          <a:fontRef idx="minor">
+            <a:schemeClr val="tx1"/>
+          </a:fontRef>
+        </p:style>
+        <p:txBody>
+          <a:bodyPr rtlCol="0" anchor="ctr"/>
+          <a:lstStyle/>
+          <a:p>
+            <a:pPr algn="ctr"/>
+            <a:endParaRPr lang="zh-CN" altLang="en-US"/>
+          </a:p>
+        </p:txBody>
+      </p:sp>
+      <p:sp>
+        <p:nvSpPr>
+          <p:cNvPr id="6" name="矩形 5"/>
+          <p:cNvSpPr/>
+          <p:nvPr/>
+        </p:nvSpPr>
+        <p:spPr>
+          <a:xfrm>
+            <a:off x="999641" y="2512038"/>
+            <a:ext cx="3785075" cy="369332"/>
+          </a:xfrm>
+          <a:prstGeom prst="rect">
+            <a:avLst/>
+          </a:prstGeom>
+        </p:spPr>
+        <p:txBody>
+          <a:bodyPr wrap="none">
+            <a:spAutoFit/>
+          </a:bodyPr>
+          <a:lstStyle/>
+          <a:p>
+            <a:r>
+              <a:rPr lang="zh-CN" altLang="en-US" dirty="0"/>
+              <a:t>Flow Field Model-Based Segmentation</a:t>
+            </a:r>
+          </a:p>
+        </p:txBody>
+      </p:sp>
+      <p:sp>
+        <p:nvSpPr>
+          <p:cNvPr id="7" name="矩形 6"/>
+          <p:cNvSpPr/>
+          <p:nvPr/>
+        </p:nvSpPr>
+        <p:spPr>
+          <a:xfrm>
+            <a:off x="1153480" y="4961491"/>
+            <a:ext cx="2683492" cy="369332"/>
+          </a:xfrm>
+          <a:prstGeom prst="rect">
+            <a:avLst/>
+          </a:prstGeom>
+        </p:spPr>
+        <p:txBody>
+          <a:bodyPr wrap="none">
+            <a:spAutoFit/>
+          </a:bodyPr>
+          <a:lstStyle/>
+          <a:p>
+            <a:r>
+              <a:rPr lang="zh-CN" altLang="en-US" dirty="0"/>
+              <a:t>Similarity-Based Clustering</a:t>
+            </a:r>
+          </a:p>
+        </p:txBody>
+      </p:sp>
+      <p:sp>
+        <p:nvSpPr>
+          <p:cNvPr id="8" name="矩形 7"/>
+          <p:cNvSpPr/>
+          <p:nvPr/>
+        </p:nvSpPr>
+        <p:spPr>
+          <a:xfrm>
+            <a:off x="753787" y="6432355"/>
+            <a:ext cx="3482877" cy="369332"/>
+          </a:xfrm>
+          <a:prstGeom prst="rect">
+            <a:avLst/>
+          </a:prstGeom>
+        </p:spPr>
+        <p:txBody>
+          <a:bodyPr wrap="none">
+            <a:spAutoFit/>
+          </a:bodyPr>
+          <a:lstStyle/>
+          <a:p>
+            <a:r>
+              <a:rPr lang="zh-CN" altLang="en-US" dirty="0"/>
+              <a:t>Probability Model-Based Clustering</a:t>
+            </a:r>
+          </a:p>
+        </p:txBody>
+      </p:sp>
+      <p:sp>
+        <p:nvSpPr>
+          <p:cNvPr id="11" name="矩形 10"/>
+          <p:cNvSpPr/>
+          <p:nvPr/>
+        </p:nvSpPr>
+        <p:spPr>
+          <a:xfrm>
+            <a:off x="1286361" y="2829031"/>
+            <a:ext cx="3240054" cy="369332"/>
+          </a:xfrm>
+          <a:prstGeom prst="rect">
+            <a:avLst/>
+          </a:prstGeom>
+        </p:spPr>
+        <p:txBody>
+          <a:bodyPr wrap="none">
+            <a:spAutoFit/>
+          </a:bodyPr>
+          <a:lstStyle/>
+          <a:p>
+            <a:r>
+              <a:rPr lang="en-US" altLang="zh-CN" dirty="0"/>
+              <a:t> </a:t>
+            </a:r>
+            <a:r>
+              <a:rPr lang="en-US" altLang="zh-CN" dirty="0" err="1"/>
+              <a:t>Lagrangian</a:t>
+            </a:r>
+            <a:r>
+              <a:rPr lang="en-US" altLang="zh-CN" dirty="0"/>
+              <a:t> particle </a:t>
+            </a:r>
+            <a:r>
+              <a:rPr lang="en-US" altLang="zh-CN" dirty="0" smtClean="0"/>
+              <a:t>dynamic[12]</a:t>
+            </a:r>
+            <a:endParaRPr lang="zh-CN" altLang="en-US" dirty="0"/>
+          </a:p>
+        </p:txBody>
+      </p:sp>
+      <p:sp>
+        <p:nvSpPr>
+          <p:cNvPr id="12" name="矩形 11"/>
+          <p:cNvSpPr/>
+          <p:nvPr/>
+        </p:nvSpPr>
+        <p:spPr>
+          <a:xfrm>
+            <a:off x="4784716" y="2855201"/>
+            <a:ext cx="4045659" cy="369332"/>
+          </a:xfrm>
+          <a:prstGeom prst="rect">
+            <a:avLst/>
+          </a:prstGeom>
+        </p:spPr>
+        <p:txBody>
+          <a:bodyPr wrap="none">
+            <a:spAutoFit/>
+          </a:bodyPr>
+          <a:lstStyle/>
+          <a:p>
+            <a:r>
+              <a:rPr lang="zh-CN" altLang="en-US" dirty="0"/>
+              <a:t>Lagrangian coherent structures (LCS) [57]</a:t>
+            </a:r>
+          </a:p>
+        </p:txBody>
+      </p:sp>
+      <p:sp>
+        <p:nvSpPr>
+          <p:cNvPr id="13" name="矩形 12"/>
+          <p:cNvSpPr/>
+          <p:nvPr/>
+        </p:nvSpPr>
+        <p:spPr>
+          <a:xfrm>
+            <a:off x="1286361" y="3242953"/>
+            <a:ext cx="4408194" cy="369332"/>
+          </a:xfrm>
+          <a:prstGeom prst="rect">
+            <a:avLst/>
+          </a:prstGeom>
+        </p:spPr>
+        <p:txBody>
+          <a:bodyPr wrap="none">
+            <a:spAutoFit/>
+          </a:bodyPr>
+          <a:lstStyle/>
+          <a:p>
+            <a:r>
+              <a:rPr lang="zh-CN" altLang="en-US" dirty="0"/>
+              <a:t>earn dominant motion patterns in </a:t>
+            </a:r>
+            <a:r>
+              <a:rPr lang="zh-CN" altLang="en-US" dirty="0" smtClean="0"/>
+              <a:t>videos</a:t>
+            </a:r>
+            <a:r>
+              <a:rPr lang="en-US" altLang="zh-CN" dirty="0" smtClean="0"/>
+              <a:t>[54]</a:t>
+            </a:r>
+            <a:endParaRPr lang="zh-CN" altLang="en-US" dirty="0"/>
+          </a:p>
+        </p:txBody>
+      </p:sp>
+      <p:sp>
+        <p:nvSpPr>
+          <p:cNvPr id="14" name="矩形 13"/>
+          <p:cNvSpPr/>
+          <p:nvPr/>
+        </p:nvSpPr>
+        <p:spPr>
+          <a:xfrm>
+            <a:off x="1278224" y="3630705"/>
+            <a:ext cx="7012983" cy="369332"/>
+          </a:xfrm>
+          <a:prstGeom prst="rect">
+            <a:avLst/>
+          </a:prstGeom>
+        </p:spPr>
+        <p:txBody>
+          <a:bodyPr wrap="square">
+            <a:spAutoFit/>
+          </a:bodyPr>
+          <a:lstStyle/>
+          <a:p>
+            <a:r>
+              <a:rPr lang="zh-CN" altLang="en-US" dirty="0"/>
+              <a:t>local–translational domain segmenta-tion (LTDS) </a:t>
+            </a:r>
+            <a:r>
+              <a:rPr lang="zh-CN" altLang="en-US" dirty="0" smtClean="0"/>
+              <a:t>model </a:t>
+            </a:r>
+            <a:r>
+              <a:rPr lang="zh-CN" altLang="en-US" dirty="0"/>
+              <a:t>[67].</a:t>
+            </a:r>
+          </a:p>
+        </p:txBody>
+      </p:sp>
+      <p:sp>
+        <p:nvSpPr>
+          <p:cNvPr id="15" name="矩形 14"/>
+          <p:cNvSpPr/>
+          <p:nvPr/>
+        </p:nvSpPr>
+        <p:spPr>
+          <a:xfrm>
+            <a:off x="1286361" y="3990664"/>
+            <a:ext cx="2604431" cy="369332"/>
+          </a:xfrm>
+          <a:prstGeom prst="rect">
+            <a:avLst/>
+          </a:prstGeom>
+        </p:spPr>
+        <p:txBody>
+          <a:bodyPr wrap="none">
+            <a:spAutoFit/>
+          </a:bodyPr>
+          <a:lstStyle/>
+          <a:p>
+            <a:r>
+              <a:rPr lang="zh-CN" altLang="en-US" dirty="0"/>
+              <a:t>streakline framework [13]</a:t>
+            </a:r>
+          </a:p>
+        </p:txBody>
+      </p:sp>
+      <p:sp>
+        <p:nvSpPr>
+          <p:cNvPr id="16" name="矩形 15"/>
+          <p:cNvSpPr/>
+          <p:nvPr/>
+        </p:nvSpPr>
+        <p:spPr>
+          <a:xfrm>
+            <a:off x="4177512" y="3990664"/>
+            <a:ext cx="4572000" cy="923330"/>
+          </a:xfrm>
+          <a:prstGeom prst="rect">
+            <a:avLst/>
+          </a:prstGeom>
+        </p:spPr>
+        <p:txBody>
+          <a:bodyPr>
+            <a:spAutoFit/>
+          </a:bodyPr>
+          <a:lstStyle/>
+          <a:p>
+            <a:r>
+              <a:rPr lang="zh-CN" altLang="en-US" dirty="0"/>
+              <a:t>Wang et al. [55] improved the streakline framework with a highly accurate variational model [56].</a:t>
+            </a:r>
+          </a:p>
+        </p:txBody>
+      </p:sp>
+      <p:sp>
+        <p:nvSpPr>
+          <p:cNvPr id="17" name="矩形 16"/>
+          <p:cNvSpPr/>
+          <p:nvPr/>
+        </p:nvSpPr>
+        <p:spPr>
+          <a:xfrm>
+            <a:off x="1651726" y="5259996"/>
+            <a:ext cx="1687000" cy="369332"/>
+          </a:xfrm>
+          <a:prstGeom prst="rect">
+            <a:avLst/>
+          </a:prstGeom>
+        </p:spPr>
+        <p:txBody>
+          <a:bodyPr wrap="none">
+            <a:spAutoFit/>
+          </a:bodyPr>
+          <a:lstStyle/>
+          <a:p>
+            <a:r>
+              <a:rPr lang="en-US" altLang="zh-CN" dirty="0"/>
+              <a:t>motion features</a:t>
+            </a:r>
+            <a:endParaRPr lang="zh-CN" altLang="en-US" dirty="0"/>
+          </a:p>
+        </p:txBody>
+      </p:sp>
+      <p:sp>
+        <p:nvSpPr>
+          <p:cNvPr id="18" name="矩形 17"/>
+          <p:cNvSpPr/>
+          <p:nvPr/>
+        </p:nvSpPr>
+        <p:spPr>
+          <a:xfrm>
+            <a:off x="3490458" y="5273953"/>
+            <a:ext cx="3158942" cy="369332"/>
+          </a:xfrm>
+          <a:prstGeom prst="rect">
+            <a:avLst/>
+          </a:prstGeom>
+        </p:spPr>
+        <p:txBody>
+          <a:bodyPr wrap="none">
+            <a:spAutoFit/>
+          </a:bodyPr>
+          <a:lstStyle/>
+          <a:p>
+            <a:r>
+              <a:rPr lang="zh-CN" altLang="en-US" dirty="0"/>
+              <a:t>grouped into similar cat-egories</a:t>
+            </a:r>
+          </a:p>
+        </p:txBody>
+      </p:sp>
+      <p:sp>
+        <p:nvSpPr>
+          <p:cNvPr id="19" name="矩形 18"/>
+          <p:cNvSpPr/>
+          <p:nvPr/>
+        </p:nvSpPr>
+        <p:spPr>
+          <a:xfrm>
+            <a:off x="6801132" y="5249981"/>
+            <a:ext cx="1772921" cy="369332"/>
+          </a:xfrm>
+          <a:prstGeom prst="rect">
+            <a:avLst/>
+          </a:prstGeom>
+        </p:spPr>
+        <p:txBody>
+          <a:bodyPr wrap="none">
+            <a:spAutoFit/>
+          </a:bodyPr>
+          <a:lstStyle/>
+          <a:p>
+            <a:r>
+              <a:rPr lang="zh-CN" altLang="en-US" dirty="0"/>
+              <a:t>semantic regions</a:t>
+            </a:r>
+          </a:p>
+        </p:txBody>
+      </p:sp>
+      <p:sp>
+        <p:nvSpPr>
+          <p:cNvPr id="20" name="右箭头 19"/>
+          <p:cNvSpPr/>
+          <p:nvPr/>
+        </p:nvSpPr>
+        <p:spPr>
+          <a:xfrm>
+            <a:off x="3338726" y="5458619"/>
+            <a:ext cx="151732" cy="45719"/>
+          </a:xfrm>
+          <a:prstGeom prst="rightArrow">
+            <a:avLst/>
+          </a:prstGeom>
+        </p:spPr>
+        <p:style>
+          <a:lnRef idx="2">
+            <a:schemeClr val="accent1">
+              <a:shade val="50000"/>
+            </a:schemeClr>
+          </a:lnRef>
+          <a:fillRef idx="1">
+            <a:schemeClr val="accent1"/>
+          </a:fillRef>
+          <a:effectRef idx="0">
+            <a:schemeClr val="accent1"/>
+          </a:effectRef>
+          <a:fontRef idx="minor">
+            <a:schemeClr val="lt1"/>
+          </a:fontRef>
+        </p:style>
+        <p:txBody>
+          <a:bodyPr rtlCol="0" anchor="ctr"/>
+          <a:lstStyle/>
+          <a:p>
+            <a:pPr algn="ctr"/>
+            <a:endParaRPr lang="zh-CN" altLang="en-US"/>
+          </a:p>
+        </p:txBody>
+      </p:sp>
+      <p:sp>
+        <p:nvSpPr>
+          <p:cNvPr id="21" name="右箭头 20"/>
+          <p:cNvSpPr/>
+          <p:nvPr/>
+        </p:nvSpPr>
+        <p:spPr>
+          <a:xfrm>
+            <a:off x="6655813" y="5442783"/>
+            <a:ext cx="151732" cy="45719"/>
+          </a:xfrm>
+          <a:prstGeom prst="rightArrow">
+            <a:avLst/>
+          </a:prstGeom>
+        </p:spPr>
+        <p:style>
+          <a:lnRef idx="2">
+            <a:schemeClr val="accent1">
+              <a:shade val="50000"/>
+            </a:schemeClr>
+          </a:lnRef>
+          <a:fillRef idx="1">
+            <a:schemeClr val="accent1"/>
+          </a:fillRef>
+          <a:effectRef idx="0">
+            <a:schemeClr val="accent1"/>
+          </a:effectRef>
+          <a:fontRef idx="minor">
+            <a:schemeClr val="lt1"/>
+          </a:fontRef>
+        </p:style>
+        <p:txBody>
+          <a:bodyPr rtlCol="0" anchor="ctr"/>
+          <a:lstStyle/>
+          <a:p>
+            <a:pPr algn="ctr"/>
+            <a:endParaRPr lang="zh-CN" altLang="en-US"/>
+          </a:p>
+        </p:txBody>
+      </p:sp>
+      <p:sp>
+        <p:nvSpPr>
+          <p:cNvPr id="22" name="矩形 21"/>
+          <p:cNvSpPr/>
+          <p:nvPr/>
+        </p:nvSpPr>
+        <p:spPr>
+          <a:xfrm>
+            <a:off x="1783813" y="5554673"/>
+            <a:ext cx="4159216" cy="369332"/>
+          </a:xfrm>
+          <a:prstGeom prst="rect">
+            <a:avLst/>
+          </a:prstGeom>
+        </p:spPr>
+        <p:txBody>
+          <a:bodyPr wrap="none">
+            <a:spAutoFit/>
+          </a:bodyPr>
+          <a:lstStyle/>
+          <a:p>
+            <a:r>
+              <a:rPr lang="en-US" altLang="zh-CN" dirty="0" smtClean="0"/>
+              <a:t>l</a:t>
+            </a:r>
+            <a:r>
+              <a:rPr lang="zh-CN" altLang="en-US" dirty="0" smtClean="0"/>
+              <a:t>ongest </a:t>
+            </a:r>
+            <a:r>
+              <a:rPr lang="zh-CN" altLang="en-US" dirty="0"/>
+              <a:t>common sub-sequence (LCSS) [73]</a:t>
+            </a:r>
+          </a:p>
+        </p:txBody>
+      </p:sp>
+      <p:sp>
+        <p:nvSpPr>
+          <p:cNvPr id="23" name="矩形 22"/>
+          <p:cNvSpPr/>
+          <p:nvPr/>
+        </p:nvSpPr>
+        <p:spPr>
+          <a:xfrm>
+            <a:off x="1793679" y="5799957"/>
+            <a:ext cx="2239780" cy="369332"/>
+          </a:xfrm>
+          <a:prstGeom prst="rect">
+            <a:avLst/>
+          </a:prstGeom>
+        </p:spPr>
+        <p:txBody>
+          <a:bodyPr wrap="none">
+            <a:spAutoFit/>
+          </a:bodyPr>
+          <a:lstStyle/>
+          <a:p>
+            <a:r>
+              <a:rPr lang="zh-CN" altLang="en-US" dirty="0"/>
+              <a:t>coherent </a:t>
+            </a:r>
+            <a:r>
+              <a:rPr lang="en-US" altLang="zh-CN" dirty="0" smtClean="0"/>
+              <a:t>filtering [70]</a:t>
+            </a:r>
+            <a:endParaRPr lang="zh-CN" altLang="en-US" dirty="0"/>
+          </a:p>
+        </p:txBody>
+      </p:sp>
+      <p:sp>
+        <p:nvSpPr>
+          <p:cNvPr id="24" name="矩形 23"/>
+          <p:cNvSpPr/>
+          <p:nvPr/>
+        </p:nvSpPr>
+        <p:spPr>
+          <a:xfrm>
+            <a:off x="1787980" y="6063023"/>
+            <a:ext cx="1802416" cy="369332"/>
+          </a:xfrm>
+          <a:prstGeom prst="rect">
+            <a:avLst/>
+          </a:prstGeom>
+        </p:spPr>
+        <p:txBody>
+          <a:bodyPr wrap="none">
+            <a:spAutoFit/>
+          </a:bodyPr>
+          <a:lstStyle/>
+          <a:p>
+            <a:r>
+              <a:rPr lang="en-US" altLang="zh-CN" dirty="0" err="1" smtClean="0"/>
+              <a:t>Metatracking</a:t>
+            </a:r>
+            <a:r>
+              <a:rPr lang="en-US" altLang="zh-CN" dirty="0" smtClean="0"/>
+              <a:t>[19]</a:t>
+            </a:r>
+            <a:endParaRPr lang="zh-CN" altLang="en-US" dirty="0"/>
+          </a:p>
+        </p:txBody>
+      </p:sp>
+    </p:spTree>
+    <p:extLst>
+      <p:ext uri="{BB962C8B-B14F-4D97-AF65-F5344CB8AC3E}">
+        <p14:creationId xmlns:p14="http://schemas.microsoft.com/office/powerpoint/2010/main" val="312227805"/>
+      </p:ext>
+    </p:extLst>
+  </p:cSld>
+  <p:clrMapOvr>
+    <a:masterClrMapping/>
+  </p:clrMapOvr>
+</p:sld>
+</file>
+
+<file path=ppt/slides/slide25.xml><?xml version="1.0" encoding="utf-8"?>
+<p:sld xmlns:a="http://schemas.openxmlformats.org/drawingml/2006/main" xmlns:r="http://schemas.openxmlformats.org/officeDocument/2006/relationships" xmlns:p="http://schemas.openxmlformats.org/presentationml/2006/main">
+  <p:cSld>
+    <p:spTree>
+      <p:nvGrpSpPr>
+        <p:cNvPr id="1" name=""/>
+        <p:cNvGrpSpPr/>
+        <p:nvPr/>
+      </p:nvGrpSpPr>
+      <p:grpSpPr>
+        <a:xfrm>
+          <a:off x="0" y="0"/>
+          <a:ext cx="0" cy="0"/>
+          <a:chOff x="0" y="0"/>
+          <a:chExt cx="0" cy="0"/>
+        </a:xfrm>
+      </p:grpSpPr>
+      <p:sp>
+        <p:nvSpPr>
+          <p:cNvPr id="2" name="文本框 1"/>
+          <p:cNvSpPr txBox="1"/>
+          <p:nvPr/>
+        </p:nvSpPr>
+        <p:spPr>
+          <a:xfrm>
+            <a:off x="2634712" y="123986"/>
+            <a:ext cx="2788520" cy="369332"/>
+          </a:xfrm>
+          <a:prstGeom prst="rect">
+            <a:avLst/>
+          </a:prstGeom>
+          <a:noFill/>
+        </p:spPr>
+        <p:txBody>
+          <a:bodyPr wrap="none" rtlCol="0">
+            <a:spAutoFit/>
+          </a:bodyPr>
+          <a:lstStyle/>
+          <a:p>
+            <a:r>
+              <a:rPr lang="en-US" altLang="zh-CN" dirty="0" smtClean="0"/>
+              <a:t>Crowd behavior recognition</a:t>
+            </a:r>
+          </a:p>
+        </p:txBody>
+      </p:sp>
+      <p:sp>
+        <p:nvSpPr>
+          <p:cNvPr id="3" name="矩形 2"/>
+          <p:cNvSpPr/>
+          <p:nvPr/>
+        </p:nvSpPr>
+        <p:spPr>
+          <a:xfrm>
+            <a:off x="805237" y="1090070"/>
+            <a:ext cx="1829475" cy="369332"/>
+          </a:xfrm>
+          <a:prstGeom prst="rect">
+            <a:avLst/>
+          </a:prstGeom>
+        </p:spPr>
+        <p:txBody>
+          <a:bodyPr wrap="none">
+            <a:spAutoFit/>
+          </a:bodyPr>
+          <a:lstStyle/>
+          <a:p>
+            <a:r>
+              <a:rPr lang="zh-CN" altLang="en-US" dirty="0"/>
+              <a:t>Holistic Approach</a:t>
+            </a:r>
+          </a:p>
+        </p:txBody>
+      </p:sp>
+      <p:sp>
+        <p:nvSpPr>
+          <p:cNvPr id="4" name="矩形 3"/>
+          <p:cNvSpPr/>
+          <p:nvPr/>
+        </p:nvSpPr>
+        <p:spPr>
+          <a:xfrm>
+            <a:off x="805237" y="4258557"/>
+            <a:ext cx="2394695" cy="369332"/>
+          </a:xfrm>
+          <a:prstGeom prst="rect">
+            <a:avLst/>
+          </a:prstGeom>
+        </p:spPr>
+        <p:txBody>
+          <a:bodyPr wrap="none">
+            <a:spAutoFit/>
+          </a:bodyPr>
+          <a:lstStyle/>
+          <a:p>
+            <a:r>
+              <a:rPr lang="zh-CN" altLang="en-US" dirty="0"/>
+              <a:t>Object-Based Approach</a:t>
+            </a:r>
+          </a:p>
+        </p:txBody>
+      </p:sp>
+      <p:sp>
+        <p:nvSpPr>
+          <p:cNvPr id="5" name="矩形 4"/>
+          <p:cNvSpPr/>
+          <p:nvPr/>
+        </p:nvSpPr>
+        <p:spPr>
+          <a:xfrm>
+            <a:off x="964767" y="1459402"/>
+            <a:ext cx="3339889" cy="369332"/>
+          </a:xfrm>
+          <a:prstGeom prst="rect">
+            <a:avLst/>
+          </a:prstGeom>
+        </p:spPr>
+        <p:txBody>
+          <a:bodyPr wrap="none">
+            <a:spAutoFit/>
+          </a:bodyPr>
+          <a:lstStyle/>
+          <a:p>
+            <a:r>
+              <a:rPr lang="zh-CN" altLang="en-US" dirty="0"/>
+              <a:t>treats the crowd as a single entity</a:t>
+            </a:r>
+          </a:p>
+        </p:txBody>
+      </p:sp>
+      <p:sp>
+        <p:nvSpPr>
+          <p:cNvPr id="6" name="矩形 5"/>
+          <p:cNvSpPr/>
+          <p:nvPr/>
+        </p:nvSpPr>
+        <p:spPr>
+          <a:xfrm>
+            <a:off x="1080196" y="4627889"/>
+            <a:ext cx="4527906" cy="369332"/>
+          </a:xfrm>
+          <a:prstGeom prst="rect">
+            <a:avLst/>
+          </a:prstGeom>
+        </p:spPr>
+        <p:txBody>
+          <a:bodyPr wrap="none">
+            <a:spAutoFit/>
+          </a:bodyPr>
+          <a:lstStyle/>
+          <a:p>
+            <a:r>
+              <a:rPr lang="zh-CN" altLang="en-US" dirty="0"/>
+              <a:t>treats the crowd as a collection of </a:t>
+            </a:r>
+            <a:r>
+              <a:rPr lang="zh-CN" altLang="en-US" dirty="0" smtClean="0"/>
+              <a:t>individuals</a:t>
+            </a:r>
+            <a:endParaRPr lang="zh-CN" altLang="en-US" dirty="0"/>
+          </a:p>
+        </p:txBody>
+      </p:sp>
+      <p:sp>
+        <p:nvSpPr>
+          <p:cNvPr id="7" name="文本框 6"/>
+          <p:cNvSpPr txBox="1"/>
+          <p:nvPr/>
+        </p:nvSpPr>
+        <p:spPr>
+          <a:xfrm>
+            <a:off x="243764" y="1769103"/>
+            <a:ext cx="9035743" cy="646331"/>
+          </a:xfrm>
+          <a:prstGeom prst="rect">
+            <a:avLst/>
+          </a:prstGeom>
+          <a:noFill/>
+        </p:spPr>
+        <p:txBody>
+          <a:bodyPr wrap="none" rtlCol="0">
+            <a:spAutoFit/>
+          </a:bodyPr>
+          <a:lstStyle/>
+          <a:p>
+            <a:r>
+              <a:rPr lang="en-US" altLang="zh-CN" dirty="0" smtClean="0"/>
+              <a:t>[</a:t>
+            </a:r>
+            <a:r>
+              <a:rPr lang="en-US" altLang="zh-CN" dirty="0"/>
+              <a:t>21] low-level motion </a:t>
+            </a:r>
+            <a:r>
+              <a:rPr lang="en-US" altLang="zh-CN" dirty="0" smtClean="0"/>
+              <a:t>features</a:t>
+            </a:r>
+            <a:r>
+              <a:rPr lang="en-US" altLang="zh-CN" dirty="0">
+                <a:sym typeface="Wingdings" panose="05000000000000000000" pitchFamily="2" charset="2"/>
+              </a:rPr>
+              <a:t> direction and magnitude </a:t>
+            </a:r>
+            <a:r>
+              <a:rPr lang="en-US" altLang="zh-CN" dirty="0" smtClean="0">
+                <a:sym typeface="Wingdings" panose="05000000000000000000" pitchFamily="2" charset="2"/>
+              </a:rPr>
+              <a:t>models </a:t>
+            </a:r>
+            <a:r>
+              <a:rPr lang="en-US" altLang="zh-CN" dirty="0">
+                <a:sym typeface="Wingdings" panose="05000000000000000000" pitchFamily="2" charset="2"/>
+              </a:rPr>
+              <a:t>of crowds </a:t>
+            </a:r>
+            <a:r>
+              <a:rPr lang="en-US" altLang="zh-CN" dirty="0" smtClean="0">
+                <a:sym typeface="Wingdings" panose="05000000000000000000" pitchFamily="2" charset="2"/>
+              </a:rPr>
+              <a:t>used</a:t>
+            </a:r>
+          </a:p>
+          <a:p>
+            <a:r>
+              <a:rPr lang="en-US" altLang="zh-CN" dirty="0" smtClean="0">
+                <a:sym typeface="Wingdings" panose="05000000000000000000" pitchFamily="2" charset="2"/>
+              </a:rPr>
+              <a:t> </a:t>
+            </a:r>
+            <a:r>
+              <a:rPr lang="en-US" altLang="zh-CN" dirty="0">
+                <a:sym typeface="Wingdings" panose="05000000000000000000" pitchFamily="2" charset="2"/>
+              </a:rPr>
+              <a:t>a region-based segmentation algorithm to generate different motion patterns crowd events</a:t>
+            </a:r>
+            <a:endParaRPr lang="zh-CN" altLang="en-US" dirty="0"/>
+          </a:p>
+        </p:txBody>
+      </p:sp>
+      <p:sp>
+        <p:nvSpPr>
+          <p:cNvPr id="8" name="文本框 7"/>
+          <p:cNvSpPr txBox="1"/>
+          <p:nvPr/>
+        </p:nvSpPr>
+        <p:spPr>
+          <a:xfrm>
+            <a:off x="245468" y="2921497"/>
+            <a:ext cx="8691162" cy="1200329"/>
+          </a:xfrm>
+          <a:prstGeom prst="rect">
+            <a:avLst/>
+          </a:prstGeom>
+          <a:noFill/>
+        </p:spPr>
+        <p:txBody>
+          <a:bodyPr wrap="none" rtlCol="0">
+            <a:spAutoFit/>
+          </a:bodyPr>
+          <a:lstStyle/>
+          <a:p>
+            <a:r>
+              <a:rPr lang="en-US" altLang="zh-CN" dirty="0" smtClean="0"/>
+              <a:t>[</a:t>
+            </a:r>
+            <a:r>
+              <a:rPr lang="en-US" altLang="zh-CN" dirty="0"/>
+              <a:t>20] exploring both appearance of crowd behaviors and </a:t>
+            </a:r>
+            <a:r>
+              <a:rPr lang="en-US" altLang="zh-CN" dirty="0" smtClean="0"/>
+              <a:t>interaction </a:t>
+            </a:r>
+            <a:r>
+              <a:rPr lang="en-US" altLang="zh-CN" dirty="0"/>
+              <a:t>among pedestrians</a:t>
+            </a:r>
+            <a:r>
+              <a:rPr lang="en-US" altLang="zh-CN" dirty="0" smtClean="0"/>
+              <a:t>.</a:t>
+            </a:r>
+          </a:p>
+          <a:p>
+            <a:r>
+              <a:rPr lang="en-US" altLang="zh-CN" dirty="0"/>
+              <a:t>	the local </a:t>
+            </a:r>
+            <a:r>
+              <a:rPr lang="en-US" altLang="zh-CN" dirty="0" smtClean="0"/>
+              <a:t>fluctuation </a:t>
+            </a:r>
+            <a:r>
+              <a:rPr lang="en-US" altLang="zh-CN" dirty="0"/>
+              <a:t>for </a:t>
+            </a:r>
+            <a:r>
+              <a:rPr lang="en-US" altLang="zh-CN" dirty="0" smtClean="0"/>
+              <a:t>specific pixels</a:t>
+            </a:r>
+            <a:r>
+              <a:rPr lang="en-US" altLang="zh-CN" dirty="0">
+                <a:sym typeface="Wingdings" panose="05000000000000000000" pitchFamily="2" charset="2"/>
+              </a:rPr>
+              <a:t> </a:t>
+            </a:r>
+            <a:r>
+              <a:rPr lang="en-US" altLang="zh-CN" dirty="0" smtClean="0">
+                <a:sym typeface="Wingdings" panose="05000000000000000000" pitchFamily="2" charset="2"/>
+              </a:rPr>
+              <a:t>spatiotemporal </a:t>
+            </a:r>
+            <a:r>
+              <a:rPr lang="en-US" altLang="zh-CN" dirty="0">
+                <a:sym typeface="Wingdings" panose="05000000000000000000" pitchFamily="2" charset="2"/>
+              </a:rPr>
+              <a:t>variation matrix </a:t>
+            </a:r>
+            <a:r>
+              <a:rPr lang="en-US" altLang="zh-CN" dirty="0" smtClean="0">
+                <a:sym typeface="Wingdings" panose="05000000000000000000" pitchFamily="2" charset="2"/>
+              </a:rPr>
+              <a:t>the</a:t>
+            </a:r>
+          </a:p>
+          <a:p>
+            <a:r>
+              <a:rPr lang="en-US" altLang="zh-CN" dirty="0">
+                <a:sym typeface="Wingdings" panose="05000000000000000000" pitchFamily="2" charset="2"/>
+              </a:rPr>
+              <a:t>	</a:t>
+            </a:r>
+            <a:r>
+              <a:rPr lang="en-US" altLang="zh-CN" dirty="0" smtClean="0">
+                <a:sym typeface="Wingdings" panose="05000000000000000000" pitchFamily="2" charset="2"/>
+              </a:rPr>
+              <a:t> </a:t>
+            </a:r>
+            <a:r>
+              <a:rPr lang="en-US" altLang="zh-CN" dirty="0">
+                <a:sym typeface="Wingdings" panose="05000000000000000000" pitchFamily="2" charset="2"/>
+              </a:rPr>
+              <a:t>force among pedestrians is modeled with shear force in the matrix. clustering </a:t>
+            </a:r>
+            <a:endParaRPr lang="en-US" altLang="zh-CN" dirty="0" smtClean="0">
+              <a:sym typeface="Wingdings" panose="05000000000000000000" pitchFamily="2" charset="2"/>
+            </a:endParaRPr>
+          </a:p>
+          <a:p>
+            <a:r>
+              <a:rPr lang="en-US" altLang="zh-CN" dirty="0">
+                <a:sym typeface="Wingdings" panose="05000000000000000000" pitchFamily="2" charset="2"/>
+              </a:rPr>
+              <a:t>	</a:t>
+            </a:r>
+            <a:r>
+              <a:rPr lang="en-US" altLang="zh-CN" dirty="0" smtClean="0">
+                <a:sym typeface="Wingdings" panose="05000000000000000000" pitchFamily="2" charset="2"/>
+              </a:rPr>
+              <a:t>neighboring </a:t>
+            </a:r>
+            <a:r>
+              <a:rPr lang="en-US" altLang="zh-CN" dirty="0">
+                <a:sym typeface="Wingdings" panose="05000000000000000000" pitchFamily="2" charset="2"/>
+              </a:rPr>
+              <a:t>pixels with similar </a:t>
+            </a:r>
+            <a:r>
+              <a:rPr lang="en-US" altLang="zh-CN" dirty="0" smtClean="0">
+                <a:sym typeface="Wingdings" panose="05000000000000000000" pitchFamily="2" charset="2"/>
+              </a:rPr>
+              <a:t>spatiotemporal features  codebook  LDA</a:t>
+            </a:r>
+            <a:endParaRPr lang="zh-CN" altLang="en-US" dirty="0"/>
+          </a:p>
+        </p:txBody>
+      </p:sp>
+      <p:sp>
+        <p:nvSpPr>
+          <p:cNvPr id="9" name="文本框 8"/>
+          <p:cNvSpPr txBox="1"/>
+          <p:nvPr/>
+        </p:nvSpPr>
+        <p:spPr>
+          <a:xfrm>
+            <a:off x="243764" y="2375337"/>
+            <a:ext cx="7591117" cy="646331"/>
+          </a:xfrm>
+          <a:prstGeom prst="rect">
+            <a:avLst/>
+          </a:prstGeom>
+          <a:noFill/>
+        </p:spPr>
+        <p:txBody>
+          <a:bodyPr wrap="none" rtlCol="0">
+            <a:spAutoFit/>
+          </a:bodyPr>
+          <a:lstStyle/>
+          <a:p>
+            <a:r>
+              <a:rPr lang="en-US" altLang="zh-CN" dirty="0" smtClean="0"/>
+              <a:t>[14] </a:t>
+            </a:r>
+            <a:r>
+              <a:rPr lang="en-US" altLang="zh-CN" dirty="0"/>
+              <a:t>a scene is represented by a grid of particles initializing a dynamical system </a:t>
+            </a:r>
+            <a:endParaRPr lang="en-US" altLang="zh-CN" dirty="0" smtClean="0"/>
+          </a:p>
+          <a:p>
+            <a:r>
+              <a:rPr lang="en-US" altLang="zh-CN" dirty="0" smtClean="0"/>
+              <a:t>deﬁned </a:t>
+            </a:r>
+            <a:r>
+              <a:rPr lang="en-US" altLang="zh-CN" dirty="0"/>
+              <a:t>by the optical ﬂow. </a:t>
+            </a:r>
+            <a:endParaRPr lang="zh-CN" altLang="en-US" dirty="0"/>
+          </a:p>
+        </p:txBody>
+      </p:sp>
+      <p:sp>
+        <p:nvSpPr>
+          <p:cNvPr id="10" name="矩形 9"/>
+          <p:cNvSpPr/>
+          <p:nvPr/>
+        </p:nvSpPr>
+        <p:spPr>
+          <a:xfrm>
+            <a:off x="1440220" y="4949286"/>
+            <a:ext cx="1759712" cy="369332"/>
+          </a:xfrm>
+          <a:prstGeom prst="rect">
+            <a:avLst/>
+          </a:prstGeom>
+        </p:spPr>
+        <p:txBody>
+          <a:bodyPr wrap="none">
+            <a:spAutoFit/>
+          </a:bodyPr>
+          <a:lstStyle/>
+          <a:p>
+            <a:r>
+              <a:rPr lang="zh-CN" altLang="en-US" dirty="0"/>
+              <a:t>abnormal events</a:t>
+            </a:r>
+          </a:p>
+        </p:txBody>
+      </p:sp>
+      <p:sp>
+        <p:nvSpPr>
+          <p:cNvPr id="11" name="文本框 10"/>
+          <p:cNvSpPr txBox="1"/>
+          <p:nvPr/>
+        </p:nvSpPr>
+        <p:spPr>
+          <a:xfrm>
+            <a:off x="243764" y="5133952"/>
+            <a:ext cx="8394286" cy="646331"/>
+          </a:xfrm>
+          <a:prstGeom prst="rect">
+            <a:avLst/>
+          </a:prstGeom>
+          <a:noFill/>
+        </p:spPr>
+        <p:txBody>
+          <a:bodyPr wrap="none" rtlCol="0">
+            <a:spAutoFit/>
+          </a:bodyPr>
+          <a:lstStyle/>
+          <a:p>
+            <a:r>
+              <a:rPr lang="en-US" altLang="zh-CN" dirty="0" smtClean="0"/>
+              <a:t>[</a:t>
+            </a:r>
+            <a:r>
+              <a:rPr lang="en-US" altLang="zh-CN" dirty="0"/>
+              <a:t>79] used hierarchical Bayesian models to connect three elements in visual surveillance</a:t>
+            </a:r>
+            <a:r>
+              <a:rPr lang="en-US" altLang="zh-CN" dirty="0" smtClean="0"/>
+              <a:t>:</a:t>
+            </a:r>
+          </a:p>
+          <a:p>
+            <a:r>
+              <a:rPr lang="en-US" altLang="zh-CN" dirty="0" smtClean="0"/>
+              <a:t> </a:t>
+            </a:r>
+            <a:r>
+              <a:rPr lang="en-US" altLang="zh-CN" dirty="0"/>
+              <a:t>low-level visual features, simple atomic activities, and interactions</a:t>
+            </a:r>
+            <a:r>
+              <a:rPr lang="en-US" altLang="zh-CN" dirty="0" smtClean="0"/>
+              <a:t>.</a:t>
+            </a:r>
+          </a:p>
+        </p:txBody>
+      </p:sp>
+    </p:spTree>
+    <p:extLst>
+      <p:ext uri="{BB962C8B-B14F-4D97-AF65-F5344CB8AC3E}">
+        <p14:creationId xmlns:p14="http://schemas.microsoft.com/office/powerpoint/2010/main" val="2163455258"/>
+      </p:ext>
+    </p:extLst>
+  </p:cSld>
+  <p:clrMapOvr>
+    <a:masterClrMapping/>
+  </p:clrMapOvr>
+</p:sld>
+</file>
+
+<file path=ppt/slides/slide26.xml><?xml version="1.0" encoding="utf-8"?>
+<p:sld xmlns:a="http://schemas.openxmlformats.org/drawingml/2006/main" xmlns:r="http://schemas.openxmlformats.org/officeDocument/2006/relationships" xmlns:p="http://schemas.openxmlformats.org/presentationml/2006/main">
+  <p:cSld>
+    <p:spTree>
+      <p:nvGrpSpPr>
+        <p:cNvPr id="1" name=""/>
+        <p:cNvGrpSpPr/>
+        <p:nvPr/>
+      </p:nvGrpSpPr>
+      <p:grpSpPr>
+        <a:xfrm>
+          <a:off x="0" y="0"/>
+          <a:ext cx="0" cy="0"/>
+          <a:chOff x="0" y="0"/>
+          <a:chExt cx="0" cy="0"/>
+        </a:xfrm>
+      </p:grpSpPr>
+      <p:sp>
+        <p:nvSpPr>
+          <p:cNvPr id="2" name="文本框 1"/>
+          <p:cNvSpPr txBox="1"/>
+          <p:nvPr/>
+        </p:nvSpPr>
+        <p:spPr>
+          <a:xfrm>
+            <a:off x="3593431" y="160421"/>
+            <a:ext cx="2689391" cy="369332"/>
+          </a:xfrm>
+          <a:prstGeom prst="rect">
+            <a:avLst/>
+          </a:prstGeom>
+          <a:noFill/>
+        </p:spPr>
+        <p:txBody>
+          <a:bodyPr wrap="none" rtlCol="0">
+            <a:spAutoFit/>
+          </a:bodyPr>
+          <a:lstStyle/>
+          <a:p>
+            <a:r>
+              <a:rPr lang="en-US" altLang="zh-CN" dirty="0" smtClean="0"/>
+              <a:t>Crowd anomaly detections</a:t>
+            </a:r>
+          </a:p>
+        </p:txBody>
+      </p:sp>
+      <p:sp>
+        <p:nvSpPr>
+          <p:cNvPr id="3" name="矩形 2"/>
+          <p:cNvSpPr/>
+          <p:nvPr/>
+        </p:nvSpPr>
+        <p:spPr>
+          <a:xfrm>
+            <a:off x="202419" y="998439"/>
+            <a:ext cx="2643159" cy="369332"/>
+          </a:xfrm>
+          <a:prstGeom prst="rect">
+            <a:avLst/>
+          </a:prstGeom>
+        </p:spPr>
+        <p:txBody>
+          <a:bodyPr wrap="none">
+            <a:spAutoFit/>
+          </a:bodyPr>
+          <a:lstStyle/>
+          <a:p>
+            <a:r>
+              <a:rPr lang="zh-CN" altLang="en-US" dirty="0"/>
+              <a:t>Global Anomaly Detection</a:t>
+            </a:r>
+          </a:p>
+        </p:txBody>
+      </p:sp>
+      <p:sp>
+        <p:nvSpPr>
+          <p:cNvPr id="4" name="矩形 3"/>
+          <p:cNvSpPr/>
+          <p:nvPr/>
+        </p:nvSpPr>
+        <p:spPr>
+          <a:xfrm>
+            <a:off x="265898" y="2121387"/>
+            <a:ext cx="2516202" cy="369332"/>
+          </a:xfrm>
+          <a:prstGeom prst="rect">
+            <a:avLst/>
+          </a:prstGeom>
+        </p:spPr>
+        <p:txBody>
+          <a:bodyPr wrap="none">
+            <a:spAutoFit/>
+          </a:bodyPr>
+          <a:lstStyle/>
+          <a:p>
+            <a:r>
+              <a:rPr lang="zh-CN" altLang="en-US" dirty="0"/>
+              <a:t>Local Anomaly Detection</a:t>
+            </a:r>
+          </a:p>
+        </p:txBody>
+      </p:sp>
+      <p:sp>
+        <p:nvSpPr>
+          <p:cNvPr id="5" name="矩形 4"/>
+          <p:cNvSpPr/>
+          <p:nvPr/>
+        </p:nvSpPr>
+        <p:spPr>
+          <a:xfrm>
+            <a:off x="475136" y="1559913"/>
+            <a:ext cx="9256294" cy="369332"/>
+          </a:xfrm>
+          <a:prstGeom prst="rect">
+            <a:avLst/>
+          </a:prstGeom>
+        </p:spPr>
+        <p:txBody>
+          <a:bodyPr wrap="square">
+            <a:spAutoFit/>
+          </a:bodyPr>
+          <a:lstStyle/>
+          <a:p>
+            <a:r>
+              <a:rPr lang="zh-CN" altLang="en-US" dirty="0"/>
+              <a:t>Global anomaly detection aims to distinguish the abnormal states of crowd from normal ones.</a:t>
+            </a:r>
+          </a:p>
+        </p:txBody>
+      </p:sp>
+      <p:sp>
+        <p:nvSpPr>
+          <p:cNvPr id="6" name="左大括号 5"/>
+          <p:cNvSpPr/>
+          <p:nvPr/>
+        </p:nvSpPr>
+        <p:spPr>
+          <a:xfrm>
+            <a:off x="238183" y="3244335"/>
+            <a:ext cx="304800" cy="2486526"/>
+          </a:xfrm>
+          <a:prstGeom prst="leftBrace">
+            <a:avLst/>
+          </a:prstGeom>
+        </p:spPr>
+        <p:style>
+          <a:lnRef idx="1">
+            <a:schemeClr val="accent1"/>
+          </a:lnRef>
+          <a:fillRef idx="0">
+            <a:schemeClr val="accent1"/>
+          </a:fillRef>
+          <a:effectRef idx="0">
+            <a:schemeClr val="accent1"/>
+          </a:effectRef>
+          <a:fontRef idx="minor">
+            <a:schemeClr val="tx1"/>
+          </a:fontRef>
+        </p:style>
+        <p:txBody>
+          <a:bodyPr rtlCol="0" anchor="ctr"/>
+          <a:lstStyle/>
+          <a:p>
+            <a:pPr algn="ctr"/>
+            <a:endParaRPr lang="zh-CN" altLang="en-US"/>
+          </a:p>
+        </p:txBody>
+      </p:sp>
+      <p:sp>
+        <p:nvSpPr>
+          <p:cNvPr id="7" name="矩形 6"/>
+          <p:cNvSpPr/>
+          <p:nvPr/>
+        </p:nvSpPr>
+        <p:spPr>
+          <a:xfrm>
+            <a:off x="542983" y="2959405"/>
+            <a:ext cx="2498889" cy="369332"/>
+          </a:xfrm>
+          <a:prstGeom prst="rect">
+            <a:avLst/>
+          </a:prstGeom>
+        </p:spPr>
+        <p:txBody>
+          <a:bodyPr wrap="none">
+            <a:spAutoFit/>
+          </a:bodyPr>
+          <a:lstStyle/>
+          <a:p>
+            <a:r>
+              <a:rPr lang="zh-CN" altLang="en-US" dirty="0"/>
+              <a:t>vision-based approaches</a:t>
+            </a:r>
+          </a:p>
+        </p:txBody>
+      </p:sp>
+      <p:sp>
+        <p:nvSpPr>
+          <p:cNvPr id="8" name="矩形 7"/>
+          <p:cNvSpPr/>
+          <p:nvPr/>
+        </p:nvSpPr>
+        <p:spPr>
+          <a:xfrm>
+            <a:off x="542983" y="5546195"/>
+            <a:ext cx="2874185" cy="369332"/>
+          </a:xfrm>
+          <a:prstGeom prst="rect">
+            <a:avLst/>
+          </a:prstGeom>
+        </p:spPr>
+        <p:txBody>
+          <a:bodyPr wrap="none">
+            <a:spAutoFit/>
+          </a:bodyPr>
+          <a:lstStyle/>
+          <a:p>
+            <a:r>
+              <a:rPr lang="zh-CN" altLang="en-US" dirty="0"/>
+              <a:t>physics-inspired approaches </a:t>
+            </a:r>
+          </a:p>
+        </p:txBody>
+      </p:sp>
+      <p:sp>
+        <p:nvSpPr>
+          <p:cNvPr id="9" name="矩形 8"/>
+          <p:cNvSpPr/>
+          <p:nvPr/>
+        </p:nvSpPr>
+        <p:spPr>
+          <a:xfrm>
+            <a:off x="1893" y="3185821"/>
+            <a:ext cx="9729537" cy="369332"/>
+          </a:xfrm>
+          <a:prstGeom prst="rect">
+            <a:avLst/>
+          </a:prstGeom>
+        </p:spPr>
+        <p:txBody>
+          <a:bodyPr wrap="square">
+            <a:spAutoFit/>
+          </a:bodyPr>
+          <a:lstStyle/>
+          <a:p>
+            <a:r>
+              <a:rPr lang="en-US" altLang="zh-CN" dirty="0"/>
+              <a:t>extract visual features and construct a set of clusters to represent several possible event patterns.</a:t>
+            </a:r>
+            <a:endParaRPr lang="zh-CN" altLang="en-US" dirty="0"/>
+          </a:p>
+        </p:txBody>
+      </p:sp>
+      <p:sp>
+        <p:nvSpPr>
+          <p:cNvPr id="10" name="左大括号 9"/>
+          <p:cNvSpPr/>
+          <p:nvPr/>
+        </p:nvSpPr>
+        <p:spPr>
+          <a:xfrm>
+            <a:off x="1219200" y="4251158"/>
+            <a:ext cx="155448" cy="914400"/>
+          </a:xfrm>
+          <a:prstGeom prst="leftBrace">
+            <a:avLst/>
+          </a:prstGeom>
+        </p:spPr>
+        <p:style>
+          <a:lnRef idx="1">
+            <a:schemeClr val="accent1"/>
+          </a:lnRef>
+          <a:fillRef idx="0">
+            <a:schemeClr val="accent1"/>
+          </a:fillRef>
+          <a:effectRef idx="0">
+            <a:schemeClr val="accent1"/>
+          </a:effectRef>
+          <a:fontRef idx="minor">
+            <a:schemeClr val="tx1"/>
+          </a:fontRef>
+        </p:style>
+        <p:txBody>
+          <a:bodyPr rtlCol="0" anchor="ctr"/>
+          <a:lstStyle/>
+          <a:p>
+            <a:pPr algn="ctr"/>
+            <a:endParaRPr lang="zh-CN" altLang="en-US"/>
+          </a:p>
+        </p:txBody>
+      </p:sp>
+      <p:sp>
+        <p:nvSpPr>
+          <p:cNvPr id="11" name="矩形 10"/>
+          <p:cNvSpPr/>
+          <p:nvPr/>
+        </p:nvSpPr>
+        <p:spPr>
+          <a:xfrm>
+            <a:off x="1496716" y="3983913"/>
+            <a:ext cx="2570768" cy="369332"/>
+          </a:xfrm>
+          <a:prstGeom prst="rect">
+            <a:avLst/>
+          </a:prstGeom>
+        </p:spPr>
+        <p:txBody>
+          <a:bodyPr wrap="none">
+            <a:spAutoFit/>
+          </a:bodyPr>
+          <a:lstStyle/>
+          <a:p>
+            <a:r>
+              <a:rPr lang="zh-CN" altLang="en-US" dirty="0"/>
+              <a:t>a) Hidden Markov model:</a:t>
+            </a:r>
+          </a:p>
+        </p:txBody>
+      </p:sp>
+      <p:sp>
+        <p:nvSpPr>
+          <p:cNvPr id="12" name="矩形 11"/>
+          <p:cNvSpPr/>
+          <p:nvPr/>
+        </p:nvSpPr>
+        <p:spPr>
+          <a:xfrm>
+            <a:off x="1475780" y="4268116"/>
+            <a:ext cx="2739596" cy="369332"/>
+          </a:xfrm>
+          <a:prstGeom prst="rect">
+            <a:avLst/>
+          </a:prstGeom>
+        </p:spPr>
+        <p:txBody>
+          <a:bodyPr wrap="none">
+            <a:spAutoFit/>
+          </a:bodyPr>
+          <a:lstStyle/>
+          <a:p>
+            <a:r>
+              <a:rPr lang="zh-CN" altLang="en-US" dirty="0"/>
+              <a:t>b) Dynamic texture model: </a:t>
+            </a:r>
+          </a:p>
+        </p:txBody>
+      </p:sp>
+      <p:sp>
+        <p:nvSpPr>
+          <p:cNvPr id="13" name="矩形 12"/>
+          <p:cNvSpPr/>
+          <p:nvPr/>
+        </p:nvSpPr>
+        <p:spPr>
+          <a:xfrm>
+            <a:off x="1523998" y="4543563"/>
+            <a:ext cx="2422010" cy="369332"/>
+          </a:xfrm>
+          <a:prstGeom prst="rect">
+            <a:avLst/>
+          </a:prstGeom>
+        </p:spPr>
+        <p:txBody>
+          <a:bodyPr wrap="none">
+            <a:spAutoFit/>
+          </a:bodyPr>
+          <a:lstStyle/>
+          <a:p>
+            <a:r>
+              <a:rPr lang="zh-CN" altLang="en-US" dirty="0"/>
+              <a:t>c) Bag-of-words model: </a:t>
+            </a:r>
+          </a:p>
+        </p:txBody>
+      </p:sp>
+      <p:sp>
+        <p:nvSpPr>
+          <p:cNvPr id="14" name="文本框 13"/>
+          <p:cNvSpPr txBox="1"/>
+          <p:nvPr/>
+        </p:nvSpPr>
+        <p:spPr>
+          <a:xfrm>
+            <a:off x="1475780" y="4860213"/>
+            <a:ext cx="3202095" cy="369332"/>
+          </a:xfrm>
+          <a:prstGeom prst="rect">
+            <a:avLst/>
+          </a:prstGeom>
+          <a:noFill/>
+        </p:spPr>
+        <p:txBody>
+          <a:bodyPr wrap="none" rtlCol="0">
+            <a:spAutoFit/>
+          </a:bodyPr>
+          <a:lstStyle/>
+          <a:p>
+            <a:r>
+              <a:rPr lang="en-US" altLang="zh-CN" dirty="0" smtClean="0"/>
+              <a:t>d) Sparse representation model;</a:t>
+            </a:r>
+            <a:endParaRPr lang="zh-CN" altLang="en-US" dirty="0"/>
+          </a:p>
+        </p:txBody>
+      </p:sp>
+      <p:sp>
+        <p:nvSpPr>
+          <p:cNvPr id="15" name="矩形 14"/>
+          <p:cNvSpPr/>
+          <p:nvPr/>
+        </p:nvSpPr>
+        <p:spPr>
+          <a:xfrm>
+            <a:off x="1523998" y="5166833"/>
+            <a:ext cx="2797497" cy="369332"/>
+          </a:xfrm>
+          <a:prstGeom prst="rect">
+            <a:avLst/>
+          </a:prstGeom>
+        </p:spPr>
+        <p:txBody>
+          <a:bodyPr wrap="none">
+            <a:spAutoFit/>
+          </a:bodyPr>
+          <a:lstStyle/>
+          <a:p>
+            <a:r>
+              <a:rPr lang="zh-CN" altLang="en-US" dirty="0"/>
+              <a:t>e) Manifold learning model:</a:t>
+            </a:r>
+          </a:p>
+        </p:txBody>
+      </p:sp>
+      <p:sp>
+        <p:nvSpPr>
+          <p:cNvPr id="16" name="左大括号 15"/>
+          <p:cNvSpPr/>
+          <p:nvPr/>
+        </p:nvSpPr>
+        <p:spPr>
+          <a:xfrm>
+            <a:off x="3593431" y="5799592"/>
+            <a:ext cx="155448" cy="914400"/>
+          </a:xfrm>
+          <a:prstGeom prst="leftBrace">
+            <a:avLst/>
+          </a:prstGeom>
+        </p:spPr>
+        <p:style>
+          <a:lnRef idx="1">
+            <a:schemeClr val="accent1"/>
+          </a:lnRef>
+          <a:fillRef idx="0">
+            <a:schemeClr val="accent1"/>
+          </a:fillRef>
+          <a:effectRef idx="0">
+            <a:schemeClr val="accent1"/>
+          </a:effectRef>
+          <a:fontRef idx="minor">
+            <a:schemeClr val="tx1"/>
+          </a:fontRef>
+        </p:style>
+        <p:txBody>
+          <a:bodyPr rtlCol="0" anchor="ctr"/>
+          <a:lstStyle/>
+          <a:p>
+            <a:pPr algn="ctr"/>
+            <a:endParaRPr lang="zh-CN" altLang="en-US"/>
+          </a:p>
+        </p:txBody>
+      </p:sp>
+      <p:sp>
+        <p:nvSpPr>
+          <p:cNvPr id="17" name="矩形 16"/>
+          <p:cNvSpPr/>
+          <p:nvPr/>
+        </p:nvSpPr>
+        <p:spPr>
+          <a:xfrm>
+            <a:off x="3805893" y="5658305"/>
+            <a:ext cx="2041649" cy="369332"/>
+          </a:xfrm>
+          <a:prstGeom prst="rect">
+            <a:avLst/>
+          </a:prstGeom>
+        </p:spPr>
+        <p:txBody>
+          <a:bodyPr wrap="none">
+            <a:spAutoFit/>
+          </a:bodyPr>
+          <a:lstStyle/>
+          <a:p>
+            <a:r>
+              <a:rPr lang="zh-CN" altLang="en-US" dirty="0"/>
+              <a:t>a) Flow </a:t>
+            </a:r>
+            <a:r>
+              <a:rPr lang="en-US" altLang="zh-CN" dirty="0" smtClean="0"/>
+              <a:t>fie</a:t>
+            </a:r>
+            <a:r>
+              <a:rPr lang="zh-CN" altLang="en-US" dirty="0" smtClean="0"/>
+              <a:t>ld </a:t>
+            </a:r>
+            <a:r>
+              <a:rPr lang="zh-CN" altLang="en-US" dirty="0"/>
+              <a:t>model:</a:t>
+            </a:r>
+          </a:p>
+        </p:txBody>
+      </p:sp>
+      <p:sp>
+        <p:nvSpPr>
+          <p:cNvPr id="18" name="矩形 17"/>
+          <p:cNvSpPr/>
+          <p:nvPr/>
+        </p:nvSpPr>
+        <p:spPr>
+          <a:xfrm>
+            <a:off x="3925142" y="5965111"/>
+            <a:ext cx="2266711" cy="369332"/>
+          </a:xfrm>
+          <a:prstGeom prst="rect">
+            <a:avLst/>
+          </a:prstGeom>
+        </p:spPr>
+        <p:txBody>
+          <a:bodyPr wrap="none">
+            <a:spAutoFit/>
+          </a:bodyPr>
+          <a:lstStyle/>
+          <a:p>
+            <a:r>
+              <a:rPr lang="zh-CN" altLang="en-US" dirty="0"/>
+              <a:t>b) Social force model: </a:t>
+            </a:r>
+          </a:p>
+        </p:txBody>
+      </p:sp>
+      <p:sp>
+        <p:nvSpPr>
+          <p:cNvPr id="19" name="矩形 18"/>
+          <p:cNvSpPr/>
+          <p:nvPr/>
+        </p:nvSpPr>
+        <p:spPr>
+          <a:xfrm>
+            <a:off x="3877847" y="6279395"/>
+            <a:ext cx="2419060" cy="369332"/>
+          </a:xfrm>
+          <a:prstGeom prst="rect">
+            <a:avLst/>
+          </a:prstGeom>
+        </p:spPr>
+        <p:txBody>
+          <a:bodyPr wrap="none">
+            <a:spAutoFit/>
+          </a:bodyPr>
+          <a:lstStyle/>
+          <a:p>
+            <a:r>
+              <a:rPr lang="zh-CN" altLang="en-US" dirty="0"/>
+              <a:t>c) Crowd energy model:</a:t>
+            </a:r>
+          </a:p>
+        </p:txBody>
+      </p:sp>
+    </p:spTree>
+    <p:extLst>
+      <p:ext uri="{BB962C8B-B14F-4D97-AF65-F5344CB8AC3E}">
+        <p14:creationId xmlns:p14="http://schemas.microsoft.com/office/powerpoint/2010/main" val="4001645900"/>
+      </p:ext>
+    </p:extLst>
+  </p:cSld>
+  <p:clrMapOvr>
+    <a:masterClrMapping/>
+  </p:clrMapOvr>
+</p:sld>
+</file>
+
+<file path=ppt/slides/slide27.xml><?xml version="1.0" encoding="utf-8"?>
+<p:sld xmlns:a="http://schemas.openxmlformats.org/drawingml/2006/main" xmlns:r="http://schemas.openxmlformats.org/officeDocument/2006/relationships" xmlns:p="http://schemas.openxmlformats.org/presentationml/2006/main">
+  <p:cSld>
+    <p:spTree>
+      <p:nvGrpSpPr>
+        <p:cNvPr id="1" name=""/>
+        <p:cNvGrpSpPr/>
+        <p:nvPr/>
+      </p:nvGrpSpPr>
+      <p:grpSpPr>
+        <a:xfrm>
+          <a:off x="0" y="0"/>
+          <a:ext cx="0" cy="0"/>
+          <a:chOff x="0" y="0"/>
+          <a:chExt cx="0" cy="0"/>
+        </a:xfrm>
+      </p:grpSpPr>
+      <p:sp>
+        <p:nvSpPr>
+          <p:cNvPr id="2" name="文本框 1"/>
+          <p:cNvSpPr txBox="1"/>
+          <p:nvPr/>
+        </p:nvSpPr>
+        <p:spPr>
+          <a:xfrm>
+            <a:off x="3593431" y="160421"/>
+            <a:ext cx="2108269" cy="369332"/>
+          </a:xfrm>
+          <a:prstGeom prst="rect">
+            <a:avLst/>
+          </a:prstGeom>
+          <a:noFill/>
+        </p:spPr>
+        <p:txBody>
+          <a:bodyPr wrap="none" rtlCol="0">
+            <a:spAutoFit/>
+          </a:bodyPr>
+          <a:lstStyle/>
+          <a:p>
+            <a:r>
+              <a:rPr lang="en-US" altLang="zh-CN" dirty="0" smtClean="0"/>
+              <a:t>Crowd video dataset</a:t>
+            </a:r>
+          </a:p>
+        </p:txBody>
+      </p:sp>
+    </p:spTree>
+    <p:extLst>
+      <p:ext uri="{BB962C8B-B14F-4D97-AF65-F5344CB8AC3E}">
+        <p14:creationId xmlns:p14="http://schemas.microsoft.com/office/powerpoint/2010/main" val="2698840019"/>
+      </p:ext>
+    </p:extLst>
+  </p:cSld>
+  <p:clrMapOvr>
+    <a:masterClrMapping/>
+  </p:clrMapOvr>
+</p:sld>
+</file>
+
+<file path=ppt/slides/slide28.xml><?xml version="1.0" encoding="utf-8"?>
+<p:sld xmlns:a="http://schemas.openxmlformats.org/drawingml/2006/main" xmlns:r="http://schemas.openxmlformats.org/officeDocument/2006/relationships" xmlns:p="http://schemas.openxmlformats.org/presentationml/2006/main">
+  <p:cSld>
+    <p:spTree>
+      <p:nvGrpSpPr>
+        <p:cNvPr id="1" name=""/>
+        <p:cNvGrpSpPr/>
+        <p:nvPr/>
+      </p:nvGrpSpPr>
+      <p:grpSpPr>
+        <a:xfrm>
+          <a:off x="0" y="0"/>
+          <a:ext cx="0" cy="0"/>
+          <a:chOff x="0" y="0"/>
+          <a:chExt cx="0" cy="0"/>
+        </a:xfrm>
+      </p:grpSpPr>
+    </p:spTree>
+    <p:extLst>
+      <p:ext uri="{BB962C8B-B14F-4D97-AF65-F5344CB8AC3E}">
+        <p14:creationId xmlns:p14="http://schemas.microsoft.com/office/powerpoint/2010/main" val="1322606722"/>
+      </p:ext>
+    </p:extLst>
+  </p:cSld>
+  <p:clrMapOvr>
+    <a:masterClrMapping/>
+  </p:clrMapOvr>
+</p:sld>
+</file>
+
 <file path=ppt/slides/slide3.xml><?xml version="1.0" encoding="utf-8"?>
 <p:sld xmlns:a="http://schemas.openxmlformats.org/drawingml/2006/main" xmlns:r="http://schemas.openxmlformats.org/officeDocument/2006/relationships" xmlns:p="http://schemas.openxmlformats.org/presentationml/2006/main">
   <p:cSld>
@@ -7484,7 +10414,7 @@
         <p:spPr>
           <a:xfrm>
             <a:off x="615142" y="432262"/>
-            <a:ext cx="2954655" cy="369332"/>
+            <a:ext cx="2492990" cy="369332"/>
           </a:xfrm>
           <a:prstGeom prst="rect">
             <a:avLst/>
@@ -7499,7 +10429,19 @@
           <a:p>
             <a:r>
               <a:rPr lang="zh-CN" altLang="en-US" dirty="0" smtClean="0"/>
-              <a:t>群体行为分析的应用场景：</a:t>
+              <a:t>群体行为分析</a:t>
+            </a:r>
+            <a:r>
+              <a:rPr lang="zh-CN" altLang="en-US" dirty="0" smtClean="0"/>
+              <a:t>的</a:t>
+            </a:r>
+            <a:r>
+              <a:rPr lang="zh-CN" altLang="en-US" dirty="0" smtClean="0"/>
+              <a:t>主体</a:t>
+            </a:r>
+            <a:r>
+              <a:rPr lang="zh-CN" altLang="en-US" dirty="0" smtClean="0"/>
+              <a:t>：</a:t>
             </a:r>
             <a:endParaRPr lang="zh-CN" altLang="en-US" dirty="0"/>
           </a:p>
@@ -7765,122 +10707,6 @@
           </a:p>
         </p:txBody>
       </p:sp>
-      <p:sp>
-        <p:nvSpPr>
-          <p:cNvPr id="4" name="矩形 3"/>
-          <p:cNvSpPr/>
-          <p:nvPr/>
-        </p:nvSpPr>
-        <p:spPr>
-          <a:xfrm>
-            <a:off x="1138844" y="4067262"/>
-            <a:ext cx="6675120" cy="1754326"/>
-          </a:xfrm>
-          <a:prstGeom prst="rect">
-            <a:avLst/>
-          </a:prstGeom>
-        </p:spPr>
-        <p:txBody>
-          <a:bodyPr wrap="square">
-            <a:spAutoFit/>
-          </a:bodyPr>
-          <a:lstStyle/>
-          <a:p>
-            <a:r>
-              <a:rPr lang="zh-CN" altLang="en-US" dirty="0"/>
-              <a:t>监控场景的应用有哪些</a:t>
-            </a:r>
-            <a:r>
-              <a:rPr lang="zh-CN" altLang="en-US" dirty="0" smtClean="0"/>
-              <a:t>？</a:t>
-            </a:r>
-            <a:endParaRPr lang="en-US" altLang="zh-CN" dirty="0" smtClean="0"/>
-          </a:p>
-          <a:p>
-            <a:r>
-              <a:rPr lang="en-US" altLang="zh-CN" dirty="0"/>
-              <a:t>	</a:t>
-            </a:r>
-            <a:r>
-              <a:rPr lang="en-US" altLang="zh-CN" dirty="0" smtClean="0"/>
-              <a:t>	</a:t>
-            </a:r>
-            <a:r>
-              <a:rPr lang="zh-CN" altLang="en-US" dirty="0" smtClean="0"/>
-              <a:t>异常</a:t>
-            </a:r>
-            <a:r>
-              <a:rPr lang="zh-CN" altLang="en-US" dirty="0"/>
-              <a:t>行为检测（</a:t>
-            </a:r>
-            <a:r>
-              <a:rPr lang="en-US" altLang="zh-CN" dirty="0"/>
-              <a:t>anomaly detection</a:t>
-            </a:r>
-            <a:r>
-              <a:rPr lang="zh-CN" altLang="en-US" dirty="0"/>
-              <a:t>）</a:t>
-            </a:r>
-            <a:endParaRPr lang="en-US" altLang="zh-CN" dirty="0"/>
-          </a:p>
-          <a:p>
-            <a:r>
-              <a:rPr lang="en-US" altLang="zh-CN" dirty="0"/>
-              <a:t>		</a:t>
-            </a:r>
-            <a:r>
-              <a:rPr lang="zh-CN" altLang="en-US" dirty="0" smtClean="0"/>
-              <a:t>行为模式分析</a:t>
-            </a:r>
-            <a:r>
-              <a:rPr lang="zh-CN" altLang="en-US" dirty="0"/>
-              <a:t>（</a:t>
-            </a:r>
-            <a:r>
-              <a:rPr lang="en-US" altLang="zh-CN" dirty="0"/>
-              <a:t>motion analysis</a:t>
-            </a:r>
-            <a:r>
-              <a:rPr lang="zh-CN" altLang="en-US" dirty="0"/>
-              <a:t>）</a:t>
-            </a:r>
-            <a:endParaRPr lang="en-US" altLang="zh-CN" dirty="0"/>
-          </a:p>
-          <a:p>
-            <a:r>
-              <a:rPr lang="en-US" altLang="zh-CN" dirty="0"/>
-              <a:t>		</a:t>
-            </a:r>
-            <a:r>
-              <a:rPr lang="zh-CN" altLang="en-US" dirty="0" smtClean="0"/>
-              <a:t>密度估计</a:t>
-            </a:r>
-            <a:endParaRPr lang="en-US" altLang="zh-CN" dirty="0"/>
-          </a:p>
-          <a:p>
-            <a:r>
-              <a:rPr lang="en-US" altLang="zh-CN" dirty="0"/>
-              <a:t>		</a:t>
-            </a:r>
-            <a:r>
-              <a:rPr lang="zh-CN" altLang="en-US" dirty="0"/>
-              <a:t>群体计数</a:t>
-            </a:r>
-            <a:endParaRPr lang="en-US" altLang="zh-CN" dirty="0"/>
-          </a:p>
-          <a:p>
-            <a:r>
-              <a:rPr lang="en-US" altLang="zh-CN" dirty="0"/>
-              <a:t>		</a:t>
-            </a:r>
-            <a:r>
-              <a:rPr lang="zh-CN" altLang="en-US" dirty="0"/>
-              <a:t>群体行为的仿真与控制</a:t>
-            </a:r>
-            <a:endParaRPr lang="en-US" altLang="zh-CN" dirty="0"/>
-          </a:p>
-        </p:txBody>
-      </p:sp>
     </p:spTree>
     <p:extLst>
       <p:ext uri="{BB962C8B-B14F-4D97-AF65-F5344CB8AC3E}">
@@ -8177,7 +11003,7 @@
         <p:spPr>
           <a:xfrm>
             <a:off x="0" y="1211997"/>
-            <a:ext cx="4310860" cy="369332"/>
+            <a:ext cx="1991123" cy="369332"/>
           </a:xfrm>
           <a:prstGeom prst="rect">
             <a:avLst/>
@@ -8192,49 +11018,13 @@
           <a:p>
             <a:r>
               <a:rPr lang="en-US" altLang="zh-CN" dirty="0" smtClean="0"/>
-              <a:t>Visual Surveillance: Crowd behavior analysis</a:t>
+              <a:t>Visual Surveillance</a:t>
+            </a:r>
+            <a:r>
+              <a:rPr lang="en-US" altLang="zh-CN" dirty="0" smtClean="0"/>
+              <a:t>:</a:t>
             </a:r>
             <a:endParaRPr lang="zh-CN" altLang="en-US" dirty="0"/>
-          </a:p>
-        </p:txBody>
-      </p:sp>
-      <p:sp>
-        <p:nvSpPr>
-          <p:cNvPr id="3" name="右箭头 2"/>
-          <p:cNvSpPr/>
-          <p:nvPr/>
-        </p:nvSpPr>
-        <p:spPr>
-          <a:xfrm>
-            <a:off x="4257961" y="1288197"/>
-            <a:ext cx="647700" cy="184666"/>
-          </a:xfrm>
-          <a:prstGeom prst="rightArrow">
-            <a:avLst/>
-          </a:prstGeom>
-        </p:spPr>
-        <p:style>
-          <a:lnRef idx="2">
-            <a:schemeClr val="accent1">
-              <a:shade val="50000"/>
-            </a:schemeClr>
-          </a:lnRef>
-          <a:fillRef idx="1">
-            <a:schemeClr val="accent1"/>
-          </a:fillRef>
-          <a:effectRef idx="0">
-            <a:schemeClr val="accent1"/>
-          </a:effectRef>
-          <a:fontRef idx="minor">
-            <a:schemeClr val="lt1"/>
-          </a:fontRef>
-        </p:style>
-        <p:txBody>
-          <a:bodyPr rtlCol="0" anchor="ctr"/>
-          <a:lstStyle/>
-          <a:p>
-            <a:pPr algn="ctr"/>
-            <a:endParaRPr lang="zh-CN" altLang="en-US"/>
           </a:p>
         </p:txBody>
       </p:sp>
@@ -8246,7 +11036,7 @@
         </p:nvSpPr>
         <p:spPr>
           <a:xfrm>
-            <a:off x="4905661" y="907197"/>
+            <a:off x="2177959" y="991716"/>
             <a:ext cx="155448" cy="914400"/>
           </a:xfrm>
           <a:prstGeom prst="leftBrace">
@@ -8284,7 +11074,7 @@
         </p:nvSpPr>
         <p:spPr>
           <a:xfrm>
-            <a:off x="5185466" y="633631"/>
+            <a:off x="2457764" y="718150"/>
             <a:ext cx="3535840" cy="369332"/>
           </a:xfrm>
           <a:prstGeom prst="rect">
@@ -8318,7 +11108,7 @@
         </p:nvSpPr>
         <p:spPr>
           <a:xfrm>
-            <a:off x="5185466" y="1043464"/>
+            <a:off x="2457764" y="1127983"/>
             <a:ext cx="3019866" cy="369332"/>
           </a:xfrm>
           <a:prstGeom prst="rect">
@@ -8356,7 +11146,7 @@
         </p:nvSpPr>
         <p:spPr>
           <a:xfrm>
-            <a:off x="5185466" y="1472863"/>
+            <a:off x="2457764" y="1557382"/>
             <a:ext cx="2992614" cy="369332"/>
           </a:xfrm>
           <a:prstGeom prst="rect">
@@ -8391,7 +11181,7 @@
         <p:spPr>
           <a:xfrm>
             <a:off x="0" y="264299"/>
-            <a:ext cx="2460354" cy="369332"/>
+            <a:ext cx="4952253" cy="369332"/>
           </a:xfrm>
           <a:prstGeom prst="rect">
             <a:avLst/>
@@ -8406,7 +11196,11 @@
           <a:p>
             <a:r>
               <a:rPr lang="en-US" altLang="zh-CN" dirty="0" smtClean="0"/>
-              <a:t>Real-world Applications:</a:t>
+              <a:t>Real-world </a:t>
+            </a:r>
+            <a:r>
+              <a:rPr lang="en-US" altLang="zh-CN" dirty="0" smtClean="0"/>
+              <a:t>Applications of crowded scene analysis:</a:t>
             </a:r>
             <a:endParaRPr lang="zh-CN" altLang="en-US" dirty="0"/>
           </a:p>
@@ -9434,8 +12228,8 @@
         </p:nvSpPr>
         <p:spPr>
           <a:xfrm>
-            <a:off x="0" y="418454"/>
-            <a:ext cx="9447523" cy="646331"/>
+            <a:off x="232474" y="712923"/>
+            <a:ext cx="3723840" cy="369332"/>
           </a:xfrm>
           <a:prstGeom prst="rect">
             <a:avLst/>
@@ -9449,24 +12243,581 @@
           <a:lstStyle/>
           <a:p>
             <a:r>
-              <a:rPr lang="zh-CN" altLang="en-US" dirty="0" smtClean="0"/>
-              <a:t>关注：</a:t>
-            </a:r>
-            <a:endParaRPr lang="en-US" altLang="zh-CN" dirty="0" smtClean="0"/>
-          </a:p>
-          <a:p>
-            <a:r>
-              <a:rPr lang="en-US" altLang="zh-CN" dirty="0" smtClean="0"/>
-              <a:t>high-level crowded scene understanding, related to motion and behavior analysis in crowd videos.</a:t>
+              <a:rPr lang="en-US" altLang="zh-CN" dirty="0" smtClean="0"/>
+              <a:t>Video analysis &amp; </a:t>
+            </a:r>
+            <a:r>
+              <a:rPr lang="en-US" altLang="zh-CN" dirty="0"/>
+              <a:t>S</a:t>
+            </a:r>
+            <a:r>
+              <a:rPr lang="en-US" altLang="zh-CN" dirty="0" smtClean="0"/>
+              <a:t>cene understanding</a:t>
             </a:r>
             <a:endParaRPr lang="zh-CN" altLang="en-US" dirty="0"/>
+          </a:p>
+        </p:txBody>
+      </p:sp>
+      <p:sp>
+        <p:nvSpPr>
+          <p:cNvPr id="3" name="圆角矩形 2"/>
+          <p:cNvSpPr/>
+          <p:nvPr/>
+        </p:nvSpPr>
+        <p:spPr>
+          <a:xfrm>
+            <a:off x="1063755" y="2389367"/>
+            <a:ext cx="2061275" cy="402956"/>
+          </a:xfrm>
+          <a:prstGeom prst="roundRect">
+            <a:avLst/>
+          </a:prstGeom>
+          <a:noFill/>
+        </p:spPr>
+        <p:style>
+          <a:lnRef idx="2">
+            <a:schemeClr val="accent1">
+              <a:shade val="50000"/>
+            </a:schemeClr>
+          </a:lnRef>
+          <a:fillRef idx="1">
+            <a:schemeClr val="accent1"/>
+          </a:fillRef>
+          <a:effectRef idx="0">
+            <a:schemeClr val="accent1"/>
+          </a:effectRef>
+          <a:fontRef idx="minor">
+            <a:schemeClr val="lt1"/>
+          </a:fontRef>
+        </p:style>
+        <p:txBody>
+          <a:bodyPr rtlCol="0" anchor="ctr"/>
+          <a:lstStyle/>
+          <a:p>
+            <a:pPr algn="ctr"/>
+            <a:r>
+              <a:rPr lang="en-US" altLang="zh-CN" dirty="0" smtClean="0">
+                <a:solidFill>
+                  <a:schemeClr val="tx1"/>
+                </a:solidFill>
+              </a:rPr>
+              <a:t>tracking</a:t>
+            </a:r>
+            <a:endParaRPr lang="zh-CN" altLang="en-US" dirty="0">
+              <a:solidFill>
+                <a:schemeClr val="tx1"/>
+              </a:solidFill>
+            </a:endParaRPr>
+          </a:p>
+        </p:txBody>
+      </p:sp>
+      <p:sp>
+        <p:nvSpPr>
+          <p:cNvPr id="4" name="圆角矩形 3"/>
+          <p:cNvSpPr/>
+          <p:nvPr/>
+        </p:nvSpPr>
+        <p:spPr>
+          <a:xfrm>
+            <a:off x="1063755" y="1534333"/>
+            <a:ext cx="2061275" cy="402956"/>
+          </a:xfrm>
+          <a:prstGeom prst="roundRect">
+            <a:avLst/>
+          </a:prstGeom>
+          <a:noFill/>
+        </p:spPr>
+        <p:style>
+          <a:lnRef idx="2">
+            <a:schemeClr val="accent1">
+              <a:shade val="50000"/>
+            </a:schemeClr>
+          </a:lnRef>
+          <a:fillRef idx="1">
+            <a:schemeClr val="accent1"/>
+          </a:fillRef>
+          <a:effectRef idx="0">
+            <a:schemeClr val="accent1"/>
+          </a:effectRef>
+          <a:fontRef idx="minor">
+            <a:schemeClr val="lt1"/>
+          </a:fontRef>
+        </p:style>
+        <p:txBody>
+          <a:bodyPr rtlCol="0" anchor="ctr"/>
+          <a:lstStyle/>
+          <a:p>
+            <a:pPr algn="ctr"/>
+            <a:r>
+              <a:rPr lang="en-US" altLang="zh-CN" dirty="0" smtClean="0">
+                <a:solidFill>
+                  <a:schemeClr val="tx1"/>
+                </a:solidFill>
+              </a:rPr>
+              <a:t>Object detection</a:t>
+            </a:r>
+            <a:endParaRPr lang="zh-CN" altLang="en-US" dirty="0">
+              <a:solidFill>
+                <a:schemeClr val="tx1"/>
+              </a:solidFill>
+            </a:endParaRPr>
+          </a:p>
+        </p:txBody>
+      </p:sp>
+      <p:sp>
+        <p:nvSpPr>
+          <p:cNvPr id="5" name="圆角矩形 4"/>
+          <p:cNvSpPr/>
+          <p:nvPr/>
+        </p:nvSpPr>
+        <p:spPr>
+          <a:xfrm>
+            <a:off x="975699" y="3244401"/>
+            <a:ext cx="2237385" cy="402956"/>
+          </a:xfrm>
+          <a:prstGeom prst="roundRect">
+            <a:avLst/>
+          </a:prstGeom>
+          <a:noFill/>
+        </p:spPr>
+        <p:style>
+          <a:lnRef idx="2">
+            <a:schemeClr val="accent1">
+              <a:shade val="50000"/>
+            </a:schemeClr>
+          </a:lnRef>
+          <a:fillRef idx="1">
+            <a:schemeClr val="accent1"/>
+          </a:fillRef>
+          <a:effectRef idx="0">
+            <a:schemeClr val="accent1"/>
+          </a:effectRef>
+          <a:fontRef idx="minor">
+            <a:schemeClr val="lt1"/>
+          </a:fontRef>
+        </p:style>
+        <p:txBody>
+          <a:bodyPr rtlCol="0" anchor="ctr"/>
+          <a:lstStyle/>
+          <a:p>
+            <a:pPr algn="ctr"/>
+            <a:r>
+              <a:rPr lang="en-US" altLang="zh-CN" dirty="0" smtClean="0">
+                <a:solidFill>
+                  <a:schemeClr val="tx1"/>
+                </a:solidFill>
+              </a:rPr>
+              <a:t>Behavior recognition</a:t>
+            </a:r>
+            <a:endParaRPr lang="zh-CN" altLang="en-US" dirty="0">
+              <a:solidFill>
+                <a:schemeClr val="tx1"/>
+              </a:solidFill>
+            </a:endParaRPr>
+          </a:p>
+        </p:txBody>
+      </p:sp>
+      <p:sp>
+        <p:nvSpPr>
+          <p:cNvPr id="6" name="下箭头 5"/>
+          <p:cNvSpPr/>
+          <p:nvPr/>
+        </p:nvSpPr>
+        <p:spPr>
+          <a:xfrm>
+            <a:off x="2014780" y="1937289"/>
+            <a:ext cx="154983" cy="294467"/>
+          </a:xfrm>
+          <a:prstGeom prst="downArrow">
+            <a:avLst/>
+          </a:prstGeom>
+        </p:spPr>
+        <p:style>
+          <a:lnRef idx="2">
+            <a:schemeClr val="accent1">
+              <a:shade val="50000"/>
+            </a:schemeClr>
+          </a:lnRef>
+          <a:fillRef idx="1">
+            <a:schemeClr val="accent1"/>
+          </a:fillRef>
+          <a:effectRef idx="0">
+            <a:schemeClr val="accent1"/>
+          </a:effectRef>
+          <a:fontRef idx="minor">
+            <a:schemeClr val="lt1"/>
+          </a:fontRef>
+        </p:style>
+        <p:txBody>
+          <a:bodyPr rtlCol="0" anchor="ctr"/>
+          <a:lstStyle/>
+          <a:p>
+            <a:pPr algn="ctr"/>
+            <a:endParaRPr lang="zh-CN" altLang="en-US"/>
+          </a:p>
+        </p:txBody>
+      </p:sp>
+      <p:sp>
+        <p:nvSpPr>
+          <p:cNvPr id="7" name="下箭头 6"/>
+          <p:cNvSpPr/>
+          <p:nvPr/>
+        </p:nvSpPr>
+        <p:spPr>
+          <a:xfrm>
+            <a:off x="2016899" y="2871128"/>
+            <a:ext cx="154983" cy="294467"/>
+          </a:xfrm>
+          <a:prstGeom prst="downArrow">
+            <a:avLst/>
+          </a:prstGeom>
+        </p:spPr>
+        <p:style>
+          <a:lnRef idx="2">
+            <a:schemeClr val="accent1">
+              <a:shade val="50000"/>
+            </a:schemeClr>
+          </a:lnRef>
+          <a:fillRef idx="1">
+            <a:schemeClr val="accent1"/>
+          </a:fillRef>
+          <a:effectRef idx="0">
+            <a:schemeClr val="accent1"/>
+          </a:effectRef>
+          <a:fontRef idx="minor">
+            <a:schemeClr val="lt1"/>
+          </a:fontRef>
+        </p:style>
+        <p:txBody>
+          <a:bodyPr rtlCol="0" anchor="ctr"/>
+          <a:lstStyle/>
+          <a:p>
+            <a:pPr algn="ctr"/>
+            <a:endParaRPr lang="zh-CN" altLang="en-US"/>
+          </a:p>
+        </p:txBody>
+      </p:sp>
+      <p:sp>
+        <p:nvSpPr>
+          <p:cNvPr id="8" name="文本框 7"/>
+          <p:cNvSpPr txBox="1"/>
+          <p:nvPr/>
+        </p:nvSpPr>
+        <p:spPr>
+          <a:xfrm>
+            <a:off x="5226675" y="2792323"/>
+            <a:ext cx="2783134" cy="369332"/>
+          </a:xfrm>
+          <a:prstGeom prst="rect">
+            <a:avLst/>
+          </a:prstGeom>
+          <a:noFill/>
+        </p:spPr>
+        <p:txBody>
+          <a:bodyPr wrap="none" rtlCol="0">
+            <a:spAutoFit/>
+          </a:bodyPr>
+          <a:lstStyle/>
+          <a:p>
+            <a:r>
+              <a:rPr lang="en-US" altLang="zh-CN" dirty="0" smtClean="0"/>
+              <a:t>crowd </a:t>
+            </a:r>
+            <a:r>
+              <a:rPr lang="en-US" altLang="zh-CN" dirty="0"/>
+              <a:t>S</a:t>
+            </a:r>
+            <a:r>
+              <a:rPr lang="en-US" altLang="zh-CN" dirty="0" smtClean="0"/>
+              <a:t>cene understanding</a:t>
+            </a:r>
+            <a:endParaRPr lang="zh-CN" altLang="en-US" dirty="0"/>
+          </a:p>
+        </p:txBody>
+      </p:sp>
+      <p:sp>
+        <p:nvSpPr>
+          <p:cNvPr id="9" name="圆角矩形 8"/>
+          <p:cNvSpPr/>
+          <p:nvPr/>
+        </p:nvSpPr>
+        <p:spPr>
+          <a:xfrm>
+            <a:off x="5587604" y="3275398"/>
+            <a:ext cx="2061275" cy="402956"/>
+          </a:xfrm>
+          <a:prstGeom prst="roundRect">
+            <a:avLst/>
+          </a:prstGeom>
+          <a:noFill/>
+        </p:spPr>
+        <p:style>
+          <a:lnRef idx="2">
+            <a:schemeClr val="accent1">
+              <a:shade val="50000"/>
+            </a:schemeClr>
+          </a:lnRef>
+          <a:fillRef idx="1">
+            <a:schemeClr val="accent1"/>
+          </a:fillRef>
+          <a:effectRef idx="0">
+            <a:schemeClr val="accent1"/>
+          </a:effectRef>
+          <a:fontRef idx="minor">
+            <a:schemeClr val="lt1"/>
+          </a:fontRef>
+        </p:style>
+        <p:txBody>
+          <a:bodyPr rtlCol="0" anchor="ctr"/>
+          <a:lstStyle/>
+          <a:p>
+            <a:pPr algn="ctr"/>
+            <a:r>
+              <a:rPr lang="en-US" altLang="zh-CN" dirty="0" smtClean="0">
+                <a:solidFill>
+                  <a:schemeClr val="tx1"/>
+                </a:solidFill>
+              </a:rPr>
+              <a:t>Feature extraction</a:t>
+            </a:r>
+            <a:endParaRPr lang="zh-CN" altLang="en-US" dirty="0">
+              <a:solidFill>
+                <a:schemeClr val="tx1"/>
+              </a:solidFill>
+            </a:endParaRPr>
+          </a:p>
+        </p:txBody>
+      </p:sp>
+      <p:sp>
+        <p:nvSpPr>
+          <p:cNvPr id="10" name="圆角矩形 9"/>
+          <p:cNvSpPr/>
+          <p:nvPr/>
+        </p:nvSpPr>
+        <p:spPr>
+          <a:xfrm>
+            <a:off x="5587604" y="3941824"/>
+            <a:ext cx="2061275" cy="402956"/>
+          </a:xfrm>
+          <a:prstGeom prst="roundRect">
+            <a:avLst/>
+          </a:prstGeom>
+          <a:noFill/>
+        </p:spPr>
+        <p:style>
+          <a:lnRef idx="2">
+            <a:schemeClr val="accent1">
+              <a:shade val="50000"/>
+            </a:schemeClr>
+          </a:lnRef>
+          <a:fillRef idx="1">
+            <a:schemeClr val="accent1"/>
+          </a:fillRef>
+          <a:effectRef idx="0">
+            <a:schemeClr val="accent1"/>
+          </a:effectRef>
+          <a:fontRef idx="minor">
+            <a:schemeClr val="lt1"/>
+          </a:fontRef>
+        </p:style>
+        <p:txBody>
+          <a:bodyPr rtlCol="0" anchor="ctr"/>
+          <a:lstStyle/>
+          <a:p>
+            <a:pPr algn="ctr"/>
+            <a:r>
+              <a:rPr lang="en-US" altLang="zh-CN" dirty="0" smtClean="0">
+                <a:solidFill>
+                  <a:schemeClr val="tx1"/>
+                </a:solidFill>
+              </a:rPr>
+              <a:t>Segmentation</a:t>
+            </a:r>
+            <a:endParaRPr lang="zh-CN" altLang="en-US" dirty="0">
+              <a:solidFill>
+                <a:schemeClr val="tx1"/>
+              </a:solidFill>
+            </a:endParaRPr>
+          </a:p>
+        </p:txBody>
+      </p:sp>
+      <p:sp>
+        <p:nvSpPr>
+          <p:cNvPr id="11" name="圆角矩形 10"/>
+          <p:cNvSpPr/>
+          <p:nvPr/>
+        </p:nvSpPr>
+        <p:spPr>
+          <a:xfrm>
+            <a:off x="5618135" y="4674185"/>
+            <a:ext cx="2061275" cy="402956"/>
+          </a:xfrm>
+          <a:prstGeom prst="roundRect">
+            <a:avLst/>
+          </a:prstGeom>
+          <a:noFill/>
+        </p:spPr>
+        <p:style>
+          <a:lnRef idx="2">
+            <a:schemeClr val="accent1">
+              <a:shade val="50000"/>
+            </a:schemeClr>
+          </a:lnRef>
+          <a:fillRef idx="1">
+            <a:schemeClr val="accent1"/>
+          </a:fillRef>
+          <a:effectRef idx="0">
+            <a:schemeClr val="accent1"/>
+          </a:effectRef>
+          <a:fontRef idx="minor">
+            <a:schemeClr val="lt1"/>
+          </a:fontRef>
+        </p:style>
+        <p:txBody>
+          <a:bodyPr rtlCol="0" anchor="ctr"/>
+          <a:lstStyle/>
+          <a:p>
+            <a:pPr algn="ctr"/>
+            <a:r>
+              <a:rPr lang="en-US" altLang="zh-CN" dirty="0" smtClean="0">
+                <a:solidFill>
+                  <a:schemeClr val="tx1"/>
+                </a:solidFill>
+              </a:rPr>
+              <a:t>Model learning</a:t>
+            </a:r>
+            <a:endParaRPr lang="zh-CN" altLang="en-US" dirty="0">
+              <a:solidFill>
+                <a:schemeClr val="tx1"/>
+              </a:solidFill>
+            </a:endParaRPr>
+          </a:p>
+        </p:txBody>
+      </p:sp>
+      <p:sp>
+        <p:nvSpPr>
+          <p:cNvPr id="12" name="下箭头 11"/>
+          <p:cNvSpPr/>
+          <p:nvPr/>
+        </p:nvSpPr>
+        <p:spPr>
+          <a:xfrm>
+            <a:off x="6540284" y="3698453"/>
+            <a:ext cx="154983" cy="294467"/>
+          </a:xfrm>
+          <a:prstGeom prst="downArrow">
+            <a:avLst/>
+          </a:prstGeom>
+        </p:spPr>
+        <p:style>
+          <a:lnRef idx="2">
+            <a:schemeClr val="accent1">
+              <a:shade val="50000"/>
+            </a:schemeClr>
+          </a:lnRef>
+          <a:fillRef idx="1">
+            <a:schemeClr val="accent1"/>
+          </a:fillRef>
+          <a:effectRef idx="0">
+            <a:schemeClr val="accent1"/>
+          </a:effectRef>
+          <a:fontRef idx="minor">
+            <a:schemeClr val="lt1"/>
+          </a:fontRef>
+        </p:style>
+        <p:txBody>
+          <a:bodyPr rtlCol="0" anchor="ctr"/>
+          <a:lstStyle/>
+          <a:p>
+            <a:pPr algn="ctr"/>
+            <a:endParaRPr lang="zh-CN" altLang="en-US"/>
+          </a:p>
+        </p:txBody>
+      </p:sp>
+      <p:sp>
+        <p:nvSpPr>
+          <p:cNvPr id="13" name="下箭头 12"/>
+          <p:cNvSpPr/>
+          <p:nvPr/>
+        </p:nvSpPr>
+        <p:spPr>
+          <a:xfrm>
+            <a:off x="6540283" y="4345702"/>
+            <a:ext cx="154983" cy="294467"/>
+          </a:xfrm>
+          <a:prstGeom prst="downArrow">
+            <a:avLst/>
+          </a:prstGeom>
+        </p:spPr>
+        <p:style>
+          <a:lnRef idx="2">
+            <a:schemeClr val="accent1">
+              <a:shade val="50000"/>
+            </a:schemeClr>
+          </a:lnRef>
+          <a:fillRef idx="1">
+            <a:schemeClr val="accent1"/>
+          </a:fillRef>
+          <a:effectRef idx="0">
+            <a:schemeClr val="accent1"/>
+          </a:effectRef>
+          <a:fontRef idx="minor">
+            <a:schemeClr val="lt1"/>
+          </a:fontRef>
+        </p:style>
+        <p:txBody>
+          <a:bodyPr rtlCol="0" anchor="ctr"/>
+          <a:lstStyle/>
+          <a:p>
+            <a:pPr algn="ctr"/>
+            <a:endParaRPr lang="zh-CN" altLang="en-US"/>
+          </a:p>
+        </p:txBody>
+      </p:sp>
+      <p:sp>
+        <p:nvSpPr>
+          <p:cNvPr id="14" name="右箭头 13"/>
+          <p:cNvSpPr/>
+          <p:nvPr/>
+        </p:nvSpPr>
+        <p:spPr>
+          <a:xfrm>
+            <a:off x="3956314" y="2871128"/>
+            <a:ext cx="708676" cy="1121792"/>
+          </a:xfrm>
+          <a:prstGeom prst="rightArrow">
+            <a:avLst/>
+          </a:prstGeom>
+        </p:spPr>
+        <p:style>
+          <a:lnRef idx="2">
+            <a:schemeClr val="accent1">
+              <a:shade val="50000"/>
+            </a:schemeClr>
+          </a:lnRef>
+          <a:fillRef idx="1">
+            <a:schemeClr val="accent1"/>
+          </a:fillRef>
+          <a:effectRef idx="0">
+            <a:schemeClr val="accent1"/>
+          </a:effectRef>
+          <a:fontRef idx="minor">
+            <a:schemeClr val="lt1"/>
+          </a:fontRef>
+        </p:style>
+        <p:txBody>
+          <a:bodyPr rtlCol="0" anchor="ctr"/>
+          <a:lstStyle/>
+          <a:p>
+            <a:pPr algn="ctr"/>
+            <a:endParaRPr lang="zh-CN" altLang="en-US"/>
           </a:p>
         </p:txBody>
       </p:sp>
     </p:spTree>
     <p:extLst>
       <p:ext uri="{BB962C8B-B14F-4D97-AF65-F5344CB8AC3E}">
-        <p14:creationId xmlns:p14="http://schemas.microsoft.com/office/powerpoint/2010/main" val="3101302290"/>
+        <p14:creationId xmlns:p14="http://schemas.microsoft.com/office/powerpoint/2010/main" val="4281628842"/>
       </p:ext>
     </p:extLst>
   </p:cSld>
@@ -9600,81 +12951,6 @@
             <a:r>
               <a:rPr lang="en-US" altLang="zh-CN" dirty="0" smtClean="0"/>
               <a:t>spatial location contains multiple crowd behaviors.</a:t>
-            </a:r>
-            <a:endParaRPr lang="zh-CN" altLang="en-US" dirty="0"/>
-          </a:p>
-        </p:txBody>
-      </p:sp>
-      <p:sp>
-        <p:nvSpPr>
-          <p:cNvPr id="3" name="文本框 2"/>
-          <p:cNvSpPr txBox="1"/>
-          <p:nvPr/>
-        </p:nvSpPr>
-        <p:spPr>
-          <a:xfrm>
-            <a:off x="509852" y="5024442"/>
-            <a:ext cx="7886454" cy="1477328"/>
-          </a:xfrm>
-          <a:prstGeom prst="rect">
-            <a:avLst/>
-          </a:prstGeom>
-          <a:noFill/>
-        </p:spPr>
-        <p:txBody>
-          <a:bodyPr wrap="none" rtlCol="0">
-            <a:spAutoFit/>
-          </a:bodyPr>
-          <a:lstStyle/>
-          <a:p>
-            <a:r>
-              <a:rPr lang="en-US" altLang="zh-CN" dirty="0" smtClean="0"/>
-              <a:t>crowd </a:t>
-            </a:r>
-            <a:r>
-              <a:rPr lang="en-US" altLang="zh-CN" dirty="0"/>
-              <a:t>S</a:t>
-            </a:r>
-            <a:r>
-              <a:rPr lang="en-US" altLang="zh-CN" dirty="0" smtClean="0"/>
-              <a:t>cene </a:t>
-            </a:r>
-            <a:r>
-              <a:rPr lang="zh-CN" altLang="en-US" dirty="0" smtClean="0"/>
-              <a:t>分两类</a:t>
-            </a:r>
-            <a:endParaRPr lang="en-US" altLang="zh-CN" dirty="0"/>
-          </a:p>
-          <a:p>
-            <a:r>
-              <a:rPr lang="en-US" altLang="zh-CN" dirty="0" smtClean="0"/>
-              <a:t>At the macroscopic level, we are interested in the global motions of a mass of </a:t>
-            </a:r>
-          </a:p>
-          <a:p>
-            <a:r>
-              <a:rPr lang="en-US" altLang="zh-CN" dirty="0"/>
-              <a:t>	</a:t>
-            </a:r>
-            <a:r>
-              <a:rPr lang="en-US" altLang="zh-CN" dirty="0" smtClean="0"/>
-              <a:t>people, without concerning the movements of any individual;</a:t>
-            </a:r>
-          </a:p>
-          <a:p>
-            <a:r>
-              <a:rPr lang="en-US" altLang="zh-CN" dirty="0" smtClean="0"/>
-              <a:t>at the microscopic level, we concern the movements of each individual pedestrian</a:t>
-            </a:r>
-          </a:p>
-          <a:p>
-            <a:r>
-              <a:rPr lang="en-US" altLang="zh-CN" dirty="0"/>
-              <a:t>	</a:t>
-            </a:r>
-            <a:r>
-              <a:rPr lang="en-US" altLang="zh-CN" dirty="0" smtClean="0"/>
-              <a:t>and do analyze according to the collective information of them.</a:t>
             </a:r>
             <a:endParaRPr lang="zh-CN" altLang="en-US" dirty="0"/>
           </a:p>

--- a/群体行为分析综述.pptx
+++ b/群体行为分析综述.pptx
@@ -5,7 +5,7 @@
     <p:sldMasterId id="2147483660" r:id="rId1"/>
   </p:sldMasterIdLst>
   <p:notesMasterIdLst>
-    <p:notesMasterId r:id="rId30"/>
+    <p:notesMasterId r:id="rId31"/>
   </p:notesMasterIdLst>
   <p:sldIdLst>
     <p:sldId id="256" r:id="rId2"/>
@@ -36,6 +36,7 @@
     <p:sldId id="269" r:id="rId27"/>
     <p:sldId id="270" r:id="rId28"/>
     <p:sldId id="285" r:id="rId29"/>
+    <p:sldId id="286" r:id="rId30"/>
   </p:sldIdLst>
   <p:sldSz cx="9144000" cy="6858000" type="screen4x3"/>
   <p:notesSz cx="6858000" cy="9144000"/>
@@ -1298,11 +1299,7 @@
           <a:p>
             <a:r>
               <a:rPr lang="zh-CN" altLang="en-US" dirty="0" smtClean="0"/>
-              <a:t>特定的物理环境中，大量个体行为的集合。这里的行为在大多数环境中是指有一定目的的运动</a:t>
-            </a:r>
-            <a:r>
-              <a:rPr lang="zh-CN" altLang="en-US" dirty="0" smtClean="0"/>
-              <a:t>。做参考文献列表</a:t>
+              <a:t>特定的物理环境中，大量个体行为的集合。这里的行为在大多数环境中是指有一定目的的运动。做参考文献列表</a:t>
             </a:r>
             <a:endParaRPr lang="zh-CN" altLang="en-US" dirty="0"/>
           </a:p>
@@ -1582,7 +1579,15 @@
             </a:r>
             <a:r>
               <a:rPr lang="en-US" altLang="zh-CN" baseline="0" dirty="0" smtClean="0"/>
-              <a:t>【21~28】</a:t>
+              <a:t>【21~28</a:t>
+            </a:r>
+            <a:r>
+              <a:rPr lang="en-US" altLang="zh-CN" baseline="0" dirty="0" smtClean="0"/>
+              <a:t>】,[7,8]</a:t>
+            </a:r>
+            <a:r>
+              <a:rPr lang="zh-CN" altLang="en-US" baseline="0" dirty="0" smtClean="0"/>
+              <a:t>感觉意义不大可以删了</a:t>
             </a:r>
             <a:endParaRPr lang="zh-CN" altLang="en-US" dirty="0"/>
           </a:p>
@@ -1959,7 +1964,19 @@
             </a:r>
             <a:r>
               <a:rPr lang="zh-CN" altLang="en-US" dirty="0" smtClean="0"/>
-              <a:t>这个是机理建模的部分</a:t>
+              <a:t>这个是机理建模的</a:t>
+            </a:r>
+            <a:r>
+              <a:rPr lang="zh-CN" altLang="en-US" dirty="0" smtClean="0"/>
+              <a:t>部分</a:t>
+            </a:r>
+            <a:r>
+              <a:rPr lang="en-US" altLang="zh-CN" dirty="0" smtClean="0"/>
+              <a:t>,[44]</a:t>
+            </a:r>
+            <a:r>
+              <a:rPr lang="zh-CN" altLang="en-US" dirty="0" smtClean="0"/>
+              <a:t>要重点瞅瞅（图多）</a:t>
             </a:r>
             <a:endParaRPr lang="zh-CN" altLang="en-US" dirty="0"/>
           </a:p>
@@ -4893,11 +4910,70 @@
             <p:ph type="subTitle" idx="1"/>
           </p:nvPr>
         </p:nvSpPr>
-        <p:spPr/>
-        <p:txBody>
-          <a:bodyPr/>
-          <a:lstStyle/>
-          <a:p>
+        <p:spPr>
+          <a:xfrm>
+            <a:off x="1143000" y="3602038"/>
+            <a:ext cx="8001000" cy="1655762"/>
+          </a:xfrm>
+        </p:spPr>
+        <p:txBody>
+          <a:bodyPr>
+            <a:normAutofit fontScale="92500" lnSpcReduction="20000"/>
+          </a:bodyPr>
+          <a:lstStyle/>
+          <a:p>
+            <a:pPr algn="l"/>
+            <a:r>
+              <a:rPr lang="zh-CN" altLang="en-US" dirty="0" smtClean="0"/>
+              <a:t>主要参考</a:t>
+            </a:r>
+            <a:r>
+              <a:rPr lang="zh-CN" altLang="en-US" dirty="0" smtClean="0"/>
+              <a:t>：</a:t>
+            </a:r>
+            <a:endParaRPr lang="en-US" altLang="zh-CN" dirty="0"/>
+          </a:p>
+          <a:p>
+            <a:pPr algn="l"/>
+            <a:r>
+              <a:rPr lang="en-US" altLang="zh-CN" dirty="0" smtClean="0"/>
+              <a:t>Li </a:t>
+            </a:r>
+            <a:r>
+              <a:rPr lang="en-US" altLang="zh-CN" dirty="0"/>
+              <a:t>T, Chang H, Wang M, et al. Crowded scene analysis: A survey[J]. IEEE transactions on circuits and systems for video technology, 2015, 25(3): 367-386</a:t>
+            </a:r>
+            <a:r>
+              <a:rPr lang="en-US" altLang="zh-CN" dirty="0" smtClean="0"/>
+              <a:t>.</a:t>
+            </a:r>
+          </a:p>
+          <a:p>
+            <a:pPr algn="l"/>
+            <a:r>
+              <a:rPr lang="zh-CN" altLang="en-US" dirty="0" smtClean="0"/>
+              <a:t>赵炜琪</a:t>
+            </a:r>
+            <a:r>
+              <a:rPr lang="en-US" altLang="zh-CN" dirty="0" smtClean="0"/>
+              <a:t>. </a:t>
+            </a:r>
+            <a:r>
+              <a:rPr lang="zh-CN" altLang="en-US" dirty="0" smtClean="0"/>
+              <a:t>监控场景下群体行为分析研究</a:t>
+            </a:r>
+            <a:r>
+              <a:rPr lang="en-US" altLang="zh-CN" dirty="0" smtClean="0"/>
+              <a:t>[D].</a:t>
+            </a:r>
+            <a:r>
+              <a:rPr lang="zh-CN" altLang="en-US" dirty="0" smtClean="0"/>
+              <a:t>中国科学院大学</a:t>
+            </a:r>
+            <a:r>
+              <a:rPr lang="en-US" altLang="zh-CN" dirty="0" smtClean="0"/>
+              <a:t>,2017.</a:t>
+            </a:r>
             <a:endParaRPr lang="zh-CN" altLang="en-US" dirty="0"/>
           </a:p>
         </p:txBody>
@@ -5161,11 +5237,7 @@
             </a:r>
             <a:r>
               <a:rPr lang="en-US" altLang="zh-CN" dirty="0" smtClean="0"/>
-              <a:t>[43,44]</a:t>
-            </a:r>
-            <a:r>
-              <a:rPr lang="en-US" altLang="zh-CN" dirty="0" smtClean="0"/>
-              <a:t>		,thus a lot of analytical methods from statistical </a:t>
+              <a:t>[43,44]		,thus a lot of analytical methods from statistical </a:t>
             </a:r>
           </a:p>
           <a:p>
@@ -5239,19 +5311,11 @@
           <a:p>
             <a:r>
               <a:rPr lang="en-US" altLang="zh-CN" dirty="0"/>
-              <a:t>	</a:t>
-            </a:r>
-            <a:r>
-              <a:rPr lang="en-US" altLang="zh-CN" dirty="0"/>
-              <a:t> [</a:t>
-            </a:r>
-            <a:r>
-              <a:rPr lang="en-US" altLang="zh-CN" dirty="0" smtClean="0"/>
-              <a:t>41,45] </a:t>
-            </a:r>
-            <a:r>
-              <a:rPr lang="en-US" altLang="zh-CN" dirty="0" smtClean="0"/>
-              <a:t>		environment and make decisions according to </a:t>
+              <a:t>	 [</a:t>
+            </a:r>
+            <a:r>
+              <a:rPr lang="en-US" altLang="zh-CN" dirty="0" smtClean="0"/>
+              <a:t>41,45] 		environment and make decisions according to </a:t>
             </a:r>
           </a:p>
           <a:p>
@@ -6398,11 +6462,7 @@
           <a:p>
             <a:r>
               <a:rPr lang="en-US" altLang="zh-CN" dirty="0" smtClean="0"/>
-              <a:t>4</a:t>
-            </a:r>
-            <a:r>
-              <a:rPr lang="en-US" altLang="zh-CN" dirty="0" smtClean="0"/>
-              <a:t>. Auto encoder : abnormal detection</a:t>
+              <a:t>4. Auto encoder : abnormal detection</a:t>
             </a:r>
             <a:endParaRPr lang="zh-CN" altLang="en-US" dirty="0"/>
           </a:p>
@@ -7497,15 +7557,15 @@
         </p:nvSpPr>
         <p:spPr>
           <a:xfrm>
-            <a:off x="2286000" y="2828836"/>
-            <a:ext cx="4572000" cy="1200329"/>
-          </a:xfrm>
-          <a:prstGeom prst="rect">
-            <a:avLst/>
-          </a:prstGeom>
-        </p:spPr>
-        <p:txBody>
-          <a:bodyPr>
+            <a:off x="254000" y="1292136"/>
+            <a:ext cx="7670800" cy="646331"/>
+          </a:xfrm>
+          <a:prstGeom prst="rect">
+            <a:avLst/>
+          </a:prstGeom>
+        </p:spPr>
+        <p:txBody>
+          <a:bodyPr wrap="square">
             <a:spAutoFit/>
           </a:bodyPr>
           <a:lstStyle/>
@@ -7514,15 +7574,153 @@
               <a:rPr lang="en-US" altLang="zh-CN" dirty="0"/>
               <a:t>The crowd has been defined as a large group of individuals in the same </a:t>
             </a:r>
-          </a:p>
-          <a:p>
+            <a:r>
+              <a:rPr lang="en-US" altLang="zh-CN" dirty="0" smtClean="0"/>
+              <a:t>physical </a:t>
+            </a:r>
             <a:r>
               <a:rPr lang="en-US" altLang="zh-CN" dirty="0"/>
-              <a:t>physical environment, sharing a common goal [39].</a:t>
-            </a:r>
-          </a:p>
-        </p:txBody>
-      </p:sp>
+              <a:t>environment, sharing a common goal </a:t>
+            </a:r>
+            <a:r>
+              <a:rPr lang="en-US" altLang="zh-CN" dirty="0" smtClean="0"/>
+              <a:t>[</a:t>
+            </a:r>
+            <a:r>
+              <a:rPr lang="en-US" altLang="zh-CN" dirty="0"/>
+              <a:t>1</a:t>
+            </a:r>
+            <a:r>
+              <a:rPr lang="en-US" altLang="zh-CN" dirty="0" smtClean="0"/>
+              <a:t>].</a:t>
+            </a:r>
+            <a:endParaRPr lang="en-US" altLang="zh-CN" dirty="0"/>
+          </a:p>
+        </p:txBody>
+      </p:sp>
+      <p:pic>
+        <p:nvPicPr>
+          <p:cNvPr id="1026" name="Picture 2" descr="http://www.fxyqpx.org/kjdb/images/20160724-2.jpg"/>
+          <p:cNvPicPr>
+            <a:picLocks noChangeAspect="1" noChangeArrowheads="1"/>
+          </p:cNvPicPr>
+          <p:nvPr/>
+        </p:nvPicPr>
+        <p:blipFill>
+          <a:blip r:embed="rId3">
+            <a:extLst>
+              <a:ext uri="{28A0092B-C50C-407E-A947-70E740481C1C}">
+                <a14:useLocalDpi xmlns:a14="http://schemas.microsoft.com/office/drawing/2010/main" val="0"/>
+              </a:ext>
+            </a:extLst>
+          </a:blip>
+          <a:srcRect/>
+          <a:stretch>
+            <a:fillRect/>
+          </a:stretch>
+        </p:blipFill>
+        <p:spPr bwMode="auto">
+          <a:xfrm>
+            <a:off x="147059" y="4537284"/>
+            <a:ext cx="3363480" cy="2235484"/>
+          </a:xfrm>
+          <a:prstGeom prst="rect">
+            <a:avLst/>
+          </a:prstGeom>
+          <a:noFill/>
+          <a:extLst>
+            <a:ext uri="{909E8E84-426E-40DD-AFC4-6F175D3DCCD1}">
+              <a14:hiddenFill xmlns:a14="http://schemas.microsoft.com/office/drawing/2010/main">
+                <a:solidFill>
+                  <a:srgbClr val="FFFFFF"/>
+                </a:solidFill>
+              </a14:hiddenFill>
+            </a:ext>
+          </a:extLst>
+        </p:spPr>
+      </p:pic>
+      <p:pic>
+        <p:nvPicPr>
+          <p:cNvPr id="1028" name="Picture 4" descr="http://yuedu.sdnews.com.cn/ws/201408/W020140816531592668703.jpg"/>
+          <p:cNvPicPr>
+            <a:picLocks noChangeAspect="1" noChangeArrowheads="1"/>
+          </p:cNvPicPr>
+          <p:nvPr/>
+        </p:nvPicPr>
+        <p:blipFill>
+          <a:blip r:embed="rId4">
+            <a:extLst>
+              <a:ext uri="{28A0092B-C50C-407E-A947-70E740481C1C}">
+                <a14:useLocalDpi xmlns:a14="http://schemas.microsoft.com/office/drawing/2010/main" val="0"/>
+              </a:ext>
+            </a:extLst>
+          </a:blip>
+          <a:srcRect/>
+          <a:stretch>
+            <a:fillRect/>
+          </a:stretch>
+        </p:blipFill>
+        <p:spPr bwMode="auto">
+          <a:xfrm>
+            <a:off x="5430981" y="4537284"/>
+            <a:ext cx="3586307" cy="2250820"/>
+          </a:xfrm>
+          <a:prstGeom prst="rect">
+            <a:avLst/>
+          </a:prstGeom>
+          <a:noFill/>
+          <a:extLst>
+            <a:ext uri="{909E8E84-426E-40DD-AFC4-6F175D3DCCD1}">
+              <a14:hiddenFill xmlns:a14="http://schemas.microsoft.com/office/drawing/2010/main">
+                <a:solidFill>
+                  <a:srgbClr val="FFFFFF"/>
+                </a:solidFill>
+              </a14:hiddenFill>
+            </a:ext>
+          </a:extLst>
+        </p:spPr>
+      </p:pic>
+      <p:pic>
+        <p:nvPicPr>
+          <p:cNvPr id="1034" name="Picture 10" descr="微型智能机器人：像蚂蚁一样拥有群体协作能力1"/>
+          <p:cNvPicPr>
+            <a:picLocks noChangeAspect="1" noChangeArrowheads="1"/>
+          </p:cNvPicPr>
+          <p:nvPr/>
+        </p:nvPicPr>
+        <p:blipFill>
+          <a:blip r:embed="rId5">
+            <a:extLst>
+              <a:ext uri="{28A0092B-C50C-407E-A947-70E740481C1C}">
+                <a14:useLocalDpi xmlns:a14="http://schemas.microsoft.com/office/drawing/2010/main" val="0"/>
+              </a:ext>
+            </a:extLst>
+          </a:blip>
+          <a:srcRect/>
+          <a:stretch>
+            <a:fillRect/>
+          </a:stretch>
+        </p:blipFill>
+        <p:spPr bwMode="auto">
+          <a:xfrm>
+            <a:off x="3914775" y="5219223"/>
+            <a:ext cx="2460625" cy="1638777"/>
+          </a:xfrm>
+          <a:prstGeom prst="rect">
+            <a:avLst/>
+          </a:prstGeom>
+          <a:noFill/>
+          <a:extLst>
+            <a:ext uri="{909E8E84-426E-40DD-AFC4-6F175D3DCCD1}">
+              <a14:hiddenFill xmlns:a14="http://schemas.microsoft.com/office/drawing/2010/main">
+                <a:solidFill>
+                  <a:srgbClr val="FFFFFF"/>
+                </a:solidFill>
+              </a14:hiddenFill>
+            </a:ext>
+          </a:extLst>
+        </p:spPr>
+      </p:pic>
     </p:spTree>
     <p:extLst>
       <p:ext uri="{BB962C8B-B14F-4D97-AF65-F5344CB8AC3E}">
@@ -10375,10 +10573,719 @@
           <a:chExt cx="0" cy="0"/>
         </a:xfrm>
       </p:grpSpPr>
+      <p:sp>
+        <p:nvSpPr>
+          <p:cNvPr id="2" name="文本框 1"/>
+          <p:cNvSpPr txBox="1"/>
+          <p:nvPr/>
+        </p:nvSpPr>
+        <p:spPr>
+          <a:xfrm>
+            <a:off x="0" y="0"/>
+            <a:ext cx="1126783" cy="369332"/>
+          </a:xfrm>
+          <a:prstGeom prst="rect">
+            <a:avLst/>
+          </a:prstGeom>
+          <a:noFill/>
+        </p:spPr>
+        <p:txBody>
+          <a:bodyPr wrap="none" rtlCol="0">
+            <a:spAutoFit/>
+          </a:bodyPr>
+          <a:lstStyle/>
+          <a:p>
+            <a:r>
+              <a:rPr lang="en-US" altLang="zh-CN" dirty="0" smtClean="0"/>
+              <a:t>Reference</a:t>
+            </a:r>
+          </a:p>
+        </p:txBody>
+      </p:sp>
+      <p:sp>
+        <p:nvSpPr>
+          <p:cNvPr id="3" name="矩形 2"/>
+          <p:cNvSpPr/>
+          <p:nvPr/>
+        </p:nvSpPr>
+        <p:spPr>
+          <a:xfrm>
+            <a:off x="0" y="484164"/>
+            <a:ext cx="9158515" cy="646331"/>
+          </a:xfrm>
+          <a:prstGeom prst="rect">
+            <a:avLst/>
+          </a:prstGeom>
+        </p:spPr>
+        <p:txBody>
+          <a:bodyPr wrap="square">
+            <a:spAutoFit/>
+          </a:bodyPr>
+          <a:lstStyle/>
+          <a:p>
+            <a:r>
+              <a:rPr lang="zh-CN" altLang="en-US" dirty="0" smtClean="0"/>
+              <a:t>[</a:t>
+            </a:r>
+            <a:r>
+              <a:rPr lang="en-US" altLang="zh-CN" dirty="0"/>
+              <a:t>1</a:t>
+            </a:r>
+            <a:r>
+              <a:rPr lang="zh-CN" altLang="en-US" dirty="0" smtClean="0"/>
+              <a:t>]S</a:t>
+            </a:r>
+            <a:r>
+              <a:rPr lang="zh-CN" altLang="en-US" dirty="0"/>
+              <a:t>. R. Musse and D. Thalmann</a:t>
+            </a:r>
+            <a:r>
+              <a:rPr lang="zh-CN" altLang="en-US" dirty="0" smtClean="0"/>
+              <a:t>,</a:t>
+            </a:r>
+            <a:r>
+              <a:rPr lang="en-US" altLang="zh-CN" dirty="0" smtClean="0"/>
+              <a:t>” A </a:t>
+            </a:r>
+            <a:r>
+              <a:rPr lang="zh-CN" altLang="en-US" dirty="0" smtClean="0"/>
+              <a:t>model </a:t>
+            </a:r>
+            <a:r>
+              <a:rPr lang="zh-CN" altLang="en-US" dirty="0"/>
+              <a:t>of human crowd behavior: Group </a:t>
+            </a:r>
+            <a:r>
+              <a:rPr lang="zh-CN" altLang="en-US" dirty="0" smtClean="0"/>
+              <a:t>inter</a:t>
+            </a:r>
+            <a:r>
+              <a:rPr lang="en-US" altLang="zh-CN" dirty="0" smtClean="0"/>
+              <a:t>-</a:t>
+            </a:r>
+            <a:r>
+              <a:rPr lang="zh-CN" altLang="en-US" dirty="0" smtClean="0"/>
+              <a:t>relationship </a:t>
+            </a:r>
+            <a:r>
+              <a:rPr lang="zh-CN" altLang="en-US" dirty="0"/>
+              <a:t>and collision detection </a:t>
+            </a:r>
+            <a:r>
+              <a:rPr lang="zh-CN" altLang="en-US" dirty="0" smtClean="0"/>
+              <a:t>analysis</a:t>
+            </a:r>
+            <a:r>
+              <a:rPr lang="en-US" altLang="zh-CN" dirty="0" smtClean="0"/>
+              <a:t>”,</a:t>
+            </a:r>
+            <a:r>
+              <a:rPr lang="zh-CN" altLang="en-US" dirty="0" smtClean="0"/>
+              <a:t>in </a:t>
+            </a:r>
+            <a:r>
+              <a:rPr lang="zh-CN" altLang="en-US" dirty="0"/>
+              <a:t>Proc. Comput. Animation Simulation, 1997, pp. </a:t>
+            </a:r>
+            <a:r>
+              <a:rPr lang="en-US" altLang="zh-CN" dirty="0" smtClean="0"/>
+              <a:t>1389-1396</a:t>
+            </a:r>
+            <a:r>
+              <a:rPr lang="zh-CN" altLang="en-US" dirty="0" smtClean="0"/>
+              <a:t>.</a:t>
+            </a:r>
+            <a:endParaRPr lang="zh-CN" altLang="en-US" dirty="0"/>
+          </a:p>
+        </p:txBody>
+      </p:sp>
+      <p:sp>
+        <p:nvSpPr>
+          <p:cNvPr id="4" name="矩形 3"/>
+          <p:cNvSpPr/>
+          <p:nvPr/>
+        </p:nvSpPr>
+        <p:spPr>
+          <a:xfrm>
+            <a:off x="0" y="1384050"/>
+            <a:ext cx="9042400" cy="923330"/>
+          </a:xfrm>
+          <a:prstGeom prst="rect">
+            <a:avLst/>
+          </a:prstGeom>
+        </p:spPr>
+        <p:txBody>
+          <a:bodyPr wrap="square">
+            <a:spAutoFit/>
+          </a:bodyPr>
+          <a:lstStyle/>
+          <a:p>
+            <a:r>
+              <a:rPr lang="zh-CN" altLang="en-US" dirty="0"/>
+              <a:t>[</a:t>
+            </a:r>
+            <a:r>
+              <a:rPr lang="zh-CN" altLang="en-US" dirty="0" smtClean="0"/>
+              <a:t>2</a:t>
+            </a:r>
+            <a:r>
+              <a:rPr lang="en-US" altLang="zh-CN" dirty="0" smtClean="0"/>
+              <a:t>]</a:t>
+            </a:r>
+            <a:r>
+              <a:rPr lang="zh-CN" altLang="en-US" dirty="0" smtClean="0"/>
+              <a:t>H</a:t>
+            </a:r>
+            <a:r>
+              <a:rPr lang="zh-CN" altLang="en-US" dirty="0"/>
+              <a:t>. Su, H. Yang, S. Zheng, Y. Fan, and S. Wei, “The large-scale crowd behavior perception based on spatio-temporal viscous ﬂuid ﬁeld,” IEEE Trans. Inf. Forensics Security, vol. 8, no. 10, pp. 1575–1589, Oct. 2013.</a:t>
+            </a:r>
+          </a:p>
+        </p:txBody>
+      </p:sp>
+      <p:sp>
+        <p:nvSpPr>
+          <p:cNvPr id="5" name="矩形 4"/>
+          <p:cNvSpPr/>
+          <p:nvPr/>
+        </p:nvSpPr>
+        <p:spPr>
+          <a:xfrm>
+            <a:off x="-1" y="2560935"/>
+            <a:ext cx="9274629" cy="646331"/>
+          </a:xfrm>
+          <a:prstGeom prst="rect">
+            <a:avLst/>
+          </a:prstGeom>
+        </p:spPr>
+        <p:txBody>
+          <a:bodyPr wrap="square">
+            <a:spAutoFit/>
+          </a:bodyPr>
+          <a:lstStyle/>
+          <a:p>
+            <a:r>
+              <a:rPr lang="zh-CN" altLang="en-US" dirty="0" smtClean="0"/>
+              <a:t>[</a:t>
+            </a:r>
+            <a:r>
+              <a:rPr lang="en-US" altLang="zh-CN" dirty="0"/>
+              <a:t>3</a:t>
+            </a:r>
+            <a:r>
+              <a:rPr lang="zh-CN" altLang="en-US" dirty="0" smtClean="0"/>
+              <a:t>]Y</a:t>
+            </a:r>
+            <a:r>
+              <a:rPr lang="zh-CN" altLang="en-US" dirty="0"/>
+              <a:t>. Benabbas, N. Ihaddadene, and C. Djeraba, “Motion pattern extrac-tion and event detection for automatic visual surveillance,” J. Image Video Process., vol. 2011, Jan. 2011, Art. ID 163682.</a:t>
+            </a:r>
+          </a:p>
+        </p:txBody>
+      </p:sp>
+      <p:sp>
+        <p:nvSpPr>
+          <p:cNvPr id="6" name="矩形 5"/>
+          <p:cNvSpPr/>
+          <p:nvPr/>
+        </p:nvSpPr>
+        <p:spPr>
+          <a:xfrm>
+            <a:off x="0" y="3414654"/>
+            <a:ext cx="9477830" cy="646331"/>
+          </a:xfrm>
+          <a:prstGeom prst="rect">
+            <a:avLst/>
+          </a:prstGeom>
+        </p:spPr>
+        <p:txBody>
+          <a:bodyPr wrap="square">
+            <a:spAutoFit/>
+          </a:bodyPr>
+          <a:lstStyle/>
+          <a:p>
+            <a:r>
+              <a:rPr lang="zh-CN" altLang="en-US" dirty="0" smtClean="0"/>
+              <a:t>[</a:t>
+            </a:r>
+            <a:r>
+              <a:rPr lang="en-US" altLang="zh-CN" dirty="0" smtClean="0"/>
+              <a:t>4]</a:t>
+            </a:r>
+            <a:r>
+              <a:rPr lang="zh-CN" altLang="en-US" dirty="0" smtClean="0"/>
+              <a:t>R</a:t>
+            </a:r>
+            <a:r>
+              <a:rPr lang="zh-CN" altLang="en-US" dirty="0"/>
+              <a:t>. Mehran, A. Oyama, and M. Shah, “Abnormal crowd behavior detection using social force model,” in Proc. IEEE Int. Conf. Comput. Vis. Pattern Recognit., Jun. 2009, pp. 935–942.</a:t>
+            </a:r>
+          </a:p>
+        </p:txBody>
+      </p:sp>
+      <p:sp>
+        <p:nvSpPr>
+          <p:cNvPr id="7" name="矩形 6"/>
+          <p:cNvSpPr/>
+          <p:nvPr/>
+        </p:nvSpPr>
+        <p:spPr>
+          <a:xfrm>
+            <a:off x="-50800" y="4268373"/>
+            <a:ext cx="9325428" cy="646331"/>
+          </a:xfrm>
+          <a:prstGeom prst="rect">
+            <a:avLst/>
+          </a:prstGeom>
+        </p:spPr>
+        <p:txBody>
+          <a:bodyPr wrap="square">
+            <a:spAutoFit/>
+          </a:bodyPr>
+          <a:lstStyle/>
+          <a:p>
+            <a:r>
+              <a:rPr lang="zh-CN" altLang="en-US" dirty="0" smtClean="0"/>
+              <a:t>[</a:t>
+            </a:r>
+            <a:r>
+              <a:rPr lang="en-US" altLang="zh-CN" dirty="0"/>
+              <a:t>5</a:t>
+            </a:r>
+            <a:r>
+              <a:rPr lang="zh-CN" altLang="en-US" dirty="0" smtClean="0"/>
+              <a:t>]A</a:t>
+            </a:r>
+            <a:r>
+              <a:rPr lang="zh-CN" altLang="en-US" dirty="0"/>
+              <a:t>. Johansson, D. Helbing, H. Z. Al-Abideen, and S. Al-Bosta, “From crowd dynamics to crowd safety: A video-based analysis,” Adv. Com-plex Syst., vol. 11, no. 4, pp. 497–527, 2008.</a:t>
+            </a:r>
+          </a:p>
+        </p:txBody>
+      </p:sp>
+      <p:sp>
+        <p:nvSpPr>
+          <p:cNvPr id="8" name="矩形 7"/>
+          <p:cNvSpPr/>
+          <p:nvPr/>
+        </p:nvSpPr>
+        <p:spPr>
+          <a:xfrm>
+            <a:off x="-2" y="5078158"/>
+            <a:ext cx="9042401" cy="646331"/>
+          </a:xfrm>
+          <a:prstGeom prst="rect">
+            <a:avLst/>
+          </a:prstGeom>
+        </p:spPr>
+        <p:txBody>
+          <a:bodyPr wrap="square">
+            <a:spAutoFit/>
+          </a:bodyPr>
+          <a:lstStyle/>
+          <a:p>
+            <a:r>
+              <a:rPr lang="zh-CN" altLang="en-US" dirty="0" smtClean="0"/>
+              <a:t>[</a:t>
+            </a:r>
+            <a:r>
+              <a:rPr lang="en-US" altLang="zh-CN" dirty="0"/>
+              <a:t>6</a:t>
+            </a:r>
+            <a:r>
+              <a:rPr lang="zh-CN" altLang="en-US" dirty="0" smtClean="0"/>
+              <a:t>]B</a:t>
+            </a:r>
+            <a:r>
+              <a:rPr lang="zh-CN" altLang="en-US" dirty="0"/>
+              <a:t>. Krausz and C. Bauckhage, </a:t>
+            </a:r>
+            <a:r>
+              <a:rPr lang="zh-CN" altLang="en-US" dirty="0" smtClean="0"/>
+              <a:t>“Loveparade 2010: Automatic video analysis of a crowd disaster,” </a:t>
+            </a:r>
+            <a:r>
+              <a:rPr lang="zh-CN" altLang="en-US" dirty="0"/>
+              <a:t>Comput. Vis. Image Understand., vol. 116, no. 3, pp. 307–319, Mar. 2012.</a:t>
+            </a:r>
+          </a:p>
+        </p:txBody>
+      </p:sp>
+      <p:sp>
+        <p:nvSpPr>
+          <p:cNvPr id="9" name="矩形 8"/>
+          <p:cNvSpPr/>
+          <p:nvPr/>
+        </p:nvSpPr>
+        <p:spPr>
+          <a:xfrm>
+            <a:off x="-50803" y="5815372"/>
+            <a:ext cx="9209318" cy="369332"/>
+          </a:xfrm>
+          <a:prstGeom prst="rect">
+            <a:avLst/>
+          </a:prstGeom>
+        </p:spPr>
+        <p:txBody>
+          <a:bodyPr wrap="square">
+            <a:spAutoFit/>
+          </a:bodyPr>
+          <a:lstStyle/>
+          <a:p>
+            <a:r>
+              <a:rPr lang="zh-CN" altLang="en-US" dirty="0" smtClean="0"/>
+              <a:t>[</a:t>
+            </a:r>
+            <a:r>
+              <a:rPr lang="en-US" altLang="zh-CN" dirty="0" smtClean="0"/>
+              <a:t>7]</a:t>
+            </a:r>
+            <a:r>
+              <a:rPr lang="zh-CN" altLang="en-US" dirty="0" smtClean="0"/>
+              <a:t>J</a:t>
+            </a:r>
+            <a:r>
+              <a:rPr lang="zh-CN" altLang="en-US" dirty="0"/>
+              <a:t>. D. Sime, “Crowd psychology and engineering,” Safety Sci., vol. 21, no. 1, pp. 1–14, 1995.</a:t>
+            </a:r>
+          </a:p>
+        </p:txBody>
+      </p:sp>
+      <p:sp>
+        <p:nvSpPr>
+          <p:cNvPr id="10" name="矩形 9"/>
+          <p:cNvSpPr/>
+          <p:nvPr/>
+        </p:nvSpPr>
+        <p:spPr>
+          <a:xfrm>
+            <a:off x="-58060" y="6253816"/>
+            <a:ext cx="9158515" cy="646331"/>
+          </a:xfrm>
+          <a:prstGeom prst="rect">
+            <a:avLst/>
+          </a:prstGeom>
+        </p:spPr>
+        <p:txBody>
+          <a:bodyPr wrap="square">
+            <a:spAutoFit/>
+          </a:bodyPr>
+          <a:lstStyle/>
+          <a:p>
+            <a:r>
+              <a:rPr lang="zh-CN" altLang="en-US" dirty="0" smtClean="0"/>
+              <a:t>[</a:t>
+            </a:r>
+            <a:r>
+              <a:rPr lang="en-US" altLang="zh-CN" dirty="0"/>
+              <a:t>8</a:t>
+            </a:r>
+            <a:r>
+              <a:rPr lang="zh-CN" altLang="en-US" dirty="0" smtClean="0"/>
+              <a:t>]T</a:t>
+            </a:r>
+            <a:r>
+              <a:rPr lang="zh-CN" altLang="en-US" dirty="0"/>
+              <a:t>. Kretz, A. Grünebohm, and M. Schreckenberg, “Experimental study of pedestrian ﬂow through a bottleneck,” J. Statist. Mech., Theory Experim., vol. 2006, no. 10, pp. 100–114, 2006.</a:t>
+            </a:r>
+          </a:p>
+        </p:txBody>
+      </p:sp>
     </p:spTree>
     <p:extLst>
       <p:ext uri="{BB962C8B-B14F-4D97-AF65-F5344CB8AC3E}">
         <p14:creationId xmlns:p14="http://schemas.microsoft.com/office/powerpoint/2010/main" val="1322606722"/>
+      </p:ext>
+    </p:extLst>
+  </p:cSld>
+  <p:clrMapOvr>
+    <a:masterClrMapping/>
+  </p:clrMapOvr>
+</p:sld>
+</file>
+
+<file path=ppt/slides/slide29.xml><?xml version="1.0" encoding="utf-8"?>
+<p:sld xmlns:a="http://schemas.openxmlformats.org/drawingml/2006/main" xmlns:r="http://schemas.openxmlformats.org/officeDocument/2006/relationships" xmlns:p="http://schemas.openxmlformats.org/presentationml/2006/main">
+  <p:cSld>
+    <p:spTree>
+      <p:nvGrpSpPr>
+        <p:cNvPr id="1" name=""/>
+        <p:cNvGrpSpPr/>
+        <p:nvPr/>
+      </p:nvGrpSpPr>
+      <p:grpSpPr>
+        <a:xfrm>
+          <a:off x="0" y="0"/>
+          <a:ext cx="0" cy="0"/>
+          <a:chOff x="0" y="0"/>
+          <a:chExt cx="0" cy="0"/>
+        </a:xfrm>
+      </p:grpSpPr>
+      <p:sp>
+        <p:nvSpPr>
+          <p:cNvPr id="2" name="矩形 1"/>
+          <p:cNvSpPr/>
+          <p:nvPr/>
+        </p:nvSpPr>
+        <p:spPr>
+          <a:xfrm>
+            <a:off x="130628" y="0"/>
+            <a:ext cx="9013372" cy="646331"/>
+          </a:xfrm>
+          <a:prstGeom prst="rect">
+            <a:avLst/>
+          </a:prstGeom>
+        </p:spPr>
+        <p:txBody>
+          <a:bodyPr wrap="square">
+            <a:spAutoFit/>
+          </a:bodyPr>
+          <a:lstStyle/>
+          <a:p>
+            <a:r>
+              <a:rPr lang="zh-CN" altLang="en-US" dirty="0" smtClean="0"/>
+              <a:t>[</a:t>
+            </a:r>
+            <a:r>
+              <a:rPr lang="en-US" altLang="zh-CN" dirty="0" smtClean="0"/>
+              <a:t>9</a:t>
+            </a:r>
+            <a:r>
+              <a:rPr lang="zh-CN" altLang="en-US" dirty="0" smtClean="0"/>
+              <a:t>]</a:t>
+            </a:r>
+            <a:r>
+              <a:rPr lang="en-US" altLang="zh-CN" dirty="0"/>
+              <a:t> </a:t>
+            </a:r>
+            <a:r>
+              <a:rPr lang="en-US" altLang="zh-CN" dirty="0" smtClean="0"/>
+              <a:t>M</a:t>
+            </a:r>
+            <a:r>
+              <a:rPr lang="en-US" altLang="zh-CN" dirty="0"/>
+              <a:t>. Flagg and J. M. </a:t>
+            </a:r>
+            <a:r>
+              <a:rPr lang="en-US" altLang="zh-CN" dirty="0" err="1"/>
+              <a:t>Rehg</a:t>
+            </a:r>
+            <a:r>
+              <a:rPr lang="en-US" altLang="zh-CN" dirty="0"/>
+              <a:t>, </a:t>
+            </a:r>
+            <a:r>
+              <a:rPr lang="zh-CN" altLang="en-US" dirty="0" smtClean="0"/>
+              <a:t>“</a:t>
+            </a:r>
+            <a:r>
+              <a:rPr lang="en-US" altLang="zh-CN" dirty="0" smtClean="0"/>
+              <a:t>Video-based </a:t>
+            </a:r>
+            <a:r>
+              <a:rPr lang="en-US" altLang="zh-CN" dirty="0"/>
+              <a:t>crowd </a:t>
+            </a:r>
+            <a:r>
+              <a:rPr lang="en-US" altLang="zh-CN" dirty="0" smtClean="0"/>
+              <a:t>synthesis,” IEEE </a:t>
+            </a:r>
+            <a:r>
+              <a:rPr lang="en-US" altLang="zh-CN" dirty="0"/>
+              <a:t>Trans. Vis. </a:t>
+            </a:r>
+            <a:r>
+              <a:rPr lang="en-US" altLang="zh-CN" dirty="0" err="1"/>
+              <a:t>Comput</a:t>
+            </a:r>
+            <a:r>
+              <a:rPr lang="en-US" altLang="zh-CN" dirty="0"/>
+              <a:t>. Graph., vol. 19, no. 11, pp. </a:t>
+            </a:r>
+            <a:r>
+              <a:rPr lang="en-US" altLang="zh-CN" dirty="0" smtClean="0"/>
+              <a:t>1935-1947</a:t>
+            </a:r>
+            <a:r>
+              <a:rPr lang="en-US" altLang="zh-CN" dirty="0"/>
+              <a:t>, Nov. 2013.</a:t>
+            </a:r>
+            <a:r>
+              <a:rPr lang="zh-CN" altLang="en-US" dirty="0" smtClean="0"/>
+              <a:t>.</a:t>
+            </a:r>
+            <a:endParaRPr lang="zh-CN" altLang="en-US" dirty="0"/>
+          </a:p>
+        </p:txBody>
+      </p:sp>
+      <p:sp>
+        <p:nvSpPr>
+          <p:cNvPr id="3" name="矩形 2"/>
+          <p:cNvSpPr/>
+          <p:nvPr/>
+        </p:nvSpPr>
+        <p:spPr>
+          <a:xfrm>
+            <a:off x="130628" y="833735"/>
+            <a:ext cx="9013372" cy="646331"/>
+          </a:xfrm>
+          <a:prstGeom prst="rect">
+            <a:avLst/>
+          </a:prstGeom>
+        </p:spPr>
+        <p:txBody>
+          <a:bodyPr wrap="square">
+            <a:spAutoFit/>
+          </a:bodyPr>
+          <a:lstStyle/>
+          <a:p>
+            <a:r>
+              <a:rPr lang="zh-CN" altLang="en-US" dirty="0"/>
+              <a:t>[43</a:t>
+            </a:r>
+            <a:r>
+              <a:rPr lang="zh-CN" altLang="en-US" dirty="0" smtClean="0"/>
+              <a:t>]R</a:t>
+            </a:r>
+            <a:r>
+              <a:rPr lang="zh-CN" altLang="en-US" dirty="0"/>
+              <a:t>. L. Hughes, “A continuum theory for the ﬂow of pedestrians,” Transp. Res. B, Methodol., vol. 36, no. 6, pp. 507–535, 2002.</a:t>
+            </a:r>
+          </a:p>
+        </p:txBody>
+      </p:sp>
+      <p:sp>
+        <p:nvSpPr>
+          <p:cNvPr id="4" name="矩形 3"/>
+          <p:cNvSpPr/>
+          <p:nvPr/>
+        </p:nvSpPr>
+        <p:spPr>
+          <a:xfrm>
+            <a:off x="159657" y="1667470"/>
+            <a:ext cx="8955314" cy="646331"/>
+          </a:xfrm>
+          <a:prstGeom prst="rect">
+            <a:avLst/>
+          </a:prstGeom>
+        </p:spPr>
+        <p:txBody>
+          <a:bodyPr wrap="square">
+            <a:spAutoFit/>
+          </a:bodyPr>
+          <a:lstStyle/>
+          <a:p>
+            <a:r>
+              <a:rPr lang="zh-CN" altLang="en-US" dirty="0"/>
+              <a:t>[44</a:t>
+            </a:r>
+            <a:r>
+              <a:rPr lang="zh-CN" altLang="en-US" dirty="0" smtClean="0"/>
+              <a:t>]A</a:t>
+            </a:r>
+            <a:r>
+              <a:rPr lang="zh-CN" altLang="en-US" dirty="0"/>
+              <a:t>. Treuille, S. Cooper, and Z. </a:t>
+            </a:r>
+            <a:r>
+              <a:rPr lang="zh-CN" altLang="en-US" dirty="0" smtClean="0"/>
+              <a:t>Popovi </a:t>
+            </a:r>
+            <a:r>
+              <a:rPr lang="en-US" altLang="zh-CN" dirty="0" smtClean="0"/>
+              <a:t>,”C</a:t>
+            </a:r>
+            <a:r>
+              <a:rPr lang="zh-CN" altLang="en-US" dirty="0" smtClean="0"/>
+              <a:t>ontinuum </a:t>
+            </a:r>
+            <a:r>
+              <a:rPr lang="zh-CN" altLang="en-US" dirty="0"/>
+              <a:t>crowds</a:t>
+            </a:r>
+            <a:r>
+              <a:rPr lang="zh-CN" altLang="en-US" dirty="0" smtClean="0"/>
+              <a:t>,</a:t>
+            </a:r>
+            <a:r>
+              <a:rPr lang="en-US" altLang="zh-CN" dirty="0" smtClean="0"/>
+              <a:t>”</a:t>
+            </a:r>
+            <a:r>
+              <a:rPr lang="zh-CN" altLang="en-US" dirty="0" smtClean="0"/>
+              <a:t>ACM </a:t>
+            </a:r>
+            <a:r>
+              <a:rPr lang="zh-CN" altLang="en-US" dirty="0"/>
+              <a:t>Trans. Graph., vol. 25, no. 3, pp. </a:t>
+            </a:r>
+            <a:r>
+              <a:rPr lang="zh-CN" altLang="en-US" dirty="0" smtClean="0"/>
+              <a:t>1160</a:t>
+            </a:r>
+            <a:r>
+              <a:rPr lang="en-US" altLang="zh-CN" dirty="0" smtClean="0"/>
+              <a:t>-1</a:t>
+            </a:r>
+            <a:r>
+              <a:rPr lang="zh-CN" altLang="en-US" dirty="0" smtClean="0"/>
+              <a:t>168</a:t>
+            </a:r>
+            <a:r>
+              <a:rPr lang="zh-CN" altLang="en-US" dirty="0"/>
+              <a:t>, 2006.</a:t>
+            </a:r>
+          </a:p>
+        </p:txBody>
+      </p:sp>
+      <p:sp>
+        <p:nvSpPr>
+          <p:cNvPr id="5" name="矩形 4"/>
+          <p:cNvSpPr/>
+          <p:nvPr/>
+        </p:nvSpPr>
+        <p:spPr>
+          <a:xfrm>
+            <a:off x="130628" y="2618992"/>
+            <a:ext cx="9216572" cy="646331"/>
+          </a:xfrm>
+          <a:prstGeom prst="rect">
+            <a:avLst/>
+          </a:prstGeom>
+        </p:spPr>
+        <p:txBody>
+          <a:bodyPr wrap="square">
+            <a:spAutoFit/>
+          </a:bodyPr>
+          <a:lstStyle/>
+          <a:p>
+            <a:r>
+              <a:rPr lang="zh-CN" altLang="en-US" dirty="0"/>
+              <a:t>[45</a:t>
+            </a:r>
+            <a:r>
+              <a:rPr lang="zh-CN" altLang="en-US" dirty="0" smtClean="0"/>
+              <a:t>]D</a:t>
+            </a:r>
+            <a:r>
+              <a:rPr lang="zh-CN" altLang="en-US" dirty="0"/>
+              <a:t>. Helbing and P. Molnár, “Social force model for pedestrian </a:t>
+            </a:r>
+            <a:r>
+              <a:rPr lang="zh-CN" altLang="en-US" dirty="0" smtClean="0"/>
+              <a:t>dynamics</a:t>
+            </a:r>
+            <a:r>
+              <a:rPr lang="zh-CN" altLang="en-US" dirty="0"/>
+              <a:t>,” Phys.Rev.E, vol. 51, no. 5, pp. 4282–4286, 1995.</a:t>
+            </a:r>
+          </a:p>
+        </p:txBody>
+      </p:sp>
+    </p:spTree>
+    <p:extLst>
+      <p:ext uri="{BB962C8B-B14F-4D97-AF65-F5344CB8AC3E}">
+        <p14:creationId xmlns:p14="http://schemas.microsoft.com/office/powerpoint/2010/main" val="230084928"/>
       </p:ext>
     </p:extLst>
   </p:cSld>
@@ -10429,19 +11336,7 @@
           <a:p>
             <a:r>
               <a:rPr lang="zh-CN" altLang="en-US" dirty="0" smtClean="0"/>
-              <a:t>群体行为分析</a:t>
-            </a:r>
-            <a:r>
-              <a:rPr lang="zh-CN" altLang="en-US" dirty="0" smtClean="0"/>
-              <a:t>的</a:t>
-            </a:r>
-            <a:r>
-              <a:rPr lang="zh-CN" altLang="en-US" dirty="0" smtClean="0"/>
-              <a:t>主体</a:t>
-            </a:r>
-            <a:r>
-              <a:rPr lang="zh-CN" altLang="en-US" dirty="0" smtClean="0"/>
-              <a:t>：</a:t>
+              <a:t>群体行为分析的主体：</a:t>
             </a:r>
             <a:endParaRPr lang="zh-CN" altLang="en-US" dirty="0"/>
           </a:p>
@@ -11018,11 +11913,7 @@
           <a:p>
             <a:r>
               <a:rPr lang="en-US" altLang="zh-CN" dirty="0" smtClean="0"/>
-              <a:t>Visual Surveillance</a:t>
-            </a:r>
-            <a:r>
-              <a:rPr lang="en-US" altLang="zh-CN" dirty="0" smtClean="0"/>
-              <a:t>:</a:t>
+              <a:t>Visual Surveillance:</a:t>
             </a:r>
             <a:endParaRPr lang="zh-CN" altLang="en-US" dirty="0"/>
           </a:p>
@@ -11196,11 +12087,7 @@
           <a:p>
             <a:r>
               <a:rPr lang="en-US" altLang="zh-CN" dirty="0" smtClean="0"/>
-              <a:t>Real-world </a:t>
-            </a:r>
-            <a:r>
-              <a:rPr lang="en-US" altLang="zh-CN" dirty="0" smtClean="0"/>
-              <a:t>Applications of crowded scene analysis:</a:t>
+              <a:t>Real-world Applications of crowded scene analysis:</a:t>
             </a:r>
             <a:endParaRPr lang="zh-CN" altLang="en-US" dirty="0"/>
           </a:p>
@@ -11260,7 +12147,11 @@
             </a:r>
             <a:r>
               <a:rPr lang="en-US" altLang="zh-CN" dirty="0" smtClean="0"/>
-              <a:t>	 the public safety </a:t>
+              <a:t>	 the public </a:t>
+            </a:r>
+            <a:r>
+              <a:rPr lang="en-US" altLang="zh-CN" dirty="0" smtClean="0"/>
+              <a:t>safety[5,6] </a:t>
             </a:r>
             <a:endParaRPr lang="zh-CN" altLang="en-US" dirty="0"/>
           </a:p>
@@ -11275,7 +12166,7 @@
         <p:spPr>
           <a:xfrm>
             <a:off x="0" y="3894961"/>
-            <a:ext cx="8332346" cy="1200329"/>
+            <a:ext cx="8707448" cy="1200329"/>
           </a:xfrm>
           <a:prstGeom prst="rect">
             <a:avLst/>
@@ -11320,7 +12211,11 @@
             </a:r>
             <a:r>
               <a:rPr lang="en-US" altLang="zh-CN" dirty="0" smtClean="0"/>
-              <a:t>	terminals, theaters, public buildings, and mass events in the future.</a:t>
+              <a:t>	terminals, theaters, public buildings, and mass events in the future</a:t>
+            </a:r>
+            <a:r>
+              <a:rPr lang="en-US" altLang="zh-CN" dirty="0" smtClean="0"/>
+              <a:t>.[7,8]</a:t>
             </a:r>
             <a:endParaRPr lang="zh-CN" altLang="en-US" dirty="0"/>
           </a:p>
@@ -11350,15 +12245,15 @@
           <a:p>
             <a:r>
               <a:rPr lang="en-US" altLang="zh-CN" dirty="0" smtClean="0"/>
-              <a:t>Entertainment:  the establishment of mathematical mod-</a:t>
-            </a:r>
-            <a:r>
-              <a:rPr lang="en-US" altLang="zh-CN" dirty="0" err="1" smtClean="0"/>
-              <a:t>els</a:t>
-            </a:r>
-            <a:r>
-              <a:rPr lang="en-US" altLang="zh-CN" dirty="0" smtClean="0"/>
-              <a:t> can provide more accurate </a:t>
+              <a:t>Entertainment:  the establishment of mathematical </a:t>
+            </a:r>
+            <a:r>
+              <a:rPr lang="en-US" altLang="zh-CN" dirty="0" smtClean="0"/>
+              <a:t>models </a:t>
+            </a:r>
+            <a:r>
+              <a:rPr lang="en-US" altLang="zh-CN" dirty="0" smtClean="0"/>
+              <a:t>can provide more accurate </a:t>
             </a:r>
           </a:p>
           <a:p>
@@ -11404,7 +12299,11 @@
             </a:r>
             <a:r>
               <a:rPr lang="en-US" altLang="zh-CN" dirty="0" smtClean="0"/>
-              <a:t> behavior .</a:t>
+              <a:t> behavior </a:t>
+            </a:r>
+            <a:r>
+              <a:rPr lang="en-US" altLang="zh-CN" dirty="0" smtClean="0"/>
+              <a:t>.[9]</a:t>
             </a:r>
             <a:endParaRPr lang="zh-CN" altLang="en-US" dirty="0"/>
           </a:p>
@@ -11435,6 +12334,66 @@
             <a:r>
               <a:rPr lang="zh-CN" altLang="en-US" dirty="0" smtClean="0"/>
               <a:t>群体中智能体的控制：在生物与人造智能体共存的环境中实现群体协调和控制</a:t>
+            </a:r>
+            <a:endParaRPr lang="zh-CN" altLang="en-US" dirty="0"/>
+          </a:p>
+        </p:txBody>
+      </p:sp>
+      <p:sp>
+        <p:nvSpPr>
+          <p:cNvPr id="3" name="文本框 2"/>
+          <p:cNvSpPr txBox="1"/>
+          <p:nvPr/>
+        </p:nvSpPr>
+        <p:spPr>
+          <a:xfrm>
+            <a:off x="6255657" y="1087482"/>
+            <a:ext cx="617477" cy="369332"/>
+          </a:xfrm>
+          <a:prstGeom prst="rect">
+            <a:avLst/>
+          </a:prstGeom>
+          <a:noFill/>
+        </p:spPr>
+        <p:txBody>
+          <a:bodyPr wrap="none" rtlCol="0">
+            <a:spAutoFit/>
+          </a:bodyPr>
+          <a:lstStyle/>
+          <a:p>
+            <a:r>
+              <a:rPr lang="en-US" altLang="zh-CN" dirty="0" smtClean="0"/>
+              <a:t>[2,3]</a:t>
+            </a:r>
+            <a:endParaRPr lang="zh-CN" altLang="en-US" dirty="0"/>
+          </a:p>
+        </p:txBody>
+      </p:sp>
+      <p:sp>
+        <p:nvSpPr>
+          <p:cNvPr id="14" name="文本框 13"/>
+          <p:cNvSpPr txBox="1"/>
+          <p:nvPr/>
+        </p:nvSpPr>
+        <p:spPr>
+          <a:xfrm>
+            <a:off x="6255657" y="1523218"/>
+            <a:ext cx="442750" cy="369332"/>
+          </a:xfrm>
+          <a:prstGeom prst="rect">
+            <a:avLst/>
+          </a:prstGeom>
+          <a:noFill/>
+        </p:spPr>
+        <p:txBody>
+          <a:bodyPr wrap="none" rtlCol="0">
+            <a:spAutoFit/>
+          </a:bodyPr>
+          <a:lstStyle/>
+          <a:p>
+            <a:r>
+              <a:rPr lang="en-US" altLang="zh-CN" dirty="0" smtClean="0"/>
+              <a:t>[4]</a:t>
             </a:r>
             <a:endParaRPr lang="zh-CN" altLang="en-US" dirty="0"/>
           </a:p>
